--- a/주간업무보고서/주간 업무 참고 자료/2주차 자료/반도체 제조 공정 전체 구성도.pptx
+++ b/주간업무보고서/주간 업무 참고 자료/2주차 자료/반도체 제조 공정 전체 구성도.pptx
@@ -6,7 +6,8 @@
   </p:sldMasterIdLst>
   <p:sldIdLst>
     <p:sldId id="257" r:id="rId2"/>
-    <p:sldId id="258" r:id="rId3"/>
+    <p:sldId id="259" r:id="rId3"/>
+    <p:sldId id="258" r:id="rId4"/>
   </p:sldIdLst>
   <p:sldSz cx="5400675" cy="1800225"/>
   <p:notesSz cx="6858000" cy="9144000"/>
@@ -244,7 +245,7 @@
           <a:p>
             <a:fld id="{7B7F6EB5-34DB-4516-8904-57937E4D5C05}" type="datetimeFigureOut">
               <a:rPr lang="ko-KR" altLang="en-US" smtClean="0"/>
-              <a:t>2023-11-18</a:t>
+              <a:t>2023-11-28</a:t>
             </a:fld>
             <a:endParaRPr lang="ko-KR" altLang="en-US"/>
           </a:p>
@@ -414,7 +415,7 @@
           <a:p>
             <a:fld id="{7B7F6EB5-34DB-4516-8904-57937E4D5C05}" type="datetimeFigureOut">
               <a:rPr lang="ko-KR" altLang="en-US" smtClean="0"/>
-              <a:t>2023-11-18</a:t>
+              <a:t>2023-11-28</a:t>
             </a:fld>
             <a:endParaRPr lang="ko-KR" altLang="en-US"/>
           </a:p>
@@ -594,7 +595,7 @@
           <a:p>
             <a:fld id="{7B7F6EB5-34DB-4516-8904-57937E4D5C05}" type="datetimeFigureOut">
               <a:rPr lang="ko-KR" altLang="en-US" smtClean="0"/>
-              <a:t>2023-11-18</a:t>
+              <a:t>2023-11-28</a:t>
             </a:fld>
             <a:endParaRPr lang="ko-KR" altLang="en-US"/>
           </a:p>
@@ -764,7 +765,7 @@
           <a:p>
             <a:fld id="{7B7F6EB5-34DB-4516-8904-57937E4D5C05}" type="datetimeFigureOut">
               <a:rPr lang="ko-KR" altLang="en-US" smtClean="0"/>
-              <a:t>2023-11-18</a:t>
+              <a:t>2023-11-28</a:t>
             </a:fld>
             <a:endParaRPr lang="ko-KR" altLang="en-US"/>
           </a:p>
@@ -1010,7 +1011,7 @@
           <a:p>
             <a:fld id="{7B7F6EB5-34DB-4516-8904-57937E4D5C05}" type="datetimeFigureOut">
               <a:rPr lang="ko-KR" altLang="en-US" smtClean="0"/>
-              <a:t>2023-11-18</a:t>
+              <a:t>2023-11-28</a:t>
             </a:fld>
             <a:endParaRPr lang="ko-KR" altLang="en-US"/>
           </a:p>
@@ -1242,7 +1243,7 @@
           <a:p>
             <a:fld id="{7B7F6EB5-34DB-4516-8904-57937E4D5C05}" type="datetimeFigureOut">
               <a:rPr lang="ko-KR" altLang="en-US" smtClean="0"/>
-              <a:t>2023-11-18</a:t>
+              <a:t>2023-11-28</a:t>
             </a:fld>
             <a:endParaRPr lang="ko-KR" altLang="en-US"/>
           </a:p>
@@ -1609,7 +1610,7 @@
           <a:p>
             <a:fld id="{7B7F6EB5-34DB-4516-8904-57937E4D5C05}" type="datetimeFigureOut">
               <a:rPr lang="ko-KR" altLang="en-US" smtClean="0"/>
-              <a:t>2023-11-18</a:t>
+              <a:t>2023-11-28</a:t>
             </a:fld>
             <a:endParaRPr lang="ko-KR" altLang="en-US"/>
           </a:p>
@@ -1727,7 +1728,7 @@
           <a:p>
             <a:fld id="{7B7F6EB5-34DB-4516-8904-57937E4D5C05}" type="datetimeFigureOut">
               <a:rPr lang="ko-KR" altLang="en-US" smtClean="0"/>
-              <a:t>2023-11-18</a:t>
+              <a:t>2023-11-28</a:t>
             </a:fld>
             <a:endParaRPr lang="ko-KR" altLang="en-US"/>
           </a:p>
@@ -1822,7 +1823,7 @@
           <a:p>
             <a:fld id="{7B7F6EB5-34DB-4516-8904-57937E4D5C05}" type="datetimeFigureOut">
               <a:rPr lang="ko-KR" altLang="en-US" smtClean="0"/>
-              <a:t>2023-11-18</a:t>
+              <a:t>2023-11-28</a:t>
             </a:fld>
             <a:endParaRPr lang="ko-KR" altLang="en-US"/>
           </a:p>
@@ -2099,7 +2100,7 @@
           <a:p>
             <a:fld id="{7B7F6EB5-34DB-4516-8904-57937E4D5C05}" type="datetimeFigureOut">
               <a:rPr lang="ko-KR" altLang="en-US" smtClean="0"/>
-              <a:t>2023-11-18</a:t>
+              <a:t>2023-11-28</a:t>
             </a:fld>
             <a:endParaRPr lang="ko-KR" altLang="en-US"/>
           </a:p>
@@ -2356,7 +2357,7 @@
           <a:p>
             <a:fld id="{7B7F6EB5-34DB-4516-8904-57937E4D5C05}" type="datetimeFigureOut">
               <a:rPr lang="ko-KR" altLang="en-US" smtClean="0"/>
-              <a:t>2023-11-18</a:t>
+              <a:t>2023-11-28</a:t>
             </a:fld>
             <a:endParaRPr lang="ko-KR" altLang="en-US"/>
           </a:p>
@@ -2569,7 +2570,7 @@
           <a:p>
             <a:fld id="{7B7F6EB5-34DB-4516-8904-57937E4D5C05}" type="datetimeFigureOut">
               <a:rPr lang="ko-KR" altLang="en-US" smtClean="0"/>
-              <a:t>2023-11-18</a:t>
+              <a:t>2023-11-28</a:t>
             </a:fld>
             <a:endParaRPr lang="ko-KR" altLang="en-US"/>
           </a:p>
@@ -4794,6 +4795,2179 @@
         </p:nvSpPr>
         <p:spPr>
           <a:xfrm>
+            <a:off x="731747" y="392167"/>
+            <a:ext cx="198000" cy="306000"/>
+          </a:xfrm>
+          <a:prstGeom prst="rect">
+            <a:avLst/>
+          </a:prstGeom>
+        </p:spPr>
+        <p:style>
+          <a:lnRef idx="2">
+            <a:schemeClr val="accent1">
+              <a:shade val="15000"/>
+            </a:schemeClr>
+          </a:lnRef>
+          <a:fillRef idx="1">
+            <a:schemeClr val="accent1"/>
+          </a:fillRef>
+          <a:effectRef idx="0">
+            <a:schemeClr val="accent1"/>
+          </a:effectRef>
+          <a:fontRef idx="minor">
+            <a:schemeClr val="lt1"/>
+          </a:fontRef>
+        </p:style>
+        <p:txBody>
+          <a:bodyPr rtlCol="0" anchor="ctr"/>
+          <a:lstStyle/>
+          <a:p>
+            <a:pPr algn="ctr"/>
+            <a:endParaRPr lang="ko-KR" altLang="en-US" dirty="0"/>
+          </a:p>
+        </p:txBody>
+      </p:sp>
+      <p:sp>
+        <p:nvSpPr>
+          <p:cNvPr id="4" name="직사각형 3">
+            <a:extLst>
+              <a:ext uri="{FF2B5EF4-FFF2-40B4-BE49-F238E27FC236}">
+                <a16:creationId xmlns:a16="http://schemas.microsoft.com/office/drawing/2014/main" id="{5728536F-4113-ECA3-B087-12B12694B947}"/>
+              </a:ext>
+            </a:extLst>
+          </p:cNvPr>
+          <p:cNvSpPr/>
+          <p:nvPr/>
+        </p:nvSpPr>
+        <p:spPr>
+          <a:xfrm>
+            <a:off x="1738701" y="392167"/>
+            <a:ext cx="198000" cy="306000"/>
+          </a:xfrm>
+          <a:prstGeom prst="rect">
+            <a:avLst/>
+          </a:prstGeom>
+        </p:spPr>
+        <p:style>
+          <a:lnRef idx="2">
+            <a:schemeClr val="accent1">
+              <a:shade val="15000"/>
+            </a:schemeClr>
+          </a:lnRef>
+          <a:fillRef idx="1">
+            <a:schemeClr val="accent1"/>
+          </a:fillRef>
+          <a:effectRef idx="0">
+            <a:schemeClr val="accent1"/>
+          </a:effectRef>
+          <a:fontRef idx="minor">
+            <a:schemeClr val="lt1"/>
+          </a:fontRef>
+        </p:style>
+        <p:txBody>
+          <a:bodyPr rtlCol="0" anchor="ctr"/>
+          <a:lstStyle/>
+          <a:p>
+            <a:pPr algn="ctr"/>
+            <a:endParaRPr lang="ko-KR" altLang="en-US" dirty="0"/>
+          </a:p>
+        </p:txBody>
+      </p:sp>
+      <p:sp>
+        <p:nvSpPr>
+          <p:cNvPr id="5" name="직사각형 4">
+            <a:extLst>
+              <a:ext uri="{FF2B5EF4-FFF2-40B4-BE49-F238E27FC236}">
+                <a16:creationId xmlns:a16="http://schemas.microsoft.com/office/drawing/2014/main" id="{86B01CD2-AFC6-4826-30EC-A5768E9586E6}"/>
+              </a:ext>
+            </a:extLst>
+          </p:cNvPr>
+          <p:cNvSpPr/>
+          <p:nvPr/>
+        </p:nvSpPr>
+        <p:spPr>
+          <a:xfrm>
+            <a:off x="2720014" y="392167"/>
+            <a:ext cx="198000" cy="306000"/>
+          </a:xfrm>
+          <a:prstGeom prst="rect">
+            <a:avLst/>
+          </a:prstGeom>
+        </p:spPr>
+        <p:style>
+          <a:lnRef idx="2">
+            <a:schemeClr val="accent1">
+              <a:shade val="15000"/>
+            </a:schemeClr>
+          </a:lnRef>
+          <a:fillRef idx="1">
+            <a:schemeClr val="accent1"/>
+          </a:fillRef>
+          <a:effectRef idx="0">
+            <a:schemeClr val="accent1"/>
+          </a:effectRef>
+          <a:fontRef idx="minor">
+            <a:schemeClr val="lt1"/>
+          </a:fontRef>
+        </p:style>
+        <p:txBody>
+          <a:bodyPr rtlCol="0" anchor="ctr"/>
+          <a:lstStyle/>
+          <a:p>
+            <a:pPr algn="ctr"/>
+            <a:endParaRPr lang="ko-KR" altLang="en-US" dirty="0"/>
+          </a:p>
+        </p:txBody>
+      </p:sp>
+      <p:sp>
+        <p:nvSpPr>
+          <p:cNvPr id="6" name="직사각형 5">
+            <a:extLst>
+              <a:ext uri="{FF2B5EF4-FFF2-40B4-BE49-F238E27FC236}">
+                <a16:creationId xmlns:a16="http://schemas.microsoft.com/office/drawing/2014/main" id="{6310083D-8089-7719-B2CC-6D734AD4CCB2}"/>
+              </a:ext>
+            </a:extLst>
+          </p:cNvPr>
+          <p:cNvSpPr/>
+          <p:nvPr/>
+        </p:nvSpPr>
+        <p:spPr>
+          <a:xfrm>
+            <a:off x="3692565" y="391256"/>
+            <a:ext cx="198000" cy="306000"/>
+          </a:xfrm>
+          <a:prstGeom prst="rect">
+            <a:avLst/>
+          </a:prstGeom>
+        </p:spPr>
+        <p:style>
+          <a:lnRef idx="2">
+            <a:schemeClr val="accent1">
+              <a:shade val="15000"/>
+            </a:schemeClr>
+          </a:lnRef>
+          <a:fillRef idx="1">
+            <a:schemeClr val="accent1"/>
+          </a:fillRef>
+          <a:effectRef idx="0">
+            <a:schemeClr val="accent1"/>
+          </a:effectRef>
+          <a:fontRef idx="minor">
+            <a:schemeClr val="lt1"/>
+          </a:fontRef>
+        </p:style>
+        <p:txBody>
+          <a:bodyPr rtlCol="0" anchor="ctr"/>
+          <a:lstStyle/>
+          <a:p>
+            <a:pPr algn="ctr"/>
+            <a:endParaRPr lang="ko-KR" altLang="en-US" dirty="0"/>
+          </a:p>
+        </p:txBody>
+      </p:sp>
+      <p:sp>
+        <p:nvSpPr>
+          <p:cNvPr id="8" name="직사각형 7">
+            <a:extLst>
+              <a:ext uri="{FF2B5EF4-FFF2-40B4-BE49-F238E27FC236}">
+                <a16:creationId xmlns:a16="http://schemas.microsoft.com/office/drawing/2014/main" id="{3A8C6383-30C7-A2A3-ADAD-A22D8AB2FBCF}"/>
+              </a:ext>
+            </a:extLst>
+          </p:cNvPr>
+          <p:cNvSpPr/>
+          <p:nvPr/>
+        </p:nvSpPr>
+        <p:spPr>
+          <a:xfrm>
+            <a:off x="4082104" y="40682"/>
+            <a:ext cx="1260000" cy="288000"/>
+          </a:xfrm>
+          <a:prstGeom prst="rect">
+            <a:avLst/>
+          </a:prstGeom>
+          <a:solidFill>
+            <a:srgbClr val="FF0000"/>
+          </a:solidFill>
+        </p:spPr>
+        <p:style>
+          <a:lnRef idx="2">
+            <a:schemeClr val="accent1">
+              <a:shade val="15000"/>
+            </a:schemeClr>
+          </a:lnRef>
+          <a:fillRef idx="1">
+            <a:schemeClr val="accent1"/>
+          </a:fillRef>
+          <a:effectRef idx="0">
+            <a:schemeClr val="accent1"/>
+          </a:effectRef>
+          <a:fontRef idx="minor">
+            <a:schemeClr val="lt1"/>
+          </a:fontRef>
+        </p:style>
+        <p:txBody>
+          <a:bodyPr rtlCol="0" anchor="ctr"/>
+          <a:lstStyle/>
+          <a:p>
+            <a:pPr algn="ctr"/>
+            <a:endParaRPr lang="ko-KR" altLang="en-US" dirty="0"/>
+          </a:p>
+        </p:txBody>
+      </p:sp>
+      <p:sp>
+        <p:nvSpPr>
+          <p:cNvPr id="2" name="직사각형 1">
+            <a:extLst>
+              <a:ext uri="{FF2B5EF4-FFF2-40B4-BE49-F238E27FC236}">
+                <a16:creationId xmlns:a16="http://schemas.microsoft.com/office/drawing/2014/main" id="{729F4460-DD76-F7E2-50A9-CD2C49361D83}"/>
+              </a:ext>
+            </a:extLst>
+          </p:cNvPr>
+          <p:cNvSpPr/>
+          <p:nvPr/>
+        </p:nvSpPr>
+        <p:spPr>
+          <a:xfrm rot="10800000">
+            <a:off x="306485" y="1129546"/>
+            <a:ext cx="1908000" cy="234000"/>
+          </a:xfrm>
+          <a:prstGeom prst="rect">
+            <a:avLst/>
+          </a:prstGeom>
+        </p:spPr>
+        <p:style>
+          <a:lnRef idx="2">
+            <a:schemeClr val="accent3">
+              <a:shade val="15000"/>
+            </a:schemeClr>
+          </a:lnRef>
+          <a:fillRef idx="1">
+            <a:schemeClr val="accent3"/>
+          </a:fillRef>
+          <a:effectRef idx="0">
+            <a:schemeClr val="accent3"/>
+          </a:effectRef>
+          <a:fontRef idx="minor">
+            <a:schemeClr val="lt1"/>
+          </a:fontRef>
+        </p:style>
+        <p:txBody>
+          <a:bodyPr rtlCol="0" anchor="ctr"/>
+          <a:lstStyle/>
+          <a:p>
+            <a:pPr algn="ctr"/>
+            <a:endParaRPr lang="ko-KR" altLang="en-US" dirty="0"/>
+          </a:p>
+        </p:txBody>
+      </p:sp>
+      <p:sp>
+        <p:nvSpPr>
+          <p:cNvPr id="11" name="직사각형 10">
+            <a:extLst>
+              <a:ext uri="{FF2B5EF4-FFF2-40B4-BE49-F238E27FC236}">
+                <a16:creationId xmlns:a16="http://schemas.microsoft.com/office/drawing/2014/main" id="{5565CD82-6893-B1B4-0905-345A0908C3B6}"/>
+              </a:ext>
+            </a:extLst>
+          </p:cNvPr>
+          <p:cNvSpPr/>
+          <p:nvPr/>
+        </p:nvSpPr>
+        <p:spPr>
+          <a:xfrm rot="10800000">
+            <a:off x="888804" y="965936"/>
+            <a:ext cx="90000" cy="162000"/>
+          </a:xfrm>
+          <a:prstGeom prst="rect">
+            <a:avLst/>
+          </a:prstGeom>
+        </p:spPr>
+        <p:style>
+          <a:lnRef idx="2">
+            <a:schemeClr val="dk1">
+              <a:shade val="15000"/>
+            </a:schemeClr>
+          </a:lnRef>
+          <a:fillRef idx="1">
+            <a:schemeClr val="dk1"/>
+          </a:fillRef>
+          <a:effectRef idx="0">
+            <a:schemeClr val="dk1"/>
+          </a:effectRef>
+          <a:fontRef idx="minor">
+            <a:schemeClr val="lt1"/>
+          </a:fontRef>
+        </p:style>
+        <p:txBody>
+          <a:bodyPr rtlCol="0" anchor="ctr"/>
+          <a:lstStyle/>
+          <a:p>
+            <a:pPr algn="ctr"/>
+            <a:endParaRPr lang="ko-KR" altLang="en-US" dirty="0"/>
+          </a:p>
+        </p:txBody>
+      </p:sp>
+      <p:sp>
+        <p:nvSpPr>
+          <p:cNvPr id="16" name="오른쪽 중괄호 15">
+            <a:extLst>
+              <a:ext uri="{FF2B5EF4-FFF2-40B4-BE49-F238E27FC236}">
+                <a16:creationId xmlns:a16="http://schemas.microsoft.com/office/drawing/2014/main" id="{45AD81F6-5ADF-91A7-3058-2275C489FF0E}"/>
+              </a:ext>
+            </a:extLst>
+          </p:cNvPr>
+          <p:cNvSpPr/>
+          <p:nvPr/>
+        </p:nvSpPr>
+        <p:spPr>
+          <a:xfrm>
+            <a:off x="2885062" y="1219544"/>
+            <a:ext cx="108000" cy="144000"/>
+          </a:xfrm>
+          <a:prstGeom prst="rightBrace">
+            <a:avLst/>
+          </a:prstGeom>
+          <a:ln>
+            <a:solidFill>
+              <a:schemeClr val="tx1"/>
+            </a:solidFill>
+          </a:ln>
+        </p:spPr>
+        <p:style>
+          <a:lnRef idx="1">
+            <a:schemeClr val="accent1"/>
+          </a:lnRef>
+          <a:fillRef idx="0">
+            <a:schemeClr val="accent1"/>
+          </a:fillRef>
+          <a:effectRef idx="0">
+            <a:schemeClr val="accent1"/>
+          </a:effectRef>
+          <a:fontRef idx="minor">
+            <a:schemeClr val="tx1"/>
+          </a:fontRef>
+        </p:style>
+        <p:txBody>
+          <a:bodyPr rtlCol="0" anchor="ctr"/>
+          <a:lstStyle/>
+          <a:p>
+            <a:pPr algn="ctr"/>
+            <a:endParaRPr lang="ko-KR" altLang="en-US"/>
+          </a:p>
+        </p:txBody>
+      </p:sp>
+      <p:sp>
+        <p:nvSpPr>
+          <p:cNvPr id="17" name="오른쪽 중괄호 16">
+            <a:extLst>
+              <a:ext uri="{FF2B5EF4-FFF2-40B4-BE49-F238E27FC236}">
+                <a16:creationId xmlns:a16="http://schemas.microsoft.com/office/drawing/2014/main" id="{94B7421B-928A-C963-2F5B-0268E72C91DB}"/>
+              </a:ext>
+            </a:extLst>
+          </p:cNvPr>
+          <p:cNvSpPr/>
+          <p:nvPr/>
+        </p:nvSpPr>
+        <p:spPr>
+          <a:xfrm>
+            <a:off x="3955174" y="1219544"/>
+            <a:ext cx="108000" cy="144000"/>
+          </a:xfrm>
+          <a:prstGeom prst="rightBrace">
+            <a:avLst/>
+          </a:prstGeom>
+          <a:ln>
+            <a:solidFill>
+              <a:schemeClr val="tx1"/>
+            </a:solidFill>
+          </a:ln>
+        </p:spPr>
+        <p:style>
+          <a:lnRef idx="1">
+            <a:schemeClr val="accent1"/>
+          </a:lnRef>
+          <a:fillRef idx="0">
+            <a:schemeClr val="accent1"/>
+          </a:fillRef>
+          <a:effectRef idx="0">
+            <a:schemeClr val="accent1"/>
+          </a:effectRef>
+          <a:fontRef idx="minor">
+            <a:schemeClr val="tx1"/>
+          </a:fontRef>
+        </p:style>
+        <p:txBody>
+          <a:bodyPr rtlCol="0" anchor="ctr"/>
+          <a:lstStyle/>
+          <a:p>
+            <a:pPr algn="ctr"/>
+            <a:endParaRPr lang="ko-KR" altLang="en-US"/>
+          </a:p>
+        </p:txBody>
+      </p:sp>
+      <p:sp>
+        <p:nvSpPr>
+          <p:cNvPr id="24" name="직사각형 23">
+            <a:extLst>
+              <a:ext uri="{FF2B5EF4-FFF2-40B4-BE49-F238E27FC236}">
+                <a16:creationId xmlns:a16="http://schemas.microsoft.com/office/drawing/2014/main" id="{D2D7EBA1-DDDB-F8A8-8BCD-D9B4B9FBF447}"/>
+              </a:ext>
+            </a:extLst>
+          </p:cNvPr>
+          <p:cNvSpPr/>
+          <p:nvPr/>
+        </p:nvSpPr>
+        <p:spPr>
+          <a:xfrm>
+            <a:off x="1006259" y="940820"/>
+            <a:ext cx="126000" cy="180000"/>
+          </a:xfrm>
+          <a:prstGeom prst="rect">
+            <a:avLst/>
+          </a:prstGeom>
+          <a:solidFill>
+            <a:schemeClr val="accent2">
+              <a:lumMod val="50000"/>
+            </a:schemeClr>
+          </a:solidFill>
+        </p:spPr>
+        <p:style>
+          <a:lnRef idx="2">
+            <a:schemeClr val="accent1">
+              <a:shade val="15000"/>
+            </a:schemeClr>
+          </a:lnRef>
+          <a:fillRef idx="1">
+            <a:schemeClr val="accent1"/>
+          </a:fillRef>
+          <a:effectRef idx="0">
+            <a:schemeClr val="accent1"/>
+          </a:effectRef>
+          <a:fontRef idx="minor">
+            <a:schemeClr val="lt1"/>
+          </a:fontRef>
+        </p:style>
+        <p:txBody>
+          <a:bodyPr rtlCol="0" anchor="ctr"/>
+          <a:lstStyle/>
+          <a:p>
+            <a:pPr algn="ctr"/>
+            <a:endParaRPr lang="ko-KR" altLang="en-US" dirty="0"/>
+          </a:p>
+        </p:txBody>
+      </p:sp>
+      <p:sp>
+        <p:nvSpPr>
+          <p:cNvPr id="29" name="직사각형 28">
+            <a:extLst>
+              <a:ext uri="{FF2B5EF4-FFF2-40B4-BE49-F238E27FC236}">
+                <a16:creationId xmlns:a16="http://schemas.microsoft.com/office/drawing/2014/main" id="{2D2448A9-BD18-E297-44EC-587BFD328C1C}"/>
+              </a:ext>
+            </a:extLst>
+          </p:cNvPr>
+          <p:cNvSpPr/>
+          <p:nvPr/>
+        </p:nvSpPr>
+        <p:spPr>
+          <a:xfrm>
+            <a:off x="918957" y="1370531"/>
+            <a:ext cx="252000" cy="252000"/>
+          </a:xfrm>
+          <a:prstGeom prst="rect">
+            <a:avLst/>
+          </a:prstGeom>
+        </p:spPr>
+        <p:style>
+          <a:lnRef idx="2">
+            <a:schemeClr val="accent2">
+              <a:shade val="15000"/>
+            </a:schemeClr>
+          </a:lnRef>
+          <a:fillRef idx="1">
+            <a:schemeClr val="accent2"/>
+          </a:fillRef>
+          <a:effectRef idx="0">
+            <a:schemeClr val="accent2"/>
+          </a:effectRef>
+          <a:fontRef idx="minor">
+            <a:schemeClr val="lt1"/>
+          </a:fontRef>
+        </p:style>
+        <p:txBody>
+          <a:bodyPr rtlCol="0" anchor="ctr"/>
+          <a:lstStyle/>
+          <a:p>
+            <a:pPr algn="ctr"/>
+            <a:endParaRPr lang="ko-KR" altLang="en-US" dirty="0"/>
+          </a:p>
+        </p:txBody>
+      </p:sp>
+      <p:sp>
+        <p:nvSpPr>
+          <p:cNvPr id="38" name="원통형 37">
+            <a:extLst>
+              <a:ext uri="{FF2B5EF4-FFF2-40B4-BE49-F238E27FC236}">
+                <a16:creationId xmlns:a16="http://schemas.microsoft.com/office/drawing/2014/main" id="{6F7609F0-4D85-98C5-6F3D-02B28850B1F5}"/>
+              </a:ext>
+            </a:extLst>
+          </p:cNvPr>
+          <p:cNvSpPr/>
+          <p:nvPr/>
+        </p:nvSpPr>
+        <p:spPr>
+          <a:xfrm rot="10800000">
+            <a:off x="386461" y="1363543"/>
+            <a:ext cx="120685" cy="206899"/>
+          </a:xfrm>
+          <a:prstGeom prst="can">
+            <a:avLst/>
+          </a:prstGeom>
+        </p:spPr>
+        <p:style>
+          <a:lnRef idx="2">
+            <a:schemeClr val="accent1">
+              <a:shade val="15000"/>
+            </a:schemeClr>
+          </a:lnRef>
+          <a:fillRef idx="1">
+            <a:schemeClr val="accent1"/>
+          </a:fillRef>
+          <a:effectRef idx="0">
+            <a:schemeClr val="accent1"/>
+          </a:effectRef>
+          <a:fontRef idx="minor">
+            <a:schemeClr val="lt1"/>
+          </a:fontRef>
+        </p:style>
+        <p:txBody>
+          <a:bodyPr rtlCol="0" anchor="ctr"/>
+          <a:lstStyle/>
+          <a:p>
+            <a:pPr algn="ctr"/>
+            <a:endParaRPr lang="ko-KR" altLang="en-US"/>
+          </a:p>
+        </p:txBody>
+      </p:sp>
+      <p:cxnSp>
+        <p:nvCxnSpPr>
+          <p:cNvPr id="13" name="연결선: 꺾임 12">
+            <a:extLst>
+              <a:ext uri="{FF2B5EF4-FFF2-40B4-BE49-F238E27FC236}">
+                <a16:creationId xmlns:a16="http://schemas.microsoft.com/office/drawing/2014/main" id="{993220CF-994A-F75D-0F9F-5EAC01F0E9AD}"/>
+              </a:ext>
+            </a:extLst>
+          </p:cNvPr>
+          <p:cNvCxnSpPr>
+            <a:stCxn id="3" idx="0"/>
+            <a:endCxn id="8" idx="1"/>
+          </p:cNvCxnSpPr>
+          <p:nvPr/>
+        </p:nvCxnSpPr>
+        <p:spPr>
+          <a:xfrm rot="5400000" flipH="1" flipV="1">
+            <a:off x="2352683" y="-1337253"/>
+            <a:ext cx="207485" cy="3251357"/>
+          </a:xfrm>
+          <a:prstGeom prst="bentConnector2">
+            <a:avLst/>
+          </a:prstGeom>
+        </p:spPr>
+        <p:style>
+          <a:lnRef idx="1">
+            <a:schemeClr val="accent1"/>
+          </a:lnRef>
+          <a:fillRef idx="0">
+            <a:schemeClr val="accent1"/>
+          </a:fillRef>
+          <a:effectRef idx="0">
+            <a:schemeClr val="accent1"/>
+          </a:effectRef>
+          <a:fontRef idx="minor">
+            <a:schemeClr val="tx1"/>
+          </a:fontRef>
+        </p:style>
+      </p:cxnSp>
+      <p:cxnSp>
+        <p:nvCxnSpPr>
+          <p:cNvPr id="20" name="연결선: 꺾임 19">
+            <a:extLst>
+              <a:ext uri="{FF2B5EF4-FFF2-40B4-BE49-F238E27FC236}">
+                <a16:creationId xmlns:a16="http://schemas.microsoft.com/office/drawing/2014/main" id="{093272A3-9409-B6A5-FCB7-9A17AA4AC413}"/>
+              </a:ext>
+            </a:extLst>
+          </p:cNvPr>
+          <p:cNvCxnSpPr>
+            <a:stCxn id="4" idx="0"/>
+            <a:endCxn id="8" idx="1"/>
+          </p:cNvCxnSpPr>
+          <p:nvPr/>
+        </p:nvCxnSpPr>
+        <p:spPr>
+          <a:xfrm rot="5400000" flipH="1" flipV="1">
+            <a:off x="2856160" y="-833776"/>
+            <a:ext cx="207485" cy="2244403"/>
+          </a:xfrm>
+          <a:prstGeom prst="bentConnector2">
+            <a:avLst/>
+          </a:prstGeom>
+        </p:spPr>
+        <p:style>
+          <a:lnRef idx="1">
+            <a:schemeClr val="accent1"/>
+          </a:lnRef>
+          <a:fillRef idx="0">
+            <a:schemeClr val="accent1"/>
+          </a:fillRef>
+          <a:effectRef idx="0">
+            <a:schemeClr val="accent1"/>
+          </a:effectRef>
+          <a:fontRef idx="minor">
+            <a:schemeClr val="tx1"/>
+          </a:fontRef>
+        </p:style>
+      </p:cxnSp>
+      <p:cxnSp>
+        <p:nvCxnSpPr>
+          <p:cNvPr id="22" name="연결선: 꺾임 21">
+            <a:extLst>
+              <a:ext uri="{FF2B5EF4-FFF2-40B4-BE49-F238E27FC236}">
+                <a16:creationId xmlns:a16="http://schemas.microsoft.com/office/drawing/2014/main" id="{18900488-0F85-349B-F1E9-39B65DDBC107}"/>
+              </a:ext>
+            </a:extLst>
+          </p:cNvPr>
+          <p:cNvCxnSpPr>
+            <a:stCxn id="5" idx="0"/>
+            <a:endCxn id="8" idx="1"/>
+          </p:cNvCxnSpPr>
+          <p:nvPr/>
+        </p:nvCxnSpPr>
+        <p:spPr>
+          <a:xfrm rot="5400000" flipH="1" flipV="1">
+            <a:off x="3346817" y="-343120"/>
+            <a:ext cx="207485" cy="1263090"/>
+          </a:xfrm>
+          <a:prstGeom prst="bentConnector2">
+            <a:avLst/>
+          </a:prstGeom>
+        </p:spPr>
+        <p:style>
+          <a:lnRef idx="1">
+            <a:schemeClr val="accent1"/>
+          </a:lnRef>
+          <a:fillRef idx="0">
+            <a:schemeClr val="accent1"/>
+          </a:fillRef>
+          <a:effectRef idx="0">
+            <a:schemeClr val="accent1"/>
+          </a:effectRef>
+          <a:fontRef idx="minor">
+            <a:schemeClr val="tx1"/>
+          </a:fontRef>
+        </p:style>
+      </p:cxnSp>
+      <p:cxnSp>
+        <p:nvCxnSpPr>
+          <p:cNvPr id="45" name="연결선: 꺾임 44">
+            <a:extLst>
+              <a:ext uri="{FF2B5EF4-FFF2-40B4-BE49-F238E27FC236}">
+                <a16:creationId xmlns:a16="http://schemas.microsoft.com/office/drawing/2014/main" id="{17A8A732-662C-6193-5C93-720082746835}"/>
+              </a:ext>
+            </a:extLst>
+          </p:cNvPr>
+          <p:cNvCxnSpPr>
+            <a:stCxn id="6" idx="0"/>
+            <a:endCxn id="8" idx="1"/>
+          </p:cNvCxnSpPr>
+          <p:nvPr/>
+        </p:nvCxnSpPr>
+        <p:spPr>
+          <a:xfrm rot="5400000" flipH="1" flipV="1">
+            <a:off x="3833547" y="142700"/>
+            <a:ext cx="206574" cy="290539"/>
+          </a:xfrm>
+          <a:prstGeom prst="bentConnector2">
+            <a:avLst/>
+          </a:prstGeom>
+        </p:spPr>
+        <p:style>
+          <a:lnRef idx="1">
+            <a:schemeClr val="accent1"/>
+          </a:lnRef>
+          <a:fillRef idx="0">
+            <a:schemeClr val="accent1"/>
+          </a:fillRef>
+          <a:effectRef idx="0">
+            <a:schemeClr val="accent1"/>
+          </a:effectRef>
+          <a:fontRef idx="minor">
+            <a:schemeClr val="tx1"/>
+          </a:fontRef>
+        </p:style>
+      </p:cxnSp>
+      <p:sp>
+        <p:nvSpPr>
+          <p:cNvPr id="55" name="순서도: 처리 54">
+            <a:extLst>
+              <a:ext uri="{FF2B5EF4-FFF2-40B4-BE49-F238E27FC236}">
+                <a16:creationId xmlns:a16="http://schemas.microsoft.com/office/drawing/2014/main" id="{4A1B209E-C3C9-7829-C24A-A52487081F81}"/>
+              </a:ext>
+            </a:extLst>
+          </p:cNvPr>
+          <p:cNvSpPr/>
+          <p:nvPr/>
+        </p:nvSpPr>
+        <p:spPr>
+          <a:xfrm>
+            <a:off x="668057" y="1026419"/>
+            <a:ext cx="183714" cy="95520"/>
+          </a:xfrm>
+          <a:prstGeom prst="flowChartProcess">
+            <a:avLst/>
+          </a:prstGeom>
+          <a:solidFill>
+            <a:schemeClr val="accent6">
+              <a:alpha val="62000"/>
+            </a:schemeClr>
+          </a:solidFill>
+        </p:spPr>
+        <p:style>
+          <a:lnRef idx="2">
+            <a:schemeClr val="accent6">
+              <a:shade val="15000"/>
+            </a:schemeClr>
+          </a:lnRef>
+          <a:fillRef idx="1">
+            <a:schemeClr val="accent6"/>
+          </a:fillRef>
+          <a:effectRef idx="0">
+            <a:schemeClr val="accent6"/>
+          </a:effectRef>
+          <a:fontRef idx="minor">
+            <a:schemeClr val="lt1"/>
+          </a:fontRef>
+        </p:style>
+        <p:txBody>
+          <a:bodyPr rtlCol="0" anchor="ctr"/>
+          <a:lstStyle/>
+          <a:p>
+            <a:pPr algn="ctr"/>
+            <a:endParaRPr lang="ko-KR" altLang="en-US"/>
+          </a:p>
+        </p:txBody>
+      </p:sp>
+      <p:sp>
+        <p:nvSpPr>
+          <p:cNvPr id="12" name="직사각형 11">
+            <a:extLst>
+              <a:ext uri="{FF2B5EF4-FFF2-40B4-BE49-F238E27FC236}">
+                <a16:creationId xmlns:a16="http://schemas.microsoft.com/office/drawing/2014/main" id="{DEF464DB-F6EA-36AA-8857-626630E09C33}"/>
+              </a:ext>
+            </a:extLst>
+          </p:cNvPr>
+          <p:cNvSpPr/>
+          <p:nvPr/>
+        </p:nvSpPr>
+        <p:spPr>
+          <a:xfrm rot="10800000">
+            <a:off x="2270714" y="1126945"/>
+            <a:ext cx="1908000" cy="234000"/>
+          </a:xfrm>
+          <a:prstGeom prst="rect">
+            <a:avLst/>
+          </a:prstGeom>
+        </p:spPr>
+        <p:style>
+          <a:lnRef idx="2">
+            <a:schemeClr val="accent3">
+              <a:shade val="15000"/>
+            </a:schemeClr>
+          </a:lnRef>
+          <a:fillRef idx="1">
+            <a:schemeClr val="accent3"/>
+          </a:fillRef>
+          <a:effectRef idx="0">
+            <a:schemeClr val="accent3"/>
+          </a:effectRef>
+          <a:fontRef idx="minor">
+            <a:schemeClr val="lt1"/>
+          </a:fontRef>
+        </p:style>
+        <p:txBody>
+          <a:bodyPr rtlCol="0" anchor="ctr"/>
+          <a:lstStyle/>
+          <a:p>
+            <a:pPr algn="ctr"/>
+            <a:endParaRPr lang="ko-KR" altLang="en-US" dirty="0"/>
+          </a:p>
+        </p:txBody>
+      </p:sp>
+      <p:sp>
+        <p:nvSpPr>
+          <p:cNvPr id="19" name="원통형 18">
+            <a:extLst>
+              <a:ext uri="{FF2B5EF4-FFF2-40B4-BE49-F238E27FC236}">
+                <a16:creationId xmlns:a16="http://schemas.microsoft.com/office/drawing/2014/main" id="{F000E359-4B09-1131-A6E7-7BD91971AE88}"/>
+              </a:ext>
+            </a:extLst>
+          </p:cNvPr>
+          <p:cNvSpPr/>
+          <p:nvPr/>
+        </p:nvSpPr>
+        <p:spPr>
+          <a:xfrm rot="10800000">
+            <a:off x="2217078" y="1144594"/>
+            <a:ext cx="45719" cy="206900"/>
+          </a:xfrm>
+          <a:prstGeom prst="can">
+            <a:avLst/>
+          </a:prstGeom>
+          <a:solidFill>
+            <a:schemeClr val="accent3">
+              <a:lumMod val="75000"/>
+            </a:schemeClr>
+          </a:solidFill>
+        </p:spPr>
+        <p:style>
+          <a:lnRef idx="2">
+            <a:schemeClr val="accent1">
+              <a:shade val="15000"/>
+            </a:schemeClr>
+          </a:lnRef>
+          <a:fillRef idx="1">
+            <a:schemeClr val="accent1"/>
+          </a:fillRef>
+          <a:effectRef idx="0">
+            <a:schemeClr val="accent1"/>
+          </a:effectRef>
+          <a:fontRef idx="minor">
+            <a:schemeClr val="lt1"/>
+          </a:fontRef>
+        </p:style>
+        <p:txBody>
+          <a:bodyPr rtlCol="0" anchor="ctr"/>
+          <a:lstStyle/>
+          <a:p>
+            <a:pPr algn="ctr"/>
+            <a:endParaRPr lang="ko-KR" altLang="en-US"/>
+          </a:p>
+        </p:txBody>
+      </p:sp>
+      <p:sp>
+        <p:nvSpPr>
+          <p:cNvPr id="26" name="직사각형 25">
+            <a:extLst>
+              <a:ext uri="{FF2B5EF4-FFF2-40B4-BE49-F238E27FC236}">
+                <a16:creationId xmlns:a16="http://schemas.microsoft.com/office/drawing/2014/main" id="{9ED15C8A-B72D-9BA3-7BD8-D25E0EB42375}"/>
+              </a:ext>
+            </a:extLst>
+          </p:cNvPr>
+          <p:cNvSpPr/>
+          <p:nvPr/>
+        </p:nvSpPr>
+        <p:spPr>
+          <a:xfrm rot="5400000">
+            <a:off x="4266299" y="1152277"/>
+            <a:ext cx="90000" cy="162000"/>
+          </a:xfrm>
+          <a:prstGeom prst="rect">
+            <a:avLst/>
+          </a:prstGeom>
+        </p:spPr>
+        <p:style>
+          <a:lnRef idx="2">
+            <a:schemeClr val="dk1">
+              <a:shade val="15000"/>
+            </a:schemeClr>
+          </a:lnRef>
+          <a:fillRef idx="1">
+            <a:schemeClr val="dk1"/>
+          </a:fillRef>
+          <a:effectRef idx="0">
+            <a:schemeClr val="dk1"/>
+          </a:effectRef>
+          <a:fontRef idx="minor">
+            <a:schemeClr val="lt1"/>
+          </a:fontRef>
+        </p:style>
+        <p:txBody>
+          <a:bodyPr rtlCol="0" anchor="ctr"/>
+          <a:lstStyle/>
+          <a:p>
+            <a:pPr algn="ctr"/>
+            <a:endParaRPr lang="ko-KR" altLang="en-US" dirty="0"/>
+          </a:p>
+        </p:txBody>
+      </p:sp>
+      <p:sp>
+        <p:nvSpPr>
+          <p:cNvPr id="36" name="직사각형 35">
+            <a:extLst>
+              <a:ext uri="{FF2B5EF4-FFF2-40B4-BE49-F238E27FC236}">
+                <a16:creationId xmlns:a16="http://schemas.microsoft.com/office/drawing/2014/main" id="{F0E29383-57CB-0805-B1C7-036FA1984B98}"/>
+              </a:ext>
+            </a:extLst>
+          </p:cNvPr>
+          <p:cNvSpPr/>
+          <p:nvPr/>
+        </p:nvSpPr>
+        <p:spPr>
+          <a:xfrm>
+            <a:off x="4069107" y="1365810"/>
+            <a:ext cx="252000" cy="252000"/>
+          </a:xfrm>
+          <a:prstGeom prst="rect">
+            <a:avLst/>
+          </a:prstGeom>
+        </p:spPr>
+        <p:style>
+          <a:lnRef idx="2">
+            <a:schemeClr val="accent2">
+              <a:shade val="15000"/>
+            </a:schemeClr>
+          </a:lnRef>
+          <a:fillRef idx="1">
+            <a:schemeClr val="accent2"/>
+          </a:fillRef>
+          <a:effectRef idx="0">
+            <a:schemeClr val="accent2"/>
+          </a:effectRef>
+          <a:fontRef idx="minor">
+            <a:schemeClr val="lt1"/>
+          </a:fontRef>
+        </p:style>
+        <p:txBody>
+          <a:bodyPr rtlCol="0" anchor="ctr"/>
+          <a:lstStyle/>
+          <a:p>
+            <a:pPr algn="ctr"/>
+            <a:endParaRPr lang="ko-KR" altLang="en-US" dirty="0"/>
+          </a:p>
+        </p:txBody>
+      </p:sp>
+      <p:sp>
+        <p:nvSpPr>
+          <p:cNvPr id="39" name="직사각형 38">
+            <a:extLst>
+              <a:ext uri="{FF2B5EF4-FFF2-40B4-BE49-F238E27FC236}">
+                <a16:creationId xmlns:a16="http://schemas.microsoft.com/office/drawing/2014/main" id="{DDF19D2B-06F6-4C7C-DF7A-1521984E8CBE}"/>
+              </a:ext>
+            </a:extLst>
+          </p:cNvPr>
+          <p:cNvSpPr/>
+          <p:nvPr/>
+        </p:nvSpPr>
+        <p:spPr>
+          <a:xfrm>
+            <a:off x="4069107" y="871452"/>
+            <a:ext cx="252000" cy="252000"/>
+          </a:xfrm>
+          <a:prstGeom prst="rect">
+            <a:avLst/>
+          </a:prstGeom>
+        </p:spPr>
+        <p:style>
+          <a:lnRef idx="2">
+            <a:schemeClr val="accent2">
+              <a:shade val="15000"/>
+            </a:schemeClr>
+          </a:lnRef>
+          <a:fillRef idx="1">
+            <a:schemeClr val="accent2"/>
+          </a:fillRef>
+          <a:effectRef idx="0">
+            <a:schemeClr val="accent2"/>
+          </a:effectRef>
+          <a:fontRef idx="minor">
+            <a:schemeClr val="lt1"/>
+          </a:fontRef>
+        </p:style>
+        <p:txBody>
+          <a:bodyPr rtlCol="0" anchor="ctr"/>
+          <a:lstStyle/>
+          <a:p>
+            <a:pPr algn="ctr"/>
+            <a:endParaRPr lang="ko-KR" altLang="en-US" dirty="0"/>
+          </a:p>
+        </p:txBody>
+      </p:sp>
+      <p:sp>
+        <p:nvSpPr>
+          <p:cNvPr id="44" name="직사각형 43">
+            <a:extLst>
+              <a:ext uri="{FF2B5EF4-FFF2-40B4-BE49-F238E27FC236}">
+                <a16:creationId xmlns:a16="http://schemas.microsoft.com/office/drawing/2014/main" id="{606CCCFF-3DB5-9134-AAB4-23AE8C982EFE}"/>
+              </a:ext>
+            </a:extLst>
+          </p:cNvPr>
+          <p:cNvSpPr/>
+          <p:nvPr/>
+        </p:nvSpPr>
+        <p:spPr>
+          <a:xfrm rot="3783398">
+            <a:off x="4139303" y="1066861"/>
+            <a:ext cx="45719" cy="240434"/>
+          </a:xfrm>
+          <a:prstGeom prst="rect">
+            <a:avLst/>
+          </a:prstGeom>
+        </p:spPr>
+        <p:style>
+          <a:lnRef idx="2">
+            <a:schemeClr val="accent1">
+              <a:shade val="15000"/>
+            </a:schemeClr>
+          </a:lnRef>
+          <a:fillRef idx="1">
+            <a:schemeClr val="accent1"/>
+          </a:fillRef>
+          <a:effectRef idx="0">
+            <a:schemeClr val="accent1"/>
+          </a:effectRef>
+          <a:fontRef idx="minor">
+            <a:schemeClr val="lt1"/>
+          </a:fontRef>
+        </p:style>
+        <p:txBody>
+          <a:bodyPr rtlCol="0" anchor="ctr"/>
+          <a:lstStyle/>
+          <a:p>
+            <a:pPr algn="ctr"/>
+            <a:endParaRPr lang="ko-KR" altLang="en-US" dirty="0"/>
+          </a:p>
+        </p:txBody>
+      </p:sp>
+      <p:sp>
+        <p:nvSpPr>
+          <p:cNvPr id="46" name="직사각형 45">
+            <a:extLst>
+              <a:ext uri="{FF2B5EF4-FFF2-40B4-BE49-F238E27FC236}">
+                <a16:creationId xmlns:a16="http://schemas.microsoft.com/office/drawing/2014/main" id="{200E3C7D-117E-E3AA-64DD-1A250CB0A3D1}"/>
+              </a:ext>
+            </a:extLst>
+          </p:cNvPr>
+          <p:cNvSpPr/>
+          <p:nvPr/>
+        </p:nvSpPr>
+        <p:spPr>
+          <a:xfrm rot="5400000">
+            <a:off x="4139765" y="1151643"/>
+            <a:ext cx="45719" cy="175331"/>
+          </a:xfrm>
+          <a:prstGeom prst="rect">
+            <a:avLst/>
+          </a:prstGeom>
+        </p:spPr>
+        <p:style>
+          <a:lnRef idx="2">
+            <a:schemeClr val="accent1">
+              <a:shade val="15000"/>
+            </a:schemeClr>
+          </a:lnRef>
+          <a:fillRef idx="1">
+            <a:schemeClr val="accent1"/>
+          </a:fillRef>
+          <a:effectRef idx="0">
+            <a:schemeClr val="accent1"/>
+          </a:effectRef>
+          <a:fontRef idx="minor">
+            <a:schemeClr val="lt1"/>
+          </a:fontRef>
+        </p:style>
+        <p:txBody>
+          <a:bodyPr rtlCol="0" anchor="ctr"/>
+          <a:lstStyle/>
+          <a:p>
+            <a:pPr algn="ctr"/>
+            <a:endParaRPr lang="ko-KR" altLang="en-US" dirty="0"/>
+          </a:p>
+        </p:txBody>
+      </p:sp>
+      <p:sp>
+        <p:nvSpPr>
+          <p:cNvPr id="47" name="직사각형 46">
+            <a:extLst>
+              <a:ext uri="{FF2B5EF4-FFF2-40B4-BE49-F238E27FC236}">
+                <a16:creationId xmlns:a16="http://schemas.microsoft.com/office/drawing/2014/main" id="{1136DA5A-17C8-611D-18AB-BBDBB9DDC366}"/>
+              </a:ext>
+            </a:extLst>
+          </p:cNvPr>
+          <p:cNvSpPr/>
+          <p:nvPr/>
+        </p:nvSpPr>
+        <p:spPr>
+          <a:xfrm rot="10800000">
+            <a:off x="916752" y="1130913"/>
+            <a:ext cx="36000" cy="288000"/>
+          </a:xfrm>
+          <a:prstGeom prst="rect">
+            <a:avLst/>
+          </a:prstGeom>
+        </p:spPr>
+        <p:style>
+          <a:lnRef idx="2">
+            <a:schemeClr val="accent1">
+              <a:shade val="15000"/>
+            </a:schemeClr>
+          </a:lnRef>
+          <a:fillRef idx="1">
+            <a:schemeClr val="accent1"/>
+          </a:fillRef>
+          <a:effectRef idx="0">
+            <a:schemeClr val="accent1"/>
+          </a:effectRef>
+          <a:fontRef idx="minor">
+            <a:schemeClr val="lt1"/>
+          </a:fontRef>
+        </p:style>
+        <p:txBody>
+          <a:bodyPr rtlCol="0" anchor="ctr"/>
+          <a:lstStyle/>
+          <a:p>
+            <a:pPr algn="ctr"/>
+            <a:endParaRPr lang="ko-KR" altLang="en-US" dirty="0"/>
+          </a:p>
+        </p:txBody>
+      </p:sp>
+      <p:sp>
+        <p:nvSpPr>
+          <p:cNvPr id="50" name="직사각형 49">
+            <a:extLst>
+              <a:ext uri="{FF2B5EF4-FFF2-40B4-BE49-F238E27FC236}">
+                <a16:creationId xmlns:a16="http://schemas.microsoft.com/office/drawing/2014/main" id="{8F4C75B3-863B-EE9E-C768-90867C587B83}"/>
+              </a:ext>
+            </a:extLst>
+          </p:cNvPr>
+          <p:cNvSpPr/>
+          <p:nvPr/>
+        </p:nvSpPr>
+        <p:spPr>
+          <a:xfrm rot="10800000">
+            <a:off x="1905225" y="957959"/>
+            <a:ext cx="90000" cy="162000"/>
+          </a:xfrm>
+          <a:prstGeom prst="rect">
+            <a:avLst/>
+          </a:prstGeom>
+        </p:spPr>
+        <p:style>
+          <a:lnRef idx="2">
+            <a:schemeClr val="dk1">
+              <a:shade val="15000"/>
+            </a:schemeClr>
+          </a:lnRef>
+          <a:fillRef idx="1">
+            <a:schemeClr val="dk1"/>
+          </a:fillRef>
+          <a:effectRef idx="0">
+            <a:schemeClr val="dk1"/>
+          </a:effectRef>
+          <a:fontRef idx="minor">
+            <a:schemeClr val="lt1"/>
+          </a:fontRef>
+        </p:style>
+        <p:txBody>
+          <a:bodyPr rtlCol="0" anchor="ctr"/>
+          <a:lstStyle/>
+          <a:p>
+            <a:pPr algn="ctr"/>
+            <a:endParaRPr lang="ko-KR" altLang="en-US" dirty="0"/>
+          </a:p>
+        </p:txBody>
+      </p:sp>
+      <p:sp>
+        <p:nvSpPr>
+          <p:cNvPr id="51" name="직사각형 50">
+            <a:extLst>
+              <a:ext uri="{FF2B5EF4-FFF2-40B4-BE49-F238E27FC236}">
+                <a16:creationId xmlns:a16="http://schemas.microsoft.com/office/drawing/2014/main" id="{85AFD877-62F4-DE1E-5EEB-ACF7FE7588E5}"/>
+              </a:ext>
+            </a:extLst>
+          </p:cNvPr>
+          <p:cNvSpPr/>
+          <p:nvPr/>
+        </p:nvSpPr>
+        <p:spPr>
+          <a:xfrm>
+            <a:off x="2031196" y="942079"/>
+            <a:ext cx="126000" cy="180000"/>
+          </a:xfrm>
+          <a:prstGeom prst="rect">
+            <a:avLst/>
+          </a:prstGeom>
+          <a:solidFill>
+            <a:schemeClr val="accent2">
+              <a:lumMod val="50000"/>
+            </a:schemeClr>
+          </a:solidFill>
+        </p:spPr>
+        <p:style>
+          <a:lnRef idx="2">
+            <a:schemeClr val="accent1">
+              <a:shade val="15000"/>
+            </a:schemeClr>
+          </a:lnRef>
+          <a:fillRef idx="1">
+            <a:schemeClr val="accent1"/>
+          </a:fillRef>
+          <a:effectRef idx="0">
+            <a:schemeClr val="accent1"/>
+          </a:effectRef>
+          <a:fontRef idx="minor">
+            <a:schemeClr val="lt1"/>
+          </a:fontRef>
+        </p:style>
+        <p:txBody>
+          <a:bodyPr rtlCol="0" anchor="ctr"/>
+          <a:lstStyle/>
+          <a:p>
+            <a:pPr algn="ctr"/>
+            <a:endParaRPr lang="ko-KR" altLang="en-US" dirty="0"/>
+          </a:p>
+        </p:txBody>
+      </p:sp>
+      <p:sp>
+        <p:nvSpPr>
+          <p:cNvPr id="52" name="직사각형 51">
+            <a:extLst>
+              <a:ext uri="{FF2B5EF4-FFF2-40B4-BE49-F238E27FC236}">
+                <a16:creationId xmlns:a16="http://schemas.microsoft.com/office/drawing/2014/main" id="{3446F67F-ED45-7A78-1016-64D63FCB0CC5}"/>
+              </a:ext>
+            </a:extLst>
+          </p:cNvPr>
+          <p:cNvSpPr/>
+          <p:nvPr/>
+        </p:nvSpPr>
+        <p:spPr>
+          <a:xfrm>
+            <a:off x="1936195" y="1370062"/>
+            <a:ext cx="252000" cy="252000"/>
+          </a:xfrm>
+          <a:prstGeom prst="rect">
+            <a:avLst/>
+          </a:prstGeom>
+        </p:spPr>
+        <p:style>
+          <a:lnRef idx="2">
+            <a:schemeClr val="accent2">
+              <a:shade val="15000"/>
+            </a:schemeClr>
+          </a:lnRef>
+          <a:fillRef idx="1">
+            <a:schemeClr val="accent2"/>
+          </a:fillRef>
+          <a:effectRef idx="0">
+            <a:schemeClr val="accent2"/>
+          </a:effectRef>
+          <a:fontRef idx="minor">
+            <a:schemeClr val="lt1"/>
+          </a:fontRef>
+        </p:style>
+        <p:txBody>
+          <a:bodyPr rtlCol="0" anchor="ctr"/>
+          <a:lstStyle/>
+          <a:p>
+            <a:pPr algn="ctr"/>
+            <a:endParaRPr lang="ko-KR" altLang="en-US" dirty="0"/>
+          </a:p>
+        </p:txBody>
+      </p:sp>
+      <p:sp>
+        <p:nvSpPr>
+          <p:cNvPr id="53" name="순서도: 처리 52">
+            <a:extLst>
+              <a:ext uri="{FF2B5EF4-FFF2-40B4-BE49-F238E27FC236}">
+                <a16:creationId xmlns:a16="http://schemas.microsoft.com/office/drawing/2014/main" id="{FC93A8B0-1A3D-ABD9-FEB4-A6536B6791F4}"/>
+              </a:ext>
+            </a:extLst>
+          </p:cNvPr>
+          <p:cNvSpPr/>
+          <p:nvPr/>
+        </p:nvSpPr>
+        <p:spPr>
+          <a:xfrm>
+            <a:off x="1242708" y="1027860"/>
+            <a:ext cx="183714" cy="95520"/>
+          </a:xfrm>
+          <a:prstGeom prst="flowChartProcess">
+            <a:avLst/>
+          </a:prstGeom>
+          <a:solidFill>
+            <a:schemeClr val="accent6">
+              <a:alpha val="62000"/>
+            </a:schemeClr>
+          </a:solidFill>
+        </p:spPr>
+        <p:style>
+          <a:lnRef idx="2">
+            <a:schemeClr val="accent6">
+              <a:shade val="15000"/>
+            </a:schemeClr>
+          </a:lnRef>
+          <a:fillRef idx="1">
+            <a:schemeClr val="accent6"/>
+          </a:fillRef>
+          <a:effectRef idx="0">
+            <a:schemeClr val="accent6"/>
+          </a:effectRef>
+          <a:fontRef idx="minor">
+            <a:schemeClr val="lt1"/>
+          </a:fontRef>
+        </p:style>
+        <p:txBody>
+          <a:bodyPr rtlCol="0" anchor="ctr"/>
+          <a:lstStyle/>
+          <a:p>
+            <a:pPr algn="ctr"/>
+            <a:endParaRPr lang="ko-KR" altLang="en-US"/>
+          </a:p>
+        </p:txBody>
+      </p:sp>
+      <p:sp>
+        <p:nvSpPr>
+          <p:cNvPr id="54" name="직사각형 53">
+            <a:extLst>
+              <a:ext uri="{FF2B5EF4-FFF2-40B4-BE49-F238E27FC236}">
+                <a16:creationId xmlns:a16="http://schemas.microsoft.com/office/drawing/2014/main" id="{8FF9C13D-AA6B-9A4B-2D99-81114D2F6358}"/>
+              </a:ext>
+            </a:extLst>
+          </p:cNvPr>
+          <p:cNvSpPr/>
+          <p:nvPr/>
+        </p:nvSpPr>
+        <p:spPr>
+          <a:xfrm rot="10800000">
+            <a:off x="1933173" y="1122936"/>
+            <a:ext cx="36000" cy="288000"/>
+          </a:xfrm>
+          <a:prstGeom prst="rect">
+            <a:avLst/>
+          </a:prstGeom>
+        </p:spPr>
+        <p:style>
+          <a:lnRef idx="2">
+            <a:schemeClr val="accent1">
+              <a:shade val="15000"/>
+            </a:schemeClr>
+          </a:lnRef>
+          <a:fillRef idx="1">
+            <a:schemeClr val="accent1"/>
+          </a:fillRef>
+          <a:effectRef idx="0">
+            <a:schemeClr val="accent1"/>
+          </a:effectRef>
+          <a:fontRef idx="minor">
+            <a:schemeClr val="lt1"/>
+          </a:fontRef>
+        </p:style>
+        <p:txBody>
+          <a:bodyPr rtlCol="0" anchor="ctr"/>
+          <a:lstStyle/>
+          <a:p>
+            <a:pPr algn="ctr"/>
+            <a:endParaRPr lang="ko-KR" altLang="en-US" dirty="0"/>
+          </a:p>
+        </p:txBody>
+      </p:sp>
+      <p:sp>
+        <p:nvSpPr>
+          <p:cNvPr id="63" name="직사각형 62">
+            <a:extLst>
+              <a:ext uri="{FF2B5EF4-FFF2-40B4-BE49-F238E27FC236}">
+                <a16:creationId xmlns:a16="http://schemas.microsoft.com/office/drawing/2014/main" id="{0FA44C52-7C1E-4C68-F885-791DDC02C5DF}"/>
+              </a:ext>
+            </a:extLst>
+          </p:cNvPr>
+          <p:cNvSpPr/>
+          <p:nvPr/>
+        </p:nvSpPr>
+        <p:spPr>
+          <a:xfrm rot="10800000">
+            <a:off x="3664954" y="960170"/>
+            <a:ext cx="90000" cy="162000"/>
+          </a:xfrm>
+          <a:prstGeom prst="rect">
+            <a:avLst/>
+          </a:prstGeom>
+        </p:spPr>
+        <p:style>
+          <a:lnRef idx="2">
+            <a:schemeClr val="dk1">
+              <a:shade val="15000"/>
+            </a:schemeClr>
+          </a:lnRef>
+          <a:fillRef idx="1">
+            <a:schemeClr val="dk1"/>
+          </a:fillRef>
+          <a:effectRef idx="0">
+            <a:schemeClr val="dk1"/>
+          </a:effectRef>
+          <a:fontRef idx="minor">
+            <a:schemeClr val="lt1"/>
+          </a:fontRef>
+        </p:style>
+        <p:txBody>
+          <a:bodyPr rtlCol="0" anchor="ctr"/>
+          <a:lstStyle/>
+          <a:p>
+            <a:pPr algn="ctr"/>
+            <a:endParaRPr lang="ko-KR" altLang="en-US" dirty="0"/>
+          </a:p>
+        </p:txBody>
+      </p:sp>
+      <p:sp>
+        <p:nvSpPr>
+          <p:cNvPr id="64" name="직사각형 63">
+            <a:extLst>
+              <a:ext uri="{FF2B5EF4-FFF2-40B4-BE49-F238E27FC236}">
+                <a16:creationId xmlns:a16="http://schemas.microsoft.com/office/drawing/2014/main" id="{C6591E70-D21C-263A-B008-14725DAF708A}"/>
+              </a:ext>
+            </a:extLst>
+          </p:cNvPr>
+          <p:cNvSpPr/>
+          <p:nvPr/>
+        </p:nvSpPr>
+        <p:spPr>
+          <a:xfrm>
+            <a:off x="3788750" y="945763"/>
+            <a:ext cx="126000" cy="180000"/>
+          </a:xfrm>
+          <a:prstGeom prst="rect">
+            <a:avLst/>
+          </a:prstGeom>
+          <a:solidFill>
+            <a:schemeClr val="accent2">
+              <a:lumMod val="50000"/>
+            </a:schemeClr>
+          </a:solidFill>
+        </p:spPr>
+        <p:style>
+          <a:lnRef idx="2">
+            <a:schemeClr val="accent1">
+              <a:shade val="15000"/>
+            </a:schemeClr>
+          </a:lnRef>
+          <a:fillRef idx="1">
+            <a:schemeClr val="accent1"/>
+          </a:fillRef>
+          <a:effectRef idx="0">
+            <a:schemeClr val="accent1"/>
+          </a:effectRef>
+          <a:fontRef idx="minor">
+            <a:schemeClr val="lt1"/>
+          </a:fontRef>
+        </p:style>
+        <p:txBody>
+          <a:bodyPr rtlCol="0" anchor="ctr"/>
+          <a:lstStyle/>
+          <a:p>
+            <a:pPr algn="ctr"/>
+            <a:endParaRPr lang="ko-KR" altLang="en-US" dirty="0"/>
+          </a:p>
+        </p:txBody>
+      </p:sp>
+      <p:sp>
+        <p:nvSpPr>
+          <p:cNvPr id="65" name="직사각형 64">
+            <a:extLst>
+              <a:ext uri="{FF2B5EF4-FFF2-40B4-BE49-F238E27FC236}">
+                <a16:creationId xmlns:a16="http://schemas.microsoft.com/office/drawing/2014/main" id="{3A274ED8-10E9-C8BD-EA19-4132F3AA411C}"/>
+              </a:ext>
+            </a:extLst>
+          </p:cNvPr>
+          <p:cNvSpPr/>
+          <p:nvPr/>
+        </p:nvSpPr>
+        <p:spPr>
+          <a:xfrm>
+            <a:off x="3695696" y="1369976"/>
+            <a:ext cx="252000" cy="252000"/>
+          </a:xfrm>
+          <a:prstGeom prst="rect">
+            <a:avLst/>
+          </a:prstGeom>
+        </p:spPr>
+        <p:style>
+          <a:lnRef idx="2">
+            <a:schemeClr val="accent2">
+              <a:shade val="15000"/>
+            </a:schemeClr>
+          </a:lnRef>
+          <a:fillRef idx="1">
+            <a:schemeClr val="accent2"/>
+          </a:fillRef>
+          <a:effectRef idx="0">
+            <a:schemeClr val="accent2"/>
+          </a:effectRef>
+          <a:fontRef idx="minor">
+            <a:schemeClr val="lt1"/>
+          </a:fontRef>
+        </p:style>
+        <p:txBody>
+          <a:bodyPr rtlCol="0" anchor="ctr"/>
+          <a:lstStyle/>
+          <a:p>
+            <a:pPr algn="ctr"/>
+            <a:endParaRPr lang="ko-KR" altLang="en-US" dirty="0"/>
+          </a:p>
+        </p:txBody>
+      </p:sp>
+      <p:sp>
+        <p:nvSpPr>
+          <p:cNvPr id="66" name="순서도: 처리 65">
+            <a:extLst>
+              <a:ext uri="{FF2B5EF4-FFF2-40B4-BE49-F238E27FC236}">
+                <a16:creationId xmlns:a16="http://schemas.microsoft.com/office/drawing/2014/main" id="{68DD53A9-D24A-978A-221C-0CF3B47D3BA2}"/>
+              </a:ext>
+            </a:extLst>
+          </p:cNvPr>
+          <p:cNvSpPr/>
+          <p:nvPr/>
+        </p:nvSpPr>
+        <p:spPr>
+          <a:xfrm>
+            <a:off x="3268551" y="1031424"/>
+            <a:ext cx="183714" cy="95520"/>
+          </a:xfrm>
+          <a:prstGeom prst="flowChartProcess">
+            <a:avLst/>
+          </a:prstGeom>
+          <a:solidFill>
+            <a:schemeClr val="accent6">
+              <a:alpha val="62000"/>
+            </a:schemeClr>
+          </a:solidFill>
+        </p:spPr>
+        <p:style>
+          <a:lnRef idx="2">
+            <a:schemeClr val="accent6">
+              <a:shade val="15000"/>
+            </a:schemeClr>
+          </a:lnRef>
+          <a:fillRef idx="1">
+            <a:schemeClr val="accent6"/>
+          </a:fillRef>
+          <a:effectRef idx="0">
+            <a:schemeClr val="accent6"/>
+          </a:effectRef>
+          <a:fontRef idx="minor">
+            <a:schemeClr val="lt1"/>
+          </a:fontRef>
+        </p:style>
+        <p:txBody>
+          <a:bodyPr rtlCol="0" anchor="ctr"/>
+          <a:lstStyle/>
+          <a:p>
+            <a:pPr algn="ctr"/>
+            <a:endParaRPr lang="ko-KR" altLang="en-US"/>
+          </a:p>
+        </p:txBody>
+      </p:sp>
+      <p:sp>
+        <p:nvSpPr>
+          <p:cNvPr id="67" name="직사각형 66">
+            <a:extLst>
+              <a:ext uri="{FF2B5EF4-FFF2-40B4-BE49-F238E27FC236}">
+                <a16:creationId xmlns:a16="http://schemas.microsoft.com/office/drawing/2014/main" id="{8D2960C1-F12A-4076-7A5C-612678713490}"/>
+              </a:ext>
+            </a:extLst>
+          </p:cNvPr>
+          <p:cNvSpPr/>
+          <p:nvPr/>
+        </p:nvSpPr>
+        <p:spPr>
+          <a:xfrm rot="10800000">
+            <a:off x="3692902" y="1125147"/>
+            <a:ext cx="36000" cy="288000"/>
+          </a:xfrm>
+          <a:prstGeom prst="rect">
+            <a:avLst/>
+          </a:prstGeom>
+        </p:spPr>
+        <p:style>
+          <a:lnRef idx="2">
+            <a:schemeClr val="accent1">
+              <a:shade val="15000"/>
+            </a:schemeClr>
+          </a:lnRef>
+          <a:fillRef idx="1">
+            <a:schemeClr val="accent1"/>
+          </a:fillRef>
+          <a:effectRef idx="0">
+            <a:schemeClr val="accent1"/>
+          </a:effectRef>
+          <a:fontRef idx="minor">
+            <a:schemeClr val="lt1"/>
+          </a:fontRef>
+        </p:style>
+        <p:txBody>
+          <a:bodyPr rtlCol="0" anchor="ctr"/>
+          <a:lstStyle/>
+          <a:p>
+            <a:pPr algn="ctr"/>
+            <a:endParaRPr lang="ko-KR" altLang="en-US" dirty="0"/>
+          </a:p>
+        </p:txBody>
+      </p:sp>
+      <p:sp>
+        <p:nvSpPr>
+          <p:cNvPr id="70" name="직사각형 69">
+            <a:extLst>
+              <a:ext uri="{FF2B5EF4-FFF2-40B4-BE49-F238E27FC236}">
+                <a16:creationId xmlns:a16="http://schemas.microsoft.com/office/drawing/2014/main" id="{61826E22-F307-8992-9779-1029D8AEC8CA}"/>
+              </a:ext>
+            </a:extLst>
+          </p:cNvPr>
+          <p:cNvSpPr/>
+          <p:nvPr/>
+        </p:nvSpPr>
+        <p:spPr>
+          <a:xfrm rot="10800000">
+            <a:off x="2649786" y="957959"/>
+            <a:ext cx="90000" cy="162000"/>
+          </a:xfrm>
+          <a:prstGeom prst="rect">
+            <a:avLst/>
+          </a:prstGeom>
+        </p:spPr>
+        <p:style>
+          <a:lnRef idx="2">
+            <a:schemeClr val="dk1">
+              <a:shade val="15000"/>
+            </a:schemeClr>
+          </a:lnRef>
+          <a:fillRef idx="1">
+            <a:schemeClr val="dk1"/>
+          </a:fillRef>
+          <a:effectRef idx="0">
+            <a:schemeClr val="dk1"/>
+          </a:effectRef>
+          <a:fontRef idx="minor">
+            <a:schemeClr val="lt1"/>
+          </a:fontRef>
+        </p:style>
+        <p:txBody>
+          <a:bodyPr rtlCol="0" anchor="ctr"/>
+          <a:lstStyle/>
+          <a:p>
+            <a:pPr algn="ctr"/>
+            <a:endParaRPr lang="ko-KR" altLang="en-US" dirty="0"/>
+          </a:p>
+        </p:txBody>
+      </p:sp>
+      <p:sp>
+        <p:nvSpPr>
+          <p:cNvPr id="71" name="직사각형 70">
+            <a:extLst>
+              <a:ext uri="{FF2B5EF4-FFF2-40B4-BE49-F238E27FC236}">
+                <a16:creationId xmlns:a16="http://schemas.microsoft.com/office/drawing/2014/main" id="{EE575E92-981C-3910-F1E6-F4B4CFF4BCF4}"/>
+              </a:ext>
+            </a:extLst>
+          </p:cNvPr>
+          <p:cNvSpPr/>
+          <p:nvPr/>
+        </p:nvSpPr>
+        <p:spPr>
+          <a:xfrm>
+            <a:off x="2775757" y="942079"/>
+            <a:ext cx="126000" cy="180000"/>
+          </a:xfrm>
+          <a:prstGeom prst="rect">
+            <a:avLst/>
+          </a:prstGeom>
+          <a:solidFill>
+            <a:schemeClr val="accent2">
+              <a:lumMod val="50000"/>
+            </a:schemeClr>
+          </a:solidFill>
+        </p:spPr>
+        <p:style>
+          <a:lnRef idx="2">
+            <a:schemeClr val="accent1">
+              <a:shade val="15000"/>
+            </a:schemeClr>
+          </a:lnRef>
+          <a:fillRef idx="1">
+            <a:schemeClr val="accent1"/>
+          </a:fillRef>
+          <a:effectRef idx="0">
+            <a:schemeClr val="accent1"/>
+          </a:effectRef>
+          <a:fontRef idx="minor">
+            <a:schemeClr val="lt1"/>
+          </a:fontRef>
+        </p:style>
+        <p:txBody>
+          <a:bodyPr rtlCol="0" anchor="ctr"/>
+          <a:lstStyle/>
+          <a:p>
+            <a:pPr algn="ctr"/>
+            <a:endParaRPr lang="ko-KR" altLang="en-US" dirty="0"/>
+          </a:p>
+        </p:txBody>
+      </p:sp>
+      <p:sp>
+        <p:nvSpPr>
+          <p:cNvPr id="72" name="직사각형 71">
+            <a:extLst>
+              <a:ext uri="{FF2B5EF4-FFF2-40B4-BE49-F238E27FC236}">
+                <a16:creationId xmlns:a16="http://schemas.microsoft.com/office/drawing/2014/main" id="{9ADF3229-42D6-0099-BA93-E85BB5203359}"/>
+              </a:ext>
+            </a:extLst>
+          </p:cNvPr>
+          <p:cNvSpPr/>
+          <p:nvPr/>
+        </p:nvSpPr>
+        <p:spPr>
+          <a:xfrm>
+            <a:off x="2684628" y="1365962"/>
+            <a:ext cx="252000" cy="252000"/>
+          </a:xfrm>
+          <a:prstGeom prst="rect">
+            <a:avLst/>
+          </a:prstGeom>
+        </p:spPr>
+        <p:style>
+          <a:lnRef idx="2">
+            <a:schemeClr val="accent2">
+              <a:shade val="15000"/>
+            </a:schemeClr>
+          </a:lnRef>
+          <a:fillRef idx="1">
+            <a:schemeClr val="accent2"/>
+          </a:fillRef>
+          <a:effectRef idx="0">
+            <a:schemeClr val="accent2"/>
+          </a:effectRef>
+          <a:fontRef idx="minor">
+            <a:schemeClr val="lt1"/>
+          </a:fontRef>
+        </p:style>
+        <p:txBody>
+          <a:bodyPr rtlCol="0" anchor="ctr"/>
+          <a:lstStyle/>
+          <a:p>
+            <a:pPr algn="ctr"/>
+            <a:endParaRPr lang="ko-KR" altLang="en-US" dirty="0"/>
+          </a:p>
+        </p:txBody>
+      </p:sp>
+      <p:sp>
+        <p:nvSpPr>
+          <p:cNvPr id="73" name="순서도: 처리 72">
+            <a:extLst>
+              <a:ext uri="{FF2B5EF4-FFF2-40B4-BE49-F238E27FC236}">
+                <a16:creationId xmlns:a16="http://schemas.microsoft.com/office/drawing/2014/main" id="{70B61F65-3336-F36C-20B3-03EF26105CA7}"/>
+              </a:ext>
+            </a:extLst>
+          </p:cNvPr>
+          <p:cNvSpPr/>
+          <p:nvPr/>
+        </p:nvSpPr>
+        <p:spPr>
+          <a:xfrm>
+            <a:off x="2428498" y="1029865"/>
+            <a:ext cx="183714" cy="95520"/>
+          </a:xfrm>
+          <a:prstGeom prst="flowChartProcess">
+            <a:avLst/>
+          </a:prstGeom>
+          <a:solidFill>
+            <a:schemeClr val="accent6">
+              <a:alpha val="62000"/>
+            </a:schemeClr>
+          </a:solidFill>
+        </p:spPr>
+        <p:style>
+          <a:lnRef idx="2">
+            <a:schemeClr val="accent6">
+              <a:shade val="15000"/>
+            </a:schemeClr>
+          </a:lnRef>
+          <a:fillRef idx="1">
+            <a:schemeClr val="accent6"/>
+          </a:fillRef>
+          <a:effectRef idx="0">
+            <a:schemeClr val="accent6"/>
+          </a:effectRef>
+          <a:fontRef idx="minor">
+            <a:schemeClr val="lt1"/>
+          </a:fontRef>
+        </p:style>
+        <p:txBody>
+          <a:bodyPr rtlCol="0" anchor="ctr"/>
+          <a:lstStyle/>
+          <a:p>
+            <a:pPr algn="ctr"/>
+            <a:endParaRPr lang="ko-KR" altLang="en-US"/>
+          </a:p>
+        </p:txBody>
+      </p:sp>
+      <p:sp>
+        <p:nvSpPr>
+          <p:cNvPr id="74" name="직사각형 73">
+            <a:extLst>
+              <a:ext uri="{FF2B5EF4-FFF2-40B4-BE49-F238E27FC236}">
+                <a16:creationId xmlns:a16="http://schemas.microsoft.com/office/drawing/2014/main" id="{E09B05D0-379D-15EB-387E-045BEB78228C}"/>
+              </a:ext>
+            </a:extLst>
+          </p:cNvPr>
+          <p:cNvSpPr/>
+          <p:nvPr/>
+        </p:nvSpPr>
+        <p:spPr>
+          <a:xfrm rot="10800000">
+            <a:off x="2677734" y="1122936"/>
+            <a:ext cx="36000" cy="288000"/>
+          </a:xfrm>
+          <a:prstGeom prst="rect">
+            <a:avLst/>
+          </a:prstGeom>
+        </p:spPr>
+        <p:style>
+          <a:lnRef idx="2">
+            <a:schemeClr val="accent1">
+              <a:shade val="15000"/>
+            </a:schemeClr>
+          </a:lnRef>
+          <a:fillRef idx="1">
+            <a:schemeClr val="accent1"/>
+          </a:fillRef>
+          <a:effectRef idx="0">
+            <a:schemeClr val="accent1"/>
+          </a:effectRef>
+          <a:fontRef idx="minor">
+            <a:schemeClr val="lt1"/>
+          </a:fontRef>
+        </p:style>
+        <p:txBody>
+          <a:bodyPr rtlCol="0" anchor="ctr"/>
+          <a:lstStyle/>
+          <a:p>
+            <a:pPr algn="ctr"/>
+            <a:endParaRPr lang="ko-KR" altLang="en-US" dirty="0"/>
+          </a:p>
+        </p:txBody>
+      </p:sp>
+      <p:sp>
+        <p:nvSpPr>
+          <p:cNvPr id="76" name="순서도: 처리 75">
+            <a:extLst>
+              <a:ext uri="{FF2B5EF4-FFF2-40B4-BE49-F238E27FC236}">
+                <a16:creationId xmlns:a16="http://schemas.microsoft.com/office/drawing/2014/main" id="{6AA1ED70-3169-33A9-399C-A3692E6BF9A4}"/>
+              </a:ext>
+            </a:extLst>
+          </p:cNvPr>
+          <p:cNvSpPr/>
+          <p:nvPr/>
+        </p:nvSpPr>
+        <p:spPr>
+          <a:xfrm>
+            <a:off x="307739" y="1030758"/>
+            <a:ext cx="183714" cy="95520"/>
+          </a:xfrm>
+          <a:prstGeom prst="flowChartProcess">
+            <a:avLst/>
+          </a:prstGeom>
+          <a:solidFill>
+            <a:schemeClr val="accent6">
+              <a:alpha val="62000"/>
+            </a:schemeClr>
+          </a:solidFill>
+        </p:spPr>
+        <p:style>
+          <a:lnRef idx="2">
+            <a:schemeClr val="accent6">
+              <a:shade val="15000"/>
+            </a:schemeClr>
+          </a:lnRef>
+          <a:fillRef idx="1">
+            <a:schemeClr val="accent6"/>
+          </a:fillRef>
+          <a:effectRef idx="0">
+            <a:schemeClr val="accent6"/>
+          </a:effectRef>
+          <a:fontRef idx="minor">
+            <a:schemeClr val="lt1"/>
+          </a:fontRef>
+        </p:style>
+        <p:txBody>
+          <a:bodyPr rtlCol="0" anchor="ctr"/>
+          <a:lstStyle/>
+          <a:p>
+            <a:pPr algn="ctr"/>
+            <a:endParaRPr lang="ko-KR" altLang="en-US"/>
+          </a:p>
+        </p:txBody>
+      </p:sp>
+      <p:sp>
+        <p:nvSpPr>
+          <p:cNvPr id="78" name="순서도: 처리 77">
+            <a:extLst>
+              <a:ext uri="{FF2B5EF4-FFF2-40B4-BE49-F238E27FC236}">
+                <a16:creationId xmlns:a16="http://schemas.microsoft.com/office/drawing/2014/main" id="{CD6A22F8-CD2B-E830-28F7-B435C115928C}"/>
+              </a:ext>
+            </a:extLst>
+          </p:cNvPr>
+          <p:cNvSpPr/>
+          <p:nvPr/>
+        </p:nvSpPr>
+        <p:spPr>
+          <a:xfrm>
+            <a:off x="1670266" y="1028724"/>
+            <a:ext cx="183714" cy="95520"/>
+          </a:xfrm>
+          <a:prstGeom prst="flowChartProcess">
+            <a:avLst/>
+          </a:prstGeom>
+          <a:solidFill>
+            <a:schemeClr val="accent6">
+              <a:alpha val="62000"/>
+            </a:schemeClr>
+          </a:solidFill>
+        </p:spPr>
+        <p:style>
+          <a:lnRef idx="2">
+            <a:schemeClr val="accent6">
+              <a:shade val="15000"/>
+            </a:schemeClr>
+          </a:lnRef>
+          <a:fillRef idx="1">
+            <a:schemeClr val="accent6"/>
+          </a:fillRef>
+          <a:effectRef idx="0">
+            <a:schemeClr val="accent6"/>
+          </a:effectRef>
+          <a:fontRef idx="minor">
+            <a:schemeClr val="lt1"/>
+          </a:fontRef>
+        </p:style>
+        <p:txBody>
+          <a:bodyPr rtlCol="0" anchor="ctr"/>
+          <a:lstStyle/>
+          <a:p>
+            <a:pPr algn="ctr"/>
+            <a:endParaRPr lang="ko-KR" altLang="en-US"/>
+          </a:p>
+        </p:txBody>
+      </p:sp>
+      <p:sp>
+        <p:nvSpPr>
+          <p:cNvPr id="80" name="오른쪽 중괄호 79">
+            <a:extLst>
+              <a:ext uri="{FF2B5EF4-FFF2-40B4-BE49-F238E27FC236}">
+                <a16:creationId xmlns:a16="http://schemas.microsoft.com/office/drawing/2014/main" id="{7A9067DD-C5C7-4D40-0A80-06856556E570}"/>
+              </a:ext>
+            </a:extLst>
+          </p:cNvPr>
+          <p:cNvSpPr/>
+          <p:nvPr/>
+        </p:nvSpPr>
+        <p:spPr>
+          <a:xfrm rot="16200000">
+            <a:off x="1498422" y="760651"/>
+            <a:ext cx="108000" cy="432000"/>
+          </a:xfrm>
+          <a:prstGeom prst="rightBrace">
+            <a:avLst/>
+          </a:prstGeom>
+        </p:spPr>
+        <p:style>
+          <a:lnRef idx="1">
+            <a:schemeClr val="accent1"/>
+          </a:lnRef>
+          <a:fillRef idx="0">
+            <a:schemeClr val="accent1"/>
+          </a:fillRef>
+          <a:effectRef idx="0">
+            <a:schemeClr val="accent1"/>
+          </a:effectRef>
+          <a:fontRef idx="minor">
+            <a:schemeClr val="tx1"/>
+          </a:fontRef>
+        </p:style>
+        <p:txBody>
+          <a:bodyPr rtlCol="0" anchor="ctr"/>
+          <a:lstStyle/>
+          <a:p>
+            <a:pPr algn="ctr"/>
+            <a:endParaRPr lang="ko-KR" altLang="en-US"/>
+          </a:p>
+        </p:txBody>
+      </p:sp>
+      <p:sp>
+        <p:nvSpPr>
+          <p:cNvPr id="81" name="TextBox 80">
+            <a:extLst>
+              <a:ext uri="{FF2B5EF4-FFF2-40B4-BE49-F238E27FC236}">
+                <a16:creationId xmlns:a16="http://schemas.microsoft.com/office/drawing/2014/main" id="{B899AE98-BF7C-9397-036C-FB09FDAD413B}"/>
+              </a:ext>
+            </a:extLst>
+          </p:cNvPr>
+          <p:cNvSpPr txBox="1"/>
+          <p:nvPr/>
+        </p:nvSpPr>
+        <p:spPr>
+          <a:xfrm>
+            <a:off x="1382138" y="782927"/>
+            <a:ext cx="438218" cy="184666"/>
+          </a:xfrm>
+          <a:prstGeom prst="rect">
+            <a:avLst/>
+          </a:prstGeom>
+          <a:noFill/>
+        </p:spPr>
+        <p:txBody>
+          <a:bodyPr wrap="square" rtlCol="0">
+            <a:spAutoFit/>
+          </a:bodyPr>
+          <a:lstStyle/>
+          <a:p>
+            <a:r>
+              <a:rPr lang="en-US" altLang="ko-KR" sz="600" dirty="0"/>
+              <a:t>12cm</a:t>
+            </a:r>
+            <a:endParaRPr lang="ko-KR" altLang="en-US" sz="600" dirty="0"/>
+          </a:p>
+        </p:txBody>
+      </p:sp>
+      <p:sp>
+        <p:nvSpPr>
+          <p:cNvPr id="86" name="직사각형 85">
+            <a:extLst>
+              <a:ext uri="{FF2B5EF4-FFF2-40B4-BE49-F238E27FC236}">
+                <a16:creationId xmlns:a16="http://schemas.microsoft.com/office/drawing/2014/main" id="{26A33EB3-F2EF-F4F6-34B6-EC8E18411E37}"/>
+              </a:ext>
+            </a:extLst>
+          </p:cNvPr>
+          <p:cNvSpPr/>
+          <p:nvPr/>
+        </p:nvSpPr>
+        <p:spPr>
+          <a:xfrm>
+            <a:off x="2750021" y="838046"/>
+            <a:ext cx="720000" cy="288000"/>
+          </a:xfrm>
+          <a:prstGeom prst="rect">
+            <a:avLst/>
+          </a:prstGeom>
+          <a:solidFill>
+            <a:srgbClr val="FF0000"/>
+          </a:solidFill>
+        </p:spPr>
+        <p:style>
+          <a:lnRef idx="2">
+            <a:schemeClr val="accent1">
+              <a:shade val="15000"/>
+            </a:schemeClr>
+          </a:lnRef>
+          <a:fillRef idx="1">
+            <a:schemeClr val="accent1"/>
+          </a:fillRef>
+          <a:effectRef idx="0">
+            <a:schemeClr val="accent1"/>
+          </a:effectRef>
+          <a:fontRef idx="minor">
+            <a:schemeClr val="lt1"/>
+          </a:fontRef>
+        </p:style>
+        <p:txBody>
+          <a:bodyPr rtlCol="0" anchor="ctr"/>
+          <a:lstStyle/>
+          <a:p>
+            <a:pPr algn="ctr"/>
+            <a:endParaRPr lang="ko-KR" altLang="en-US" dirty="0"/>
+          </a:p>
+        </p:txBody>
+      </p:sp>
+      <p:sp>
+        <p:nvSpPr>
+          <p:cNvPr id="89" name="직사각형 88">
+            <a:extLst>
+              <a:ext uri="{FF2B5EF4-FFF2-40B4-BE49-F238E27FC236}">
+                <a16:creationId xmlns:a16="http://schemas.microsoft.com/office/drawing/2014/main" id="{D9087345-8264-BEEA-2841-E4E8E8F542A9}"/>
+              </a:ext>
+            </a:extLst>
+          </p:cNvPr>
+          <p:cNvSpPr/>
+          <p:nvPr/>
+        </p:nvSpPr>
+        <p:spPr>
+          <a:xfrm rot="7026973">
+            <a:off x="4137795" y="1161972"/>
+            <a:ext cx="45719" cy="244384"/>
+          </a:xfrm>
+          <a:prstGeom prst="rect">
+            <a:avLst/>
+          </a:prstGeom>
+        </p:spPr>
+        <p:style>
+          <a:lnRef idx="2">
+            <a:schemeClr val="accent1">
+              <a:shade val="15000"/>
+            </a:schemeClr>
+          </a:lnRef>
+          <a:fillRef idx="1">
+            <a:schemeClr val="accent1"/>
+          </a:fillRef>
+          <a:effectRef idx="0">
+            <a:schemeClr val="accent1"/>
+          </a:effectRef>
+          <a:fontRef idx="minor">
+            <a:schemeClr val="lt1"/>
+          </a:fontRef>
+        </p:style>
+        <p:txBody>
+          <a:bodyPr rtlCol="0" anchor="ctr"/>
+          <a:lstStyle/>
+          <a:p>
+            <a:pPr algn="ctr"/>
+            <a:endParaRPr lang="ko-KR" altLang="en-US" dirty="0"/>
+          </a:p>
+        </p:txBody>
+      </p:sp>
+    </p:spTree>
+    <p:extLst>
+      <p:ext uri="{BB962C8B-B14F-4D97-AF65-F5344CB8AC3E}">
+        <p14:creationId xmlns:p14="http://schemas.microsoft.com/office/powerpoint/2010/main" val="2108411369"/>
+      </p:ext>
+    </p:extLst>
+  </p:cSld>
+  <p:clrMapOvr>
+    <a:masterClrMapping/>
+  </p:clrMapOvr>
+</p:sld>
+</file>
+
+<file path=ppt/slides/slide3.xml><?xml version="1.0" encoding="utf-8"?>
+<p:sld xmlns:a="http://schemas.openxmlformats.org/drawingml/2006/main" xmlns:r="http://schemas.openxmlformats.org/officeDocument/2006/relationships" xmlns:p="http://schemas.openxmlformats.org/presentationml/2006/main">
+  <p:cSld>
+    <p:spTree>
+      <p:nvGrpSpPr>
+        <p:cNvPr id="1" name=""/>
+        <p:cNvGrpSpPr/>
+        <p:nvPr/>
+      </p:nvGrpSpPr>
+      <p:grpSpPr>
+        <a:xfrm>
+          <a:off x="0" y="0"/>
+          <a:ext cx="0" cy="0"/>
+          <a:chOff x="0" y="0"/>
+          <a:chExt cx="0" cy="0"/>
+        </a:xfrm>
+      </p:grpSpPr>
+      <p:sp>
+        <p:nvSpPr>
+          <p:cNvPr id="3" name="직사각형 2">
+            <a:extLst>
+              <a:ext uri="{FF2B5EF4-FFF2-40B4-BE49-F238E27FC236}">
+                <a16:creationId xmlns:a16="http://schemas.microsoft.com/office/drawing/2014/main" id="{515DB30A-3AA7-B265-5610-402791B0DDB3}"/>
+              </a:ext>
+            </a:extLst>
+          </p:cNvPr>
+          <p:cNvSpPr/>
+          <p:nvPr/>
+        </p:nvSpPr>
+        <p:spPr>
+          <a:xfrm>
             <a:off x="779143" y="402263"/>
             <a:ext cx="198000" cy="306000"/>
           </a:xfrm>

--- a/주간업무보고서/주간 업무 참고 자료/2주차 자료/반도체 제조 공정 전체 구성도.pptx
+++ b/주간업무보고서/주간 업무 참고 자료/2주차 자료/반도체 제조 공정 전체 구성도.pptx
@@ -245,7 +245,7 @@
           <a:p>
             <a:fld id="{7B7F6EB5-34DB-4516-8904-57937E4D5C05}" type="datetimeFigureOut">
               <a:rPr lang="ko-KR" altLang="en-US" smtClean="0"/>
-              <a:t>2023-11-28</a:t>
+              <a:t>2023-11-30</a:t>
             </a:fld>
             <a:endParaRPr lang="ko-KR" altLang="en-US"/>
           </a:p>
@@ -415,7 +415,7 @@
           <a:p>
             <a:fld id="{7B7F6EB5-34DB-4516-8904-57937E4D5C05}" type="datetimeFigureOut">
               <a:rPr lang="ko-KR" altLang="en-US" smtClean="0"/>
-              <a:t>2023-11-28</a:t>
+              <a:t>2023-11-30</a:t>
             </a:fld>
             <a:endParaRPr lang="ko-KR" altLang="en-US"/>
           </a:p>
@@ -595,7 +595,7 @@
           <a:p>
             <a:fld id="{7B7F6EB5-34DB-4516-8904-57937E4D5C05}" type="datetimeFigureOut">
               <a:rPr lang="ko-KR" altLang="en-US" smtClean="0"/>
-              <a:t>2023-11-28</a:t>
+              <a:t>2023-11-30</a:t>
             </a:fld>
             <a:endParaRPr lang="ko-KR" altLang="en-US"/>
           </a:p>
@@ -765,7 +765,7 @@
           <a:p>
             <a:fld id="{7B7F6EB5-34DB-4516-8904-57937E4D5C05}" type="datetimeFigureOut">
               <a:rPr lang="ko-KR" altLang="en-US" smtClean="0"/>
-              <a:t>2023-11-28</a:t>
+              <a:t>2023-11-30</a:t>
             </a:fld>
             <a:endParaRPr lang="ko-KR" altLang="en-US"/>
           </a:p>
@@ -1011,7 +1011,7 @@
           <a:p>
             <a:fld id="{7B7F6EB5-34DB-4516-8904-57937E4D5C05}" type="datetimeFigureOut">
               <a:rPr lang="ko-KR" altLang="en-US" smtClean="0"/>
-              <a:t>2023-11-28</a:t>
+              <a:t>2023-11-30</a:t>
             </a:fld>
             <a:endParaRPr lang="ko-KR" altLang="en-US"/>
           </a:p>
@@ -1243,7 +1243,7 @@
           <a:p>
             <a:fld id="{7B7F6EB5-34DB-4516-8904-57937E4D5C05}" type="datetimeFigureOut">
               <a:rPr lang="ko-KR" altLang="en-US" smtClean="0"/>
-              <a:t>2023-11-28</a:t>
+              <a:t>2023-11-30</a:t>
             </a:fld>
             <a:endParaRPr lang="ko-KR" altLang="en-US"/>
           </a:p>
@@ -1610,7 +1610,7 @@
           <a:p>
             <a:fld id="{7B7F6EB5-34DB-4516-8904-57937E4D5C05}" type="datetimeFigureOut">
               <a:rPr lang="ko-KR" altLang="en-US" smtClean="0"/>
-              <a:t>2023-11-28</a:t>
+              <a:t>2023-11-30</a:t>
             </a:fld>
             <a:endParaRPr lang="ko-KR" altLang="en-US"/>
           </a:p>
@@ -1728,7 +1728,7 @@
           <a:p>
             <a:fld id="{7B7F6EB5-34DB-4516-8904-57937E4D5C05}" type="datetimeFigureOut">
               <a:rPr lang="ko-KR" altLang="en-US" smtClean="0"/>
-              <a:t>2023-11-28</a:t>
+              <a:t>2023-11-30</a:t>
             </a:fld>
             <a:endParaRPr lang="ko-KR" altLang="en-US"/>
           </a:p>
@@ -1823,7 +1823,7 @@
           <a:p>
             <a:fld id="{7B7F6EB5-34DB-4516-8904-57937E4D5C05}" type="datetimeFigureOut">
               <a:rPr lang="ko-KR" altLang="en-US" smtClean="0"/>
-              <a:t>2023-11-28</a:t>
+              <a:t>2023-11-30</a:t>
             </a:fld>
             <a:endParaRPr lang="ko-KR" altLang="en-US"/>
           </a:p>
@@ -2100,7 +2100,7 @@
           <a:p>
             <a:fld id="{7B7F6EB5-34DB-4516-8904-57937E4D5C05}" type="datetimeFigureOut">
               <a:rPr lang="ko-KR" altLang="en-US" smtClean="0"/>
-              <a:t>2023-11-28</a:t>
+              <a:t>2023-11-30</a:t>
             </a:fld>
             <a:endParaRPr lang="ko-KR" altLang="en-US"/>
           </a:p>
@@ -2357,7 +2357,7 @@
           <a:p>
             <a:fld id="{7B7F6EB5-34DB-4516-8904-57937E4D5C05}" type="datetimeFigureOut">
               <a:rPr lang="ko-KR" altLang="en-US" smtClean="0"/>
-              <a:t>2023-11-28</a:t>
+              <a:t>2023-11-30</a:t>
             </a:fld>
             <a:endParaRPr lang="ko-KR" altLang="en-US"/>
           </a:p>
@@ -2570,7 +2570,7 @@
           <a:p>
             <a:fld id="{7B7F6EB5-34DB-4516-8904-57937E4D5C05}" type="datetimeFigureOut">
               <a:rPr lang="ko-KR" altLang="en-US" smtClean="0"/>
-              <a:t>2023-11-28</a:t>
+              <a:t>2023-11-30</a:t>
             </a:fld>
             <a:endParaRPr lang="ko-KR" altLang="en-US"/>
           </a:p>
@@ -5218,7 +5218,7 @@
         </p:nvSpPr>
         <p:spPr>
           <a:xfrm>
-            <a:off x="1006259" y="940820"/>
+            <a:off x="765937" y="707062"/>
             <a:ext cx="126000" cy="180000"/>
           </a:xfrm>
           <a:prstGeom prst="rect">
@@ -5665,7 +5665,7 @@
         </p:nvSpPr>
         <p:spPr>
           <a:xfrm rot="5400000">
-            <a:off x="4266299" y="1152277"/>
+            <a:off x="4331620" y="1152277"/>
             <a:ext cx="90000" cy="162000"/>
           </a:xfrm>
           <a:prstGeom prst="rect">
@@ -5711,7 +5711,7 @@
         </p:nvSpPr>
         <p:spPr>
           <a:xfrm>
-            <a:off x="4069107" y="1365810"/>
+            <a:off x="4108530" y="1365962"/>
             <a:ext cx="252000" cy="252000"/>
           </a:xfrm>
           <a:prstGeom prst="rect">
@@ -5757,7 +5757,7 @@
         </p:nvSpPr>
         <p:spPr>
           <a:xfrm>
-            <a:off x="4069107" y="871452"/>
+            <a:off x="4108943" y="872940"/>
             <a:ext cx="252000" cy="252000"/>
           </a:xfrm>
           <a:prstGeom prst="rect">
@@ -5791,20 +5791,20 @@
       </p:sp>
       <p:sp>
         <p:nvSpPr>
-          <p:cNvPr id="44" name="직사각형 43">
-            <a:extLst>
-              <a:ext uri="{FF2B5EF4-FFF2-40B4-BE49-F238E27FC236}">
-                <a16:creationId xmlns:a16="http://schemas.microsoft.com/office/drawing/2014/main" id="{606CCCFF-3DB5-9134-AAB4-23AE8C982EFE}"/>
-              </a:ext>
-            </a:extLst>
-          </p:cNvPr>
-          <p:cNvSpPr/>
-          <p:nvPr/>
-        </p:nvSpPr>
-        <p:spPr>
-          <a:xfrm rot="3783398">
-            <a:off x="4139303" y="1066861"/>
-            <a:ext cx="45719" cy="240434"/>
+          <p:cNvPr id="47" name="직사각형 46">
+            <a:extLst>
+              <a:ext uri="{FF2B5EF4-FFF2-40B4-BE49-F238E27FC236}">
+                <a16:creationId xmlns:a16="http://schemas.microsoft.com/office/drawing/2014/main" id="{1136DA5A-17C8-611D-18AB-BBDBB9DDC366}"/>
+              </a:ext>
+            </a:extLst>
+          </p:cNvPr>
+          <p:cNvSpPr/>
+          <p:nvPr/>
+        </p:nvSpPr>
+        <p:spPr>
+          <a:xfrm rot="10800000">
+            <a:off x="916752" y="1130913"/>
+            <a:ext cx="36000" cy="288000"/>
           </a:xfrm>
           <a:prstGeom prst="rect">
             <a:avLst/>
@@ -5837,24 +5837,75 @@
       </p:sp>
       <p:sp>
         <p:nvSpPr>
-          <p:cNvPr id="46" name="직사각형 45">
-            <a:extLst>
-              <a:ext uri="{FF2B5EF4-FFF2-40B4-BE49-F238E27FC236}">
-                <a16:creationId xmlns:a16="http://schemas.microsoft.com/office/drawing/2014/main" id="{200E3C7D-117E-E3AA-64DD-1A250CB0A3D1}"/>
-              </a:ext>
-            </a:extLst>
-          </p:cNvPr>
-          <p:cNvSpPr/>
-          <p:nvPr/>
-        </p:nvSpPr>
-        <p:spPr>
-          <a:xfrm rot="5400000">
-            <a:off x="4139765" y="1151643"/>
-            <a:ext cx="45719" cy="175331"/>
+          <p:cNvPr id="50" name="직사각형 49">
+            <a:extLst>
+              <a:ext uri="{FF2B5EF4-FFF2-40B4-BE49-F238E27FC236}">
+                <a16:creationId xmlns:a16="http://schemas.microsoft.com/office/drawing/2014/main" id="{8F4C75B3-863B-EE9E-C768-90867C587B83}"/>
+              </a:ext>
+            </a:extLst>
+          </p:cNvPr>
+          <p:cNvSpPr/>
+          <p:nvPr/>
+        </p:nvSpPr>
+        <p:spPr>
+          <a:xfrm rot="10800000">
+            <a:off x="1905225" y="957959"/>
+            <a:ext cx="90000" cy="162000"/>
           </a:xfrm>
           <a:prstGeom prst="rect">
             <a:avLst/>
           </a:prstGeom>
+        </p:spPr>
+        <p:style>
+          <a:lnRef idx="2">
+            <a:schemeClr val="dk1">
+              <a:shade val="15000"/>
+            </a:schemeClr>
+          </a:lnRef>
+          <a:fillRef idx="1">
+            <a:schemeClr val="dk1"/>
+          </a:fillRef>
+          <a:effectRef idx="0">
+            <a:schemeClr val="dk1"/>
+          </a:effectRef>
+          <a:fontRef idx="minor">
+            <a:schemeClr val="lt1"/>
+          </a:fontRef>
+        </p:style>
+        <p:txBody>
+          <a:bodyPr rtlCol="0" anchor="ctr"/>
+          <a:lstStyle/>
+          <a:p>
+            <a:pPr algn="ctr"/>
+            <a:endParaRPr lang="ko-KR" altLang="en-US" dirty="0"/>
+          </a:p>
+        </p:txBody>
+      </p:sp>
+      <p:sp>
+        <p:nvSpPr>
+          <p:cNvPr id="51" name="직사각형 50">
+            <a:extLst>
+              <a:ext uri="{FF2B5EF4-FFF2-40B4-BE49-F238E27FC236}">
+                <a16:creationId xmlns:a16="http://schemas.microsoft.com/office/drawing/2014/main" id="{85AFD877-62F4-DE1E-5EEB-ACF7FE7588E5}"/>
+              </a:ext>
+            </a:extLst>
+          </p:cNvPr>
+          <p:cNvSpPr/>
+          <p:nvPr/>
+        </p:nvSpPr>
+        <p:spPr>
+          <a:xfrm>
+            <a:off x="1774701" y="700270"/>
+            <a:ext cx="126000" cy="180000"/>
+          </a:xfrm>
+          <a:prstGeom prst="rect">
+            <a:avLst/>
+          </a:prstGeom>
+          <a:solidFill>
+            <a:schemeClr val="accent2">
+              <a:lumMod val="50000"/>
+            </a:schemeClr>
+          </a:solidFill>
         </p:spPr>
         <p:style>
           <a:lnRef idx="2">
@@ -5883,10 +5934,107 @@
       </p:sp>
       <p:sp>
         <p:nvSpPr>
-          <p:cNvPr id="47" name="직사각형 46">
-            <a:extLst>
-              <a:ext uri="{FF2B5EF4-FFF2-40B4-BE49-F238E27FC236}">
-                <a16:creationId xmlns:a16="http://schemas.microsoft.com/office/drawing/2014/main" id="{1136DA5A-17C8-611D-18AB-BBDBB9DDC366}"/>
+          <p:cNvPr id="52" name="직사각형 51">
+            <a:extLst>
+              <a:ext uri="{FF2B5EF4-FFF2-40B4-BE49-F238E27FC236}">
+                <a16:creationId xmlns:a16="http://schemas.microsoft.com/office/drawing/2014/main" id="{3446F67F-ED45-7A78-1016-64D63FCB0CC5}"/>
+              </a:ext>
+            </a:extLst>
+          </p:cNvPr>
+          <p:cNvSpPr/>
+          <p:nvPr/>
+        </p:nvSpPr>
+        <p:spPr>
+          <a:xfrm>
+            <a:off x="1936195" y="1370062"/>
+            <a:ext cx="252000" cy="252000"/>
+          </a:xfrm>
+          <a:prstGeom prst="rect">
+            <a:avLst/>
+          </a:prstGeom>
+        </p:spPr>
+        <p:style>
+          <a:lnRef idx="2">
+            <a:schemeClr val="accent2">
+              <a:shade val="15000"/>
+            </a:schemeClr>
+          </a:lnRef>
+          <a:fillRef idx="1">
+            <a:schemeClr val="accent2"/>
+          </a:fillRef>
+          <a:effectRef idx="0">
+            <a:schemeClr val="accent2"/>
+          </a:effectRef>
+          <a:fontRef idx="minor">
+            <a:schemeClr val="lt1"/>
+          </a:fontRef>
+        </p:style>
+        <p:txBody>
+          <a:bodyPr rtlCol="0" anchor="ctr"/>
+          <a:lstStyle/>
+          <a:p>
+            <a:pPr algn="ctr"/>
+            <a:endParaRPr lang="ko-KR" altLang="en-US" dirty="0"/>
+          </a:p>
+        </p:txBody>
+      </p:sp>
+      <p:sp>
+        <p:nvSpPr>
+          <p:cNvPr id="53" name="순서도: 처리 52">
+            <a:extLst>
+              <a:ext uri="{FF2B5EF4-FFF2-40B4-BE49-F238E27FC236}">
+                <a16:creationId xmlns:a16="http://schemas.microsoft.com/office/drawing/2014/main" id="{FC93A8B0-1A3D-ABD9-FEB4-A6536B6791F4}"/>
+              </a:ext>
+            </a:extLst>
+          </p:cNvPr>
+          <p:cNvSpPr/>
+          <p:nvPr/>
+        </p:nvSpPr>
+        <p:spPr>
+          <a:xfrm>
+            <a:off x="1242708" y="1027860"/>
+            <a:ext cx="183714" cy="95520"/>
+          </a:xfrm>
+          <a:prstGeom prst="flowChartProcess">
+            <a:avLst/>
+          </a:prstGeom>
+          <a:solidFill>
+            <a:schemeClr val="accent6">
+              <a:alpha val="62000"/>
+            </a:schemeClr>
+          </a:solidFill>
+        </p:spPr>
+        <p:style>
+          <a:lnRef idx="2">
+            <a:schemeClr val="accent6">
+              <a:shade val="15000"/>
+            </a:schemeClr>
+          </a:lnRef>
+          <a:fillRef idx="1">
+            <a:schemeClr val="accent6"/>
+          </a:fillRef>
+          <a:effectRef idx="0">
+            <a:schemeClr val="accent6"/>
+          </a:effectRef>
+          <a:fontRef idx="minor">
+            <a:schemeClr val="lt1"/>
+          </a:fontRef>
+        </p:style>
+        <p:txBody>
+          <a:bodyPr rtlCol="0" anchor="ctr"/>
+          <a:lstStyle/>
+          <a:p>
+            <a:pPr algn="ctr"/>
+            <a:endParaRPr lang="ko-KR" altLang="en-US"/>
+          </a:p>
+        </p:txBody>
+      </p:sp>
+      <p:sp>
+        <p:nvSpPr>
+          <p:cNvPr id="54" name="직사각형 53">
+            <a:extLst>
+              <a:ext uri="{FF2B5EF4-FFF2-40B4-BE49-F238E27FC236}">
+                <a16:creationId xmlns:a16="http://schemas.microsoft.com/office/drawing/2014/main" id="{8FF9C13D-AA6B-9A4B-2D99-81114D2F6358}"/>
               </a:ext>
             </a:extLst>
           </p:cNvPr>
@@ -5895,7 +6043,7 @@
         </p:nvSpPr>
         <p:spPr>
           <a:xfrm rot="10800000">
-            <a:off x="916752" y="1130913"/>
+            <a:off x="1933173" y="1122936"/>
             <a:ext cx="36000" cy="288000"/>
           </a:xfrm>
           <a:prstGeom prst="rect">
@@ -5929,10 +6077,10 @@
       </p:sp>
       <p:sp>
         <p:nvSpPr>
-          <p:cNvPr id="50" name="직사각형 49">
-            <a:extLst>
-              <a:ext uri="{FF2B5EF4-FFF2-40B4-BE49-F238E27FC236}">
-                <a16:creationId xmlns:a16="http://schemas.microsoft.com/office/drawing/2014/main" id="{8F4C75B3-863B-EE9E-C768-90867C587B83}"/>
+          <p:cNvPr id="63" name="직사각형 62">
+            <a:extLst>
+              <a:ext uri="{FF2B5EF4-FFF2-40B4-BE49-F238E27FC236}">
+                <a16:creationId xmlns:a16="http://schemas.microsoft.com/office/drawing/2014/main" id="{0FA44C52-7C1E-4C68-F885-791DDC02C5DF}"/>
               </a:ext>
             </a:extLst>
           </p:cNvPr>
@@ -5941,7 +6089,7 @@
         </p:nvSpPr>
         <p:spPr>
           <a:xfrm rot="10800000">
-            <a:off x="1905225" y="957959"/>
+            <a:off x="3664954" y="960170"/>
             <a:ext cx="90000" cy="162000"/>
           </a:xfrm>
           <a:prstGeom prst="rect">
@@ -5975,19 +6123,19 @@
       </p:sp>
       <p:sp>
         <p:nvSpPr>
-          <p:cNvPr id="51" name="직사각형 50">
-            <a:extLst>
-              <a:ext uri="{FF2B5EF4-FFF2-40B4-BE49-F238E27FC236}">
-                <a16:creationId xmlns:a16="http://schemas.microsoft.com/office/drawing/2014/main" id="{85AFD877-62F4-DE1E-5EEB-ACF7FE7588E5}"/>
-              </a:ext>
-            </a:extLst>
-          </p:cNvPr>
-          <p:cNvSpPr/>
-          <p:nvPr/>
-        </p:nvSpPr>
-        <p:spPr>
-          <a:xfrm>
-            <a:off x="2031196" y="942079"/>
+          <p:cNvPr id="64" name="직사각형 63">
+            <a:extLst>
+              <a:ext uri="{FF2B5EF4-FFF2-40B4-BE49-F238E27FC236}">
+                <a16:creationId xmlns:a16="http://schemas.microsoft.com/office/drawing/2014/main" id="{C6591E70-D21C-263A-B008-14725DAF708A}"/>
+              </a:ext>
+            </a:extLst>
+          </p:cNvPr>
+          <p:cNvSpPr/>
+          <p:nvPr/>
+        </p:nvSpPr>
+        <p:spPr>
+          <a:xfrm>
+            <a:off x="3728564" y="704215"/>
             <a:ext cx="126000" cy="180000"/>
           </a:xfrm>
           <a:prstGeom prst="rect">
@@ -6026,19 +6174,19 @@
       </p:sp>
       <p:sp>
         <p:nvSpPr>
-          <p:cNvPr id="52" name="직사각형 51">
-            <a:extLst>
-              <a:ext uri="{FF2B5EF4-FFF2-40B4-BE49-F238E27FC236}">
-                <a16:creationId xmlns:a16="http://schemas.microsoft.com/office/drawing/2014/main" id="{3446F67F-ED45-7A78-1016-64D63FCB0CC5}"/>
-              </a:ext>
-            </a:extLst>
-          </p:cNvPr>
-          <p:cNvSpPr/>
-          <p:nvPr/>
-        </p:nvSpPr>
-        <p:spPr>
-          <a:xfrm>
-            <a:off x="1936195" y="1370062"/>
+          <p:cNvPr id="65" name="직사각형 64">
+            <a:extLst>
+              <a:ext uri="{FF2B5EF4-FFF2-40B4-BE49-F238E27FC236}">
+                <a16:creationId xmlns:a16="http://schemas.microsoft.com/office/drawing/2014/main" id="{3A274ED8-10E9-C8BD-EA19-4132F3AA411C}"/>
+              </a:ext>
+            </a:extLst>
+          </p:cNvPr>
+          <p:cNvSpPr/>
+          <p:nvPr/>
+        </p:nvSpPr>
+        <p:spPr>
+          <a:xfrm>
+            <a:off x="3695696" y="1369976"/>
             <a:ext cx="252000" cy="252000"/>
           </a:xfrm>
           <a:prstGeom prst="rect">
@@ -6072,19 +6220,19 @@
       </p:sp>
       <p:sp>
         <p:nvSpPr>
-          <p:cNvPr id="53" name="순서도: 처리 52">
-            <a:extLst>
-              <a:ext uri="{FF2B5EF4-FFF2-40B4-BE49-F238E27FC236}">
-                <a16:creationId xmlns:a16="http://schemas.microsoft.com/office/drawing/2014/main" id="{FC93A8B0-1A3D-ABD9-FEB4-A6536B6791F4}"/>
-              </a:ext>
-            </a:extLst>
-          </p:cNvPr>
-          <p:cNvSpPr/>
-          <p:nvPr/>
-        </p:nvSpPr>
-        <p:spPr>
-          <a:xfrm>
-            <a:off x="1242708" y="1027860"/>
+          <p:cNvPr id="66" name="순서도: 처리 65">
+            <a:extLst>
+              <a:ext uri="{FF2B5EF4-FFF2-40B4-BE49-F238E27FC236}">
+                <a16:creationId xmlns:a16="http://schemas.microsoft.com/office/drawing/2014/main" id="{68DD53A9-D24A-978A-221C-0CF3B47D3BA2}"/>
+              </a:ext>
+            </a:extLst>
+          </p:cNvPr>
+          <p:cNvSpPr/>
+          <p:nvPr/>
+        </p:nvSpPr>
+        <p:spPr>
+          <a:xfrm>
+            <a:off x="3222929" y="1019847"/>
             <a:ext cx="183714" cy="95520"/>
           </a:xfrm>
           <a:prstGeom prst="flowChartProcess">
@@ -6123,10 +6271,10 @@
       </p:sp>
       <p:sp>
         <p:nvSpPr>
-          <p:cNvPr id="54" name="직사각형 53">
-            <a:extLst>
-              <a:ext uri="{FF2B5EF4-FFF2-40B4-BE49-F238E27FC236}">
-                <a16:creationId xmlns:a16="http://schemas.microsoft.com/office/drawing/2014/main" id="{8FF9C13D-AA6B-9A4B-2D99-81114D2F6358}"/>
+          <p:cNvPr id="67" name="직사각형 66">
+            <a:extLst>
+              <a:ext uri="{FF2B5EF4-FFF2-40B4-BE49-F238E27FC236}">
+                <a16:creationId xmlns:a16="http://schemas.microsoft.com/office/drawing/2014/main" id="{8D2960C1-F12A-4076-7A5C-612678713490}"/>
               </a:ext>
             </a:extLst>
           </p:cNvPr>
@@ -6135,7 +6283,7 @@
         </p:nvSpPr>
         <p:spPr>
           <a:xfrm rot="10800000">
-            <a:off x="1933173" y="1122936"/>
+            <a:off x="3692902" y="1125147"/>
             <a:ext cx="36000" cy="288000"/>
           </a:xfrm>
           <a:prstGeom prst="rect">
@@ -6169,10 +6317,10 @@
       </p:sp>
       <p:sp>
         <p:nvSpPr>
-          <p:cNvPr id="63" name="직사각형 62">
-            <a:extLst>
-              <a:ext uri="{FF2B5EF4-FFF2-40B4-BE49-F238E27FC236}">
-                <a16:creationId xmlns:a16="http://schemas.microsoft.com/office/drawing/2014/main" id="{0FA44C52-7C1E-4C68-F885-791DDC02C5DF}"/>
+          <p:cNvPr id="70" name="직사각형 69">
+            <a:extLst>
+              <a:ext uri="{FF2B5EF4-FFF2-40B4-BE49-F238E27FC236}">
+                <a16:creationId xmlns:a16="http://schemas.microsoft.com/office/drawing/2014/main" id="{61826E22-F307-8992-9779-1029D8AEC8CA}"/>
               </a:ext>
             </a:extLst>
           </p:cNvPr>
@@ -6181,7 +6329,7 @@
         </p:nvSpPr>
         <p:spPr>
           <a:xfrm rot="10800000">
-            <a:off x="3664954" y="960170"/>
+            <a:off x="2649786" y="957959"/>
             <a:ext cx="90000" cy="162000"/>
           </a:xfrm>
           <a:prstGeom prst="rect">
@@ -6215,246 +6363,6 @@
       </p:sp>
       <p:sp>
         <p:nvSpPr>
-          <p:cNvPr id="64" name="직사각형 63">
-            <a:extLst>
-              <a:ext uri="{FF2B5EF4-FFF2-40B4-BE49-F238E27FC236}">
-                <a16:creationId xmlns:a16="http://schemas.microsoft.com/office/drawing/2014/main" id="{C6591E70-D21C-263A-B008-14725DAF708A}"/>
-              </a:ext>
-            </a:extLst>
-          </p:cNvPr>
-          <p:cNvSpPr/>
-          <p:nvPr/>
-        </p:nvSpPr>
-        <p:spPr>
-          <a:xfrm>
-            <a:off x="3788750" y="945763"/>
-            <a:ext cx="126000" cy="180000"/>
-          </a:xfrm>
-          <a:prstGeom prst="rect">
-            <a:avLst/>
-          </a:prstGeom>
-          <a:solidFill>
-            <a:schemeClr val="accent2">
-              <a:lumMod val="50000"/>
-            </a:schemeClr>
-          </a:solidFill>
-        </p:spPr>
-        <p:style>
-          <a:lnRef idx="2">
-            <a:schemeClr val="accent1">
-              <a:shade val="15000"/>
-            </a:schemeClr>
-          </a:lnRef>
-          <a:fillRef idx="1">
-            <a:schemeClr val="accent1"/>
-          </a:fillRef>
-          <a:effectRef idx="0">
-            <a:schemeClr val="accent1"/>
-          </a:effectRef>
-          <a:fontRef idx="minor">
-            <a:schemeClr val="lt1"/>
-          </a:fontRef>
-        </p:style>
-        <p:txBody>
-          <a:bodyPr rtlCol="0" anchor="ctr"/>
-          <a:lstStyle/>
-          <a:p>
-            <a:pPr algn="ctr"/>
-            <a:endParaRPr lang="ko-KR" altLang="en-US" dirty="0"/>
-          </a:p>
-        </p:txBody>
-      </p:sp>
-      <p:sp>
-        <p:nvSpPr>
-          <p:cNvPr id="65" name="직사각형 64">
-            <a:extLst>
-              <a:ext uri="{FF2B5EF4-FFF2-40B4-BE49-F238E27FC236}">
-                <a16:creationId xmlns:a16="http://schemas.microsoft.com/office/drawing/2014/main" id="{3A274ED8-10E9-C8BD-EA19-4132F3AA411C}"/>
-              </a:ext>
-            </a:extLst>
-          </p:cNvPr>
-          <p:cNvSpPr/>
-          <p:nvPr/>
-        </p:nvSpPr>
-        <p:spPr>
-          <a:xfrm>
-            <a:off x="3695696" y="1369976"/>
-            <a:ext cx="252000" cy="252000"/>
-          </a:xfrm>
-          <a:prstGeom prst="rect">
-            <a:avLst/>
-          </a:prstGeom>
-        </p:spPr>
-        <p:style>
-          <a:lnRef idx="2">
-            <a:schemeClr val="accent2">
-              <a:shade val="15000"/>
-            </a:schemeClr>
-          </a:lnRef>
-          <a:fillRef idx="1">
-            <a:schemeClr val="accent2"/>
-          </a:fillRef>
-          <a:effectRef idx="0">
-            <a:schemeClr val="accent2"/>
-          </a:effectRef>
-          <a:fontRef idx="minor">
-            <a:schemeClr val="lt1"/>
-          </a:fontRef>
-        </p:style>
-        <p:txBody>
-          <a:bodyPr rtlCol="0" anchor="ctr"/>
-          <a:lstStyle/>
-          <a:p>
-            <a:pPr algn="ctr"/>
-            <a:endParaRPr lang="ko-KR" altLang="en-US" dirty="0"/>
-          </a:p>
-        </p:txBody>
-      </p:sp>
-      <p:sp>
-        <p:nvSpPr>
-          <p:cNvPr id="66" name="순서도: 처리 65">
-            <a:extLst>
-              <a:ext uri="{FF2B5EF4-FFF2-40B4-BE49-F238E27FC236}">
-                <a16:creationId xmlns:a16="http://schemas.microsoft.com/office/drawing/2014/main" id="{68DD53A9-D24A-978A-221C-0CF3B47D3BA2}"/>
-              </a:ext>
-            </a:extLst>
-          </p:cNvPr>
-          <p:cNvSpPr/>
-          <p:nvPr/>
-        </p:nvSpPr>
-        <p:spPr>
-          <a:xfrm>
-            <a:off x="3268551" y="1031424"/>
-            <a:ext cx="183714" cy="95520"/>
-          </a:xfrm>
-          <a:prstGeom prst="flowChartProcess">
-            <a:avLst/>
-          </a:prstGeom>
-          <a:solidFill>
-            <a:schemeClr val="accent6">
-              <a:alpha val="62000"/>
-            </a:schemeClr>
-          </a:solidFill>
-        </p:spPr>
-        <p:style>
-          <a:lnRef idx="2">
-            <a:schemeClr val="accent6">
-              <a:shade val="15000"/>
-            </a:schemeClr>
-          </a:lnRef>
-          <a:fillRef idx="1">
-            <a:schemeClr val="accent6"/>
-          </a:fillRef>
-          <a:effectRef idx="0">
-            <a:schemeClr val="accent6"/>
-          </a:effectRef>
-          <a:fontRef idx="minor">
-            <a:schemeClr val="lt1"/>
-          </a:fontRef>
-        </p:style>
-        <p:txBody>
-          <a:bodyPr rtlCol="0" anchor="ctr"/>
-          <a:lstStyle/>
-          <a:p>
-            <a:pPr algn="ctr"/>
-            <a:endParaRPr lang="ko-KR" altLang="en-US"/>
-          </a:p>
-        </p:txBody>
-      </p:sp>
-      <p:sp>
-        <p:nvSpPr>
-          <p:cNvPr id="67" name="직사각형 66">
-            <a:extLst>
-              <a:ext uri="{FF2B5EF4-FFF2-40B4-BE49-F238E27FC236}">
-                <a16:creationId xmlns:a16="http://schemas.microsoft.com/office/drawing/2014/main" id="{8D2960C1-F12A-4076-7A5C-612678713490}"/>
-              </a:ext>
-            </a:extLst>
-          </p:cNvPr>
-          <p:cNvSpPr/>
-          <p:nvPr/>
-        </p:nvSpPr>
-        <p:spPr>
-          <a:xfrm rot="10800000">
-            <a:off x="3692902" y="1125147"/>
-            <a:ext cx="36000" cy="288000"/>
-          </a:xfrm>
-          <a:prstGeom prst="rect">
-            <a:avLst/>
-          </a:prstGeom>
-        </p:spPr>
-        <p:style>
-          <a:lnRef idx="2">
-            <a:schemeClr val="accent1">
-              <a:shade val="15000"/>
-            </a:schemeClr>
-          </a:lnRef>
-          <a:fillRef idx="1">
-            <a:schemeClr val="accent1"/>
-          </a:fillRef>
-          <a:effectRef idx="0">
-            <a:schemeClr val="accent1"/>
-          </a:effectRef>
-          <a:fontRef idx="minor">
-            <a:schemeClr val="lt1"/>
-          </a:fontRef>
-        </p:style>
-        <p:txBody>
-          <a:bodyPr rtlCol="0" anchor="ctr"/>
-          <a:lstStyle/>
-          <a:p>
-            <a:pPr algn="ctr"/>
-            <a:endParaRPr lang="ko-KR" altLang="en-US" dirty="0"/>
-          </a:p>
-        </p:txBody>
-      </p:sp>
-      <p:sp>
-        <p:nvSpPr>
-          <p:cNvPr id="70" name="직사각형 69">
-            <a:extLst>
-              <a:ext uri="{FF2B5EF4-FFF2-40B4-BE49-F238E27FC236}">
-                <a16:creationId xmlns:a16="http://schemas.microsoft.com/office/drawing/2014/main" id="{61826E22-F307-8992-9779-1029D8AEC8CA}"/>
-              </a:ext>
-            </a:extLst>
-          </p:cNvPr>
-          <p:cNvSpPr/>
-          <p:nvPr/>
-        </p:nvSpPr>
-        <p:spPr>
-          <a:xfrm rot="10800000">
-            <a:off x="2649786" y="957959"/>
-            <a:ext cx="90000" cy="162000"/>
-          </a:xfrm>
-          <a:prstGeom prst="rect">
-            <a:avLst/>
-          </a:prstGeom>
-        </p:spPr>
-        <p:style>
-          <a:lnRef idx="2">
-            <a:schemeClr val="dk1">
-              <a:shade val="15000"/>
-            </a:schemeClr>
-          </a:lnRef>
-          <a:fillRef idx="1">
-            <a:schemeClr val="dk1"/>
-          </a:fillRef>
-          <a:effectRef idx="0">
-            <a:schemeClr val="dk1"/>
-          </a:effectRef>
-          <a:fontRef idx="minor">
-            <a:schemeClr val="lt1"/>
-          </a:fontRef>
-        </p:style>
-        <p:txBody>
-          <a:bodyPr rtlCol="0" anchor="ctr"/>
-          <a:lstStyle/>
-          <a:p>
-            <a:pPr algn="ctr"/>
-            <a:endParaRPr lang="ko-KR" altLang="en-US" dirty="0"/>
-          </a:p>
-        </p:txBody>
-      </p:sp>
-      <p:sp>
-        <p:nvSpPr>
           <p:cNvPr id="71" name="직사각형 70">
             <a:extLst>
               <a:ext uri="{FF2B5EF4-FFF2-40B4-BE49-F238E27FC236}">
@@ -6467,7 +6375,7 @@
         </p:nvSpPr>
         <p:spPr>
           <a:xfrm>
-            <a:off x="2775757" y="942079"/>
+            <a:off x="2749723" y="708735"/>
             <a:ext cx="126000" cy="180000"/>
           </a:xfrm>
           <a:prstGeom prst="rect">
@@ -6843,7 +6751,7 @@
         </p:nvSpPr>
         <p:spPr>
           <a:xfrm>
-            <a:off x="2750021" y="838046"/>
+            <a:off x="4182553" y="416215"/>
             <a:ext cx="720000" cy="288000"/>
           </a:xfrm>
           <a:prstGeom prst="rect">
@@ -6880,20 +6788,112 @@
       </p:sp>
       <p:sp>
         <p:nvSpPr>
-          <p:cNvPr id="89" name="직사각형 88">
-            <a:extLst>
-              <a:ext uri="{FF2B5EF4-FFF2-40B4-BE49-F238E27FC236}">
-                <a16:creationId xmlns:a16="http://schemas.microsoft.com/office/drawing/2014/main" id="{D9087345-8264-BEEA-2841-E4E8E8F542A9}"/>
-              </a:ext>
-            </a:extLst>
-          </p:cNvPr>
-          <p:cNvSpPr/>
-          <p:nvPr/>
-        </p:nvSpPr>
-        <p:spPr>
-          <a:xfrm rot="7026973">
-            <a:off x="4137795" y="1161972"/>
-            <a:ext cx="45719" cy="244384"/>
+          <p:cNvPr id="7" name="직사각형 6">
+            <a:extLst>
+              <a:ext uri="{FF2B5EF4-FFF2-40B4-BE49-F238E27FC236}">
+                <a16:creationId xmlns:a16="http://schemas.microsoft.com/office/drawing/2014/main" id="{66DEDA32-2FF2-1552-12B6-71565288B74C}"/>
+              </a:ext>
+            </a:extLst>
+          </p:cNvPr>
+          <p:cNvSpPr/>
+          <p:nvPr/>
+        </p:nvSpPr>
+        <p:spPr>
+          <a:xfrm rot="5400000">
+            <a:off x="4128155" y="1090727"/>
+            <a:ext cx="36000" cy="288000"/>
+          </a:xfrm>
+          <a:prstGeom prst="rect">
+            <a:avLst/>
+          </a:prstGeom>
+        </p:spPr>
+        <p:style>
+          <a:lnRef idx="2">
+            <a:schemeClr val="accent1">
+              <a:shade val="15000"/>
+            </a:schemeClr>
+          </a:lnRef>
+          <a:fillRef idx="1">
+            <a:schemeClr val="accent1"/>
+          </a:fillRef>
+          <a:effectRef idx="0">
+            <a:schemeClr val="accent1"/>
+          </a:effectRef>
+          <a:fontRef idx="minor">
+            <a:schemeClr val="lt1"/>
+          </a:fontRef>
+        </p:style>
+        <p:txBody>
+          <a:bodyPr rtlCol="0" anchor="ctr"/>
+          <a:lstStyle/>
+          <a:p>
+            <a:pPr algn="ctr"/>
+            <a:endParaRPr lang="ko-KR" altLang="en-US" dirty="0"/>
+          </a:p>
+        </p:txBody>
+      </p:sp>
+      <p:sp>
+        <p:nvSpPr>
+          <p:cNvPr id="9" name="직사각형 8">
+            <a:extLst>
+              <a:ext uri="{FF2B5EF4-FFF2-40B4-BE49-F238E27FC236}">
+                <a16:creationId xmlns:a16="http://schemas.microsoft.com/office/drawing/2014/main" id="{01DFD736-EB1E-1510-AC71-F5502A8315EC}"/>
+              </a:ext>
+            </a:extLst>
+          </p:cNvPr>
+          <p:cNvSpPr/>
+          <p:nvPr/>
+        </p:nvSpPr>
+        <p:spPr>
+          <a:xfrm rot="3590475">
+            <a:off x="4237763" y="1099913"/>
+            <a:ext cx="45719" cy="177640"/>
+          </a:xfrm>
+          <a:prstGeom prst="rect">
+            <a:avLst/>
+          </a:prstGeom>
+        </p:spPr>
+        <p:style>
+          <a:lnRef idx="2">
+            <a:schemeClr val="accent1">
+              <a:shade val="15000"/>
+            </a:schemeClr>
+          </a:lnRef>
+          <a:fillRef idx="1">
+            <a:schemeClr val="accent1"/>
+          </a:fillRef>
+          <a:effectRef idx="0">
+            <a:schemeClr val="accent1"/>
+          </a:effectRef>
+          <a:fontRef idx="minor">
+            <a:schemeClr val="lt1"/>
+          </a:fontRef>
+        </p:style>
+        <p:txBody>
+          <a:bodyPr rtlCol="0" anchor="ctr"/>
+          <a:lstStyle/>
+          <a:p>
+            <a:pPr algn="ctr"/>
+            <a:endParaRPr lang="ko-KR" altLang="en-US" dirty="0"/>
+          </a:p>
+        </p:txBody>
+      </p:sp>
+      <p:sp>
+        <p:nvSpPr>
+          <p:cNvPr id="10" name="직사각형 9">
+            <a:extLst>
+              <a:ext uri="{FF2B5EF4-FFF2-40B4-BE49-F238E27FC236}">
+                <a16:creationId xmlns:a16="http://schemas.microsoft.com/office/drawing/2014/main" id="{5F08C2EE-CAD9-9657-3F37-EDBF23EAB5E0}"/>
+              </a:ext>
+            </a:extLst>
+          </p:cNvPr>
+          <p:cNvSpPr/>
+          <p:nvPr/>
+        </p:nvSpPr>
+        <p:spPr>
+          <a:xfrm rot="7671421">
+            <a:off x="4234725" y="1200819"/>
+            <a:ext cx="45719" cy="177640"/>
           </a:xfrm>
           <a:prstGeom prst="rect">
             <a:avLst/>

--- a/주간업무보고서/주간 업무 참고 자료/2주차 자료/반도체 제조 공정 전체 구성도.pptx
+++ b/주간업무보고서/주간 업무 참고 자료/2주차 자료/반도체 제조 공정 전체 구성도.pptx
@@ -6739,55 +6739,6 @@
       </p:sp>
       <p:sp>
         <p:nvSpPr>
-          <p:cNvPr id="86" name="직사각형 85">
-            <a:extLst>
-              <a:ext uri="{FF2B5EF4-FFF2-40B4-BE49-F238E27FC236}">
-                <a16:creationId xmlns:a16="http://schemas.microsoft.com/office/drawing/2014/main" id="{26A33EB3-F2EF-F4F6-34B6-EC8E18411E37}"/>
-              </a:ext>
-            </a:extLst>
-          </p:cNvPr>
-          <p:cNvSpPr/>
-          <p:nvPr/>
-        </p:nvSpPr>
-        <p:spPr>
-          <a:xfrm>
-            <a:off x="4182553" y="416215"/>
-            <a:ext cx="720000" cy="288000"/>
-          </a:xfrm>
-          <a:prstGeom prst="rect">
-            <a:avLst/>
-          </a:prstGeom>
-          <a:solidFill>
-            <a:srgbClr val="FF0000"/>
-          </a:solidFill>
-        </p:spPr>
-        <p:style>
-          <a:lnRef idx="2">
-            <a:schemeClr val="accent1">
-              <a:shade val="15000"/>
-            </a:schemeClr>
-          </a:lnRef>
-          <a:fillRef idx="1">
-            <a:schemeClr val="accent1"/>
-          </a:fillRef>
-          <a:effectRef idx="0">
-            <a:schemeClr val="accent1"/>
-          </a:effectRef>
-          <a:fontRef idx="minor">
-            <a:schemeClr val="lt1"/>
-          </a:fontRef>
-        </p:style>
-        <p:txBody>
-          <a:bodyPr rtlCol="0" anchor="ctr"/>
-          <a:lstStyle/>
-          <a:p>
-            <a:pPr algn="ctr"/>
-            <a:endParaRPr lang="ko-KR" altLang="en-US" dirty="0"/>
-          </a:p>
-        </p:txBody>
-      </p:sp>
-      <p:sp>
-        <p:nvSpPr>
           <p:cNvPr id="7" name="직사각형 6">
             <a:extLst>
               <a:ext uri="{FF2B5EF4-FFF2-40B4-BE49-F238E27FC236}">

--- a/주간업무보고서/주간 업무 참고 자료/2주차 자료/반도체 제조 공정 전체 구성도.pptx
+++ b/주간업무보고서/주간 업무 참고 자료/2주차 자료/반도체 제조 공정 전체 구성도.pptx
@@ -245,7 +245,7 @@
           <a:p>
             <a:fld id="{7B7F6EB5-34DB-4516-8904-57937E4D5C05}" type="datetimeFigureOut">
               <a:rPr lang="ko-KR" altLang="en-US" smtClean="0"/>
-              <a:t>2023-11-30</a:t>
+              <a:t>2023-12-02</a:t>
             </a:fld>
             <a:endParaRPr lang="ko-KR" altLang="en-US"/>
           </a:p>
@@ -415,7 +415,7 @@
           <a:p>
             <a:fld id="{7B7F6EB5-34DB-4516-8904-57937E4D5C05}" type="datetimeFigureOut">
               <a:rPr lang="ko-KR" altLang="en-US" smtClean="0"/>
-              <a:t>2023-11-30</a:t>
+              <a:t>2023-12-02</a:t>
             </a:fld>
             <a:endParaRPr lang="ko-KR" altLang="en-US"/>
           </a:p>
@@ -595,7 +595,7 @@
           <a:p>
             <a:fld id="{7B7F6EB5-34DB-4516-8904-57937E4D5C05}" type="datetimeFigureOut">
               <a:rPr lang="ko-KR" altLang="en-US" smtClean="0"/>
-              <a:t>2023-11-30</a:t>
+              <a:t>2023-12-02</a:t>
             </a:fld>
             <a:endParaRPr lang="ko-KR" altLang="en-US"/>
           </a:p>
@@ -765,7 +765,7 @@
           <a:p>
             <a:fld id="{7B7F6EB5-34DB-4516-8904-57937E4D5C05}" type="datetimeFigureOut">
               <a:rPr lang="ko-KR" altLang="en-US" smtClean="0"/>
-              <a:t>2023-11-30</a:t>
+              <a:t>2023-12-02</a:t>
             </a:fld>
             <a:endParaRPr lang="ko-KR" altLang="en-US"/>
           </a:p>
@@ -1011,7 +1011,7 @@
           <a:p>
             <a:fld id="{7B7F6EB5-34DB-4516-8904-57937E4D5C05}" type="datetimeFigureOut">
               <a:rPr lang="ko-KR" altLang="en-US" smtClean="0"/>
-              <a:t>2023-11-30</a:t>
+              <a:t>2023-12-02</a:t>
             </a:fld>
             <a:endParaRPr lang="ko-KR" altLang="en-US"/>
           </a:p>
@@ -1243,7 +1243,7 @@
           <a:p>
             <a:fld id="{7B7F6EB5-34DB-4516-8904-57937E4D5C05}" type="datetimeFigureOut">
               <a:rPr lang="ko-KR" altLang="en-US" smtClean="0"/>
-              <a:t>2023-11-30</a:t>
+              <a:t>2023-12-02</a:t>
             </a:fld>
             <a:endParaRPr lang="ko-KR" altLang="en-US"/>
           </a:p>
@@ -1610,7 +1610,7 @@
           <a:p>
             <a:fld id="{7B7F6EB5-34DB-4516-8904-57937E4D5C05}" type="datetimeFigureOut">
               <a:rPr lang="ko-KR" altLang="en-US" smtClean="0"/>
-              <a:t>2023-11-30</a:t>
+              <a:t>2023-12-02</a:t>
             </a:fld>
             <a:endParaRPr lang="ko-KR" altLang="en-US"/>
           </a:p>
@@ -1728,7 +1728,7 @@
           <a:p>
             <a:fld id="{7B7F6EB5-34DB-4516-8904-57937E4D5C05}" type="datetimeFigureOut">
               <a:rPr lang="ko-KR" altLang="en-US" smtClean="0"/>
-              <a:t>2023-11-30</a:t>
+              <a:t>2023-12-02</a:t>
             </a:fld>
             <a:endParaRPr lang="ko-KR" altLang="en-US"/>
           </a:p>
@@ -1823,7 +1823,7 @@
           <a:p>
             <a:fld id="{7B7F6EB5-34DB-4516-8904-57937E4D5C05}" type="datetimeFigureOut">
               <a:rPr lang="ko-KR" altLang="en-US" smtClean="0"/>
-              <a:t>2023-11-30</a:t>
+              <a:t>2023-12-02</a:t>
             </a:fld>
             <a:endParaRPr lang="ko-KR" altLang="en-US"/>
           </a:p>
@@ -2100,7 +2100,7 @@
           <a:p>
             <a:fld id="{7B7F6EB5-34DB-4516-8904-57937E4D5C05}" type="datetimeFigureOut">
               <a:rPr lang="ko-KR" altLang="en-US" smtClean="0"/>
-              <a:t>2023-11-30</a:t>
+              <a:t>2023-12-02</a:t>
             </a:fld>
             <a:endParaRPr lang="ko-KR" altLang="en-US"/>
           </a:p>
@@ -2357,7 +2357,7 @@
           <a:p>
             <a:fld id="{7B7F6EB5-34DB-4516-8904-57937E4D5C05}" type="datetimeFigureOut">
               <a:rPr lang="ko-KR" altLang="en-US" smtClean="0"/>
-              <a:t>2023-11-30</a:t>
+              <a:t>2023-12-02</a:t>
             </a:fld>
             <a:endParaRPr lang="ko-KR" altLang="en-US"/>
           </a:p>
@@ -2570,7 +2570,7 @@
           <a:p>
             <a:fld id="{7B7F6EB5-34DB-4516-8904-57937E4D5C05}" type="datetimeFigureOut">
               <a:rPr lang="ko-KR" altLang="en-US" smtClean="0"/>
-              <a:t>2023-11-30</a:t>
+              <a:t>2023-12-02</a:t>
             </a:fld>
             <a:endParaRPr lang="ko-KR" altLang="en-US"/>
           </a:p>
@@ -6375,7 +6375,7 @@
         </p:nvSpPr>
         <p:spPr>
           <a:xfrm>
-            <a:off x="2749723" y="708735"/>
+            <a:off x="2749723" y="705271"/>
             <a:ext cx="126000" cy="180000"/>
           </a:xfrm>
           <a:prstGeom prst="rect">
@@ -6875,6 +6875,201 @@
           </a:p>
         </p:txBody>
       </p:sp>
+      <p:pic>
+        <p:nvPicPr>
+          <p:cNvPr id="14" name="그림 13" descr="블랙, 어둠이(가) 표시된 사진&#10;&#10;자동 생성된 설명">
+            <a:extLst>
+              <a:ext uri="{FF2B5EF4-FFF2-40B4-BE49-F238E27FC236}">
+                <a16:creationId xmlns:a16="http://schemas.microsoft.com/office/drawing/2014/main" id="{532EB11F-400F-3B1C-9EB2-4CDC9CC08EFD}"/>
+              </a:ext>
+            </a:extLst>
+          </p:cNvPr>
+          <p:cNvPicPr>
+            <a:picLocks noChangeAspect="1"/>
+          </p:cNvPicPr>
+          <p:nvPr/>
+        </p:nvPicPr>
+        <p:blipFill>
+          <a:blip r:embed="rId2">
+            <a:extLst>
+              <a:ext uri="{28A0092B-C50C-407E-A947-70E740481C1C}">
+                <a14:useLocalDpi xmlns:a14="http://schemas.microsoft.com/office/drawing/2010/main" val="0"/>
+              </a:ext>
+            </a:extLst>
+          </a:blip>
+          <a:stretch>
+            <a:fillRect/>
+          </a:stretch>
+        </p:blipFill>
+        <p:spPr>
+          <a:xfrm>
+            <a:off x="536716" y="1019847"/>
+            <a:ext cx="365930" cy="365930"/>
+          </a:xfrm>
+          <a:prstGeom prst="rect">
+            <a:avLst/>
+          </a:prstGeom>
+        </p:spPr>
+      </p:pic>
+      <p:pic>
+        <p:nvPicPr>
+          <p:cNvPr id="15" name="그림 14" descr="원, 그래픽, 스크린샷, 그래픽 디자인이(가) 표시된 사진&#10;&#10;자동 생성된 설명">
+            <a:extLst>
+              <a:ext uri="{FF2B5EF4-FFF2-40B4-BE49-F238E27FC236}">
+                <a16:creationId xmlns:a16="http://schemas.microsoft.com/office/drawing/2014/main" id="{0A6F3F54-6DD6-84F3-9962-15ABFCDE930C}"/>
+              </a:ext>
+            </a:extLst>
+          </p:cNvPr>
+          <p:cNvPicPr>
+            <a:picLocks noChangeAspect="1"/>
+          </p:cNvPicPr>
+          <p:nvPr/>
+        </p:nvPicPr>
+        <p:blipFill>
+          <a:blip r:embed="rId3">
+            <a:extLst>
+              <a:ext uri="{28A0092B-C50C-407E-A947-70E740481C1C}">
+                <a14:useLocalDpi xmlns:a14="http://schemas.microsoft.com/office/drawing/2010/main" val="0"/>
+              </a:ext>
+            </a:extLst>
+          </a:blip>
+          <a:stretch>
+            <a:fillRect/>
+          </a:stretch>
+        </p:blipFill>
+        <p:spPr>
+          <a:xfrm rot="10800000">
+            <a:off x="1276324" y="1012423"/>
+            <a:ext cx="454569" cy="454569"/>
+          </a:xfrm>
+          <a:prstGeom prst="rect">
+            <a:avLst/>
+          </a:prstGeom>
+        </p:spPr>
+      </p:pic>
+      <p:pic>
+        <p:nvPicPr>
+          <p:cNvPr id="18" name="그림 17" descr="상징, 그래픽, 클립아트, 만화 영화이(가) 표시된 사진&#10;&#10;자동 생성된 설명">
+            <a:extLst>
+              <a:ext uri="{FF2B5EF4-FFF2-40B4-BE49-F238E27FC236}">
+                <a16:creationId xmlns:a16="http://schemas.microsoft.com/office/drawing/2014/main" id="{A6F3398D-E28D-4F92-4EF7-FD36FFF118CF}"/>
+              </a:ext>
+            </a:extLst>
+          </p:cNvPr>
+          <p:cNvPicPr>
+            <a:picLocks noChangeAspect="1"/>
+          </p:cNvPicPr>
+          <p:nvPr/>
+        </p:nvPicPr>
+        <p:blipFill>
+          <a:blip r:embed="rId4">
+            <a:extLst>
+              <a:ext uri="{28A0092B-C50C-407E-A947-70E740481C1C}">
+                <a14:useLocalDpi xmlns:a14="http://schemas.microsoft.com/office/drawing/2010/main" val="0"/>
+              </a:ext>
+            </a:extLst>
+          </a:blip>
+          <a:stretch>
+            <a:fillRect/>
+          </a:stretch>
+        </p:blipFill>
+        <p:spPr>
+          <a:xfrm rot="3204274" flipH="1">
+            <a:off x="2334853" y="1271776"/>
+            <a:ext cx="333541" cy="322335"/>
+          </a:xfrm>
+          <a:prstGeom prst="rect">
+            <a:avLst/>
+          </a:prstGeom>
+        </p:spPr>
+      </p:pic>
+      <p:sp>
+        <p:nvSpPr>
+          <p:cNvPr id="21" name="순서도: 처리 20">
+            <a:extLst>
+              <a:ext uri="{FF2B5EF4-FFF2-40B4-BE49-F238E27FC236}">
+                <a16:creationId xmlns:a16="http://schemas.microsoft.com/office/drawing/2014/main" id="{D0776421-EA12-CA0B-8CBF-AC4F19167B53}"/>
+              </a:ext>
+            </a:extLst>
+          </p:cNvPr>
+          <p:cNvSpPr/>
+          <p:nvPr/>
+        </p:nvSpPr>
+        <p:spPr>
+          <a:xfrm>
+            <a:off x="2934427" y="1035367"/>
+            <a:ext cx="720000" cy="408681"/>
+          </a:xfrm>
+          <a:prstGeom prst="flowChartProcess">
+            <a:avLst/>
+          </a:prstGeom>
+          <a:solidFill>
+            <a:schemeClr val="tx1">
+              <a:alpha val="47000"/>
+            </a:schemeClr>
+          </a:solidFill>
+        </p:spPr>
+        <p:style>
+          <a:lnRef idx="2">
+            <a:schemeClr val="accent1">
+              <a:shade val="15000"/>
+            </a:schemeClr>
+          </a:lnRef>
+          <a:fillRef idx="1">
+            <a:schemeClr val="accent1"/>
+          </a:fillRef>
+          <a:effectRef idx="0">
+            <a:schemeClr val="accent1"/>
+          </a:effectRef>
+          <a:fontRef idx="minor">
+            <a:schemeClr val="lt1"/>
+          </a:fontRef>
+        </p:style>
+        <p:txBody>
+          <a:bodyPr rtlCol="0" anchor="ctr"/>
+          <a:lstStyle/>
+          <a:p>
+            <a:pPr algn="ctr"/>
+            <a:endParaRPr lang="ko-KR" altLang="en-US" dirty="0"/>
+          </a:p>
+        </p:txBody>
+      </p:sp>
+      <p:pic>
+        <p:nvPicPr>
+          <p:cNvPr id="23" name="그림 22" descr="아동 미술, 그래픽, 만화 영화, 클립아트이(가) 표시된 사진&#10;&#10;자동 생성된 설명">
+            <a:extLst>
+              <a:ext uri="{FF2B5EF4-FFF2-40B4-BE49-F238E27FC236}">
+                <a16:creationId xmlns:a16="http://schemas.microsoft.com/office/drawing/2014/main" id="{E936BE72-6FC4-A598-1573-727655136AB8}"/>
+              </a:ext>
+            </a:extLst>
+          </p:cNvPr>
+          <p:cNvPicPr>
+            <a:picLocks noChangeAspect="1"/>
+          </p:cNvPicPr>
+          <p:nvPr/>
+        </p:nvPicPr>
+        <p:blipFill>
+          <a:blip r:embed="rId5">
+            <a:extLst>
+              <a:ext uri="{28A0092B-C50C-407E-A947-70E740481C1C}">
+                <a14:useLocalDpi xmlns:a14="http://schemas.microsoft.com/office/drawing/2010/main" val="0"/>
+              </a:ext>
+            </a:extLst>
+          </a:blip>
+          <a:stretch>
+            <a:fillRect/>
+          </a:stretch>
+        </p:blipFill>
+        <p:spPr>
+          <a:xfrm rot="5400000">
+            <a:off x="3130194" y="1081466"/>
+            <a:ext cx="334720" cy="334720"/>
+          </a:xfrm>
+          <a:prstGeom prst="rect">
+            <a:avLst/>
+          </a:prstGeom>
+        </p:spPr>
+      </p:pic>
     </p:spTree>
     <p:extLst>
       <p:ext uri="{BB962C8B-B14F-4D97-AF65-F5344CB8AC3E}">

--- a/주간업무보고서/주간 업무 참고 자료/2주차 자료/반도체 제조 공정 전체 구성도.pptx
+++ b/주간업무보고서/주간 업무 참고 자료/2주차 자료/반도체 제조 공정 전체 구성도.pptx
@@ -245,7 +245,7 @@
           <a:p>
             <a:fld id="{7B7F6EB5-34DB-4516-8904-57937E4D5C05}" type="datetimeFigureOut">
               <a:rPr lang="ko-KR" altLang="en-US" smtClean="0"/>
-              <a:t>2023-12-02</a:t>
+              <a:t>2023-12-06</a:t>
             </a:fld>
             <a:endParaRPr lang="ko-KR" altLang="en-US"/>
           </a:p>
@@ -415,7 +415,7 @@
           <a:p>
             <a:fld id="{7B7F6EB5-34DB-4516-8904-57937E4D5C05}" type="datetimeFigureOut">
               <a:rPr lang="ko-KR" altLang="en-US" smtClean="0"/>
-              <a:t>2023-12-02</a:t>
+              <a:t>2023-12-06</a:t>
             </a:fld>
             <a:endParaRPr lang="ko-KR" altLang="en-US"/>
           </a:p>
@@ -595,7 +595,7 @@
           <a:p>
             <a:fld id="{7B7F6EB5-34DB-4516-8904-57937E4D5C05}" type="datetimeFigureOut">
               <a:rPr lang="ko-KR" altLang="en-US" smtClean="0"/>
-              <a:t>2023-12-02</a:t>
+              <a:t>2023-12-06</a:t>
             </a:fld>
             <a:endParaRPr lang="ko-KR" altLang="en-US"/>
           </a:p>
@@ -765,7 +765,7 @@
           <a:p>
             <a:fld id="{7B7F6EB5-34DB-4516-8904-57937E4D5C05}" type="datetimeFigureOut">
               <a:rPr lang="ko-KR" altLang="en-US" smtClean="0"/>
-              <a:t>2023-12-02</a:t>
+              <a:t>2023-12-06</a:t>
             </a:fld>
             <a:endParaRPr lang="ko-KR" altLang="en-US"/>
           </a:p>
@@ -1011,7 +1011,7 @@
           <a:p>
             <a:fld id="{7B7F6EB5-34DB-4516-8904-57937E4D5C05}" type="datetimeFigureOut">
               <a:rPr lang="ko-KR" altLang="en-US" smtClean="0"/>
-              <a:t>2023-12-02</a:t>
+              <a:t>2023-12-06</a:t>
             </a:fld>
             <a:endParaRPr lang="ko-KR" altLang="en-US"/>
           </a:p>
@@ -1243,7 +1243,7 @@
           <a:p>
             <a:fld id="{7B7F6EB5-34DB-4516-8904-57937E4D5C05}" type="datetimeFigureOut">
               <a:rPr lang="ko-KR" altLang="en-US" smtClean="0"/>
-              <a:t>2023-12-02</a:t>
+              <a:t>2023-12-06</a:t>
             </a:fld>
             <a:endParaRPr lang="ko-KR" altLang="en-US"/>
           </a:p>
@@ -1610,7 +1610,7 @@
           <a:p>
             <a:fld id="{7B7F6EB5-34DB-4516-8904-57937E4D5C05}" type="datetimeFigureOut">
               <a:rPr lang="ko-KR" altLang="en-US" smtClean="0"/>
-              <a:t>2023-12-02</a:t>
+              <a:t>2023-12-06</a:t>
             </a:fld>
             <a:endParaRPr lang="ko-KR" altLang="en-US"/>
           </a:p>
@@ -1728,7 +1728,7 @@
           <a:p>
             <a:fld id="{7B7F6EB5-34DB-4516-8904-57937E4D5C05}" type="datetimeFigureOut">
               <a:rPr lang="ko-KR" altLang="en-US" smtClean="0"/>
-              <a:t>2023-12-02</a:t>
+              <a:t>2023-12-06</a:t>
             </a:fld>
             <a:endParaRPr lang="ko-KR" altLang="en-US"/>
           </a:p>
@@ -1823,7 +1823,7 @@
           <a:p>
             <a:fld id="{7B7F6EB5-34DB-4516-8904-57937E4D5C05}" type="datetimeFigureOut">
               <a:rPr lang="ko-KR" altLang="en-US" smtClean="0"/>
-              <a:t>2023-12-02</a:t>
+              <a:t>2023-12-06</a:t>
             </a:fld>
             <a:endParaRPr lang="ko-KR" altLang="en-US"/>
           </a:p>
@@ -2100,7 +2100,7 @@
           <a:p>
             <a:fld id="{7B7F6EB5-34DB-4516-8904-57937E4D5C05}" type="datetimeFigureOut">
               <a:rPr lang="ko-KR" altLang="en-US" smtClean="0"/>
-              <a:t>2023-12-02</a:t>
+              <a:t>2023-12-06</a:t>
             </a:fld>
             <a:endParaRPr lang="ko-KR" altLang="en-US"/>
           </a:p>
@@ -2357,7 +2357,7 @@
           <a:p>
             <a:fld id="{7B7F6EB5-34DB-4516-8904-57937E4D5C05}" type="datetimeFigureOut">
               <a:rPr lang="ko-KR" altLang="en-US" smtClean="0"/>
-              <a:t>2023-12-02</a:t>
+              <a:t>2023-12-06</a:t>
             </a:fld>
             <a:endParaRPr lang="ko-KR" altLang="en-US"/>
           </a:p>
@@ -2570,7 +2570,7 @@
           <a:p>
             <a:fld id="{7B7F6EB5-34DB-4516-8904-57937E4D5C05}" type="datetimeFigureOut">
               <a:rPr lang="ko-KR" altLang="en-US" smtClean="0"/>
-              <a:t>2023-12-02</a:t>
+              <a:t>2023-12-06</a:t>
             </a:fld>
             <a:endParaRPr lang="ko-KR" altLang="en-US"/>
           </a:p>
@@ -7070,6 +7070,58 @@
           </a:prstGeom>
         </p:spPr>
       </p:pic>
+      <p:sp>
+        <p:nvSpPr>
+          <p:cNvPr id="25" name="타원 24">
+            <a:extLst>
+              <a:ext uri="{FF2B5EF4-FFF2-40B4-BE49-F238E27FC236}">
+                <a16:creationId xmlns:a16="http://schemas.microsoft.com/office/drawing/2014/main" id="{C912B8B6-400C-B8A3-4B3E-98C2478F1DC7}"/>
+              </a:ext>
+            </a:extLst>
+          </p:cNvPr>
+          <p:cNvSpPr/>
+          <p:nvPr/>
+        </p:nvSpPr>
+        <p:spPr>
+          <a:xfrm>
+            <a:off x="335242" y="1175721"/>
+            <a:ext cx="134344" cy="141649"/>
+          </a:xfrm>
+          <a:prstGeom prst="ellipse">
+            <a:avLst/>
+          </a:prstGeom>
+          <a:solidFill>
+            <a:schemeClr val="dk1">
+              <a:alpha val="50000"/>
+            </a:schemeClr>
+          </a:solidFill>
+          <a:ln>
+            <a:noFill/>
+          </a:ln>
+        </p:spPr>
+        <p:style>
+          <a:lnRef idx="0">
+            <a:scrgbClr r="0" g="0" b="0"/>
+          </a:lnRef>
+          <a:fillRef idx="0">
+            <a:scrgbClr r="0" g="0" b="0"/>
+          </a:fillRef>
+          <a:effectRef idx="0">
+            <a:scrgbClr r="0" g="0" b="0"/>
+          </a:effectRef>
+          <a:fontRef idx="minor">
+            <a:schemeClr val="lt1"/>
+          </a:fontRef>
+        </p:style>
+        <p:txBody>
+          <a:bodyPr rtlCol="0" anchor="ctr"/>
+          <a:lstStyle/>
+          <a:p>
+            <a:pPr algn="ctr"/>
+            <a:endParaRPr lang="ko-KR" altLang="en-US"/>
+          </a:p>
+        </p:txBody>
+      </p:sp>
     </p:spTree>
     <p:extLst>
       <p:ext uri="{BB962C8B-B14F-4D97-AF65-F5344CB8AC3E}">

--- a/주간업무보고서/주간 업무 참고 자료/2주차 자료/반도체 제조 공정 전체 구성도.pptx
+++ b/주간업무보고서/주간 업무 참고 자료/2주차 자료/반도체 제조 공정 전체 구성도.pptx
@@ -6,8 +6,8 @@
   </p:sldMasterIdLst>
   <p:sldIdLst>
     <p:sldId id="257" r:id="rId2"/>
-    <p:sldId id="259" r:id="rId3"/>
-    <p:sldId id="258" r:id="rId4"/>
+    <p:sldId id="258" r:id="rId3"/>
+    <p:sldId id="259" r:id="rId4"/>
   </p:sldIdLst>
   <p:sldSz cx="5400675" cy="1800225"/>
   <p:notesSz cx="6858000" cy="9144000"/>
@@ -245,7 +245,7 @@
           <a:p>
             <a:fld id="{7B7F6EB5-34DB-4516-8904-57937E4D5C05}" type="datetimeFigureOut">
               <a:rPr lang="ko-KR" altLang="en-US" smtClean="0"/>
-              <a:t>2023-12-06</a:t>
+              <a:t>2023-12-09</a:t>
             </a:fld>
             <a:endParaRPr lang="ko-KR" altLang="en-US"/>
           </a:p>
@@ -415,7 +415,7 @@
           <a:p>
             <a:fld id="{7B7F6EB5-34DB-4516-8904-57937E4D5C05}" type="datetimeFigureOut">
               <a:rPr lang="ko-KR" altLang="en-US" smtClean="0"/>
-              <a:t>2023-12-06</a:t>
+              <a:t>2023-12-09</a:t>
             </a:fld>
             <a:endParaRPr lang="ko-KR" altLang="en-US"/>
           </a:p>
@@ -595,7 +595,7 @@
           <a:p>
             <a:fld id="{7B7F6EB5-34DB-4516-8904-57937E4D5C05}" type="datetimeFigureOut">
               <a:rPr lang="ko-KR" altLang="en-US" smtClean="0"/>
-              <a:t>2023-12-06</a:t>
+              <a:t>2023-12-09</a:t>
             </a:fld>
             <a:endParaRPr lang="ko-KR" altLang="en-US"/>
           </a:p>
@@ -765,7 +765,7 @@
           <a:p>
             <a:fld id="{7B7F6EB5-34DB-4516-8904-57937E4D5C05}" type="datetimeFigureOut">
               <a:rPr lang="ko-KR" altLang="en-US" smtClean="0"/>
-              <a:t>2023-12-06</a:t>
+              <a:t>2023-12-09</a:t>
             </a:fld>
             <a:endParaRPr lang="ko-KR" altLang="en-US"/>
           </a:p>
@@ -1011,7 +1011,7 @@
           <a:p>
             <a:fld id="{7B7F6EB5-34DB-4516-8904-57937E4D5C05}" type="datetimeFigureOut">
               <a:rPr lang="ko-KR" altLang="en-US" smtClean="0"/>
-              <a:t>2023-12-06</a:t>
+              <a:t>2023-12-09</a:t>
             </a:fld>
             <a:endParaRPr lang="ko-KR" altLang="en-US"/>
           </a:p>
@@ -1243,7 +1243,7 @@
           <a:p>
             <a:fld id="{7B7F6EB5-34DB-4516-8904-57937E4D5C05}" type="datetimeFigureOut">
               <a:rPr lang="ko-KR" altLang="en-US" smtClean="0"/>
-              <a:t>2023-12-06</a:t>
+              <a:t>2023-12-09</a:t>
             </a:fld>
             <a:endParaRPr lang="ko-KR" altLang="en-US"/>
           </a:p>
@@ -1610,7 +1610,7 @@
           <a:p>
             <a:fld id="{7B7F6EB5-34DB-4516-8904-57937E4D5C05}" type="datetimeFigureOut">
               <a:rPr lang="ko-KR" altLang="en-US" smtClean="0"/>
-              <a:t>2023-12-06</a:t>
+              <a:t>2023-12-09</a:t>
             </a:fld>
             <a:endParaRPr lang="ko-KR" altLang="en-US"/>
           </a:p>
@@ -1728,7 +1728,7 @@
           <a:p>
             <a:fld id="{7B7F6EB5-34DB-4516-8904-57937E4D5C05}" type="datetimeFigureOut">
               <a:rPr lang="ko-KR" altLang="en-US" smtClean="0"/>
-              <a:t>2023-12-06</a:t>
+              <a:t>2023-12-09</a:t>
             </a:fld>
             <a:endParaRPr lang="ko-KR" altLang="en-US"/>
           </a:p>
@@ -1823,7 +1823,7 @@
           <a:p>
             <a:fld id="{7B7F6EB5-34DB-4516-8904-57937E4D5C05}" type="datetimeFigureOut">
               <a:rPr lang="ko-KR" altLang="en-US" smtClean="0"/>
-              <a:t>2023-12-06</a:t>
+              <a:t>2023-12-09</a:t>
             </a:fld>
             <a:endParaRPr lang="ko-KR" altLang="en-US"/>
           </a:p>
@@ -2100,7 +2100,7 @@
           <a:p>
             <a:fld id="{7B7F6EB5-34DB-4516-8904-57937E4D5C05}" type="datetimeFigureOut">
               <a:rPr lang="ko-KR" altLang="en-US" smtClean="0"/>
-              <a:t>2023-12-06</a:t>
+              <a:t>2023-12-09</a:t>
             </a:fld>
             <a:endParaRPr lang="ko-KR" altLang="en-US"/>
           </a:p>
@@ -2357,7 +2357,7 @@
           <a:p>
             <a:fld id="{7B7F6EB5-34DB-4516-8904-57937E4D5C05}" type="datetimeFigureOut">
               <a:rPr lang="ko-KR" altLang="en-US" smtClean="0"/>
-              <a:t>2023-12-06</a:t>
+              <a:t>2023-12-09</a:t>
             </a:fld>
             <a:endParaRPr lang="ko-KR" altLang="en-US"/>
           </a:p>
@@ -2570,7 +2570,7 @@
           <a:p>
             <a:fld id="{7B7F6EB5-34DB-4516-8904-57937E4D5C05}" type="datetimeFigureOut">
               <a:rPr lang="ko-KR" altLang="en-US" smtClean="0"/>
-              <a:t>2023-12-06</a:t>
+              <a:t>2023-12-09</a:t>
             </a:fld>
             <a:endParaRPr lang="ko-KR" altLang="en-US"/>
           </a:p>
@@ -4795,7 +4795,7 @@
         </p:nvSpPr>
         <p:spPr>
           <a:xfrm>
-            <a:off x="731747" y="392167"/>
+            <a:off x="779143" y="402263"/>
             <a:ext cx="198000" cy="306000"/>
           </a:xfrm>
           <a:prstGeom prst="rect">
@@ -4841,7 +4841,7 @@
         </p:nvSpPr>
         <p:spPr>
           <a:xfrm>
-            <a:off x="1738701" y="392167"/>
+            <a:off x="1842691" y="413915"/>
             <a:ext cx="198000" cy="306000"/>
           </a:xfrm>
           <a:prstGeom prst="rect">
@@ -4887,7 +4887,7 @@
         </p:nvSpPr>
         <p:spPr>
           <a:xfrm>
-            <a:off x="2720014" y="392167"/>
+            <a:off x="2906239" y="402263"/>
             <a:ext cx="198000" cy="306000"/>
           </a:xfrm>
           <a:prstGeom prst="rect">
@@ -4933,7 +4933,7 @@
         </p:nvSpPr>
         <p:spPr>
           <a:xfrm>
-            <a:off x="3692565" y="391256"/>
+            <a:off x="3611520" y="390649"/>
             <a:ext cx="198000" cy="306000"/>
           </a:xfrm>
           <a:prstGeom prst="rect">
@@ -5028,8 +5028,8 @@
         </p:nvSpPr>
         <p:spPr>
           <a:xfrm rot="10800000">
-            <a:off x="306485" y="1129546"/>
-            <a:ext cx="1908000" cy="234000"/>
+            <a:off x="137409" y="1219546"/>
+            <a:ext cx="4320000" cy="144000"/>
           </a:xfrm>
           <a:prstGeom prst="rect">
             <a:avLst/>
@@ -5062,6 +5062,144 @@
       </p:sp>
       <p:sp>
         <p:nvSpPr>
+          <p:cNvPr id="7" name="직사각형 6">
+            <a:extLst>
+              <a:ext uri="{FF2B5EF4-FFF2-40B4-BE49-F238E27FC236}">
+                <a16:creationId xmlns:a16="http://schemas.microsoft.com/office/drawing/2014/main" id="{1AE0FC8E-428C-2D81-97E9-504047406F12}"/>
+              </a:ext>
+            </a:extLst>
+          </p:cNvPr>
+          <p:cNvSpPr/>
+          <p:nvPr/>
+        </p:nvSpPr>
+        <p:spPr>
+          <a:xfrm rot="10800000">
+            <a:off x="3737520" y="1057546"/>
+            <a:ext cx="90000" cy="162000"/>
+          </a:xfrm>
+          <a:prstGeom prst="rect">
+            <a:avLst/>
+          </a:prstGeom>
+        </p:spPr>
+        <p:style>
+          <a:lnRef idx="2">
+            <a:schemeClr val="dk1">
+              <a:shade val="15000"/>
+            </a:schemeClr>
+          </a:lnRef>
+          <a:fillRef idx="1">
+            <a:schemeClr val="dk1"/>
+          </a:fillRef>
+          <a:effectRef idx="0">
+            <a:schemeClr val="dk1"/>
+          </a:effectRef>
+          <a:fontRef idx="minor">
+            <a:schemeClr val="lt1"/>
+          </a:fontRef>
+        </p:style>
+        <p:txBody>
+          <a:bodyPr rtlCol="0" anchor="ctr"/>
+          <a:lstStyle/>
+          <a:p>
+            <a:pPr algn="ctr"/>
+            <a:endParaRPr lang="ko-KR" altLang="en-US" dirty="0"/>
+          </a:p>
+        </p:txBody>
+      </p:sp>
+      <p:sp>
+        <p:nvSpPr>
+          <p:cNvPr id="9" name="직사각형 8">
+            <a:extLst>
+              <a:ext uri="{FF2B5EF4-FFF2-40B4-BE49-F238E27FC236}">
+                <a16:creationId xmlns:a16="http://schemas.microsoft.com/office/drawing/2014/main" id="{608C2768-7040-34C4-C4C0-8A85E48456A2}"/>
+              </a:ext>
+            </a:extLst>
+          </p:cNvPr>
+          <p:cNvSpPr/>
+          <p:nvPr/>
+        </p:nvSpPr>
+        <p:spPr>
+          <a:xfrm rot="10800000">
+            <a:off x="2657631" y="1057546"/>
+            <a:ext cx="90000" cy="162000"/>
+          </a:xfrm>
+          <a:prstGeom prst="rect">
+            <a:avLst/>
+          </a:prstGeom>
+        </p:spPr>
+        <p:style>
+          <a:lnRef idx="2">
+            <a:schemeClr val="dk1">
+              <a:shade val="15000"/>
+            </a:schemeClr>
+          </a:lnRef>
+          <a:fillRef idx="1">
+            <a:schemeClr val="dk1"/>
+          </a:fillRef>
+          <a:effectRef idx="0">
+            <a:schemeClr val="dk1"/>
+          </a:effectRef>
+          <a:fontRef idx="minor">
+            <a:schemeClr val="lt1"/>
+          </a:fontRef>
+        </p:style>
+        <p:txBody>
+          <a:bodyPr rtlCol="0" anchor="ctr"/>
+          <a:lstStyle/>
+          <a:p>
+            <a:pPr algn="ctr"/>
+            <a:endParaRPr lang="ko-KR" altLang="en-US" dirty="0"/>
+          </a:p>
+        </p:txBody>
+      </p:sp>
+      <p:sp>
+        <p:nvSpPr>
+          <p:cNvPr id="10" name="직사각형 9">
+            <a:extLst>
+              <a:ext uri="{FF2B5EF4-FFF2-40B4-BE49-F238E27FC236}">
+                <a16:creationId xmlns:a16="http://schemas.microsoft.com/office/drawing/2014/main" id="{24DC6E0B-81A3-5A79-2542-EA5A8FB659CF}"/>
+              </a:ext>
+            </a:extLst>
+          </p:cNvPr>
+          <p:cNvSpPr/>
+          <p:nvPr/>
+        </p:nvSpPr>
+        <p:spPr>
+          <a:xfrm rot="10800000">
+            <a:off x="1577631" y="1049029"/>
+            <a:ext cx="90000" cy="162000"/>
+          </a:xfrm>
+          <a:prstGeom prst="rect">
+            <a:avLst/>
+          </a:prstGeom>
+        </p:spPr>
+        <p:style>
+          <a:lnRef idx="2">
+            <a:schemeClr val="dk1">
+              <a:shade val="15000"/>
+            </a:schemeClr>
+          </a:lnRef>
+          <a:fillRef idx="1">
+            <a:schemeClr val="dk1"/>
+          </a:fillRef>
+          <a:effectRef idx="0">
+            <a:schemeClr val="dk1"/>
+          </a:effectRef>
+          <a:fontRef idx="minor">
+            <a:schemeClr val="lt1"/>
+          </a:fontRef>
+        </p:style>
+        <p:txBody>
+          <a:bodyPr rtlCol="0" anchor="ctr"/>
+          <a:lstStyle/>
+          <a:p>
+            <a:pPr algn="ctr"/>
+            <a:endParaRPr lang="ko-KR" altLang="en-US" dirty="0"/>
+          </a:p>
+        </p:txBody>
+      </p:sp>
+      <p:sp>
+        <p:nvSpPr>
           <p:cNvPr id="11" name="직사각형 10">
             <a:extLst>
               <a:ext uri="{FF2B5EF4-FFF2-40B4-BE49-F238E27FC236}">
@@ -5074,7 +5212,7 @@
         </p:nvSpPr>
         <p:spPr>
           <a:xfrm rot="10800000">
-            <a:off x="888804" y="965936"/>
+            <a:off x="497853" y="1052445"/>
             <a:ext cx="90000" cy="162000"/>
           </a:xfrm>
           <a:prstGeom prst="rect">
@@ -5108,19 +5246,19 @@
       </p:sp>
       <p:sp>
         <p:nvSpPr>
-          <p:cNvPr id="16" name="오른쪽 중괄호 15">
-            <a:extLst>
-              <a:ext uri="{FF2B5EF4-FFF2-40B4-BE49-F238E27FC236}">
-                <a16:creationId xmlns:a16="http://schemas.microsoft.com/office/drawing/2014/main" id="{45AD81F6-5ADF-91A7-3058-2275C489FF0E}"/>
-              </a:ext>
-            </a:extLst>
-          </p:cNvPr>
-          <p:cNvSpPr/>
-          <p:nvPr/>
-        </p:nvSpPr>
-        <p:spPr>
-          <a:xfrm>
-            <a:off x="2885062" y="1219544"/>
+          <p:cNvPr id="14" name="오른쪽 중괄호 13">
+            <a:extLst>
+              <a:ext uri="{FF2B5EF4-FFF2-40B4-BE49-F238E27FC236}">
+                <a16:creationId xmlns:a16="http://schemas.microsoft.com/office/drawing/2014/main" id="{40B4F90D-2A8B-43B9-F249-0EB90902EA40}"/>
+              </a:ext>
+            </a:extLst>
+          </p:cNvPr>
+          <p:cNvSpPr/>
+          <p:nvPr/>
+        </p:nvSpPr>
+        <p:spPr>
+          <a:xfrm>
+            <a:off x="493187" y="1219547"/>
             <a:ext cx="108000" cy="144000"/>
           </a:xfrm>
           <a:prstGeom prst="rightBrace">
@@ -5157,19 +5295,19 @@
       </p:sp>
       <p:sp>
         <p:nvSpPr>
-          <p:cNvPr id="17" name="오른쪽 중괄호 16">
-            <a:extLst>
-              <a:ext uri="{FF2B5EF4-FFF2-40B4-BE49-F238E27FC236}">
-                <a16:creationId xmlns:a16="http://schemas.microsoft.com/office/drawing/2014/main" id="{94B7421B-928A-C963-2F5B-0268E72C91DB}"/>
-              </a:ext>
-            </a:extLst>
-          </p:cNvPr>
-          <p:cNvSpPr/>
-          <p:nvPr/>
-        </p:nvSpPr>
-        <p:spPr>
-          <a:xfrm>
-            <a:off x="3955174" y="1219544"/>
+          <p:cNvPr id="15" name="오른쪽 중괄호 14">
+            <a:extLst>
+              <a:ext uri="{FF2B5EF4-FFF2-40B4-BE49-F238E27FC236}">
+                <a16:creationId xmlns:a16="http://schemas.microsoft.com/office/drawing/2014/main" id="{9D64E439-139A-1883-DC17-DE76CAD9B998}"/>
+              </a:ext>
+            </a:extLst>
+          </p:cNvPr>
+          <p:cNvSpPr/>
+          <p:nvPr/>
+        </p:nvSpPr>
+        <p:spPr>
+          <a:xfrm>
+            <a:off x="1567612" y="1219547"/>
             <a:ext cx="108000" cy="144000"/>
           </a:xfrm>
           <a:prstGeom prst="rightBrace">
@@ -5206,6 +5344,196 @@
       </p:sp>
       <p:sp>
         <p:nvSpPr>
+          <p:cNvPr id="16" name="오른쪽 중괄호 15">
+            <a:extLst>
+              <a:ext uri="{FF2B5EF4-FFF2-40B4-BE49-F238E27FC236}">
+                <a16:creationId xmlns:a16="http://schemas.microsoft.com/office/drawing/2014/main" id="{45AD81F6-5ADF-91A7-3058-2275C489FF0E}"/>
+              </a:ext>
+            </a:extLst>
+          </p:cNvPr>
+          <p:cNvSpPr/>
+          <p:nvPr/>
+        </p:nvSpPr>
+        <p:spPr>
+          <a:xfrm>
+            <a:off x="2659538" y="1219544"/>
+            <a:ext cx="108000" cy="144000"/>
+          </a:xfrm>
+          <a:prstGeom prst="rightBrace">
+            <a:avLst/>
+          </a:prstGeom>
+          <a:ln>
+            <a:solidFill>
+              <a:schemeClr val="tx1"/>
+            </a:solidFill>
+          </a:ln>
+        </p:spPr>
+        <p:style>
+          <a:lnRef idx="1">
+            <a:schemeClr val="accent1"/>
+          </a:lnRef>
+          <a:fillRef idx="0">
+            <a:schemeClr val="accent1"/>
+          </a:fillRef>
+          <a:effectRef idx="0">
+            <a:schemeClr val="accent1"/>
+          </a:effectRef>
+          <a:fontRef idx="minor">
+            <a:schemeClr val="tx1"/>
+          </a:fontRef>
+        </p:style>
+        <p:txBody>
+          <a:bodyPr rtlCol="0" anchor="ctr"/>
+          <a:lstStyle/>
+          <a:p>
+            <a:pPr algn="ctr"/>
+            <a:endParaRPr lang="ko-KR" altLang="en-US"/>
+          </a:p>
+        </p:txBody>
+      </p:sp>
+      <p:sp>
+        <p:nvSpPr>
+          <p:cNvPr id="17" name="오른쪽 중괄호 16">
+            <a:extLst>
+              <a:ext uri="{FF2B5EF4-FFF2-40B4-BE49-F238E27FC236}">
+                <a16:creationId xmlns:a16="http://schemas.microsoft.com/office/drawing/2014/main" id="{94B7421B-928A-C963-2F5B-0268E72C91DB}"/>
+              </a:ext>
+            </a:extLst>
+          </p:cNvPr>
+          <p:cNvSpPr/>
+          <p:nvPr/>
+        </p:nvSpPr>
+        <p:spPr>
+          <a:xfrm>
+            <a:off x="3729650" y="1219544"/>
+            <a:ext cx="108000" cy="144000"/>
+          </a:xfrm>
+          <a:prstGeom prst="rightBrace">
+            <a:avLst/>
+          </a:prstGeom>
+          <a:ln>
+            <a:solidFill>
+              <a:schemeClr val="tx1"/>
+            </a:solidFill>
+          </a:ln>
+        </p:spPr>
+        <p:style>
+          <a:lnRef idx="1">
+            <a:schemeClr val="accent1"/>
+          </a:lnRef>
+          <a:fillRef idx="0">
+            <a:schemeClr val="accent1"/>
+          </a:fillRef>
+          <a:effectRef idx="0">
+            <a:schemeClr val="accent1"/>
+          </a:effectRef>
+          <a:fontRef idx="minor">
+            <a:schemeClr val="tx1"/>
+          </a:fontRef>
+        </p:style>
+        <p:txBody>
+          <a:bodyPr rtlCol="0" anchor="ctr"/>
+          <a:lstStyle/>
+          <a:p>
+            <a:pPr algn="ctr"/>
+            <a:endParaRPr lang="ko-KR" altLang="en-US"/>
+          </a:p>
+        </p:txBody>
+      </p:sp>
+      <p:sp>
+        <p:nvSpPr>
+          <p:cNvPr id="18" name="직사각형 17">
+            <a:extLst>
+              <a:ext uri="{FF2B5EF4-FFF2-40B4-BE49-F238E27FC236}">
+                <a16:creationId xmlns:a16="http://schemas.microsoft.com/office/drawing/2014/main" id="{BB68A5E8-77F4-A7B0-48C9-6B0C27321AAB}"/>
+              </a:ext>
+            </a:extLst>
+          </p:cNvPr>
+          <p:cNvSpPr/>
+          <p:nvPr/>
+        </p:nvSpPr>
+        <p:spPr>
+          <a:xfrm rot="5400000">
+            <a:off x="4443305" y="1210544"/>
+            <a:ext cx="90000" cy="162000"/>
+          </a:xfrm>
+          <a:prstGeom prst="rect">
+            <a:avLst/>
+          </a:prstGeom>
+        </p:spPr>
+        <p:style>
+          <a:lnRef idx="2">
+            <a:schemeClr val="dk1">
+              <a:shade val="15000"/>
+            </a:schemeClr>
+          </a:lnRef>
+          <a:fillRef idx="1">
+            <a:schemeClr val="dk1"/>
+          </a:fillRef>
+          <a:effectRef idx="0">
+            <a:schemeClr val="dk1"/>
+          </a:effectRef>
+          <a:fontRef idx="minor">
+            <a:schemeClr val="lt1"/>
+          </a:fontRef>
+        </p:style>
+        <p:txBody>
+          <a:bodyPr rtlCol="0" anchor="ctr"/>
+          <a:lstStyle/>
+          <a:p>
+            <a:pPr algn="ctr"/>
+            <a:endParaRPr lang="ko-KR" altLang="en-US" dirty="0"/>
+          </a:p>
+        </p:txBody>
+      </p:sp>
+      <p:sp>
+        <p:nvSpPr>
+          <p:cNvPr id="23" name="직사각형 22">
+            <a:extLst>
+              <a:ext uri="{FF2B5EF4-FFF2-40B4-BE49-F238E27FC236}">
+                <a16:creationId xmlns:a16="http://schemas.microsoft.com/office/drawing/2014/main" id="{EDC20582-A2BE-4343-6C5A-D681C8C67569}"/>
+              </a:ext>
+            </a:extLst>
+          </p:cNvPr>
+          <p:cNvSpPr/>
+          <p:nvPr/>
+        </p:nvSpPr>
+        <p:spPr>
+          <a:xfrm rot="5400000">
+            <a:off x="4295409" y="1147544"/>
+            <a:ext cx="36000" cy="288000"/>
+          </a:xfrm>
+          <a:prstGeom prst="rect">
+            <a:avLst/>
+          </a:prstGeom>
+        </p:spPr>
+        <p:style>
+          <a:lnRef idx="2">
+            <a:schemeClr val="accent1">
+              <a:shade val="15000"/>
+            </a:schemeClr>
+          </a:lnRef>
+          <a:fillRef idx="1">
+            <a:schemeClr val="accent1"/>
+          </a:fillRef>
+          <a:effectRef idx="0">
+            <a:schemeClr val="accent1"/>
+          </a:effectRef>
+          <a:fontRef idx="minor">
+            <a:schemeClr val="lt1"/>
+          </a:fontRef>
+        </p:style>
+        <p:txBody>
+          <a:bodyPr rtlCol="0" anchor="ctr"/>
+          <a:lstStyle/>
+          <a:p>
+            <a:pPr algn="ctr"/>
+            <a:endParaRPr lang="ko-KR" altLang="en-US" dirty="0"/>
+          </a:p>
+        </p:txBody>
+      </p:sp>
+      <p:sp>
+        <p:nvSpPr>
           <p:cNvPr id="24" name="직사각형 23">
             <a:extLst>
               <a:ext uri="{FF2B5EF4-FFF2-40B4-BE49-F238E27FC236}">
@@ -5218,7 +5546,7 @@
         </p:nvSpPr>
         <p:spPr>
           <a:xfrm>
-            <a:off x="765937" y="707062"/>
+            <a:off x="623824" y="1036565"/>
             <a:ext cx="126000" cy="180000"/>
           </a:xfrm>
           <a:prstGeom prst="rect">
@@ -5257,6 +5585,98 @@
       </p:sp>
       <p:sp>
         <p:nvSpPr>
+          <p:cNvPr id="27" name="직사각형 26">
+            <a:extLst>
+              <a:ext uri="{FF2B5EF4-FFF2-40B4-BE49-F238E27FC236}">
+                <a16:creationId xmlns:a16="http://schemas.microsoft.com/office/drawing/2014/main" id="{2857D4D8-F2CF-06E4-5E1C-E4CC2AE5077D}"/>
+              </a:ext>
+            </a:extLst>
+          </p:cNvPr>
+          <p:cNvSpPr/>
+          <p:nvPr/>
+        </p:nvSpPr>
+        <p:spPr>
+          <a:xfrm>
+            <a:off x="4313409" y="1363543"/>
+            <a:ext cx="252000" cy="252000"/>
+          </a:xfrm>
+          <a:prstGeom prst="rect">
+            <a:avLst/>
+          </a:prstGeom>
+        </p:spPr>
+        <p:style>
+          <a:lnRef idx="2">
+            <a:schemeClr val="accent2">
+              <a:shade val="15000"/>
+            </a:schemeClr>
+          </a:lnRef>
+          <a:fillRef idx="1">
+            <a:schemeClr val="accent2"/>
+          </a:fillRef>
+          <a:effectRef idx="0">
+            <a:schemeClr val="accent2"/>
+          </a:effectRef>
+          <a:fontRef idx="minor">
+            <a:schemeClr val="lt1"/>
+          </a:fontRef>
+        </p:style>
+        <p:txBody>
+          <a:bodyPr rtlCol="0" anchor="ctr"/>
+          <a:lstStyle/>
+          <a:p>
+            <a:pPr algn="ctr"/>
+            <a:endParaRPr lang="ko-KR" altLang="en-US" dirty="0"/>
+          </a:p>
+        </p:txBody>
+      </p:sp>
+      <p:sp>
+        <p:nvSpPr>
+          <p:cNvPr id="28" name="직사각형 27">
+            <a:extLst>
+              <a:ext uri="{FF2B5EF4-FFF2-40B4-BE49-F238E27FC236}">
+                <a16:creationId xmlns:a16="http://schemas.microsoft.com/office/drawing/2014/main" id="{5F4CE7ED-48A6-0346-83EE-A32784B7AFFC}"/>
+              </a:ext>
+            </a:extLst>
+          </p:cNvPr>
+          <p:cNvSpPr/>
+          <p:nvPr/>
+        </p:nvSpPr>
+        <p:spPr>
+          <a:xfrm>
+            <a:off x="4320001" y="952630"/>
+            <a:ext cx="252000" cy="252000"/>
+          </a:xfrm>
+          <a:prstGeom prst="rect">
+            <a:avLst/>
+          </a:prstGeom>
+        </p:spPr>
+        <p:style>
+          <a:lnRef idx="2">
+            <a:schemeClr val="accent2">
+              <a:shade val="15000"/>
+            </a:schemeClr>
+          </a:lnRef>
+          <a:fillRef idx="1">
+            <a:schemeClr val="accent2"/>
+          </a:fillRef>
+          <a:effectRef idx="0">
+            <a:schemeClr val="accent2"/>
+          </a:effectRef>
+          <a:fontRef idx="minor">
+            <a:schemeClr val="lt1"/>
+          </a:fontRef>
+        </p:style>
+        <p:txBody>
+          <a:bodyPr rtlCol="0" anchor="ctr"/>
+          <a:lstStyle/>
+          <a:p>
+            <a:pPr algn="ctr"/>
+            <a:endParaRPr lang="ko-KR" altLang="en-US" dirty="0"/>
+          </a:p>
+        </p:txBody>
+      </p:sp>
+      <p:sp>
+        <p:nvSpPr>
           <p:cNvPr id="29" name="직사각형 28">
             <a:extLst>
               <a:ext uri="{FF2B5EF4-FFF2-40B4-BE49-F238E27FC236}">
@@ -5269,7 +5689,7 @@
         </p:nvSpPr>
         <p:spPr>
           <a:xfrm>
-            <a:off x="918957" y="1370531"/>
+            <a:off x="221280" y="960088"/>
             <a:ext cx="252000" cy="252000"/>
           </a:xfrm>
           <a:prstGeom prst="rect">
@@ -5303,6 +5723,297 @@
       </p:sp>
       <p:sp>
         <p:nvSpPr>
+          <p:cNvPr id="30" name="직사각형 29">
+            <a:extLst>
+              <a:ext uri="{FF2B5EF4-FFF2-40B4-BE49-F238E27FC236}">
+                <a16:creationId xmlns:a16="http://schemas.microsoft.com/office/drawing/2014/main" id="{F9341041-F857-EC2C-331D-4DC7C5997AA5}"/>
+              </a:ext>
+            </a:extLst>
+          </p:cNvPr>
+          <p:cNvSpPr/>
+          <p:nvPr/>
+        </p:nvSpPr>
+        <p:spPr>
+          <a:xfrm>
+            <a:off x="1294696" y="960088"/>
+            <a:ext cx="252000" cy="252000"/>
+          </a:xfrm>
+          <a:prstGeom prst="rect">
+            <a:avLst/>
+          </a:prstGeom>
+        </p:spPr>
+        <p:style>
+          <a:lnRef idx="2">
+            <a:schemeClr val="accent2">
+              <a:shade val="15000"/>
+            </a:schemeClr>
+          </a:lnRef>
+          <a:fillRef idx="1">
+            <a:schemeClr val="accent2"/>
+          </a:fillRef>
+          <a:effectRef idx="0">
+            <a:schemeClr val="accent2"/>
+          </a:effectRef>
+          <a:fontRef idx="minor">
+            <a:schemeClr val="lt1"/>
+          </a:fontRef>
+        </p:style>
+        <p:txBody>
+          <a:bodyPr rtlCol="0" anchor="ctr"/>
+          <a:lstStyle/>
+          <a:p>
+            <a:pPr algn="ctr"/>
+            <a:endParaRPr lang="ko-KR" altLang="en-US" dirty="0"/>
+          </a:p>
+        </p:txBody>
+      </p:sp>
+      <p:sp>
+        <p:nvSpPr>
+          <p:cNvPr id="31" name="직사각형 30">
+            <a:extLst>
+              <a:ext uri="{FF2B5EF4-FFF2-40B4-BE49-F238E27FC236}">
+                <a16:creationId xmlns:a16="http://schemas.microsoft.com/office/drawing/2014/main" id="{6C6BD94B-05B4-18CC-5551-53FE6E92A902}"/>
+              </a:ext>
+            </a:extLst>
+          </p:cNvPr>
+          <p:cNvSpPr/>
+          <p:nvPr/>
+        </p:nvSpPr>
+        <p:spPr>
+          <a:xfrm>
+            <a:off x="2382801" y="965881"/>
+            <a:ext cx="252000" cy="252000"/>
+          </a:xfrm>
+          <a:prstGeom prst="rect">
+            <a:avLst/>
+          </a:prstGeom>
+        </p:spPr>
+        <p:style>
+          <a:lnRef idx="2">
+            <a:schemeClr val="accent2">
+              <a:shade val="15000"/>
+            </a:schemeClr>
+          </a:lnRef>
+          <a:fillRef idx="1">
+            <a:schemeClr val="accent2"/>
+          </a:fillRef>
+          <a:effectRef idx="0">
+            <a:schemeClr val="accent2"/>
+          </a:effectRef>
+          <a:fontRef idx="minor">
+            <a:schemeClr val="lt1"/>
+          </a:fontRef>
+        </p:style>
+        <p:txBody>
+          <a:bodyPr rtlCol="0" anchor="ctr"/>
+          <a:lstStyle/>
+          <a:p>
+            <a:pPr algn="ctr"/>
+            <a:endParaRPr lang="ko-KR" altLang="en-US" dirty="0"/>
+          </a:p>
+        </p:txBody>
+      </p:sp>
+      <p:sp>
+        <p:nvSpPr>
+          <p:cNvPr id="32" name="직사각형 31">
+            <a:extLst>
+              <a:ext uri="{FF2B5EF4-FFF2-40B4-BE49-F238E27FC236}">
+                <a16:creationId xmlns:a16="http://schemas.microsoft.com/office/drawing/2014/main" id="{8FCFA384-19E9-A3D9-0CC0-E3FADCBDFD99}"/>
+              </a:ext>
+            </a:extLst>
+          </p:cNvPr>
+          <p:cNvSpPr/>
+          <p:nvPr/>
+        </p:nvSpPr>
+        <p:spPr>
+          <a:xfrm>
+            <a:off x="3458520" y="966713"/>
+            <a:ext cx="252000" cy="252000"/>
+          </a:xfrm>
+          <a:prstGeom prst="rect">
+            <a:avLst/>
+          </a:prstGeom>
+        </p:spPr>
+        <p:style>
+          <a:lnRef idx="2">
+            <a:schemeClr val="accent2">
+              <a:shade val="15000"/>
+            </a:schemeClr>
+          </a:lnRef>
+          <a:fillRef idx="1">
+            <a:schemeClr val="accent2"/>
+          </a:fillRef>
+          <a:effectRef idx="0">
+            <a:schemeClr val="accent2"/>
+          </a:effectRef>
+          <a:fontRef idx="minor">
+            <a:schemeClr val="lt1"/>
+          </a:fontRef>
+        </p:style>
+        <p:txBody>
+          <a:bodyPr rtlCol="0" anchor="ctr"/>
+          <a:lstStyle/>
+          <a:p>
+            <a:pPr algn="ctr"/>
+            <a:endParaRPr lang="ko-KR" altLang="en-US" dirty="0"/>
+          </a:p>
+        </p:txBody>
+      </p:sp>
+      <p:sp>
+        <p:nvSpPr>
+          <p:cNvPr id="33" name="직사각형 32">
+            <a:extLst>
+              <a:ext uri="{FF2B5EF4-FFF2-40B4-BE49-F238E27FC236}">
+                <a16:creationId xmlns:a16="http://schemas.microsoft.com/office/drawing/2014/main" id="{4EBBCED5-BD13-4E49-70CE-828E2AFD5306}"/>
+              </a:ext>
+            </a:extLst>
+          </p:cNvPr>
+          <p:cNvSpPr/>
+          <p:nvPr/>
+        </p:nvSpPr>
+        <p:spPr>
+          <a:xfrm>
+            <a:off x="2780239" y="1031029"/>
+            <a:ext cx="126000" cy="180000"/>
+          </a:xfrm>
+          <a:prstGeom prst="rect">
+            <a:avLst/>
+          </a:prstGeom>
+          <a:solidFill>
+            <a:schemeClr val="accent2">
+              <a:lumMod val="50000"/>
+            </a:schemeClr>
+          </a:solidFill>
+        </p:spPr>
+        <p:style>
+          <a:lnRef idx="2">
+            <a:schemeClr val="accent1">
+              <a:shade val="15000"/>
+            </a:schemeClr>
+          </a:lnRef>
+          <a:fillRef idx="1">
+            <a:schemeClr val="accent1"/>
+          </a:fillRef>
+          <a:effectRef idx="0">
+            <a:schemeClr val="accent1"/>
+          </a:effectRef>
+          <a:fontRef idx="minor">
+            <a:schemeClr val="lt1"/>
+          </a:fontRef>
+        </p:style>
+        <p:txBody>
+          <a:bodyPr rtlCol="0" anchor="ctr"/>
+          <a:lstStyle/>
+          <a:p>
+            <a:pPr algn="ctr"/>
+            <a:endParaRPr lang="ko-KR" altLang="en-US" dirty="0"/>
+          </a:p>
+        </p:txBody>
+      </p:sp>
+      <p:sp>
+        <p:nvSpPr>
+          <p:cNvPr id="34" name="직사각형 33">
+            <a:extLst>
+              <a:ext uri="{FF2B5EF4-FFF2-40B4-BE49-F238E27FC236}">
+                <a16:creationId xmlns:a16="http://schemas.microsoft.com/office/drawing/2014/main" id="{48BA8AB0-3291-E0E5-7A55-F7BB2CCA5CFB}"/>
+              </a:ext>
+            </a:extLst>
+          </p:cNvPr>
+          <p:cNvSpPr/>
+          <p:nvPr/>
+        </p:nvSpPr>
+        <p:spPr>
+          <a:xfrm>
+            <a:off x="1704520" y="1024630"/>
+            <a:ext cx="126000" cy="180000"/>
+          </a:xfrm>
+          <a:prstGeom prst="rect">
+            <a:avLst/>
+          </a:prstGeom>
+          <a:solidFill>
+            <a:schemeClr val="accent2">
+              <a:lumMod val="50000"/>
+            </a:schemeClr>
+          </a:solidFill>
+        </p:spPr>
+        <p:style>
+          <a:lnRef idx="2">
+            <a:schemeClr val="accent1">
+              <a:shade val="15000"/>
+            </a:schemeClr>
+          </a:lnRef>
+          <a:fillRef idx="1">
+            <a:schemeClr val="accent1"/>
+          </a:fillRef>
+          <a:effectRef idx="0">
+            <a:schemeClr val="accent1"/>
+          </a:effectRef>
+          <a:fontRef idx="minor">
+            <a:schemeClr val="lt1"/>
+          </a:fontRef>
+        </p:style>
+        <p:txBody>
+          <a:bodyPr rtlCol="0" anchor="ctr"/>
+          <a:lstStyle/>
+          <a:p>
+            <a:pPr algn="ctr"/>
+            <a:endParaRPr lang="ko-KR" altLang="en-US" dirty="0"/>
+          </a:p>
+        </p:txBody>
+      </p:sp>
+      <p:sp>
+        <p:nvSpPr>
+          <p:cNvPr id="37" name="직사각형 36">
+            <a:extLst>
+              <a:ext uri="{FF2B5EF4-FFF2-40B4-BE49-F238E27FC236}">
+                <a16:creationId xmlns:a16="http://schemas.microsoft.com/office/drawing/2014/main" id="{52382AE4-12B1-71CB-98E8-BE88EEE06844}"/>
+              </a:ext>
+            </a:extLst>
+          </p:cNvPr>
+          <p:cNvSpPr/>
+          <p:nvPr/>
+        </p:nvSpPr>
+        <p:spPr>
+          <a:xfrm>
+            <a:off x="3858566" y="1024630"/>
+            <a:ext cx="126000" cy="180000"/>
+          </a:xfrm>
+          <a:prstGeom prst="rect">
+            <a:avLst/>
+          </a:prstGeom>
+          <a:solidFill>
+            <a:schemeClr val="accent2">
+              <a:lumMod val="50000"/>
+            </a:schemeClr>
+          </a:solidFill>
+        </p:spPr>
+        <p:style>
+          <a:lnRef idx="2">
+            <a:schemeClr val="accent1">
+              <a:shade val="15000"/>
+            </a:schemeClr>
+          </a:lnRef>
+          <a:fillRef idx="1">
+            <a:schemeClr val="accent1"/>
+          </a:fillRef>
+          <a:effectRef idx="0">
+            <a:schemeClr val="accent1"/>
+          </a:effectRef>
+          <a:fontRef idx="minor">
+            <a:schemeClr val="lt1"/>
+          </a:fontRef>
+        </p:style>
+        <p:txBody>
+          <a:bodyPr rtlCol="0" anchor="ctr"/>
+          <a:lstStyle/>
+          <a:p>
+            <a:pPr algn="ctr"/>
+            <a:endParaRPr lang="ko-KR" altLang="en-US" dirty="0"/>
+          </a:p>
+        </p:txBody>
+      </p:sp>
+      <p:sp>
+        <p:nvSpPr>
           <p:cNvPr id="38" name="원통형 37">
             <a:extLst>
               <a:ext uri="{FF2B5EF4-FFF2-40B4-BE49-F238E27FC236}">
@@ -5315,7 +6026,7 @@
         </p:nvSpPr>
         <p:spPr>
           <a:xfrm rot="10800000">
-            <a:off x="386461" y="1363543"/>
+            <a:off x="160937" y="1363543"/>
             <a:ext cx="120685" cy="206899"/>
           </a:xfrm>
           <a:prstGeom prst="can">
@@ -5347,6 +6058,165 @@
           </a:p>
         </p:txBody>
       </p:sp>
+      <p:cxnSp>
+        <p:nvCxnSpPr>
+          <p:cNvPr id="40" name="연결선: 꺾임 39">
+            <a:extLst>
+              <a:ext uri="{FF2B5EF4-FFF2-40B4-BE49-F238E27FC236}">
+                <a16:creationId xmlns:a16="http://schemas.microsoft.com/office/drawing/2014/main" id="{12D26FA7-E680-8100-9AD2-83B626A7D037}"/>
+              </a:ext>
+            </a:extLst>
+          </p:cNvPr>
+          <p:cNvCxnSpPr>
+            <a:stCxn id="3" idx="1"/>
+            <a:endCxn id="24" idx="0"/>
+          </p:cNvCxnSpPr>
+          <p:nvPr/>
+        </p:nvCxnSpPr>
+        <p:spPr>
+          <a:xfrm rot="10800000" flipV="1">
+            <a:off x="686825" y="555263"/>
+            <a:ext cx="92319" cy="481302"/>
+          </a:xfrm>
+          <a:prstGeom prst="bentConnector2">
+            <a:avLst/>
+          </a:prstGeom>
+        </p:spPr>
+        <p:style>
+          <a:lnRef idx="1">
+            <a:schemeClr val="accent1"/>
+          </a:lnRef>
+          <a:fillRef idx="0">
+            <a:schemeClr val="accent1"/>
+          </a:fillRef>
+          <a:effectRef idx="0">
+            <a:schemeClr val="accent1"/>
+          </a:effectRef>
+          <a:fontRef idx="minor">
+            <a:schemeClr val="tx1"/>
+          </a:fontRef>
+        </p:style>
+      </p:cxnSp>
+      <p:cxnSp>
+        <p:nvCxnSpPr>
+          <p:cNvPr id="41" name="연결선: 꺾임 40">
+            <a:extLst>
+              <a:ext uri="{FF2B5EF4-FFF2-40B4-BE49-F238E27FC236}">
+                <a16:creationId xmlns:a16="http://schemas.microsoft.com/office/drawing/2014/main" id="{E1CD40D6-1D97-5C5E-2307-DE372664FCA0}"/>
+              </a:ext>
+            </a:extLst>
+          </p:cNvPr>
+          <p:cNvCxnSpPr>
+            <a:cxnSpLocks/>
+            <a:stCxn id="4" idx="1"/>
+            <a:endCxn id="34" idx="0"/>
+          </p:cNvCxnSpPr>
+          <p:nvPr/>
+        </p:nvCxnSpPr>
+        <p:spPr>
+          <a:xfrm rot="10800000" flipV="1">
+            <a:off x="1767521" y="566914"/>
+            <a:ext cx="75171" cy="457715"/>
+          </a:xfrm>
+          <a:prstGeom prst="bentConnector2">
+            <a:avLst/>
+          </a:prstGeom>
+        </p:spPr>
+        <p:style>
+          <a:lnRef idx="1">
+            <a:schemeClr val="accent1"/>
+          </a:lnRef>
+          <a:fillRef idx="0">
+            <a:schemeClr val="accent1"/>
+          </a:fillRef>
+          <a:effectRef idx="0">
+            <a:schemeClr val="accent1"/>
+          </a:effectRef>
+          <a:fontRef idx="minor">
+            <a:schemeClr val="tx1"/>
+          </a:fontRef>
+        </p:style>
+      </p:cxnSp>
+      <p:cxnSp>
+        <p:nvCxnSpPr>
+          <p:cNvPr id="42" name="연결선: 꺾임 41">
+            <a:extLst>
+              <a:ext uri="{FF2B5EF4-FFF2-40B4-BE49-F238E27FC236}">
+                <a16:creationId xmlns:a16="http://schemas.microsoft.com/office/drawing/2014/main" id="{1BAF8F4D-C8F9-C4E9-E11A-01B1DCDB01B7}"/>
+              </a:ext>
+            </a:extLst>
+          </p:cNvPr>
+          <p:cNvCxnSpPr>
+            <a:cxnSpLocks/>
+            <a:stCxn id="5" idx="1"/>
+            <a:endCxn id="33" idx="0"/>
+          </p:cNvCxnSpPr>
+          <p:nvPr/>
+        </p:nvCxnSpPr>
+        <p:spPr>
+          <a:xfrm rot="10800000" flipV="1">
+            <a:off x="2843239" y="555263"/>
+            <a:ext cx="63000" cy="475766"/>
+          </a:xfrm>
+          <a:prstGeom prst="bentConnector2">
+            <a:avLst/>
+          </a:prstGeom>
+        </p:spPr>
+        <p:style>
+          <a:lnRef idx="1">
+            <a:schemeClr val="accent1"/>
+          </a:lnRef>
+          <a:fillRef idx="0">
+            <a:schemeClr val="accent1"/>
+          </a:fillRef>
+          <a:effectRef idx="0">
+            <a:schemeClr val="accent1"/>
+          </a:effectRef>
+          <a:fontRef idx="minor">
+            <a:schemeClr val="tx1"/>
+          </a:fontRef>
+        </p:style>
+      </p:cxnSp>
+      <p:cxnSp>
+        <p:nvCxnSpPr>
+          <p:cNvPr id="43" name="연결선: 꺾임 42">
+            <a:extLst>
+              <a:ext uri="{FF2B5EF4-FFF2-40B4-BE49-F238E27FC236}">
+                <a16:creationId xmlns:a16="http://schemas.microsoft.com/office/drawing/2014/main" id="{F698200E-0F80-FBCA-5B92-B3CCA0C72584}"/>
+              </a:ext>
+            </a:extLst>
+          </p:cNvPr>
+          <p:cNvCxnSpPr>
+            <a:cxnSpLocks/>
+            <a:stCxn id="6" idx="3"/>
+            <a:endCxn id="37" idx="0"/>
+          </p:cNvCxnSpPr>
+          <p:nvPr/>
+        </p:nvCxnSpPr>
+        <p:spPr>
+          <a:xfrm>
+            <a:off x="3809520" y="543649"/>
+            <a:ext cx="112046" cy="480981"/>
+          </a:xfrm>
+          <a:prstGeom prst="bentConnector2">
+            <a:avLst/>
+          </a:prstGeom>
+        </p:spPr>
+        <p:style>
+          <a:lnRef idx="1">
+            <a:schemeClr val="accent1"/>
+          </a:lnRef>
+          <a:fillRef idx="0">
+            <a:schemeClr val="accent1"/>
+          </a:fillRef>
+          <a:effectRef idx="0">
+            <a:schemeClr val="accent1"/>
+          </a:effectRef>
+          <a:fontRef idx="minor">
+            <a:schemeClr val="tx1"/>
+          </a:fontRef>
+        </p:style>
+      </p:cxnSp>
       <p:cxnSp>
         <p:nvCxnSpPr>
           <p:cNvPr id="13" name="연결선: 꺾임 12">
@@ -5364,8 +6234,8 @@
         </p:nvCxnSpPr>
         <p:spPr>
           <a:xfrm rot="5400000" flipH="1" flipV="1">
-            <a:off x="2352683" y="-1337253"/>
-            <a:ext cx="207485" cy="3251357"/>
+            <a:off x="2371333" y="-1308507"/>
+            <a:ext cx="217581" cy="3203961"/>
           </a:xfrm>
           <a:prstGeom prst="bentConnector2">
             <a:avLst/>
@@ -5403,8 +6273,8 @@
         </p:nvCxnSpPr>
         <p:spPr>
           <a:xfrm rot="5400000" flipH="1" flipV="1">
-            <a:off x="2856160" y="-833776"/>
-            <a:ext cx="207485" cy="2244403"/>
+            <a:off x="2897281" y="-770907"/>
+            <a:ext cx="229233" cy="2140413"/>
           </a:xfrm>
           <a:prstGeom prst="bentConnector2">
             <a:avLst/>
@@ -5442,8 +6312,8 @@
         </p:nvCxnSpPr>
         <p:spPr>
           <a:xfrm rot="5400000" flipH="1" flipV="1">
-            <a:off x="3346817" y="-343120"/>
-            <a:ext cx="207485" cy="1263090"/>
+            <a:off x="3434881" y="-244959"/>
+            <a:ext cx="217581" cy="1076865"/>
           </a:xfrm>
           <a:prstGeom prst="bentConnector2">
             <a:avLst/>
@@ -5481,8 +6351,8 @@
         </p:nvCxnSpPr>
         <p:spPr>
           <a:xfrm rot="5400000" flipH="1" flipV="1">
-            <a:off x="3833547" y="142700"/>
-            <a:ext cx="206574" cy="290539"/>
+            <a:off x="3793329" y="101874"/>
+            <a:ext cx="205967" cy="371584"/>
           </a:xfrm>
           <a:prstGeom prst="bentConnector2">
             <a:avLst/>
@@ -5517,29 +6387,213 @@
         </p:nvSpPr>
         <p:spPr>
           <a:xfrm>
-            <a:off x="668057" y="1026419"/>
+            <a:off x="389304" y="1369951"/>
             <a:ext cx="183714" cy="95520"/>
           </a:xfrm>
           <a:prstGeom prst="flowChartProcess">
             <a:avLst/>
           </a:prstGeom>
+        </p:spPr>
+        <p:style>
+          <a:lnRef idx="2">
+            <a:schemeClr val="accent6">
+              <a:shade val="15000"/>
+            </a:schemeClr>
+          </a:lnRef>
+          <a:fillRef idx="1">
+            <a:schemeClr val="accent6"/>
+          </a:fillRef>
+          <a:effectRef idx="0">
+            <a:schemeClr val="accent6"/>
+          </a:effectRef>
+          <a:fontRef idx="minor">
+            <a:schemeClr val="lt1"/>
+          </a:fontRef>
+        </p:style>
+        <p:txBody>
+          <a:bodyPr rtlCol="0" anchor="ctr"/>
+          <a:lstStyle/>
+          <a:p>
+            <a:pPr algn="ctr"/>
+            <a:endParaRPr lang="ko-KR" altLang="en-US"/>
+          </a:p>
+        </p:txBody>
+      </p:sp>
+      <p:sp>
+        <p:nvSpPr>
+          <p:cNvPr id="56" name="순서도: 처리 55">
+            <a:extLst>
+              <a:ext uri="{FF2B5EF4-FFF2-40B4-BE49-F238E27FC236}">
+                <a16:creationId xmlns:a16="http://schemas.microsoft.com/office/drawing/2014/main" id="{4F6A4590-6A6B-9CC7-4C8C-AA318AD6A464}"/>
+              </a:ext>
+            </a:extLst>
+          </p:cNvPr>
+          <p:cNvSpPr/>
+          <p:nvPr/>
+        </p:nvSpPr>
+        <p:spPr>
+          <a:xfrm>
+            <a:off x="1460284" y="1363543"/>
+            <a:ext cx="183714" cy="95520"/>
+          </a:xfrm>
+          <a:prstGeom prst="flowChartProcess">
+            <a:avLst/>
+          </a:prstGeom>
+        </p:spPr>
+        <p:style>
+          <a:lnRef idx="2">
+            <a:schemeClr val="accent6">
+              <a:shade val="15000"/>
+            </a:schemeClr>
+          </a:lnRef>
+          <a:fillRef idx="1">
+            <a:schemeClr val="accent6"/>
+          </a:fillRef>
+          <a:effectRef idx="0">
+            <a:schemeClr val="accent6"/>
+          </a:effectRef>
+          <a:fontRef idx="minor">
+            <a:schemeClr val="lt1"/>
+          </a:fontRef>
+        </p:style>
+        <p:txBody>
+          <a:bodyPr rtlCol="0" anchor="ctr"/>
+          <a:lstStyle/>
+          <a:p>
+            <a:pPr algn="ctr"/>
+            <a:endParaRPr lang="ko-KR" altLang="en-US"/>
+          </a:p>
+        </p:txBody>
+      </p:sp>
+      <p:sp>
+        <p:nvSpPr>
+          <p:cNvPr id="57" name="순서도: 처리 56">
+            <a:extLst>
+              <a:ext uri="{FF2B5EF4-FFF2-40B4-BE49-F238E27FC236}">
+                <a16:creationId xmlns:a16="http://schemas.microsoft.com/office/drawing/2014/main" id="{C18CE6CD-1941-EB54-ED3E-03AEDD5579BC}"/>
+              </a:ext>
+            </a:extLst>
+          </p:cNvPr>
+          <p:cNvSpPr/>
+          <p:nvPr/>
+        </p:nvSpPr>
+        <p:spPr>
+          <a:xfrm>
+            <a:off x="2542944" y="1369951"/>
+            <a:ext cx="183714" cy="95520"/>
+          </a:xfrm>
+          <a:prstGeom prst="flowChartProcess">
+            <a:avLst/>
+          </a:prstGeom>
+        </p:spPr>
+        <p:style>
+          <a:lnRef idx="2">
+            <a:schemeClr val="accent6">
+              <a:shade val="15000"/>
+            </a:schemeClr>
+          </a:lnRef>
+          <a:fillRef idx="1">
+            <a:schemeClr val="accent6"/>
+          </a:fillRef>
+          <a:effectRef idx="0">
+            <a:schemeClr val="accent6"/>
+          </a:effectRef>
+          <a:fontRef idx="minor">
+            <a:schemeClr val="lt1"/>
+          </a:fontRef>
+        </p:style>
+        <p:txBody>
+          <a:bodyPr rtlCol="0" anchor="ctr"/>
+          <a:lstStyle/>
+          <a:p>
+            <a:pPr algn="ctr"/>
+            <a:endParaRPr lang="ko-KR" altLang="en-US"/>
+          </a:p>
+        </p:txBody>
+      </p:sp>
+      <p:sp>
+        <p:nvSpPr>
+          <p:cNvPr id="58" name="순서도: 처리 57">
+            <a:extLst>
+              <a:ext uri="{FF2B5EF4-FFF2-40B4-BE49-F238E27FC236}">
+                <a16:creationId xmlns:a16="http://schemas.microsoft.com/office/drawing/2014/main" id="{CCD9803E-EA33-5DF5-D200-70DFAD9A92B9}"/>
+              </a:ext>
+            </a:extLst>
+          </p:cNvPr>
+          <p:cNvSpPr/>
+          <p:nvPr/>
+        </p:nvSpPr>
+        <p:spPr>
+          <a:xfrm>
+            <a:off x="3626566" y="1363543"/>
+            <a:ext cx="183714" cy="95520"/>
+          </a:xfrm>
+          <a:prstGeom prst="flowChartProcess">
+            <a:avLst/>
+          </a:prstGeom>
+        </p:spPr>
+        <p:style>
+          <a:lnRef idx="2">
+            <a:schemeClr val="accent6">
+              <a:shade val="15000"/>
+            </a:schemeClr>
+          </a:lnRef>
+          <a:fillRef idx="1">
+            <a:schemeClr val="accent6"/>
+          </a:fillRef>
+          <a:effectRef idx="0">
+            <a:schemeClr val="accent6"/>
+          </a:effectRef>
+          <a:fontRef idx="minor">
+            <a:schemeClr val="lt1"/>
+          </a:fontRef>
+        </p:style>
+        <p:txBody>
+          <a:bodyPr rtlCol="0" anchor="ctr"/>
+          <a:lstStyle/>
+          <a:p>
+            <a:pPr algn="ctr"/>
+            <a:endParaRPr lang="ko-KR" altLang="en-US"/>
+          </a:p>
+        </p:txBody>
+      </p:sp>
+      <p:sp>
+        <p:nvSpPr>
+          <p:cNvPr id="12" name="순서도: 처리 11">
+            <a:extLst>
+              <a:ext uri="{FF2B5EF4-FFF2-40B4-BE49-F238E27FC236}">
+                <a16:creationId xmlns:a16="http://schemas.microsoft.com/office/drawing/2014/main" id="{8ABC7482-5E15-BE03-2947-11A84402B722}"/>
+              </a:ext>
+            </a:extLst>
+          </p:cNvPr>
+          <p:cNvSpPr/>
+          <p:nvPr/>
+        </p:nvSpPr>
+        <p:spPr>
+          <a:xfrm>
+            <a:off x="2229255" y="1105203"/>
+            <a:ext cx="897627" cy="408681"/>
+          </a:xfrm>
+          <a:prstGeom prst="flowChartProcess">
+            <a:avLst/>
+          </a:prstGeom>
           <a:solidFill>
-            <a:schemeClr val="accent6">
-              <a:alpha val="62000"/>
+            <a:schemeClr val="tx1">
+              <a:alpha val="47000"/>
             </a:schemeClr>
           </a:solidFill>
         </p:spPr>
         <p:style>
           <a:lnRef idx="2">
-            <a:schemeClr val="accent6">
-              <a:shade val="15000"/>
-            </a:schemeClr>
-          </a:lnRef>
-          <a:fillRef idx="1">
-            <a:schemeClr val="accent6"/>
-          </a:fillRef>
-          <a:effectRef idx="0">
-            <a:schemeClr val="accent6"/>
+            <a:schemeClr val="accent1">
+              <a:shade val="15000"/>
+            </a:schemeClr>
+          </a:lnRef>
+          <a:fillRef idx="1">
+            <a:schemeClr val="accent1"/>
+          </a:fillRef>
+          <a:effectRef idx="0">
+            <a:schemeClr val="accent1"/>
           </a:effectRef>
           <a:fontRef idx="minor">
             <a:schemeClr val="lt1"/>
@@ -5551,1336 +6605,15 @@
           <a:p>
             <a:pPr algn="ctr"/>
             <a:endParaRPr lang="ko-KR" altLang="en-US"/>
-          </a:p>
-        </p:txBody>
-      </p:sp>
-      <p:sp>
-        <p:nvSpPr>
-          <p:cNvPr id="12" name="직사각형 11">
-            <a:extLst>
-              <a:ext uri="{FF2B5EF4-FFF2-40B4-BE49-F238E27FC236}">
-                <a16:creationId xmlns:a16="http://schemas.microsoft.com/office/drawing/2014/main" id="{DEF464DB-F6EA-36AA-8857-626630E09C33}"/>
-              </a:ext>
-            </a:extLst>
-          </p:cNvPr>
-          <p:cNvSpPr/>
-          <p:nvPr/>
-        </p:nvSpPr>
-        <p:spPr>
-          <a:xfrm rot="10800000">
-            <a:off x="2270714" y="1126945"/>
-            <a:ext cx="1908000" cy="234000"/>
-          </a:xfrm>
-          <a:prstGeom prst="rect">
-            <a:avLst/>
-          </a:prstGeom>
-        </p:spPr>
-        <p:style>
-          <a:lnRef idx="2">
-            <a:schemeClr val="accent3">
-              <a:shade val="15000"/>
-            </a:schemeClr>
-          </a:lnRef>
-          <a:fillRef idx="1">
-            <a:schemeClr val="accent3"/>
-          </a:fillRef>
-          <a:effectRef idx="0">
-            <a:schemeClr val="accent3"/>
-          </a:effectRef>
-          <a:fontRef idx="minor">
-            <a:schemeClr val="lt1"/>
-          </a:fontRef>
-        </p:style>
-        <p:txBody>
-          <a:bodyPr rtlCol="0" anchor="ctr"/>
-          <a:lstStyle/>
-          <a:p>
-            <a:pPr algn="ctr"/>
-            <a:endParaRPr lang="ko-KR" altLang="en-US" dirty="0"/>
-          </a:p>
-        </p:txBody>
-      </p:sp>
-      <p:sp>
-        <p:nvSpPr>
-          <p:cNvPr id="19" name="원통형 18">
-            <a:extLst>
-              <a:ext uri="{FF2B5EF4-FFF2-40B4-BE49-F238E27FC236}">
-                <a16:creationId xmlns:a16="http://schemas.microsoft.com/office/drawing/2014/main" id="{F000E359-4B09-1131-A6E7-7BD91971AE88}"/>
-              </a:ext>
-            </a:extLst>
-          </p:cNvPr>
-          <p:cNvSpPr/>
-          <p:nvPr/>
-        </p:nvSpPr>
-        <p:spPr>
-          <a:xfrm rot="10800000">
-            <a:off x="2217078" y="1144594"/>
-            <a:ext cx="45719" cy="206900"/>
-          </a:xfrm>
-          <a:prstGeom prst="can">
-            <a:avLst/>
-          </a:prstGeom>
-          <a:solidFill>
-            <a:schemeClr val="accent3">
-              <a:lumMod val="75000"/>
-            </a:schemeClr>
-          </a:solidFill>
-        </p:spPr>
-        <p:style>
-          <a:lnRef idx="2">
-            <a:schemeClr val="accent1">
-              <a:shade val="15000"/>
-            </a:schemeClr>
-          </a:lnRef>
-          <a:fillRef idx="1">
-            <a:schemeClr val="accent1"/>
-          </a:fillRef>
-          <a:effectRef idx="0">
-            <a:schemeClr val="accent1"/>
-          </a:effectRef>
-          <a:fontRef idx="minor">
-            <a:schemeClr val="lt1"/>
-          </a:fontRef>
-        </p:style>
-        <p:txBody>
-          <a:bodyPr rtlCol="0" anchor="ctr"/>
-          <a:lstStyle/>
-          <a:p>
-            <a:pPr algn="ctr"/>
-            <a:endParaRPr lang="ko-KR" altLang="en-US"/>
-          </a:p>
-        </p:txBody>
-      </p:sp>
-      <p:sp>
-        <p:nvSpPr>
-          <p:cNvPr id="26" name="직사각형 25">
-            <a:extLst>
-              <a:ext uri="{FF2B5EF4-FFF2-40B4-BE49-F238E27FC236}">
-                <a16:creationId xmlns:a16="http://schemas.microsoft.com/office/drawing/2014/main" id="{9ED15C8A-B72D-9BA3-7BD8-D25E0EB42375}"/>
-              </a:ext>
-            </a:extLst>
-          </p:cNvPr>
-          <p:cNvSpPr/>
-          <p:nvPr/>
-        </p:nvSpPr>
-        <p:spPr>
-          <a:xfrm rot="5400000">
-            <a:off x="4331620" y="1152277"/>
-            <a:ext cx="90000" cy="162000"/>
-          </a:xfrm>
-          <a:prstGeom prst="rect">
-            <a:avLst/>
-          </a:prstGeom>
-        </p:spPr>
-        <p:style>
-          <a:lnRef idx="2">
-            <a:schemeClr val="dk1">
-              <a:shade val="15000"/>
-            </a:schemeClr>
-          </a:lnRef>
-          <a:fillRef idx="1">
-            <a:schemeClr val="dk1"/>
-          </a:fillRef>
-          <a:effectRef idx="0">
-            <a:schemeClr val="dk1"/>
-          </a:effectRef>
-          <a:fontRef idx="minor">
-            <a:schemeClr val="lt1"/>
-          </a:fontRef>
-        </p:style>
-        <p:txBody>
-          <a:bodyPr rtlCol="0" anchor="ctr"/>
-          <a:lstStyle/>
-          <a:p>
-            <a:pPr algn="ctr"/>
-            <a:endParaRPr lang="ko-KR" altLang="en-US" dirty="0"/>
-          </a:p>
-        </p:txBody>
-      </p:sp>
-      <p:sp>
-        <p:nvSpPr>
-          <p:cNvPr id="36" name="직사각형 35">
-            <a:extLst>
-              <a:ext uri="{FF2B5EF4-FFF2-40B4-BE49-F238E27FC236}">
-                <a16:creationId xmlns:a16="http://schemas.microsoft.com/office/drawing/2014/main" id="{F0E29383-57CB-0805-B1C7-036FA1984B98}"/>
-              </a:ext>
-            </a:extLst>
-          </p:cNvPr>
-          <p:cNvSpPr/>
-          <p:nvPr/>
-        </p:nvSpPr>
-        <p:spPr>
-          <a:xfrm>
-            <a:off x="4108530" y="1365962"/>
-            <a:ext cx="252000" cy="252000"/>
-          </a:xfrm>
-          <a:prstGeom prst="rect">
-            <a:avLst/>
-          </a:prstGeom>
-        </p:spPr>
-        <p:style>
-          <a:lnRef idx="2">
-            <a:schemeClr val="accent2">
-              <a:shade val="15000"/>
-            </a:schemeClr>
-          </a:lnRef>
-          <a:fillRef idx="1">
-            <a:schemeClr val="accent2"/>
-          </a:fillRef>
-          <a:effectRef idx="0">
-            <a:schemeClr val="accent2"/>
-          </a:effectRef>
-          <a:fontRef idx="minor">
-            <a:schemeClr val="lt1"/>
-          </a:fontRef>
-        </p:style>
-        <p:txBody>
-          <a:bodyPr rtlCol="0" anchor="ctr"/>
-          <a:lstStyle/>
-          <a:p>
-            <a:pPr algn="ctr"/>
-            <a:endParaRPr lang="ko-KR" altLang="en-US" dirty="0"/>
-          </a:p>
-        </p:txBody>
-      </p:sp>
-      <p:sp>
-        <p:nvSpPr>
-          <p:cNvPr id="39" name="직사각형 38">
-            <a:extLst>
-              <a:ext uri="{FF2B5EF4-FFF2-40B4-BE49-F238E27FC236}">
-                <a16:creationId xmlns:a16="http://schemas.microsoft.com/office/drawing/2014/main" id="{DDF19D2B-06F6-4C7C-DF7A-1521984E8CBE}"/>
-              </a:ext>
-            </a:extLst>
-          </p:cNvPr>
-          <p:cNvSpPr/>
-          <p:nvPr/>
-        </p:nvSpPr>
-        <p:spPr>
-          <a:xfrm>
-            <a:off x="4108943" y="872940"/>
-            <a:ext cx="252000" cy="252000"/>
-          </a:xfrm>
-          <a:prstGeom prst="rect">
-            <a:avLst/>
-          </a:prstGeom>
-        </p:spPr>
-        <p:style>
-          <a:lnRef idx="2">
-            <a:schemeClr val="accent2">
-              <a:shade val="15000"/>
-            </a:schemeClr>
-          </a:lnRef>
-          <a:fillRef idx="1">
-            <a:schemeClr val="accent2"/>
-          </a:fillRef>
-          <a:effectRef idx="0">
-            <a:schemeClr val="accent2"/>
-          </a:effectRef>
-          <a:fontRef idx="minor">
-            <a:schemeClr val="lt1"/>
-          </a:fontRef>
-        </p:style>
-        <p:txBody>
-          <a:bodyPr rtlCol="0" anchor="ctr"/>
-          <a:lstStyle/>
-          <a:p>
-            <a:pPr algn="ctr"/>
-            <a:endParaRPr lang="ko-KR" altLang="en-US" dirty="0"/>
-          </a:p>
-        </p:txBody>
-      </p:sp>
-      <p:sp>
-        <p:nvSpPr>
-          <p:cNvPr id="47" name="직사각형 46">
-            <a:extLst>
-              <a:ext uri="{FF2B5EF4-FFF2-40B4-BE49-F238E27FC236}">
-                <a16:creationId xmlns:a16="http://schemas.microsoft.com/office/drawing/2014/main" id="{1136DA5A-17C8-611D-18AB-BBDBB9DDC366}"/>
-              </a:ext>
-            </a:extLst>
-          </p:cNvPr>
-          <p:cNvSpPr/>
-          <p:nvPr/>
-        </p:nvSpPr>
-        <p:spPr>
-          <a:xfrm rot="10800000">
-            <a:off x="916752" y="1130913"/>
-            <a:ext cx="36000" cy="288000"/>
-          </a:xfrm>
-          <a:prstGeom prst="rect">
-            <a:avLst/>
-          </a:prstGeom>
-        </p:spPr>
-        <p:style>
-          <a:lnRef idx="2">
-            <a:schemeClr val="accent1">
-              <a:shade val="15000"/>
-            </a:schemeClr>
-          </a:lnRef>
-          <a:fillRef idx="1">
-            <a:schemeClr val="accent1"/>
-          </a:fillRef>
-          <a:effectRef idx="0">
-            <a:schemeClr val="accent1"/>
-          </a:effectRef>
-          <a:fontRef idx="minor">
-            <a:schemeClr val="lt1"/>
-          </a:fontRef>
-        </p:style>
-        <p:txBody>
-          <a:bodyPr rtlCol="0" anchor="ctr"/>
-          <a:lstStyle/>
-          <a:p>
-            <a:pPr algn="ctr"/>
-            <a:endParaRPr lang="ko-KR" altLang="en-US" dirty="0"/>
-          </a:p>
-        </p:txBody>
-      </p:sp>
-      <p:sp>
-        <p:nvSpPr>
-          <p:cNvPr id="50" name="직사각형 49">
-            <a:extLst>
-              <a:ext uri="{FF2B5EF4-FFF2-40B4-BE49-F238E27FC236}">
-                <a16:creationId xmlns:a16="http://schemas.microsoft.com/office/drawing/2014/main" id="{8F4C75B3-863B-EE9E-C768-90867C587B83}"/>
-              </a:ext>
-            </a:extLst>
-          </p:cNvPr>
-          <p:cNvSpPr/>
-          <p:nvPr/>
-        </p:nvSpPr>
-        <p:spPr>
-          <a:xfrm rot="10800000">
-            <a:off x="1905225" y="957959"/>
-            <a:ext cx="90000" cy="162000"/>
-          </a:xfrm>
-          <a:prstGeom prst="rect">
-            <a:avLst/>
-          </a:prstGeom>
-        </p:spPr>
-        <p:style>
-          <a:lnRef idx="2">
-            <a:schemeClr val="dk1">
-              <a:shade val="15000"/>
-            </a:schemeClr>
-          </a:lnRef>
-          <a:fillRef idx="1">
-            <a:schemeClr val="dk1"/>
-          </a:fillRef>
-          <a:effectRef idx="0">
-            <a:schemeClr val="dk1"/>
-          </a:effectRef>
-          <a:fontRef idx="minor">
-            <a:schemeClr val="lt1"/>
-          </a:fontRef>
-        </p:style>
-        <p:txBody>
-          <a:bodyPr rtlCol="0" anchor="ctr"/>
-          <a:lstStyle/>
-          <a:p>
-            <a:pPr algn="ctr"/>
-            <a:endParaRPr lang="ko-KR" altLang="en-US" dirty="0"/>
-          </a:p>
-        </p:txBody>
-      </p:sp>
-      <p:sp>
-        <p:nvSpPr>
-          <p:cNvPr id="51" name="직사각형 50">
-            <a:extLst>
-              <a:ext uri="{FF2B5EF4-FFF2-40B4-BE49-F238E27FC236}">
-                <a16:creationId xmlns:a16="http://schemas.microsoft.com/office/drawing/2014/main" id="{85AFD877-62F4-DE1E-5EEB-ACF7FE7588E5}"/>
-              </a:ext>
-            </a:extLst>
-          </p:cNvPr>
-          <p:cNvSpPr/>
-          <p:nvPr/>
-        </p:nvSpPr>
-        <p:spPr>
-          <a:xfrm>
-            <a:off x="1774701" y="700270"/>
-            <a:ext cx="126000" cy="180000"/>
-          </a:xfrm>
-          <a:prstGeom prst="rect">
-            <a:avLst/>
-          </a:prstGeom>
-          <a:solidFill>
-            <a:schemeClr val="accent2">
-              <a:lumMod val="50000"/>
-            </a:schemeClr>
-          </a:solidFill>
-        </p:spPr>
-        <p:style>
-          <a:lnRef idx="2">
-            <a:schemeClr val="accent1">
-              <a:shade val="15000"/>
-            </a:schemeClr>
-          </a:lnRef>
-          <a:fillRef idx="1">
-            <a:schemeClr val="accent1"/>
-          </a:fillRef>
-          <a:effectRef idx="0">
-            <a:schemeClr val="accent1"/>
-          </a:effectRef>
-          <a:fontRef idx="minor">
-            <a:schemeClr val="lt1"/>
-          </a:fontRef>
-        </p:style>
-        <p:txBody>
-          <a:bodyPr rtlCol="0" anchor="ctr"/>
-          <a:lstStyle/>
-          <a:p>
-            <a:pPr algn="ctr"/>
-            <a:endParaRPr lang="ko-KR" altLang="en-US" dirty="0"/>
-          </a:p>
-        </p:txBody>
-      </p:sp>
-      <p:sp>
-        <p:nvSpPr>
-          <p:cNvPr id="52" name="직사각형 51">
-            <a:extLst>
-              <a:ext uri="{FF2B5EF4-FFF2-40B4-BE49-F238E27FC236}">
-                <a16:creationId xmlns:a16="http://schemas.microsoft.com/office/drawing/2014/main" id="{3446F67F-ED45-7A78-1016-64D63FCB0CC5}"/>
-              </a:ext>
-            </a:extLst>
-          </p:cNvPr>
-          <p:cNvSpPr/>
-          <p:nvPr/>
-        </p:nvSpPr>
-        <p:spPr>
-          <a:xfrm>
-            <a:off x="1936195" y="1370062"/>
-            <a:ext cx="252000" cy="252000"/>
-          </a:xfrm>
-          <a:prstGeom prst="rect">
-            <a:avLst/>
-          </a:prstGeom>
-        </p:spPr>
-        <p:style>
-          <a:lnRef idx="2">
-            <a:schemeClr val="accent2">
-              <a:shade val="15000"/>
-            </a:schemeClr>
-          </a:lnRef>
-          <a:fillRef idx="1">
-            <a:schemeClr val="accent2"/>
-          </a:fillRef>
-          <a:effectRef idx="0">
-            <a:schemeClr val="accent2"/>
-          </a:effectRef>
-          <a:fontRef idx="minor">
-            <a:schemeClr val="lt1"/>
-          </a:fontRef>
-        </p:style>
-        <p:txBody>
-          <a:bodyPr rtlCol="0" anchor="ctr"/>
-          <a:lstStyle/>
-          <a:p>
-            <a:pPr algn="ctr"/>
-            <a:endParaRPr lang="ko-KR" altLang="en-US" dirty="0"/>
-          </a:p>
-        </p:txBody>
-      </p:sp>
-      <p:sp>
-        <p:nvSpPr>
-          <p:cNvPr id="53" name="순서도: 처리 52">
-            <a:extLst>
-              <a:ext uri="{FF2B5EF4-FFF2-40B4-BE49-F238E27FC236}">
-                <a16:creationId xmlns:a16="http://schemas.microsoft.com/office/drawing/2014/main" id="{FC93A8B0-1A3D-ABD9-FEB4-A6536B6791F4}"/>
-              </a:ext>
-            </a:extLst>
-          </p:cNvPr>
-          <p:cNvSpPr/>
-          <p:nvPr/>
-        </p:nvSpPr>
-        <p:spPr>
-          <a:xfrm>
-            <a:off x="1242708" y="1027860"/>
-            <a:ext cx="183714" cy="95520"/>
-          </a:xfrm>
-          <a:prstGeom prst="flowChartProcess">
-            <a:avLst/>
-          </a:prstGeom>
-          <a:solidFill>
-            <a:schemeClr val="accent6">
-              <a:alpha val="62000"/>
-            </a:schemeClr>
-          </a:solidFill>
-        </p:spPr>
-        <p:style>
-          <a:lnRef idx="2">
-            <a:schemeClr val="accent6">
-              <a:shade val="15000"/>
-            </a:schemeClr>
-          </a:lnRef>
-          <a:fillRef idx="1">
-            <a:schemeClr val="accent6"/>
-          </a:fillRef>
-          <a:effectRef idx="0">
-            <a:schemeClr val="accent6"/>
-          </a:effectRef>
-          <a:fontRef idx="minor">
-            <a:schemeClr val="lt1"/>
-          </a:fontRef>
-        </p:style>
-        <p:txBody>
-          <a:bodyPr rtlCol="0" anchor="ctr"/>
-          <a:lstStyle/>
-          <a:p>
-            <a:pPr algn="ctr"/>
-            <a:endParaRPr lang="ko-KR" altLang="en-US"/>
-          </a:p>
-        </p:txBody>
-      </p:sp>
-      <p:sp>
-        <p:nvSpPr>
-          <p:cNvPr id="54" name="직사각형 53">
-            <a:extLst>
-              <a:ext uri="{FF2B5EF4-FFF2-40B4-BE49-F238E27FC236}">
-                <a16:creationId xmlns:a16="http://schemas.microsoft.com/office/drawing/2014/main" id="{8FF9C13D-AA6B-9A4B-2D99-81114D2F6358}"/>
-              </a:ext>
-            </a:extLst>
-          </p:cNvPr>
-          <p:cNvSpPr/>
-          <p:nvPr/>
-        </p:nvSpPr>
-        <p:spPr>
-          <a:xfrm rot="10800000">
-            <a:off x="1933173" y="1122936"/>
-            <a:ext cx="36000" cy="288000"/>
-          </a:xfrm>
-          <a:prstGeom prst="rect">
-            <a:avLst/>
-          </a:prstGeom>
-        </p:spPr>
-        <p:style>
-          <a:lnRef idx="2">
-            <a:schemeClr val="accent1">
-              <a:shade val="15000"/>
-            </a:schemeClr>
-          </a:lnRef>
-          <a:fillRef idx="1">
-            <a:schemeClr val="accent1"/>
-          </a:fillRef>
-          <a:effectRef idx="0">
-            <a:schemeClr val="accent1"/>
-          </a:effectRef>
-          <a:fontRef idx="minor">
-            <a:schemeClr val="lt1"/>
-          </a:fontRef>
-        </p:style>
-        <p:txBody>
-          <a:bodyPr rtlCol="0" anchor="ctr"/>
-          <a:lstStyle/>
-          <a:p>
-            <a:pPr algn="ctr"/>
-            <a:endParaRPr lang="ko-KR" altLang="en-US" dirty="0"/>
-          </a:p>
-        </p:txBody>
-      </p:sp>
-      <p:sp>
-        <p:nvSpPr>
-          <p:cNvPr id="63" name="직사각형 62">
-            <a:extLst>
-              <a:ext uri="{FF2B5EF4-FFF2-40B4-BE49-F238E27FC236}">
-                <a16:creationId xmlns:a16="http://schemas.microsoft.com/office/drawing/2014/main" id="{0FA44C52-7C1E-4C68-F885-791DDC02C5DF}"/>
-              </a:ext>
-            </a:extLst>
-          </p:cNvPr>
-          <p:cNvSpPr/>
-          <p:nvPr/>
-        </p:nvSpPr>
-        <p:spPr>
-          <a:xfrm rot="10800000">
-            <a:off x="3664954" y="960170"/>
-            <a:ext cx="90000" cy="162000"/>
-          </a:xfrm>
-          <a:prstGeom prst="rect">
-            <a:avLst/>
-          </a:prstGeom>
-        </p:spPr>
-        <p:style>
-          <a:lnRef idx="2">
-            <a:schemeClr val="dk1">
-              <a:shade val="15000"/>
-            </a:schemeClr>
-          </a:lnRef>
-          <a:fillRef idx="1">
-            <a:schemeClr val="dk1"/>
-          </a:fillRef>
-          <a:effectRef idx="0">
-            <a:schemeClr val="dk1"/>
-          </a:effectRef>
-          <a:fontRef idx="minor">
-            <a:schemeClr val="lt1"/>
-          </a:fontRef>
-        </p:style>
-        <p:txBody>
-          <a:bodyPr rtlCol="0" anchor="ctr"/>
-          <a:lstStyle/>
-          <a:p>
-            <a:pPr algn="ctr"/>
-            <a:endParaRPr lang="ko-KR" altLang="en-US" dirty="0"/>
-          </a:p>
-        </p:txBody>
-      </p:sp>
-      <p:sp>
-        <p:nvSpPr>
-          <p:cNvPr id="64" name="직사각형 63">
-            <a:extLst>
-              <a:ext uri="{FF2B5EF4-FFF2-40B4-BE49-F238E27FC236}">
-                <a16:creationId xmlns:a16="http://schemas.microsoft.com/office/drawing/2014/main" id="{C6591E70-D21C-263A-B008-14725DAF708A}"/>
-              </a:ext>
-            </a:extLst>
-          </p:cNvPr>
-          <p:cNvSpPr/>
-          <p:nvPr/>
-        </p:nvSpPr>
-        <p:spPr>
-          <a:xfrm>
-            <a:off x="3728564" y="704215"/>
-            <a:ext cx="126000" cy="180000"/>
-          </a:xfrm>
-          <a:prstGeom prst="rect">
-            <a:avLst/>
-          </a:prstGeom>
-          <a:solidFill>
-            <a:schemeClr val="accent2">
-              <a:lumMod val="50000"/>
-            </a:schemeClr>
-          </a:solidFill>
-        </p:spPr>
-        <p:style>
-          <a:lnRef idx="2">
-            <a:schemeClr val="accent1">
-              <a:shade val="15000"/>
-            </a:schemeClr>
-          </a:lnRef>
-          <a:fillRef idx="1">
-            <a:schemeClr val="accent1"/>
-          </a:fillRef>
-          <a:effectRef idx="0">
-            <a:schemeClr val="accent1"/>
-          </a:effectRef>
-          <a:fontRef idx="minor">
-            <a:schemeClr val="lt1"/>
-          </a:fontRef>
-        </p:style>
-        <p:txBody>
-          <a:bodyPr rtlCol="0" anchor="ctr"/>
-          <a:lstStyle/>
-          <a:p>
-            <a:pPr algn="ctr"/>
-            <a:endParaRPr lang="ko-KR" altLang="en-US" dirty="0"/>
-          </a:p>
-        </p:txBody>
-      </p:sp>
-      <p:sp>
-        <p:nvSpPr>
-          <p:cNvPr id="65" name="직사각형 64">
-            <a:extLst>
-              <a:ext uri="{FF2B5EF4-FFF2-40B4-BE49-F238E27FC236}">
-                <a16:creationId xmlns:a16="http://schemas.microsoft.com/office/drawing/2014/main" id="{3A274ED8-10E9-C8BD-EA19-4132F3AA411C}"/>
-              </a:ext>
-            </a:extLst>
-          </p:cNvPr>
-          <p:cNvSpPr/>
-          <p:nvPr/>
-        </p:nvSpPr>
-        <p:spPr>
-          <a:xfrm>
-            <a:off x="3695696" y="1369976"/>
-            <a:ext cx="252000" cy="252000"/>
-          </a:xfrm>
-          <a:prstGeom prst="rect">
-            <a:avLst/>
-          </a:prstGeom>
-        </p:spPr>
-        <p:style>
-          <a:lnRef idx="2">
-            <a:schemeClr val="accent2">
-              <a:shade val="15000"/>
-            </a:schemeClr>
-          </a:lnRef>
-          <a:fillRef idx="1">
-            <a:schemeClr val="accent2"/>
-          </a:fillRef>
-          <a:effectRef idx="0">
-            <a:schemeClr val="accent2"/>
-          </a:effectRef>
-          <a:fontRef idx="minor">
-            <a:schemeClr val="lt1"/>
-          </a:fontRef>
-        </p:style>
-        <p:txBody>
-          <a:bodyPr rtlCol="0" anchor="ctr"/>
-          <a:lstStyle/>
-          <a:p>
-            <a:pPr algn="ctr"/>
-            <a:endParaRPr lang="ko-KR" altLang="en-US" dirty="0"/>
-          </a:p>
-        </p:txBody>
-      </p:sp>
-      <p:sp>
-        <p:nvSpPr>
-          <p:cNvPr id="66" name="순서도: 처리 65">
-            <a:extLst>
-              <a:ext uri="{FF2B5EF4-FFF2-40B4-BE49-F238E27FC236}">
-                <a16:creationId xmlns:a16="http://schemas.microsoft.com/office/drawing/2014/main" id="{68DD53A9-D24A-978A-221C-0CF3B47D3BA2}"/>
-              </a:ext>
-            </a:extLst>
-          </p:cNvPr>
-          <p:cNvSpPr/>
-          <p:nvPr/>
-        </p:nvSpPr>
-        <p:spPr>
-          <a:xfrm>
-            <a:off x="3222929" y="1019847"/>
-            <a:ext cx="183714" cy="95520"/>
-          </a:xfrm>
-          <a:prstGeom prst="flowChartProcess">
-            <a:avLst/>
-          </a:prstGeom>
-          <a:solidFill>
-            <a:schemeClr val="accent6">
-              <a:alpha val="62000"/>
-            </a:schemeClr>
-          </a:solidFill>
-        </p:spPr>
-        <p:style>
-          <a:lnRef idx="2">
-            <a:schemeClr val="accent6">
-              <a:shade val="15000"/>
-            </a:schemeClr>
-          </a:lnRef>
-          <a:fillRef idx="1">
-            <a:schemeClr val="accent6"/>
-          </a:fillRef>
-          <a:effectRef idx="0">
-            <a:schemeClr val="accent6"/>
-          </a:effectRef>
-          <a:fontRef idx="minor">
-            <a:schemeClr val="lt1"/>
-          </a:fontRef>
-        </p:style>
-        <p:txBody>
-          <a:bodyPr rtlCol="0" anchor="ctr"/>
-          <a:lstStyle/>
-          <a:p>
-            <a:pPr algn="ctr"/>
-            <a:endParaRPr lang="ko-KR" altLang="en-US"/>
-          </a:p>
-        </p:txBody>
-      </p:sp>
-      <p:sp>
-        <p:nvSpPr>
-          <p:cNvPr id="67" name="직사각형 66">
-            <a:extLst>
-              <a:ext uri="{FF2B5EF4-FFF2-40B4-BE49-F238E27FC236}">
-                <a16:creationId xmlns:a16="http://schemas.microsoft.com/office/drawing/2014/main" id="{8D2960C1-F12A-4076-7A5C-612678713490}"/>
-              </a:ext>
-            </a:extLst>
-          </p:cNvPr>
-          <p:cNvSpPr/>
-          <p:nvPr/>
-        </p:nvSpPr>
-        <p:spPr>
-          <a:xfrm rot="10800000">
-            <a:off x="3692902" y="1125147"/>
-            <a:ext cx="36000" cy="288000"/>
-          </a:xfrm>
-          <a:prstGeom prst="rect">
-            <a:avLst/>
-          </a:prstGeom>
-        </p:spPr>
-        <p:style>
-          <a:lnRef idx="2">
-            <a:schemeClr val="accent1">
-              <a:shade val="15000"/>
-            </a:schemeClr>
-          </a:lnRef>
-          <a:fillRef idx="1">
-            <a:schemeClr val="accent1"/>
-          </a:fillRef>
-          <a:effectRef idx="0">
-            <a:schemeClr val="accent1"/>
-          </a:effectRef>
-          <a:fontRef idx="minor">
-            <a:schemeClr val="lt1"/>
-          </a:fontRef>
-        </p:style>
-        <p:txBody>
-          <a:bodyPr rtlCol="0" anchor="ctr"/>
-          <a:lstStyle/>
-          <a:p>
-            <a:pPr algn="ctr"/>
-            <a:endParaRPr lang="ko-KR" altLang="en-US" dirty="0"/>
-          </a:p>
-        </p:txBody>
-      </p:sp>
-      <p:sp>
-        <p:nvSpPr>
-          <p:cNvPr id="70" name="직사각형 69">
-            <a:extLst>
-              <a:ext uri="{FF2B5EF4-FFF2-40B4-BE49-F238E27FC236}">
-                <a16:creationId xmlns:a16="http://schemas.microsoft.com/office/drawing/2014/main" id="{61826E22-F307-8992-9779-1029D8AEC8CA}"/>
-              </a:ext>
-            </a:extLst>
-          </p:cNvPr>
-          <p:cNvSpPr/>
-          <p:nvPr/>
-        </p:nvSpPr>
-        <p:spPr>
-          <a:xfrm rot="10800000">
-            <a:off x="2649786" y="957959"/>
-            <a:ext cx="90000" cy="162000"/>
-          </a:xfrm>
-          <a:prstGeom prst="rect">
-            <a:avLst/>
-          </a:prstGeom>
-        </p:spPr>
-        <p:style>
-          <a:lnRef idx="2">
-            <a:schemeClr val="dk1">
-              <a:shade val="15000"/>
-            </a:schemeClr>
-          </a:lnRef>
-          <a:fillRef idx="1">
-            <a:schemeClr val="dk1"/>
-          </a:fillRef>
-          <a:effectRef idx="0">
-            <a:schemeClr val="dk1"/>
-          </a:effectRef>
-          <a:fontRef idx="minor">
-            <a:schemeClr val="lt1"/>
-          </a:fontRef>
-        </p:style>
-        <p:txBody>
-          <a:bodyPr rtlCol="0" anchor="ctr"/>
-          <a:lstStyle/>
-          <a:p>
-            <a:pPr algn="ctr"/>
-            <a:endParaRPr lang="ko-KR" altLang="en-US" dirty="0"/>
-          </a:p>
-        </p:txBody>
-      </p:sp>
-      <p:sp>
-        <p:nvSpPr>
-          <p:cNvPr id="71" name="직사각형 70">
-            <a:extLst>
-              <a:ext uri="{FF2B5EF4-FFF2-40B4-BE49-F238E27FC236}">
-                <a16:creationId xmlns:a16="http://schemas.microsoft.com/office/drawing/2014/main" id="{EE575E92-981C-3910-F1E6-F4B4CFF4BCF4}"/>
-              </a:ext>
-            </a:extLst>
-          </p:cNvPr>
-          <p:cNvSpPr/>
-          <p:nvPr/>
-        </p:nvSpPr>
-        <p:spPr>
-          <a:xfrm>
-            <a:off x="2749723" y="705271"/>
-            <a:ext cx="126000" cy="180000"/>
-          </a:xfrm>
-          <a:prstGeom prst="rect">
-            <a:avLst/>
-          </a:prstGeom>
-          <a:solidFill>
-            <a:schemeClr val="accent2">
-              <a:lumMod val="50000"/>
-            </a:schemeClr>
-          </a:solidFill>
-        </p:spPr>
-        <p:style>
-          <a:lnRef idx="2">
-            <a:schemeClr val="accent1">
-              <a:shade val="15000"/>
-            </a:schemeClr>
-          </a:lnRef>
-          <a:fillRef idx="1">
-            <a:schemeClr val="accent1"/>
-          </a:fillRef>
-          <a:effectRef idx="0">
-            <a:schemeClr val="accent1"/>
-          </a:effectRef>
-          <a:fontRef idx="minor">
-            <a:schemeClr val="lt1"/>
-          </a:fontRef>
-        </p:style>
-        <p:txBody>
-          <a:bodyPr rtlCol="0" anchor="ctr"/>
-          <a:lstStyle/>
-          <a:p>
-            <a:pPr algn="ctr"/>
-            <a:endParaRPr lang="ko-KR" altLang="en-US" dirty="0"/>
-          </a:p>
-        </p:txBody>
-      </p:sp>
-      <p:sp>
-        <p:nvSpPr>
-          <p:cNvPr id="72" name="직사각형 71">
-            <a:extLst>
-              <a:ext uri="{FF2B5EF4-FFF2-40B4-BE49-F238E27FC236}">
-                <a16:creationId xmlns:a16="http://schemas.microsoft.com/office/drawing/2014/main" id="{9ADF3229-42D6-0099-BA93-E85BB5203359}"/>
-              </a:ext>
-            </a:extLst>
-          </p:cNvPr>
-          <p:cNvSpPr/>
-          <p:nvPr/>
-        </p:nvSpPr>
-        <p:spPr>
-          <a:xfrm>
-            <a:off x="2684628" y="1365962"/>
-            <a:ext cx="252000" cy="252000"/>
-          </a:xfrm>
-          <a:prstGeom prst="rect">
-            <a:avLst/>
-          </a:prstGeom>
-        </p:spPr>
-        <p:style>
-          <a:lnRef idx="2">
-            <a:schemeClr val="accent2">
-              <a:shade val="15000"/>
-            </a:schemeClr>
-          </a:lnRef>
-          <a:fillRef idx="1">
-            <a:schemeClr val="accent2"/>
-          </a:fillRef>
-          <a:effectRef idx="0">
-            <a:schemeClr val="accent2"/>
-          </a:effectRef>
-          <a:fontRef idx="minor">
-            <a:schemeClr val="lt1"/>
-          </a:fontRef>
-        </p:style>
-        <p:txBody>
-          <a:bodyPr rtlCol="0" anchor="ctr"/>
-          <a:lstStyle/>
-          <a:p>
-            <a:pPr algn="ctr"/>
-            <a:endParaRPr lang="ko-KR" altLang="en-US" dirty="0"/>
-          </a:p>
-        </p:txBody>
-      </p:sp>
-      <p:sp>
-        <p:nvSpPr>
-          <p:cNvPr id="73" name="순서도: 처리 72">
-            <a:extLst>
-              <a:ext uri="{FF2B5EF4-FFF2-40B4-BE49-F238E27FC236}">
-                <a16:creationId xmlns:a16="http://schemas.microsoft.com/office/drawing/2014/main" id="{70B61F65-3336-F36C-20B3-03EF26105CA7}"/>
-              </a:ext>
-            </a:extLst>
-          </p:cNvPr>
-          <p:cNvSpPr/>
-          <p:nvPr/>
-        </p:nvSpPr>
-        <p:spPr>
-          <a:xfrm>
-            <a:off x="2428498" y="1029865"/>
-            <a:ext cx="183714" cy="95520"/>
-          </a:xfrm>
-          <a:prstGeom prst="flowChartProcess">
-            <a:avLst/>
-          </a:prstGeom>
-          <a:solidFill>
-            <a:schemeClr val="accent6">
-              <a:alpha val="62000"/>
-            </a:schemeClr>
-          </a:solidFill>
-        </p:spPr>
-        <p:style>
-          <a:lnRef idx="2">
-            <a:schemeClr val="accent6">
-              <a:shade val="15000"/>
-            </a:schemeClr>
-          </a:lnRef>
-          <a:fillRef idx="1">
-            <a:schemeClr val="accent6"/>
-          </a:fillRef>
-          <a:effectRef idx="0">
-            <a:schemeClr val="accent6"/>
-          </a:effectRef>
-          <a:fontRef idx="minor">
-            <a:schemeClr val="lt1"/>
-          </a:fontRef>
-        </p:style>
-        <p:txBody>
-          <a:bodyPr rtlCol="0" anchor="ctr"/>
-          <a:lstStyle/>
-          <a:p>
-            <a:pPr algn="ctr"/>
-            <a:endParaRPr lang="ko-KR" altLang="en-US"/>
-          </a:p>
-        </p:txBody>
-      </p:sp>
-      <p:sp>
-        <p:nvSpPr>
-          <p:cNvPr id="74" name="직사각형 73">
-            <a:extLst>
-              <a:ext uri="{FF2B5EF4-FFF2-40B4-BE49-F238E27FC236}">
-                <a16:creationId xmlns:a16="http://schemas.microsoft.com/office/drawing/2014/main" id="{E09B05D0-379D-15EB-387E-045BEB78228C}"/>
-              </a:ext>
-            </a:extLst>
-          </p:cNvPr>
-          <p:cNvSpPr/>
-          <p:nvPr/>
-        </p:nvSpPr>
-        <p:spPr>
-          <a:xfrm rot="10800000">
-            <a:off x="2677734" y="1122936"/>
-            <a:ext cx="36000" cy="288000"/>
-          </a:xfrm>
-          <a:prstGeom prst="rect">
-            <a:avLst/>
-          </a:prstGeom>
-        </p:spPr>
-        <p:style>
-          <a:lnRef idx="2">
-            <a:schemeClr val="accent1">
-              <a:shade val="15000"/>
-            </a:schemeClr>
-          </a:lnRef>
-          <a:fillRef idx="1">
-            <a:schemeClr val="accent1"/>
-          </a:fillRef>
-          <a:effectRef idx="0">
-            <a:schemeClr val="accent1"/>
-          </a:effectRef>
-          <a:fontRef idx="minor">
-            <a:schemeClr val="lt1"/>
-          </a:fontRef>
-        </p:style>
-        <p:txBody>
-          <a:bodyPr rtlCol="0" anchor="ctr"/>
-          <a:lstStyle/>
-          <a:p>
-            <a:pPr algn="ctr"/>
-            <a:endParaRPr lang="ko-KR" altLang="en-US" dirty="0"/>
-          </a:p>
-        </p:txBody>
-      </p:sp>
-      <p:sp>
-        <p:nvSpPr>
-          <p:cNvPr id="76" name="순서도: 처리 75">
-            <a:extLst>
-              <a:ext uri="{FF2B5EF4-FFF2-40B4-BE49-F238E27FC236}">
-                <a16:creationId xmlns:a16="http://schemas.microsoft.com/office/drawing/2014/main" id="{6AA1ED70-3169-33A9-399C-A3692E6BF9A4}"/>
-              </a:ext>
-            </a:extLst>
-          </p:cNvPr>
-          <p:cNvSpPr/>
-          <p:nvPr/>
-        </p:nvSpPr>
-        <p:spPr>
-          <a:xfrm>
-            <a:off x="307739" y="1030758"/>
-            <a:ext cx="183714" cy="95520"/>
-          </a:xfrm>
-          <a:prstGeom prst="flowChartProcess">
-            <a:avLst/>
-          </a:prstGeom>
-          <a:solidFill>
-            <a:schemeClr val="accent6">
-              <a:alpha val="62000"/>
-            </a:schemeClr>
-          </a:solidFill>
-        </p:spPr>
-        <p:style>
-          <a:lnRef idx="2">
-            <a:schemeClr val="accent6">
-              <a:shade val="15000"/>
-            </a:schemeClr>
-          </a:lnRef>
-          <a:fillRef idx="1">
-            <a:schemeClr val="accent6"/>
-          </a:fillRef>
-          <a:effectRef idx="0">
-            <a:schemeClr val="accent6"/>
-          </a:effectRef>
-          <a:fontRef idx="minor">
-            <a:schemeClr val="lt1"/>
-          </a:fontRef>
-        </p:style>
-        <p:txBody>
-          <a:bodyPr rtlCol="0" anchor="ctr"/>
-          <a:lstStyle/>
-          <a:p>
-            <a:pPr algn="ctr"/>
-            <a:endParaRPr lang="ko-KR" altLang="en-US"/>
-          </a:p>
-        </p:txBody>
-      </p:sp>
-      <p:sp>
-        <p:nvSpPr>
-          <p:cNvPr id="78" name="순서도: 처리 77">
-            <a:extLst>
-              <a:ext uri="{FF2B5EF4-FFF2-40B4-BE49-F238E27FC236}">
-                <a16:creationId xmlns:a16="http://schemas.microsoft.com/office/drawing/2014/main" id="{CD6A22F8-CD2B-E830-28F7-B435C115928C}"/>
-              </a:ext>
-            </a:extLst>
-          </p:cNvPr>
-          <p:cNvSpPr/>
-          <p:nvPr/>
-        </p:nvSpPr>
-        <p:spPr>
-          <a:xfrm>
-            <a:off x="1670266" y="1028724"/>
-            <a:ext cx="183714" cy="95520"/>
-          </a:xfrm>
-          <a:prstGeom prst="flowChartProcess">
-            <a:avLst/>
-          </a:prstGeom>
-          <a:solidFill>
-            <a:schemeClr val="accent6">
-              <a:alpha val="62000"/>
-            </a:schemeClr>
-          </a:solidFill>
-        </p:spPr>
-        <p:style>
-          <a:lnRef idx="2">
-            <a:schemeClr val="accent6">
-              <a:shade val="15000"/>
-            </a:schemeClr>
-          </a:lnRef>
-          <a:fillRef idx="1">
-            <a:schemeClr val="accent6"/>
-          </a:fillRef>
-          <a:effectRef idx="0">
-            <a:schemeClr val="accent6"/>
-          </a:effectRef>
-          <a:fontRef idx="minor">
-            <a:schemeClr val="lt1"/>
-          </a:fontRef>
-        </p:style>
-        <p:txBody>
-          <a:bodyPr rtlCol="0" anchor="ctr"/>
-          <a:lstStyle/>
-          <a:p>
-            <a:pPr algn="ctr"/>
-            <a:endParaRPr lang="ko-KR" altLang="en-US"/>
-          </a:p>
-        </p:txBody>
-      </p:sp>
-      <p:sp>
-        <p:nvSpPr>
-          <p:cNvPr id="80" name="오른쪽 중괄호 79">
-            <a:extLst>
-              <a:ext uri="{FF2B5EF4-FFF2-40B4-BE49-F238E27FC236}">
-                <a16:creationId xmlns:a16="http://schemas.microsoft.com/office/drawing/2014/main" id="{7A9067DD-C5C7-4D40-0A80-06856556E570}"/>
-              </a:ext>
-            </a:extLst>
-          </p:cNvPr>
-          <p:cNvSpPr/>
-          <p:nvPr/>
-        </p:nvSpPr>
-        <p:spPr>
-          <a:xfrm rot="16200000">
-            <a:off x="1498422" y="760651"/>
-            <a:ext cx="108000" cy="432000"/>
-          </a:xfrm>
-          <a:prstGeom prst="rightBrace">
-            <a:avLst/>
-          </a:prstGeom>
-        </p:spPr>
-        <p:style>
-          <a:lnRef idx="1">
-            <a:schemeClr val="accent1"/>
-          </a:lnRef>
-          <a:fillRef idx="0">
-            <a:schemeClr val="accent1"/>
-          </a:fillRef>
-          <a:effectRef idx="0">
-            <a:schemeClr val="accent1"/>
-          </a:effectRef>
-          <a:fontRef idx="minor">
-            <a:schemeClr val="tx1"/>
-          </a:fontRef>
-        </p:style>
-        <p:txBody>
-          <a:bodyPr rtlCol="0" anchor="ctr"/>
-          <a:lstStyle/>
-          <a:p>
-            <a:pPr algn="ctr"/>
-            <a:endParaRPr lang="ko-KR" altLang="en-US"/>
-          </a:p>
-        </p:txBody>
-      </p:sp>
-      <p:sp>
-        <p:nvSpPr>
-          <p:cNvPr id="81" name="TextBox 80">
-            <a:extLst>
-              <a:ext uri="{FF2B5EF4-FFF2-40B4-BE49-F238E27FC236}">
-                <a16:creationId xmlns:a16="http://schemas.microsoft.com/office/drawing/2014/main" id="{B899AE98-BF7C-9397-036C-FB09FDAD413B}"/>
-              </a:ext>
-            </a:extLst>
-          </p:cNvPr>
-          <p:cNvSpPr txBox="1"/>
-          <p:nvPr/>
-        </p:nvSpPr>
-        <p:spPr>
-          <a:xfrm>
-            <a:off x="1382138" y="782927"/>
-            <a:ext cx="438218" cy="184666"/>
-          </a:xfrm>
-          <a:prstGeom prst="rect">
-            <a:avLst/>
-          </a:prstGeom>
-          <a:noFill/>
-        </p:spPr>
-        <p:txBody>
-          <a:bodyPr wrap="square" rtlCol="0">
-            <a:spAutoFit/>
-          </a:bodyPr>
-          <a:lstStyle/>
-          <a:p>
-            <a:r>
-              <a:rPr lang="en-US" altLang="ko-KR" sz="600" dirty="0"/>
-              <a:t>12cm</a:t>
-            </a:r>
-            <a:endParaRPr lang="ko-KR" altLang="en-US" sz="600" dirty="0"/>
-          </a:p>
-        </p:txBody>
-      </p:sp>
-      <p:sp>
-        <p:nvSpPr>
-          <p:cNvPr id="7" name="직사각형 6">
-            <a:extLst>
-              <a:ext uri="{FF2B5EF4-FFF2-40B4-BE49-F238E27FC236}">
-                <a16:creationId xmlns:a16="http://schemas.microsoft.com/office/drawing/2014/main" id="{66DEDA32-2FF2-1552-12B6-71565288B74C}"/>
-              </a:ext>
-            </a:extLst>
-          </p:cNvPr>
-          <p:cNvSpPr/>
-          <p:nvPr/>
-        </p:nvSpPr>
-        <p:spPr>
-          <a:xfrm rot="5400000">
-            <a:off x="4128155" y="1090727"/>
-            <a:ext cx="36000" cy="288000"/>
-          </a:xfrm>
-          <a:prstGeom prst="rect">
-            <a:avLst/>
-          </a:prstGeom>
-        </p:spPr>
-        <p:style>
-          <a:lnRef idx="2">
-            <a:schemeClr val="accent1">
-              <a:shade val="15000"/>
-            </a:schemeClr>
-          </a:lnRef>
-          <a:fillRef idx="1">
-            <a:schemeClr val="accent1"/>
-          </a:fillRef>
-          <a:effectRef idx="0">
-            <a:schemeClr val="accent1"/>
-          </a:effectRef>
-          <a:fontRef idx="minor">
-            <a:schemeClr val="lt1"/>
-          </a:fontRef>
-        </p:style>
-        <p:txBody>
-          <a:bodyPr rtlCol="0" anchor="ctr"/>
-          <a:lstStyle/>
-          <a:p>
-            <a:pPr algn="ctr"/>
-            <a:endParaRPr lang="ko-KR" altLang="en-US" dirty="0"/>
-          </a:p>
-        </p:txBody>
-      </p:sp>
-      <p:sp>
-        <p:nvSpPr>
-          <p:cNvPr id="9" name="직사각형 8">
-            <a:extLst>
-              <a:ext uri="{FF2B5EF4-FFF2-40B4-BE49-F238E27FC236}">
-                <a16:creationId xmlns:a16="http://schemas.microsoft.com/office/drawing/2014/main" id="{01DFD736-EB1E-1510-AC71-F5502A8315EC}"/>
-              </a:ext>
-            </a:extLst>
-          </p:cNvPr>
-          <p:cNvSpPr/>
-          <p:nvPr/>
-        </p:nvSpPr>
-        <p:spPr>
-          <a:xfrm rot="3590475">
-            <a:off x="4237763" y="1099913"/>
-            <a:ext cx="45719" cy="177640"/>
-          </a:xfrm>
-          <a:prstGeom prst="rect">
-            <a:avLst/>
-          </a:prstGeom>
-        </p:spPr>
-        <p:style>
-          <a:lnRef idx="2">
-            <a:schemeClr val="accent1">
-              <a:shade val="15000"/>
-            </a:schemeClr>
-          </a:lnRef>
-          <a:fillRef idx="1">
-            <a:schemeClr val="accent1"/>
-          </a:fillRef>
-          <a:effectRef idx="0">
-            <a:schemeClr val="accent1"/>
-          </a:effectRef>
-          <a:fontRef idx="minor">
-            <a:schemeClr val="lt1"/>
-          </a:fontRef>
-        </p:style>
-        <p:txBody>
-          <a:bodyPr rtlCol="0" anchor="ctr"/>
-          <a:lstStyle/>
-          <a:p>
-            <a:pPr algn="ctr"/>
-            <a:endParaRPr lang="ko-KR" altLang="en-US" dirty="0"/>
-          </a:p>
-        </p:txBody>
-      </p:sp>
-      <p:sp>
-        <p:nvSpPr>
-          <p:cNvPr id="10" name="직사각형 9">
-            <a:extLst>
-              <a:ext uri="{FF2B5EF4-FFF2-40B4-BE49-F238E27FC236}">
-                <a16:creationId xmlns:a16="http://schemas.microsoft.com/office/drawing/2014/main" id="{5F08C2EE-CAD9-9657-3F37-EDBF23EAB5E0}"/>
-              </a:ext>
-            </a:extLst>
-          </p:cNvPr>
-          <p:cNvSpPr/>
-          <p:nvPr/>
-        </p:nvSpPr>
-        <p:spPr>
-          <a:xfrm rot="7671421">
-            <a:off x="4234725" y="1200819"/>
-            <a:ext cx="45719" cy="177640"/>
-          </a:xfrm>
-          <a:prstGeom prst="rect">
-            <a:avLst/>
-          </a:prstGeom>
-        </p:spPr>
-        <p:style>
-          <a:lnRef idx="2">
-            <a:schemeClr val="accent1">
-              <a:shade val="15000"/>
-            </a:schemeClr>
-          </a:lnRef>
-          <a:fillRef idx="1">
-            <a:schemeClr val="accent1"/>
-          </a:fillRef>
-          <a:effectRef idx="0">
-            <a:schemeClr val="accent1"/>
-          </a:effectRef>
-          <a:fontRef idx="minor">
-            <a:schemeClr val="lt1"/>
-          </a:fontRef>
-        </p:style>
-        <p:txBody>
-          <a:bodyPr rtlCol="0" anchor="ctr"/>
-          <a:lstStyle/>
-          <a:p>
-            <a:pPr algn="ctr"/>
-            <a:endParaRPr lang="ko-KR" altLang="en-US" dirty="0"/>
           </a:p>
         </p:txBody>
       </p:sp>
       <p:pic>
         <p:nvPicPr>
-          <p:cNvPr id="14" name="그림 13" descr="블랙, 어둠이(가) 표시된 사진&#10;&#10;자동 생성된 설명">
-            <a:extLst>
-              <a:ext uri="{FF2B5EF4-FFF2-40B4-BE49-F238E27FC236}">
-                <a16:creationId xmlns:a16="http://schemas.microsoft.com/office/drawing/2014/main" id="{532EB11F-400F-3B1C-9EB2-4CDC9CC08EFD}"/>
+          <p:cNvPr id="25" name="그림 24" descr="상징, 그래픽, 클립아트, 만화 영화이(가) 표시된 사진&#10;&#10;자동 생성된 설명">
+            <a:extLst>
+              <a:ext uri="{FF2B5EF4-FFF2-40B4-BE49-F238E27FC236}">
+                <a16:creationId xmlns:a16="http://schemas.microsoft.com/office/drawing/2014/main" id="{0954FBAC-DF2F-1222-A1B5-5116D5ECB4AB}"/>
               </a:ext>
             </a:extLst>
           </p:cNvPr>
@@ -6903,8 +6636,8 @@
         </p:blipFill>
         <p:spPr>
           <a:xfrm>
-            <a:off x="536716" y="1019847"/>
-            <a:ext cx="365930" cy="365930"/>
+            <a:off x="3378231" y="1236154"/>
+            <a:ext cx="322335" cy="322335"/>
           </a:xfrm>
           <a:prstGeom prst="rect">
             <a:avLst/>
@@ -6913,10 +6646,10 @@
       </p:pic>
       <p:pic>
         <p:nvPicPr>
-          <p:cNvPr id="15" name="그림 14" descr="원, 그래픽, 스크린샷, 그래픽 디자인이(가) 표시된 사진&#10;&#10;자동 생성된 설명">
-            <a:extLst>
-              <a:ext uri="{FF2B5EF4-FFF2-40B4-BE49-F238E27FC236}">
-                <a16:creationId xmlns:a16="http://schemas.microsoft.com/office/drawing/2014/main" id="{0A6F3F54-6DD6-84F3-9962-15ABFCDE930C}"/>
+          <p:cNvPr id="35" name="그림 34" descr="블랙, 어둠이(가) 표시된 사진&#10;&#10;자동 생성된 설명">
+            <a:extLst>
+              <a:ext uri="{FF2B5EF4-FFF2-40B4-BE49-F238E27FC236}">
+                <a16:creationId xmlns:a16="http://schemas.microsoft.com/office/drawing/2014/main" id="{CE256EC2-83C0-3B01-FECC-207AE45C2ECF}"/>
               </a:ext>
             </a:extLst>
           </p:cNvPr>
@@ -6938,9 +6671,9 @@
           </a:stretch>
         </p:blipFill>
         <p:spPr>
-          <a:xfrm rot="10800000">
-            <a:off x="1276324" y="1012423"/>
-            <a:ext cx="454569" cy="454569"/>
+          <a:xfrm>
+            <a:off x="241492" y="1057546"/>
+            <a:ext cx="365930" cy="365930"/>
           </a:xfrm>
           <a:prstGeom prst="rect">
             <a:avLst/>
@@ -6949,10 +6682,10 @@
       </p:pic>
       <p:pic>
         <p:nvPicPr>
-          <p:cNvPr id="18" name="그림 17" descr="상징, 그래픽, 클립아트, 만화 영화이(가) 표시된 사진&#10;&#10;자동 생성된 설명">
-            <a:extLst>
-              <a:ext uri="{FF2B5EF4-FFF2-40B4-BE49-F238E27FC236}">
-                <a16:creationId xmlns:a16="http://schemas.microsoft.com/office/drawing/2014/main" id="{A6F3398D-E28D-4F92-4EF7-FD36FFF118CF}"/>
+          <p:cNvPr id="39" name="그림 38" descr="원, 그래픽, 스크린샷, 그래픽 디자인이(가) 표시된 사진&#10;&#10;자동 생성된 설명">
+            <a:extLst>
+              <a:ext uri="{FF2B5EF4-FFF2-40B4-BE49-F238E27FC236}">
+                <a16:creationId xmlns:a16="http://schemas.microsoft.com/office/drawing/2014/main" id="{F4E3D3E5-1F2A-334D-1BCE-826E965335AE}"/>
               </a:ext>
             </a:extLst>
           </p:cNvPr>
@@ -6974,72 +6707,21 @@
           </a:stretch>
         </p:blipFill>
         <p:spPr>
-          <a:xfrm rot="3204274" flipH="1">
-            <a:off x="2334853" y="1271776"/>
-            <a:ext cx="333541" cy="322335"/>
+          <a:xfrm rot="10800000">
+            <a:off x="1278430" y="1053269"/>
+            <a:ext cx="454569" cy="454569"/>
           </a:xfrm>
           <a:prstGeom prst="rect">
             <a:avLst/>
           </a:prstGeom>
         </p:spPr>
       </p:pic>
-      <p:sp>
-        <p:nvSpPr>
-          <p:cNvPr id="21" name="순서도: 처리 20">
-            <a:extLst>
-              <a:ext uri="{FF2B5EF4-FFF2-40B4-BE49-F238E27FC236}">
-                <a16:creationId xmlns:a16="http://schemas.microsoft.com/office/drawing/2014/main" id="{D0776421-EA12-CA0B-8CBF-AC4F19167B53}"/>
-              </a:ext>
-            </a:extLst>
-          </p:cNvPr>
-          <p:cNvSpPr/>
-          <p:nvPr/>
-        </p:nvSpPr>
-        <p:spPr>
-          <a:xfrm>
-            <a:off x="2934427" y="1035367"/>
-            <a:ext cx="720000" cy="408681"/>
-          </a:xfrm>
-          <a:prstGeom prst="flowChartProcess">
-            <a:avLst/>
-          </a:prstGeom>
-          <a:solidFill>
-            <a:schemeClr val="tx1">
-              <a:alpha val="47000"/>
-            </a:schemeClr>
-          </a:solidFill>
-        </p:spPr>
-        <p:style>
-          <a:lnRef idx="2">
-            <a:schemeClr val="accent1">
-              <a:shade val="15000"/>
-            </a:schemeClr>
-          </a:lnRef>
-          <a:fillRef idx="1">
-            <a:schemeClr val="accent1"/>
-          </a:fillRef>
-          <a:effectRef idx="0">
-            <a:schemeClr val="accent1"/>
-          </a:effectRef>
-          <a:fontRef idx="minor">
-            <a:schemeClr val="lt1"/>
-          </a:fontRef>
-        </p:style>
-        <p:txBody>
-          <a:bodyPr rtlCol="0" anchor="ctr"/>
-          <a:lstStyle/>
-          <a:p>
-            <a:pPr algn="ctr"/>
-            <a:endParaRPr lang="ko-KR" altLang="en-US" dirty="0"/>
-          </a:p>
-        </p:txBody>
-      </p:sp>
       <p:pic>
         <p:nvPicPr>
-          <p:cNvPr id="23" name="그림 22" descr="아동 미술, 그래픽, 만화 영화, 클립아트이(가) 표시된 사진&#10;&#10;자동 생성된 설명">
-            <a:extLst>
-              <a:ext uri="{FF2B5EF4-FFF2-40B4-BE49-F238E27FC236}">
-                <a16:creationId xmlns:a16="http://schemas.microsoft.com/office/drawing/2014/main" id="{E936BE72-6FC4-A598-1573-727655136AB8}"/>
+          <p:cNvPr id="46" name="그림 45" descr="아동 미술, 그래픽, 만화 영화, 클립아트이(가) 표시된 사진&#10;&#10;자동 생성된 설명">
+            <a:extLst>
+              <a:ext uri="{FF2B5EF4-FFF2-40B4-BE49-F238E27FC236}">
+                <a16:creationId xmlns:a16="http://schemas.microsoft.com/office/drawing/2014/main" id="{91DAFD87-8DC2-32D1-A44D-5A3926DCE81A}"/>
               </a:ext>
             </a:extLst>
           </p:cNvPr>
@@ -7062,7 +6744,7 @@
         </p:blipFill>
         <p:spPr>
           <a:xfrm rot="5400000">
-            <a:off x="3130194" y="1081466"/>
+            <a:off x="2445519" y="1121029"/>
             <a:ext cx="334720" cy="334720"/>
           </a:xfrm>
           <a:prstGeom prst="rect">
@@ -7070,62 +6752,10 @@
           </a:prstGeom>
         </p:spPr>
       </p:pic>
-      <p:sp>
-        <p:nvSpPr>
-          <p:cNvPr id="25" name="타원 24">
-            <a:extLst>
-              <a:ext uri="{FF2B5EF4-FFF2-40B4-BE49-F238E27FC236}">
-                <a16:creationId xmlns:a16="http://schemas.microsoft.com/office/drawing/2014/main" id="{C912B8B6-400C-B8A3-4B3E-98C2478F1DC7}"/>
-              </a:ext>
-            </a:extLst>
-          </p:cNvPr>
-          <p:cNvSpPr/>
-          <p:nvPr/>
-        </p:nvSpPr>
-        <p:spPr>
-          <a:xfrm>
-            <a:off x="335242" y="1175721"/>
-            <a:ext cx="134344" cy="141649"/>
-          </a:xfrm>
-          <a:prstGeom prst="ellipse">
-            <a:avLst/>
-          </a:prstGeom>
-          <a:solidFill>
-            <a:schemeClr val="dk1">
-              <a:alpha val="50000"/>
-            </a:schemeClr>
-          </a:solidFill>
-          <a:ln>
-            <a:noFill/>
-          </a:ln>
-        </p:spPr>
-        <p:style>
-          <a:lnRef idx="0">
-            <a:scrgbClr r="0" g="0" b="0"/>
-          </a:lnRef>
-          <a:fillRef idx="0">
-            <a:scrgbClr r="0" g="0" b="0"/>
-          </a:fillRef>
-          <a:effectRef idx="0">
-            <a:scrgbClr r="0" g="0" b="0"/>
-          </a:effectRef>
-          <a:fontRef idx="minor">
-            <a:schemeClr val="lt1"/>
-          </a:fontRef>
-        </p:style>
-        <p:txBody>
-          <a:bodyPr rtlCol="0" anchor="ctr"/>
-          <a:lstStyle/>
-          <a:p>
-            <a:pPr algn="ctr"/>
-            <a:endParaRPr lang="ko-KR" altLang="en-US"/>
-          </a:p>
-        </p:txBody>
-      </p:sp>
     </p:spTree>
     <p:extLst>
       <p:ext uri="{BB962C8B-B14F-4D97-AF65-F5344CB8AC3E}">
-        <p14:creationId xmlns:p14="http://schemas.microsoft.com/office/powerpoint/2010/main" val="2108411369"/>
+        <p14:creationId xmlns:p14="http://schemas.microsoft.com/office/powerpoint/2010/main" val="67131614"/>
       </p:ext>
     </p:extLst>
   </p:cSld>
@@ -7165,8 +6795,8 @@
           <p:nvPr/>
         </p:nvSpPr>
         <p:spPr>
-          <a:xfrm>
-            <a:off x="779143" y="402263"/>
+          <a:xfrm rot="16200000">
+            <a:off x="733247" y="448078"/>
             <a:ext cx="198000" cy="306000"/>
           </a:xfrm>
           <a:prstGeom prst="rect">
@@ -7211,8 +6841,8 @@
           <p:nvPr/>
         </p:nvSpPr>
         <p:spPr>
-          <a:xfrm>
-            <a:off x="1842691" y="413915"/>
+          <a:xfrm rot="16200000">
+            <a:off x="1743225" y="434435"/>
             <a:ext cx="198000" cy="306000"/>
           </a:xfrm>
           <a:prstGeom prst="rect">
@@ -7257,8 +6887,8 @@
           <p:nvPr/>
         </p:nvSpPr>
         <p:spPr>
-          <a:xfrm>
-            <a:off x="2906239" y="402263"/>
+          <a:xfrm rot="16200000">
+            <a:off x="2720014" y="447064"/>
             <a:ext cx="198000" cy="306000"/>
           </a:xfrm>
           <a:prstGeom prst="rect">
@@ -7303,8 +6933,8 @@
           <p:nvPr/>
         </p:nvSpPr>
         <p:spPr>
-          <a:xfrm>
-            <a:off x="3611520" y="390649"/>
+          <a:xfrm rot="16200000">
+            <a:off x="3687863" y="443468"/>
             <a:ext cx="198000" cy="306000"/>
           </a:xfrm>
           <a:prstGeom prst="rect">
@@ -7399,8 +7029,8 @@
         </p:nvSpPr>
         <p:spPr>
           <a:xfrm rot="10800000">
-            <a:off x="137409" y="1219546"/>
-            <a:ext cx="4320000" cy="144000"/>
+            <a:off x="306485" y="1129546"/>
+            <a:ext cx="1908000" cy="234000"/>
           </a:xfrm>
           <a:prstGeom prst="rect">
             <a:avLst/>
@@ -7433,203 +7063,19 @@
       </p:sp>
       <p:sp>
         <p:nvSpPr>
-          <p:cNvPr id="7" name="직사각형 6">
-            <a:extLst>
-              <a:ext uri="{FF2B5EF4-FFF2-40B4-BE49-F238E27FC236}">
-                <a16:creationId xmlns:a16="http://schemas.microsoft.com/office/drawing/2014/main" id="{1AE0FC8E-428C-2D81-97E9-504047406F12}"/>
-              </a:ext>
-            </a:extLst>
-          </p:cNvPr>
-          <p:cNvSpPr/>
-          <p:nvPr/>
-        </p:nvSpPr>
-        <p:spPr>
-          <a:xfrm rot="10800000">
-            <a:off x="3737520" y="1057546"/>
-            <a:ext cx="90000" cy="162000"/>
-          </a:xfrm>
-          <a:prstGeom prst="rect">
-            <a:avLst/>
-          </a:prstGeom>
-        </p:spPr>
-        <p:style>
-          <a:lnRef idx="2">
-            <a:schemeClr val="dk1">
-              <a:shade val="15000"/>
-            </a:schemeClr>
-          </a:lnRef>
-          <a:fillRef idx="1">
-            <a:schemeClr val="dk1"/>
-          </a:fillRef>
-          <a:effectRef idx="0">
-            <a:schemeClr val="dk1"/>
-          </a:effectRef>
-          <a:fontRef idx="minor">
-            <a:schemeClr val="lt1"/>
-          </a:fontRef>
-        </p:style>
-        <p:txBody>
-          <a:bodyPr rtlCol="0" anchor="ctr"/>
-          <a:lstStyle/>
-          <a:p>
-            <a:pPr algn="ctr"/>
-            <a:endParaRPr lang="ko-KR" altLang="en-US" dirty="0"/>
-          </a:p>
-        </p:txBody>
-      </p:sp>
-      <p:sp>
-        <p:nvSpPr>
-          <p:cNvPr id="9" name="직사각형 8">
-            <a:extLst>
-              <a:ext uri="{FF2B5EF4-FFF2-40B4-BE49-F238E27FC236}">
-                <a16:creationId xmlns:a16="http://schemas.microsoft.com/office/drawing/2014/main" id="{608C2768-7040-34C4-C4C0-8A85E48456A2}"/>
-              </a:ext>
-            </a:extLst>
-          </p:cNvPr>
-          <p:cNvSpPr/>
-          <p:nvPr/>
-        </p:nvSpPr>
-        <p:spPr>
-          <a:xfrm rot="10800000">
-            <a:off x="2657631" y="1057546"/>
-            <a:ext cx="90000" cy="162000"/>
-          </a:xfrm>
-          <a:prstGeom prst="rect">
-            <a:avLst/>
-          </a:prstGeom>
-        </p:spPr>
-        <p:style>
-          <a:lnRef idx="2">
-            <a:schemeClr val="dk1">
-              <a:shade val="15000"/>
-            </a:schemeClr>
-          </a:lnRef>
-          <a:fillRef idx="1">
-            <a:schemeClr val="dk1"/>
-          </a:fillRef>
-          <a:effectRef idx="0">
-            <a:schemeClr val="dk1"/>
-          </a:effectRef>
-          <a:fontRef idx="minor">
-            <a:schemeClr val="lt1"/>
-          </a:fontRef>
-        </p:style>
-        <p:txBody>
-          <a:bodyPr rtlCol="0" anchor="ctr"/>
-          <a:lstStyle/>
-          <a:p>
-            <a:pPr algn="ctr"/>
-            <a:endParaRPr lang="ko-KR" altLang="en-US" dirty="0"/>
-          </a:p>
-        </p:txBody>
-      </p:sp>
-      <p:sp>
-        <p:nvSpPr>
-          <p:cNvPr id="10" name="직사각형 9">
-            <a:extLst>
-              <a:ext uri="{FF2B5EF4-FFF2-40B4-BE49-F238E27FC236}">
-                <a16:creationId xmlns:a16="http://schemas.microsoft.com/office/drawing/2014/main" id="{24DC6E0B-81A3-5A79-2542-EA5A8FB659CF}"/>
-              </a:ext>
-            </a:extLst>
-          </p:cNvPr>
-          <p:cNvSpPr/>
-          <p:nvPr/>
-        </p:nvSpPr>
-        <p:spPr>
-          <a:xfrm rot="10800000">
-            <a:off x="1577631" y="1049029"/>
-            <a:ext cx="90000" cy="162000"/>
-          </a:xfrm>
-          <a:prstGeom prst="rect">
-            <a:avLst/>
-          </a:prstGeom>
-        </p:spPr>
-        <p:style>
-          <a:lnRef idx="2">
-            <a:schemeClr val="dk1">
-              <a:shade val="15000"/>
-            </a:schemeClr>
-          </a:lnRef>
-          <a:fillRef idx="1">
-            <a:schemeClr val="dk1"/>
-          </a:fillRef>
-          <a:effectRef idx="0">
-            <a:schemeClr val="dk1"/>
-          </a:effectRef>
-          <a:fontRef idx="minor">
-            <a:schemeClr val="lt1"/>
-          </a:fontRef>
-        </p:style>
-        <p:txBody>
-          <a:bodyPr rtlCol="0" anchor="ctr"/>
-          <a:lstStyle/>
-          <a:p>
-            <a:pPr algn="ctr"/>
-            <a:endParaRPr lang="ko-KR" altLang="en-US" dirty="0"/>
-          </a:p>
-        </p:txBody>
-      </p:sp>
-      <p:sp>
-        <p:nvSpPr>
-          <p:cNvPr id="11" name="직사각형 10">
-            <a:extLst>
-              <a:ext uri="{FF2B5EF4-FFF2-40B4-BE49-F238E27FC236}">
-                <a16:creationId xmlns:a16="http://schemas.microsoft.com/office/drawing/2014/main" id="{5565CD82-6893-B1B4-0905-345A0908C3B6}"/>
-              </a:ext>
-            </a:extLst>
-          </p:cNvPr>
-          <p:cNvSpPr/>
-          <p:nvPr/>
-        </p:nvSpPr>
-        <p:spPr>
-          <a:xfrm rot="10800000">
-            <a:off x="497853" y="1052445"/>
-            <a:ext cx="90000" cy="162000"/>
-          </a:xfrm>
-          <a:prstGeom prst="rect">
-            <a:avLst/>
-          </a:prstGeom>
-        </p:spPr>
-        <p:style>
-          <a:lnRef idx="2">
-            <a:schemeClr val="dk1">
-              <a:shade val="15000"/>
-            </a:schemeClr>
-          </a:lnRef>
-          <a:fillRef idx="1">
-            <a:schemeClr val="dk1"/>
-          </a:fillRef>
-          <a:effectRef idx="0">
-            <a:schemeClr val="dk1"/>
-          </a:effectRef>
-          <a:fontRef idx="minor">
-            <a:schemeClr val="lt1"/>
-          </a:fontRef>
-        </p:style>
-        <p:txBody>
-          <a:bodyPr rtlCol="0" anchor="ctr"/>
-          <a:lstStyle/>
-          <a:p>
-            <a:pPr algn="ctr"/>
-            <a:endParaRPr lang="ko-KR" altLang="en-US" dirty="0"/>
-          </a:p>
-        </p:txBody>
-      </p:sp>
-      <p:sp>
-        <p:nvSpPr>
-          <p:cNvPr id="14" name="오른쪽 중괄호 13">
-            <a:extLst>
-              <a:ext uri="{FF2B5EF4-FFF2-40B4-BE49-F238E27FC236}">
-                <a16:creationId xmlns:a16="http://schemas.microsoft.com/office/drawing/2014/main" id="{40B4F90D-2A8B-43B9-F249-0EB90902EA40}"/>
-              </a:ext>
-            </a:extLst>
-          </p:cNvPr>
-          <p:cNvSpPr/>
-          <p:nvPr/>
-        </p:nvSpPr>
-        <p:spPr>
-          <a:xfrm>
-            <a:off x="493187" y="1219547"/>
+          <p:cNvPr id="16" name="오른쪽 중괄호 15">
+            <a:extLst>
+              <a:ext uri="{FF2B5EF4-FFF2-40B4-BE49-F238E27FC236}">
+                <a16:creationId xmlns:a16="http://schemas.microsoft.com/office/drawing/2014/main" id="{45AD81F6-5ADF-91A7-3058-2275C489FF0E}"/>
+              </a:ext>
+            </a:extLst>
+          </p:cNvPr>
+          <p:cNvSpPr/>
+          <p:nvPr/>
+        </p:nvSpPr>
+        <p:spPr>
+          <a:xfrm>
+            <a:off x="2885062" y="1219544"/>
             <a:ext cx="108000" cy="144000"/>
           </a:xfrm>
           <a:prstGeom prst="rightBrace">
@@ -7666,19 +7112,19 @@
       </p:sp>
       <p:sp>
         <p:nvSpPr>
-          <p:cNvPr id="15" name="오른쪽 중괄호 14">
-            <a:extLst>
-              <a:ext uri="{FF2B5EF4-FFF2-40B4-BE49-F238E27FC236}">
-                <a16:creationId xmlns:a16="http://schemas.microsoft.com/office/drawing/2014/main" id="{9D64E439-139A-1883-DC17-DE76CAD9B998}"/>
-              </a:ext>
-            </a:extLst>
-          </p:cNvPr>
-          <p:cNvSpPr/>
-          <p:nvPr/>
-        </p:nvSpPr>
-        <p:spPr>
-          <a:xfrm>
-            <a:off x="1567612" y="1219547"/>
+          <p:cNvPr id="17" name="오른쪽 중괄호 16">
+            <a:extLst>
+              <a:ext uri="{FF2B5EF4-FFF2-40B4-BE49-F238E27FC236}">
+                <a16:creationId xmlns:a16="http://schemas.microsoft.com/office/drawing/2014/main" id="{94B7421B-928A-C963-2F5B-0268E72C91DB}"/>
+              </a:ext>
+            </a:extLst>
+          </p:cNvPr>
+          <p:cNvSpPr/>
+          <p:nvPr/>
+        </p:nvSpPr>
+        <p:spPr>
+          <a:xfrm>
+            <a:off x="3955174" y="1219544"/>
             <a:ext cx="108000" cy="144000"/>
           </a:xfrm>
           <a:prstGeom prst="rightBrace">
@@ -7715,196 +7161,6 @@
       </p:sp>
       <p:sp>
         <p:nvSpPr>
-          <p:cNvPr id="16" name="오른쪽 중괄호 15">
-            <a:extLst>
-              <a:ext uri="{FF2B5EF4-FFF2-40B4-BE49-F238E27FC236}">
-                <a16:creationId xmlns:a16="http://schemas.microsoft.com/office/drawing/2014/main" id="{45AD81F6-5ADF-91A7-3058-2275C489FF0E}"/>
-              </a:ext>
-            </a:extLst>
-          </p:cNvPr>
-          <p:cNvSpPr/>
-          <p:nvPr/>
-        </p:nvSpPr>
-        <p:spPr>
-          <a:xfrm>
-            <a:off x="2659538" y="1219544"/>
-            <a:ext cx="108000" cy="144000"/>
-          </a:xfrm>
-          <a:prstGeom prst="rightBrace">
-            <a:avLst/>
-          </a:prstGeom>
-          <a:ln>
-            <a:solidFill>
-              <a:schemeClr val="tx1"/>
-            </a:solidFill>
-          </a:ln>
-        </p:spPr>
-        <p:style>
-          <a:lnRef idx="1">
-            <a:schemeClr val="accent1"/>
-          </a:lnRef>
-          <a:fillRef idx="0">
-            <a:schemeClr val="accent1"/>
-          </a:fillRef>
-          <a:effectRef idx="0">
-            <a:schemeClr val="accent1"/>
-          </a:effectRef>
-          <a:fontRef idx="minor">
-            <a:schemeClr val="tx1"/>
-          </a:fontRef>
-        </p:style>
-        <p:txBody>
-          <a:bodyPr rtlCol="0" anchor="ctr"/>
-          <a:lstStyle/>
-          <a:p>
-            <a:pPr algn="ctr"/>
-            <a:endParaRPr lang="ko-KR" altLang="en-US"/>
-          </a:p>
-        </p:txBody>
-      </p:sp>
-      <p:sp>
-        <p:nvSpPr>
-          <p:cNvPr id="17" name="오른쪽 중괄호 16">
-            <a:extLst>
-              <a:ext uri="{FF2B5EF4-FFF2-40B4-BE49-F238E27FC236}">
-                <a16:creationId xmlns:a16="http://schemas.microsoft.com/office/drawing/2014/main" id="{94B7421B-928A-C963-2F5B-0268E72C91DB}"/>
-              </a:ext>
-            </a:extLst>
-          </p:cNvPr>
-          <p:cNvSpPr/>
-          <p:nvPr/>
-        </p:nvSpPr>
-        <p:spPr>
-          <a:xfrm>
-            <a:off x="3729650" y="1219544"/>
-            <a:ext cx="108000" cy="144000"/>
-          </a:xfrm>
-          <a:prstGeom prst="rightBrace">
-            <a:avLst/>
-          </a:prstGeom>
-          <a:ln>
-            <a:solidFill>
-              <a:schemeClr val="tx1"/>
-            </a:solidFill>
-          </a:ln>
-        </p:spPr>
-        <p:style>
-          <a:lnRef idx="1">
-            <a:schemeClr val="accent1"/>
-          </a:lnRef>
-          <a:fillRef idx="0">
-            <a:schemeClr val="accent1"/>
-          </a:fillRef>
-          <a:effectRef idx="0">
-            <a:schemeClr val="accent1"/>
-          </a:effectRef>
-          <a:fontRef idx="minor">
-            <a:schemeClr val="tx1"/>
-          </a:fontRef>
-        </p:style>
-        <p:txBody>
-          <a:bodyPr rtlCol="0" anchor="ctr"/>
-          <a:lstStyle/>
-          <a:p>
-            <a:pPr algn="ctr"/>
-            <a:endParaRPr lang="ko-KR" altLang="en-US"/>
-          </a:p>
-        </p:txBody>
-      </p:sp>
-      <p:sp>
-        <p:nvSpPr>
-          <p:cNvPr id="18" name="직사각형 17">
-            <a:extLst>
-              <a:ext uri="{FF2B5EF4-FFF2-40B4-BE49-F238E27FC236}">
-                <a16:creationId xmlns:a16="http://schemas.microsoft.com/office/drawing/2014/main" id="{BB68A5E8-77F4-A7B0-48C9-6B0C27321AAB}"/>
-              </a:ext>
-            </a:extLst>
-          </p:cNvPr>
-          <p:cNvSpPr/>
-          <p:nvPr/>
-        </p:nvSpPr>
-        <p:spPr>
-          <a:xfrm rot="5400000">
-            <a:off x="4443305" y="1210544"/>
-            <a:ext cx="90000" cy="162000"/>
-          </a:xfrm>
-          <a:prstGeom prst="rect">
-            <a:avLst/>
-          </a:prstGeom>
-        </p:spPr>
-        <p:style>
-          <a:lnRef idx="2">
-            <a:schemeClr val="dk1">
-              <a:shade val="15000"/>
-            </a:schemeClr>
-          </a:lnRef>
-          <a:fillRef idx="1">
-            <a:schemeClr val="dk1"/>
-          </a:fillRef>
-          <a:effectRef idx="0">
-            <a:schemeClr val="dk1"/>
-          </a:effectRef>
-          <a:fontRef idx="minor">
-            <a:schemeClr val="lt1"/>
-          </a:fontRef>
-        </p:style>
-        <p:txBody>
-          <a:bodyPr rtlCol="0" anchor="ctr"/>
-          <a:lstStyle/>
-          <a:p>
-            <a:pPr algn="ctr"/>
-            <a:endParaRPr lang="ko-KR" altLang="en-US" dirty="0"/>
-          </a:p>
-        </p:txBody>
-      </p:sp>
-      <p:sp>
-        <p:nvSpPr>
-          <p:cNvPr id="23" name="직사각형 22">
-            <a:extLst>
-              <a:ext uri="{FF2B5EF4-FFF2-40B4-BE49-F238E27FC236}">
-                <a16:creationId xmlns:a16="http://schemas.microsoft.com/office/drawing/2014/main" id="{EDC20582-A2BE-4343-6C5A-D681C8C67569}"/>
-              </a:ext>
-            </a:extLst>
-          </p:cNvPr>
-          <p:cNvSpPr/>
-          <p:nvPr/>
-        </p:nvSpPr>
-        <p:spPr>
-          <a:xfrm rot="5400000">
-            <a:off x="4295409" y="1147544"/>
-            <a:ext cx="36000" cy="288000"/>
-          </a:xfrm>
-          <a:prstGeom prst="rect">
-            <a:avLst/>
-          </a:prstGeom>
-        </p:spPr>
-        <p:style>
-          <a:lnRef idx="2">
-            <a:schemeClr val="accent1">
-              <a:shade val="15000"/>
-            </a:schemeClr>
-          </a:lnRef>
-          <a:fillRef idx="1">
-            <a:schemeClr val="accent1"/>
-          </a:fillRef>
-          <a:effectRef idx="0">
-            <a:schemeClr val="accent1"/>
-          </a:effectRef>
-          <a:fontRef idx="minor">
-            <a:schemeClr val="lt1"/>
-          </a:fontRef>
-        </p:style>
-        <p:txBody>
-          <a:bodyPr rtlCol="0" anchor="ctr"/>
-          <a:lstStyle/>
-          <a:p>
-            <a:pPr algn="ctr"/>
-            <a:endParaRPr lang="ko-KR" altLang="en-US" dirty="0"/>
-          </a:p>
-        </p:txBody>
-      </p:sp>
-      <p:sp>
-        <p:nvSpPr>
           <p:cNvPr id="24" name="직사각형 23">
             <a:extLst>
               <a:ext uri="{FF2B5EF4-FFF2-40B4-BE49-F238E27FC236}">
@@ -7917,8 +7173,8 @@
         </p:nvSpPr>
         <p:spPr>
           <a:xfrm>
-            <a:off x="623824" y="1036565"/>
-            <a:ext cx="126000" cy="180000"/>
+            <a:off x="765937" y="707062"/>
+            <a:ext cx="126000" cy="162000"/>
           </a:xfrm>
           <a:prstGeom prst="rect">
             <a:avLst/>
@@ -7956,19 +7212,19 @@
       </p:sp>
       <p:sp>
         <p:nvSpPr>
-          <p:cNvPr id="27" name="직사각형 26">
-            <a:extLst>
-              <a:ext uri="{FF2B5EF4-FFF2-40B4-BE49-F238E27FC236}">
-                <a16:creationId xmlns:a16="http://schemas.microsoft.com/office/drawing/2014/main" id="{2857D4D8-F2CF-06E4-5E1C-E4CC2AE5077D}"/>
-              </a:ext>
-            </a:extLst>
-          </p:cNvPr>
-          <p:cNvSpPr/>
-          <p:nvPr/>
-        </p:nvSpPr>
-        <p:spPr>
-          <a:xfrm>
-            <a:off x="4313409" y="1363543"/>
+          <p:cNvPr id="29" name="직사각형 28">
+            <a:extLst>
+              <a:ext uri="{FF2B5EF4-FFF2-40B4-BE49-F238E27FC236}">
+                <a16:creationId xmlns:a16="http://schemas.microsoft.com/office/drawing/2014/main" id="{2D2448A9-BD18-E297-44EC-587BFD328C1C}"/>
+              </a:ext>
+            </a:extLst>
+          </p:cNvPr>
+          <p:cNvSpPr/>
+          <p:nvPr/>
+        </p:nvSpPr>
+        <p:spPr>
+          <a:xfrm>
+            <a:off x="918957" y="1370531"/>
             <a:ext cx="252000" cy="252000"/>
           </a:xfrm>
           <a:prstGeom prst="rect">
@@ -8002,259 +7258,24 @@
       </p:sp>
       <p:sp>
         <p:nvSpPr>
-          <p:cNvPr id="28" name="직사각형 27">
-            <a:extLst>
-              <a:ext uri="{FF2B5EF4-FFF2-40B4-BE49-F238E27FC236}">
-                <a16:creationId xmlns:a16="http://schemas.microsoft.com/office/drawing/2014/main" id="{5F4CE7ED-48A6-0346-83EE-A32784B7AFFC}"/>
-              </a:ext>
-            </a:extLst>
-          </p:cNvPr>
-          <p:cNvSpPr/>
-          <p:nvPr/>
-        </p:nvSpPr>
-        <p:spPr>
-          <a:xfrm>
-            <a:off x="4320001" y="952630"/>
-            <a:ext cx="252000" cy="252000"/>
-          </a:xfrm>
-          <a:prstGeom prst="rect">
-            <a:avLst/>
-          </a:prstGeom>
-        </p:spPr>
-        <p:style>
-          <a:lnRef idx="2">
-            <a:schemeClr val="accent2">
-              <a:shade val="15000"/>
-            </a:schemeClr>
-          </a:lnRef>
-          <a:fillRef idx="1">
-            <a:schemeClr val="accent2"/>
-          </a:fillRef>
-          <a:effectRef idx="0">
-            <a:schemeClr val="accent2"/>
-          </a:effectRef>
-          <a:fontRef idx="minor">
-            <a:schemeClr val="lt1"/>
-          </a:fontRef>
-        </p:style>
-        <p:txBody>
-          <a:bodyPr rtlCol="0" anchor="ctr"/>
-          <a:lstStyle/>
-          <a:p>
-            <a:pPr algn="ctr"/>
-            <a:endParaRPr lang="ko-KR" altLang="en-US" dirty="0"/>
-          </a:p>
-        </p:txBody>
-      </p:sp>
-      <p:sp>
-        <p:nvSpPr>
-          <p:cNvPr id="29" name="직사각형 28">
-            <a:extLst>
-              <a:ext uri="{FF2B5EF4-FFF2-40B4-BE49-F238E27FC236}">
-                <a16:creationId xmlns:a16="http://schemas.microsoft.com/office/drawing/2014/main" id="{2D2448A9-BD18-E297-44EC-587BFD328C1C}"/>
-              </a:ext>
-            </a:extLst>
-          </p:cNvPr>
-          <p:cNvSpPr/>
-          <p:nvPr/>
-        </p:nvSpPr>
-        <p:spPr>
-          <a:xfrm>
-            <a:off x="221280" y="960088"/>
-            <a:ext cx="252000" cy="252000"/>
-          </a:xfrm>
-          <a:prstGeom prst="rect">
-            <a:avLst/>
-          </a:prstGeom>
-        </p:spPr>
-        <p:style>
-          <a:lnRef idx="2">
-            <a:schemeClr val="accent2">
-              <a:shade val="15000"/>
-            </a:schemeClr>
-          </a:lnRef>
-          <a:fillRef idx="1">
-            <a:schemeClr val="accent2"/>
-          </a:fillRef>
-          <a:effectRef idx="0">
-            <a:schemeClr val="accent2"/>
-          </a:effectRef>
-          <a:fontRef idx="minor">
-            <a:schemeClr val="lt1"/>
-          </a:fontRef>
-        </p:style>
-        <p:txBody>
-          <a:bodyPr rtlCol="0" anchor="ctr"/>
-          <a:lstStyle/>
-          <a:p>
-            <a:pPr algn="ctr"/>
-            <a:endParaRPr lang="ko-KR" altLang="en-US" dirty="0"/>
-          </a:p>
-        </p:txBody>
-      </p:sp>
-      <p:sp>
-        <p:nvSpPr>
-          <p:cNvPr id="30" name="직사각형 29">
-            <a:extLst>
-              <a:ext uri="{FF2B5EF4-FFF2-40B4-BE49-F238E27FC236}">
-                <a16:creationId xmlns:a16="http://schemas.microsoft.com/office/drawing/2014/main" id="{F9341041-F857-EC2C-331D-4DC7C5997AA5}"/>
-              </a:ext>
-            </a:extLst>
-          </p:cNvPr>
-          <p:cNvSpPr/>
-          <p:nvPr/>
-        </p:nvSpPr>
-        <p:spPr>
-          <a:xfrm>
-            <a:off x="1294696" y="960088"/>
-            <a:ext cx="252000" cy="252000"/>
-          </a:xfrm>
-          <a:prstGeom prst="rect">
-            <a:avLst/>
-          </a:prstGeom>
-        </p:spPr>
-        <p:style>
-          <a:lnRef idx="2">
-            <a:schemeClr val="accent2">
-              <a:shade val="15000"/>
-            </a:schemeClr>
-          </a:lnRef>
-          <a:fillRef idx="1">
-            <a:schemeClr val="accent2"/>
-          </a:fillRef>
-          <a:effectRef idx="0">
-            <a:schemeClr val="accent2"/>
-          </a:effectRef>
-          <a:fontRef idx="minor">
-            <a:schemeClr val="lt1"/>
-          </a:fontRef>
-        </p:style>
-        <p:txBody>
-          <a:bodyPr rtlCol="0" anchor="ctr"/>
-          <a:lstStyle/>
-          <a:p>
-            <a:pPr algn="ctr"/>
-            <a:endParaRPr lang="ko-KR" altLang="en-US" dirty="0"/>
-          </a:p>
-        </p:txBody>
-      </p:sp>
-      <p:sp>
-        <p:nvSpPr>
-          <p:cNvPr id="31" name="직사각형 30">
-            <a:extLst>
-              <a:ext uri="{FF2B5EF4-FFF2-40B4-BE49-F238E27FC236}">
-                <a16:creationId xmlns:a16="http://schemas.microsoft.com/office/drawing/2014/main" id="{6C6BD94B-05B4-18CC-5551-53FE6E92A902}"/>
-              </a:ext>
-            </a:extLst>
-          </p:cNvPr>
-          <p:cNvSpPr/>
-          <p:nvPr/>
-        </p:nvSpPr>
-        <p:spPr>
-          <a:xfrm>
-            <a:off x="2382801" y="965881"/>
-            <a:ext cx="252000" cy="252000"/>
-          </a:xfrm>
-          <a:prstGeom prst="rect">
-            <a:avLst/>
-          </a:prstGeom>
-        </p:spPr>
-        <p:style>
-          <a:lnRef idx="2">
-            <a:schemeClr val="accent2">
-              <a:shade val="15000"/>
-            </a:schemeClr>
-          </a:lnRef>
-          <a:fillRef idx="1">
-            <a:schemeClr val="accent2"/>
-          </a:fillRef>
-          <a:effectRef idx="0">
-            <a:schemeClr val="accent2"/>
-          </a:effectRef>
-          <a:fontRef idx="minor">
-            <a:schemeClr val="lt1"/>
-          </a:fontRef>
-        </p:style>
-        <p:txBody>
-          <a:bodyPr rtlCol="0" anchor="ctr"/>
-          <a:lstStyle/>
-          <a:p>
-            <a:pPr algn="ctr"/>
-            <a:endParaRPr lang="ko-KR" altLang="en-US" dirty="0"/>
-          </a:p>
-        </p:txBody>
-      </p:sp>
-      <p:sp>
-        <p:nvSpPr>
-          <p:cNvPr id="32" name="직사각형 31">
-            <a:extLst>
-              <a:ext uri="{FF2B5EF4-FFF2-40B4-BE49-F238E27FC236}">
-                <a16:creationId xmlns:a16="http://schemas.microsoft.com/office/drawing/2014/main" id="{8FCFA384-19E9-A3D9-0CC0-E3FADCBDFD99}"/>
-              </a:ext>
-            </a:extLst>
-          </p:cNvPr>
-          <p:cNvSpPr/>
-          <p:nvPr/>
-        </p:nvSpPr>
-        <p:spPr>
-          <a:xfrm>
-            <a:off x="3458520" y="966713"/>
-            <a:ext cx="252000" cy="252000"/>
-          </a:xfrm>
-          <a:prstGeom prst="rect">
-            <a:avLst/>
-          </a:prstGeom>
-        </p:spPr>
-        <p:style>
-          <a:lnRef idx="2">
-            <a:schemeClr val="accent2">
-              <a:shade val="15000"/>
-            </a:schemeClr>
-          </a:lnRef>
-          <a:fillRef idx="1">
-            <a:schemeClr val="accent2"/>
-          </a:fillRef>
-          <a:effectRef idx="0">
-            <a:schemeClr val="accent2"/>
-          </a:effectRef>
-          <a:fontRef idx="minor">
-            <a:schemeClr val="lt1"/>
-          </a:fontRef>
-        </p:style>
-        <p:txBody>
-          <a:bodyPr rtlCol="0" anchor="ctr"/>
-          <a:lstStyle/>
-          <a:p>
-            <a:pPr algn="ctr"/>
-            <a:endParaRPr lang="ko-KR" altLang="en-US" dirty="0"/>
-          </a:p>
-        </p:txBody>
-      </p:sp>
-      <p:sp>
-        <p:nvSpPr>
-          <p:cNvPr id="33" name="직사각형 32">
-            <a:extLst>
-              <a:ext uri="{FF2B5EF4-FFF2-40B4-BE49-F238E27FC236}">
-                <a16:creationId xmlns:a16="http://schemas.microsoft.com/office/drawing/2014/main" id="{4EBBCED5-BD13-4E49-70CE-828E2AFD5306}"/>
-              </a:ext>
-            </a:extLst>
-          </p:cNvPr>
-          <p:cNvSpPr/>
-          <p:nvPr/>
-        </p:nvSpPr>
-        <p:spPr>
-          <a:xfrm>
-            <a:off x="2780239" y="1031029"/>
-            <a:ext cx="126000" cy="180000"/>
-          </a:xfrm>
-          <a:prstGeom prst="rect">
-            <a:avLst/>
-          </a:prstGeom>
-          <a:solidFill>
-            <a:schemeClr val="accent2">
-              <a:lumMod val="50000"/>
-            </a:schemeClr>
-          </a:solidFill>
+          <p:cNvPr id="38" name="원통형 37">
+            <a:extLst>
+              <a:ext uri="{FF2B5EF4-FFF2-40B4-BE49-F238E27FC236}">
+                <a16:creationId xmlns:a16="http://schemas.microsoft.com/office/drawing/2014/main" id="{6F7609F0-4D85-98C5-6F3D-02B28850B1F5}"/>
+              </a:ext>
+            </a:extLst>
+          </p:cNvPr>
+          <p:cNvSpPr/>
+          <p:nvPr/>
+        </p:nvSpPr>
+        <p:spPr>
+          <a:xfrm rot="10800000">
+            <a:off x="386461" y="1363543"/>
+            <a:ext cx="120685" cy="206899"/>
+          </a:xfrm>
+          <a:prstGeom prst="can">
+            <a:avLst/>
+          </a:prstGeom>
         </p:spPr>
         <p:style>
           <a:lnRef idx="2">
@@ -8277,317 +7298,10 @@
           <a:lstStyle/>
           <a:p>
             <a:pPr algn="ctr"/>
-            <a:endParaRPr lang="ko-KR" altLang="en-US" dirty="0"/>
-          </a:p>
-        </p:txBody>
-      </p:sp>
-      <p:sp>
-        <p:nvSpPr>
-          <p:cNvPr id="34" name="직사각형 33">
-            <a:extLst>
-              <a:ext uri="{FF2B5EF4-FFF2-40B4-BE49-F238E27FC236}">
-                <a16:creationId xmlns:a16="http://schemas.microsoft.com/office/drawing/2014/main" id="{48BA8AB0-3291-E0E5-7A55-F7BB2CCA5CFB}"/>
-              </a:ext>
-            </a:extLst>
-          </p:cNvPr>
-          <p:cNvSpPr/>
-          <p:nvPr/>
-        </p:nvSpPr>
-        <p:spPr>
-          <a:xfrm>
-            <a:off x="1704520" y="1024630"/>
-            <a:ext cx="126000" cy="180000"/>
-          </a:xfrm>
-          <a:prstGeom prst="rect">
-            <a:avLst/>
-          </a:prstGeom>
-          <a:solidFill>
-            <a:schemeClr val="accent2">
-              <a:lumMod val="50000"/>
-            </a:schemeClr>
-          </a:solidFill>
-        </p:spPr>
-        <p:style>
-          <a:lnRef idx="2">
-            <a:schemeClr val="accent1">
-              <a:shade val="15000"/>
-            </a:schemeClr>
-          </a:lnRef>
-          <a:fillRef idx="1">
-            <a:schemeClr val="accent1"/>
-          </a:fillRef>
-          <a:effectRef idx="0">
-            <a:schemeClr val="accent1"/>
-          </a:effectRef>
-          <a:fontRef idx="minor">
-            <a:schemeClr val="lt1"/>
-          </a:fontRef>
-        </p:style>
-        <p:txBody>
-          <a:bodyPr rtlCol="0" anchor="ctr"/>
-          <a:lstStyle/>
-          <a:p>
-            <a:pPr algn="ctr"/>
-            <a:endParaRPr lang="ko-KR" altLang="en-US" dirty="0"/>
-          </a:p>
-        </p:txBody>
-      </p:sp>
-      <p:sp>
-        <p:nvSpPr>
-          <p:cNvPr id="37" name="직사각형 36">
-            <a:extLst>
-              <a:ext uri="{FF2B5EF4-FFF2-40B4-BE49-F238E27FC236}">
-                <a16:creationId xmlns:a16="http://schemas.microsoft.com/office/drawing/2014/main" id="{52382AE4-12B1-71CB-98E8-BE88EEE06844}"/>
-              </a:ext>
-            </a:extLst>
-          </p:cNvPr>
-          <p:cNvSpPr/>
-          <p:nvPr/>
-        </p:nvSpPr>
-        <p:spPr>
-          <a:xfrm>
-            <a:off x="3858566" y="1024630"/>
-            <a:ext cx="126000" cy="180000"/>
-          </a:xfrm>
-          <a:prstGeom prst="rect">
-            <a:avLst/>
-          </a:prstGeom>
-          <a:solidFill>
-            <a:schemeClr val="accent2">
-              <a:lumMod val="50000"/>
-            </a:schemeClr>
-          </a:solidFill>
-        </p:spPr>
-        <p:style>
-          <a:lnRef idx="2">
-            <a:schemeClr val="accent1">
-              <a:shade val="15000"/>
-            </a:schemeClr>
-          </a:lnRef>
-          <a:fillRef idx="1">
-            <a:schemeClr val="accent1"/>
-          </a:fillRef>
-          <a:effectRef idx="0">
-            <a:schemeClr val="accent1"/>
-          </a:effectRef>
-          <a:fontRef idx="minor">
-            <a:schemeClr val="lt1"/>
-          </a:fontRef>
-        </p:style>
-        <p:txBody>
-          <a:bodyPr rtlCol="0" anchor="ctr"/>
-          <a:lstStyle/>
-          <a:p>
-            <a:pPr algn="ctr"/>
-            <a:endParaRPr lang="ko-KR" altLang="en-US" dirty="0"/>
-          </a:p>
-        </p:txBody>
-      </p:sp>
-      <p:sp>
-        <p:nvSpPr>
-          <p:cNvPr id="38" name="원통형 37">
-            <a:extLst>
-              <a:ext uri="{FF2B5EF4-FFF2-40B4-BE49-F238E27FC236}">
-                <a16:creationId xmlns:a16="http://schemas.microsoft.com/office/drawing/2014/main" id="{6F7609F0-4D85-98C5-6F3D-02B28850B1F5}"/>
-              </a:ext>
-            </a:extLst>
-          </p:cNvPr>
-          <p:cNvSpPr/>
-          <p:nvPr/>
-        </p:nvSpPr>
-        <p:spPr>
-          <a:xfrm rot="10800000">
-            <a:off x="160937" y="1363543"/>
-            <a:ext cx="120685" cy="206899"/>
-          </a:xfrm>
-          <a:prstGeom prst="can">
-            <a:avLst/>
-          </a:prstGeom>
-        </p:spPr>
-        <p:style>
-          <a:lnRef idx="2">
-            <a:schemeClr val="accent1">
-              <a:shade val="15000"/>
-            </a:schemeClr>
-          </a:lnRef>
-          <a:fillRef idx="1">
-            <a:schemeClr val="accent1"/>
-          </a:fillRef>
-          <a:effectRef idx="0">
-            <a:schemeClr val="accent1"/>
-          </a:effectRef>
-          <a:fontRef idx="minor">
-            <a:schemeClr val="lt1"/>
-          </a:fontRef>
-        </p:style>
-        <p:txBody>
-          <a:bodyPr rtlCol="0" anchor="ctr"/>
-          <a:lstStyle/>
-          <a:p>
-            <a:pPr algn="ctr"/>
             <a:endParaRPr lang="ko-KR" altLang="en-US"/>
           </a:p>
         </p:txBody>
       </p:sp>
-      <p:cxnSp>
-        <p:nvCxnSpPr>
-          <p:cNvPr id="40" name="연결선: 꺾임 39">
-            <a:extLst>
-              <a:ext uri="{FF2B5EF4-FFF2-40B4-BE49-F238E27FC236}">
-                <a16:creationId xmlns:a16="http://schemas.microsoft.com/office/drawing/2014/main" id="{12D26FA7-E680-8100-9AD2-83B626A7D037}"/>
-              </a:ext>
-            </a:extLst>
-          </p:cNvPr>
-          <p:cNvCxnSpPr>
-            <a:stCxn id="3" idx="1"/>
-            <a:endCxn id="24" idx="0"/>
-          </p:cNvCxnSpPr>
-          <p:nvPr/>
-        </p:nvCxnSpPr>
-        <p:spPr>
-          <a:xfrm rot="10800000" flipV="1">
-            <a:off x="686825" y="555263"/>
-            <a:ext cx="92319" cy="481302"/>
-          </a:xfrm>
-          <a:prstGeom prst="bentConnector2">
-            <a:avLst/>
-          </a:prstGeom>
-        </p:spPr>
-        <p:style>
-          <a:lnRef idx="1">
-            <a:schemeClr val="accent1"/>
-          </a:lnRef>
-          <a:fillRef idx="0">
-            <a:schemeClr val="accent1"/>
-          </a:fillRef>
-          <a:effectRef idx="0">
-            <a:schemeClr val="accent1"/>
-          </a:effectRef>
-          <a:fontRef idx="minor">
-            <a:schemeClr val="tx1"/>
-          </a:fontRef>
-        </p:style>
-      </p:cxnSp>
-      <p:cxnSp>
-        <p:nvCxnSpPr>
-          <p:cNvPr id="41" name="연결선: 꺾임 40">
-            <a:extLst>
-              <a:ext uri="{FF2B5EF4-FFF2-40B4-BE49-F238E27FC236}">
-                <a16:creationId xmlns:a16="http://schemas.microsoft.com/office/drawing/2014/main" id="{E1CD40D6-1D97-5C5E-2307-DE372664FCA0}"/>
-              </a:ext>
-            </a:extLst>
-          </p:cNvPr>
-          <p:cNvCxnSpPr>
-            <a:cxnSpLocks/>
-            <a:stCxn id="4" idx="1"/>
-            <a:endCxn id="34" idx="0"/>
-          </p:cNvCxnSpPr>
-          <p:nvPr/>
-        </p:nvCxnSpPr>
-        <p:spPr>
-          <a:xfrm rot="10800000" flipV="1">
-            <a:off x="1767521" y="566914"/>
-            <a:ext cx="75171" cy="457715"/>
-          </a:xfrm>
-          <a:prstGeom prst="bentConnector2">
-            <a:avLst/>
-          </a:prstGeom>
-        </p:spPr>
-        <p:style>
-          <a:lnRef idx="1">
-            <a:schemeClr val="accent1"/>
-          </a:lnRef>
-          <a:fillRef idx="0">
-            <a:schemeClr val="accent1"/>
-          </a:fillRef>
-          <a:effectRef idx="0">
-            <a:schemeClr val="accent1"/>
-          </a:effectRef>
-          <a:fontRef idx="minor">
-            <a:schemeClr val="tx1"/>
-          </a:fontRef>
-        </p:style>
-      </p:cxnSp>
-      <p:cxnSp>
-        <p:nvCxnSpPr>
-          <p:cNvPr id="42" name="연결선: 꺾임 41">
-            <a:extLst>
-              <a:ext uri="{FF2B5EF4-FFF2-40B4-BE49-F238E27FC236}">
-                <a16:creationId xmlns:a16="http://schemas.microsoft.com/office/drawing/2014/main" id="{1BAF8F4D-C8F9-C4E9-E11A-01B1DCDB01B7}"/>
-              </a:ext>
-            </a:extLst>
-          </p:cNvPr>
-          <p:cNvCxnSpPr>
-            <a:cxnSpLocks/>
-            <a:stCxn id="5" idx="1"/>
-            <a:endCxn id="33" idx="0"/>
-          </p:cNvCxnSpPr>
-          <p:nvPr/>
-        </p:nvCxnSpPr>
-        <p:spPr>
-          <a:xfrm rot="10800000" flipV="1">
-            <a:off x="2843239" y="555263"/>
-            <a:ext cx="63000" cy="475766"/>
-          </a:xfrm>
-          <a:prstGeom prst="bentConnector2">
-            <a:avLst/>
-          </a:prstGeom>
-        </p:spPr>
-        <p:style>
-          <a:lnRef idx="1">
-            <a:schemeClr val="accent1"/>
-          </a:lnRef>
-          <a:fillRef idx="0">
-            <a:schemeClr val="accent1"/>
-          </a:fillRef>
-          <a:effectRef idx="0">
-            <a:schemeClr val="accent1"/>
-          </a:effectRef>
-          <a:fontRef idx="minor">
-            <a:schemeClr val="tx1"/>
-          </a:fontRef>
-        </p:style>
-      </p:cxnSp>
-      <p:cxnSp>
-        <p:nvCxnSpPr>
-          <p:cNvPr id="43" name="연결선: 꺾임 42">
-            <a:extLst>
-              <a:ext uri="{FF2B5EF4-FFF2-40B4-BE49-F238E27FC236}">
-                <a16:creationId xmlns:a16="http://schemas.microsoft.com/office/drawing/2014/main" id="{F698200E-0F80-FBCA-5B92-B3CCA0C72584}"/>
-              </a:ext>
-            </a:extLst>
-          </p:cNvPr>
-          <p:cNvCxnSpPr>
-            <a:cxnSpLocks/>
-            <a:stCxn id="6" idx="3"/>
-            <a:endCxn id="37" idx="0"/>
-          </p:cNvCxnSpPr>
-          <p:nvPr/>
-        </p:nvCxnSpPr>
-        <p:spPr>
-          <a:xfrm>
-            <a:off x="3809520" y="543649"/>
-            <a:ext cx="112046" cy="480981"/>
-          </a:xfrm>
-          <a:prstGeom prst="bentConnector2">
-            <a:avLst/>
-          </a:prstGeom>
-        </p:spPr>
-        <p:style>
-          <a:lnRef idx="1">
-            <a:schemeClr val="accent1"/>
-          </a:lnRef>
-          <a:fillRef idx="0">
-            <a:schemeClr val="accent1"/>
-          </a:fillRef>
-          <a:effectRef idx="0">
-            <a:schemeClr val="accent1"/>
-          </a:effectRef>
-          <a:fontRef idx="minor">
-            <a:schemeClr val="tx1"/>
-          </a:fontRef>
-        </p:style>
-      </p:cxnSp>
       <p:cxnSp>
         <p:nvCxnSpPr>
           <p:cNvPr id="13" name="연결선: 꺾임 12">
@@ -8598,15 +7312,16 @@
             </a:extLst>
           </p:cNvPr>
           <p:cNvCxnSpPr>
-            <a:stCxn id="3" idx="0"/>
+            <a:cxnSpLocks/>
+            <a:stCxn id="3" idx="3"/>
             <a:endCxn id="8" idx="1"/>
           </p:cNvCxnSpPr>
           <p:nvPr/>
         </p:nvCxnSpPr>
         <p:spPr>
           <a:xfrm rot="5400000" flipH="1" flipV="1">
-            <a:off x="2371333" y="-1308507"/>
-            <a:ext cx="217581" cy="3203961"/>
+            <a:off x="2298477" y="-1281548"/>
+            <a:ext cx="317396" cy="3249857"/>
           </a:xfrm>
           <a:prstGeom prst="bentConnector2">
             <a:avLst/>
@@ -8637,15 +7352,16 @@
             </a:extLst>
           </p:cNvPr>
           <p:cNvCxnSpPr>
-            <a:stCxn id="4" idx="0"/>
+            <a:cxnSpLocks/>
+            <a:stCxn id="4" idx="3"/>
             <a:endCxn id="8" idx="1"/>
           </p:cNvCxnSpPr>
           <p:nvPr/>
         </p:nvCxnSpPr>
         <p:spPr>
           <a:xfrm rot="5400000" flipH="1" flipV="1">
-            <a:off x="2897281" y="-770907"/>
-            <a:ext cx="229233" cy="2140413"/>
+            <a:off x="2810288" y="-783380"/>
+            <a:ext cx="303753" cy="2239879"/>
           </a:xfrm>
           <a:prstGeom prst="bentConnector2">
             <a:avLst/>
@@ -8676,15 +7392,16 @@
             </a:extLst>
           </p:cNvPr>
           <p:cNvCxnSpPr>
-            <a:stCxn id="5" idx="0"/>
+            <a:cxnSpLocks/>
+            <a:stCxn id="5" idx="3"/>
             <a:endCxn id="8" idx="1"/>
           </p:cNvCxnSpPr>
           <p:nvPr/>
         </p:nvCxnSpPr>
         <p:spPr>
           <a:xfrm rot="5400000" flipH="1" flipV="1">
-            <a:off x="3434881" y="-244959"/>
-            <a:ext cx="217581" cy="1076865"/>
+            <a:off x="3292368" y="-288672"/>
+            <a:ext cx="316382" cy="1263090"/>
           </a:xfrm>
           <a:prstGeom prst="bentConnector2">
             <a:avLst/>
@@ -8715,15 +7432,16 @@
             </a:extLst>
           </p:cNvPr>
           <p:cNvCxnSpPr>
-            <a:stCxn id="6" idx="0"/>
+            <a:cxnSpLocks/>
+            <a:stCxn id="6" idx="3"/>
             <a:endCxn id="8" idx="1"/>
           </p:cNvCxnSpPr>
           <p:nvPr/>
         </p:nvCxnSpPr>
         <p:spPr>
           <a:xfrm rot="5400000" flipH="1" flipV="1">
-            <a:off x="3793329" y="101874"/>
-            <a:ext cx="205967" cy="371584"/>
+            <a:off x="3778090" y="193455"/>
+            <a:ext cx="312786" cy="295241"/>
           </a:xfrm>
           <a:prstGeom prst="bentConnector2">
             <a:avLst/>
@@ -8758,16 +7476,21 @@
         </p:nvSpPr>
         <p:spPr>
           <a:xfrm>
-            <a:off x="389304" y="1369951"/>
+            <a:off x="668057" y="1026419"/>
             <a:ext cx="183714" cy="95520"/>
           </a:xfrm>
           <a:prstGeom prst="flowChartProcess">
             <a:avLst/>
           </a:prstGeom>
-        </p:spPr>
-        <p:style>
-          <a:lnRef idx="2">
+          <a:solidFill>
             <a:schemeClr val="accent6">
+              <a:alpha val="62000"/>
+            </a:schemeClr>
+          </a:solidFill>
+        </p:spPr>
+        <p:style>
+          <a:lnRef idx="2">
+            <a:schemeClr val="accent6">
               <a:shade val="15000"/>
             </a:schemeClr>
           </a:lnRef>
@@ -8792,28 +7515,360 @@
       </p:sp>
       <p:sp>
         <p:nvSpPr>
-          <p:cNvPr id="56" name="순서도: 처리 55">
-            <a:extLst>
-              <a:ext uri="{FF2B5EF4-FFF2-40B4-BE49-F238E27FC236}">
-                <a16:creationId xmlns:a16="http://schemas.microsoft.com/office/drawing/2014/main" id="{4F6A4590-6A6B-9CC7-4C8C-AA318AD6A464}"/>
-              </a:ext>
-            </a:extLst>
-          </p:cNvPr>
-          <p:cNvSpPr/>
-          <p:nvPr/>
-        </p:nvSpPr>
-        <p:spPr>
-          <a:xfrm>
-            <a:off x="1460284" y="1363543"/>
+          <p:cNvPr id="12" name="직사각형 11">
+            <a:extLst>
+              <a:ext uri="{FF2B5EF4-FFF2-40B4-BE49-F238E27FC236}">
+                <a16:creationId xmlns:a16="http://schemas.microsoft.com/office/drawing/2014/main" id="{DEF464DB-F6EA-36AA-8857-626630E09C33}"/>
+              </a:ext>
+            </a:extLst>
+          </p:cNvPr>
+          <p:cNvSpPr/>
+          <p:nvPr/>
+        </p:nvSpPr>
+        <p:spPr>
+          <a:xfrm rot="10800000">
+            <a:off x="2270714" y="1126945"/>
+            <a:ext cx="1908000" cy="234000"/>
+          </a:xfrm>
+          <a:prstGeom prst="rect">
+            <a:avLst/>
+          </a:prstGeom>
+        </p:spPr>
+        <p:style>
+          <a:lnRef idx="2">
+            <a:schemeClr val="accent3">
+              <a:shade val="15000"/>
+            </a:schemeClr>
+          </a:lnRef>
+          <a:fillRef idx="1">
+            <a:schemeClr val="accent3"/>
+          </a:fillRef>
+          <a:effectRef idx="0">
+            <a:schemeClr val="accent3"/>
+          </a:effectRef>
+          <a:fontRef idx="minor">
+            <a:schemeClr val="lt1"/>
+          </a:fontRef>
+        </p:style>
+        <p:txBody>
+          <a:bodyPr rtlCol="0" anchor="ctr"/>
+          <a:lstStyle/>
+          <a:p>
+            <a:pPr algn="ctr"/>
+            <a:endParaRPr lang="ko-KR" altLang="en-US" dirty="0"/>
+          </a:p>
+        </p:txBody>
+      </p:sp>
+      <p:sp>
+        <p:nvSpPr>
+          <p:cNvPr id="19" name="원통형 18">
+            <a:extLst>
+              <a:ext uri="{FF2B5EF4-FFF2-40B4-BE49-F238E27FC236}">
+                <a16:creationId xmlns:a16="http://schemas.microsoft.com/office/drawing/2014/main" id="{F000E359-4B09-1131-A6E7-7BD91971AE88}"/>
+              </a:ext>
+            </a:extLst>
+          </p:cNvPr>
+          <p:cNvSpPr/>
+          <p:nvPr/>
+        </p:nvSpPr>
+        <p:spPr>
+          <a:xfrm rot="10800000">
+            <a:off x="2217078" y="1144594"/>
+            <a:ext cx="45719" cy="206900"/>
+          </a:xfrm>
+          <a:prstGeom prst="can">
+            <a:avLst/>
+          </a:prstGeom>
+          <a:solidFill>
+            <a:schemeClr val="accent3">
+              <a:lumMod val="75000"/>
+            </a:schemeClr>
+          </a:solidFill>
+        </p:spPr>
+        <p:style>
+          <a:lnRef idx="2">
+            <a:schemeClr val="accent1">
+              <a:shade val="15000"/>
+            </a:schemeClr>
+          </a:lnRef>
+          <a:fillRef idx="1">
+            <a:schemeClr val="accent1"/>
+          </a:fillRef>
+          <a:effectRef idx="0">
+            <a:schemeClr val="accent1"/>
+          </a:effectRef>
+          <a:fontRef idx="minor">
+            <a:schemeClr val="lt1"/>
+          </a:fontRef>
+        </p:style>
+        <p:txBody>
+          <a:bodyPr rtlCol="0" anchor="ctr"/>
+          <a:lstStyle/>
+          <a:p>
+            <a:pPr algn="ctr"/>
+            <a:endParaRPr lang="ko-KR" altLang="en-US"/>
+          </a:p>
+        </p:txBody>
+      </p:sp>
+      <p:sp>
+        <p:nvSpPr>
+          <p:cNvPr id="26" name="직사각형 25">
+            <a:extLst>
+              <a:ext uri="{FF2B5EF4-FFF2-40B4-BE49-F238E27FC236}">
+                <a16:creationId xmlns:a16="http://schemas.microsoft.com/office/drawing/2014/main" id="{9ED15C8A-B72D-9BA3-7BD8-D25E0EB42375}"/>
+              </a:ext>
+            </a:extLst>
+          </p:cNvPr>
+          <p:cNvSpPr/>
+          <p:nvPr/>
+        </p:nvSpPr>
+        <p:spPr>
+          <a:xfrm rot="5400000">
+            <a:off x="4331620" y="1152277"/>
+            <a:ext cx="90000" cy="162000"/>
+          </a:xfrm>
+          <a:prstGeom prst="rect">
+            <a:avLst/>
+          </a:prstGeom>
+        </p:spPr>
+        <p:style>
+          <a:lnRef idx="2">
+            <a:schemeClr val="dk1">
+              <a:shade val="15000"/>
+            </a:schemeClr>
+          </a:lnRef>
+          <a:fillRef idx="1">
+            <a:schemeClr val="dk1"/>
+          </a:fillRef>
+          <a:effectRef idx="0">
+            <a:schemeClr val="dk1"/>
+          </a:effectRef>
+          <a:fontRef idx="minor">
+            <a:schemeClr val="lt1"/>
+          </a:fontRef>
+        </p:style>
+        <p:txBody>
+          <a:bodyPr rtlCol="0" anchor="ctr"/>
+          <a:lstStyle/>
+          <a:p>
+            <a:pPr algn="ctr"/>
+            <a:endParaRPr lang="ko-KR" altLang="en-US" dirty="0"/>
+          </a:p>
+        </p:txBody>
+      </p:sp>
+      <p:sp>
+        <p:nvSpPr>
+          <p:cNvPr id="36" name="직사각형 35">
+            <a:extLst>
+              <a:ext uri="{FF2B5EF4-FFF2-40B4-BE49-F238E27FC236}">
+                <a16:creationId xmlns:a16="http://schemas.microsoft.com/office/drawing/2014/main" id="{F0E29383-57CB-0805-B1C7-036FA1984B98}"/>
+              </a:ext>
+            </a:extLst>
+          </p:cNvPr>
+          <p:cNvSpPr/>
+          <p:nvPr/>
+        </p:nvSpPr>
+        <p:spPr>
+          <a:xfrm>
+            <a:off x="4108530" y="1365962"/>
+            <a:ext cx="252000" cy="252000"/>
+          </a:xfrm>
+          <a:prstGeom prst="rect">
+            <a:avLst/>
+          </a:prstGeom>
+        </p:spPr>
+        <p:style>
+          <a:lnRef idx="2">
+            <a:schemeClr val="accent2">
+              <a:shade val="15000"/>
+            </a:schemeClr>
+          </a:lnRef>
+          <a:fillRef idx="1">
+            <a:schemeClr val="accent2"/>
+          </a:fillRef>
+          <a:effectRef idx="0">
+            <a:schemeClr val="accent2"/>
+          </a:effectRef>
+          <a:fontRef idx="minor">
+            <a:schemeClr val="lt1"/>
+          </a:fontRef>
+        </p:style>
+        <p:txBody>
+          <a:bodyPr rtlCol="0" anchor="ctr"/>
+          <a:lstStyle/>
+          <a:p>
+            <a:pPr algn="ctr"/>
+            <a:endParaRPr lang="ko-KR" altLang="en-US" dirty="0"/>
+          </a:p>
+        </p:txBody>
+      </p:sp>
+      <p:sp>
+        <p:nvSpPr>
+          <p:cNvPr id="39" name="직사각형 38">
+            <a:extLst>
+              <a:ext uri="{FF2B5EF4-FFF2-40B4-BE49-F238E27FC236}">
+                <a16:creationId xmlns:a16="http://schemas.microsoft.com/office/drawing/2014/main" id="{DDF19D2B-06F6-4C7C-DF7A-1521984E8CBE}"/>
+              </a:ext>
+            </a:extLst>
+          </p:cNvPr>
+          <p:cNvSpPr/>
+          <p:nvPr/>
+        </p:nvSpPr>
+        <p:spPr>
+          <a:xfrm>
+            <a:off x="4108943" y="872940"/>
+            <a:ext cx="252000" cy="252000"/>
+          </a:xfrm>
+          <a:prstGeom prst="rect">
+            <a:avLst/>
+          </a:prstGeom>
+        </p:spPr>
+        <p:style>
+          <a:lnRef idx="2">
+            <a:schemeClr val="accent2">
+              <a:shade val="15000"/>
+            </a:schemeClr>
+          </a:lnRef>
+          <a:fillRef idx="1">
+            <a:schemeClr val="accent2"/>
+          </a:fillRef>
+          <a:effectRef idx="0">
+            <a:schemeClr val="accent2"/>
+          </a:effectRef>
+          <a:fontRef idx="minor">
+            <a:schemeClr val="lt1"/>
+          </a:fontRef>
+        </p:style>
+        <p:txBody>
+          <a:bodyPr rtlCol="0" anchor="ctr"/>
+          <a:lstStyle/>
+          <a:p>
+            <a:pPr algn="ctr"/>
+            <a:endParaRPr lang="ko-KR" altLang="en-US" dirty="0"/>
+          </a:p>
+        </p:txBody>
+      </p:sp>
+      <p:sp>
+        <p:nvSpPr>
+          <p:cNvPr id="47" name="직사각형 46">
+            <a:extLst>
+              <a:ext uri="{FF2B5EF4-FFF2-40B4-BE49-F238E27FC236}">
+                <a16:creationId xmlns:a16="http://schemas.microsoft.com/office/drawing/2014/main" id="{1136DA5A-17C8-611D-18AB-BBDBB9DDC366}"/>
+              </a:ext>
+            </a:extLst>
+          </p:cNvPr>
+          <p:cNvSpPr/>
+          <p:nvPr/>
+        </p:nvSpPr>
+        <p:spPr>
+          <a:xfrm rot="10800000">
+            <a:off x="916752" y="1130913"/>
+            <a:ext cx="36000" cy="288000"/>
+          </a:xfrm>
+          <a:prstGeom prst="rect">
+            <a:avLst/>
+          </a:prstGeom>
+        </p:spPr>
+        <p:style>
+          <a:lnRef idx="2">
+            <a:schemeClr val="accent1">
+              <a:shade val="15000"/>
+            </a:schemeClr>
+          </a:lnRef>
+          <a:fillRef idx="1">
+            <a:schemeClr val="accent1"/>
+          </a:fillRef>
+          <a:effectRef idx="0">
+            <a:schemeClr val="accent1"/>
+          </a:effectRef>
+          <a:fontRef idx="minor">
+            <a:schemeClr val="lt1"/>
+          </a:fontRef>
+        </p:style>
+        <p:txBody>
+          <a:bodyPr rtlCol="0" anchor="ctr"/>
+          <a:lstStyle/>
+          <a:p>
+            <a:pPr algn="ctr"/>
+            <a:endParaRPr lang="ko-KR" altLang="en-US" dirty="0"/>
+          </a:p>
+        </p:txBody>
+      </p:sp>
+      <p:sp>
+        <p:nvSpPr>
+          <p:cNvPr id="52" name="직사각형 51">
+            <a:extLst>
+              <a:ext uri="{FF2B5EF4-FFF2-40B4-BE49-F238E27FC236}">
+                <a16:creationId xmlns:a16="http://schemas.microsoft.com/office/drawing/2014/main" id="{3446F67F-ED45-7A78-1016-64D63FCB0CC5}"/>
+              </a:ext>
+            </a:extLst>
+          </p:cNvPr>
+          <p:cNvSpPr/>
+          <p:nvPr/>
+        </p:nvSpPr>
+        <p:spPr>
+          <a:xfrm>
+            <a:off x="1936195" y="1370062"/>
+            <a:ext cx="252000" cy="252000"/>
+          </a:xfrm>
+          <a:prstGeom prst="rect">
+            <a:avLst/>
+          </a:prstGeom>
+        </p:spPr>
+        <p:style>
+          <a:lnRef idx="2">
+            <a:schemeClr val="accent2">
+              <a:shade val="15000"/>
+            </a:schemeClr>
+          </a:lnRef>
+          <a:fillRef idx="1">
+            <a:schemeClr val="accent2"/>
+          </a:fillRef>
+          <a:effectRef idx="0">
+            <a:schemeClr val="accent2"/>
+          </a:effectRef>
+          <a:fontRef idx="minor">
+            <a:schemeClr val="lt1"/>
+          </a:fontRef>
+        </p:style>
+        <p:txBody>
+          <a:bodyPr rtlCol="0" anchor="ctr"/>
+          <a:lstStyle/>
+          <a:p>
+            <a:pPr algn="ctr"/>
+            <a:endParaRPr lang="ko-KR" altLang="en-US" dirty="0"/>
+          </a:p>
+        </p:txBody>
+      </p:sp>
+      <p:sp>
+        <p:nvSpPr>
+          <p:cNvPr id="53" name="순서도: 처리 52">
+            <a:extLst>
+              <a:ext uri="{FF2B5EF4-FFF2-40B4-BE49-F238E27FC236}">
+                <a16:creationId xmlns:a16="http://schemas.microsoft.com/office/drawing/2014/main" id="{FC93A8B0-1A3D-ABD9-FEB4-A6536B6791F4}"/>
+              </a:ext>
+            </a:extLst>
+          </p:cNvPr>
+          <p:cNvSpPr/>
+          <p:nvPr/>
+        </p:nvSpPr>
+        <p:spPr>
+          <a:xfrm>
+            <a:off x="1242708" y="1027860"/>
             <a:ext cx="183714" cy="95520"/>
           </a:xfrm>
           <a:prstGeom prst="flowChartProcess">
             <a:avLst/>
           </a:prstGeom>
-        </p:spPr>
-        <p:style>
-          <a:lnRef idx="2">
+          <a:solidFill>
             <a:schemeClr val="accent6">
+              <a:alpha val="62000"/>
+            </a:schemeClr>
+          </a:solidFill>
+        </p:spPr>
+        <p:style>
+          <a:lnRef idx="2">
+            <a:schemeClr val="accent6">
               <a:shade val="15000"/>
             </a:schemeClr>
           </a:lnRef>
@@ -8838,28 +7893,125 @@
       </p:sp>
       <p:sp>
         <p:nvSpPr>
-          <p:cNvPr id="57" name="순서도: 처리 56">
-            <a:extLst>
-              <a:ext uri="{FF2B5EF4-FFF2-40B4-BE49-F238E27FC236}">
-                <a16:creationId xmlns:a16="http://schemas.microsoft.com/office/drawing/2014/main" id="{C18CE6CD-1941-EB54-ED3E-03AEDD5579BC}"/>
-              </a:ext>
-            </a:extLst>
-          </p:cNvPr>
-          <p:cNvSpPr/>
-          <p:nvPr/>
-        </p:nvSpPr>
-        <p:spPr>
-          <a:xfrm>
-            <a:off x="2542944" y="1369951"/>
+          <p:cNvPr id="54" name="직사각형 53">
+            <a:extLst>
+              <a:ext uri="{FF2B5EF4-FFF2-40B4-BE49-F238E27FC236}">
+                <a16:creationId xmlns:a16="http://schemas.microsoft.com/office/drawing/2014/main" id="{8FF9C13D-AA6B-9A4B-2D99-81114D2F6358}"/>
+              </a:ext>
+            </a:extLst>
+          </p:cNvPr>
+          <p:cNvSpPr/>
+          <p:nvPr/>
+        </p:nvSpPr>
+        <p:spPr>
+          <a:xfrm rot="10800000">
+            <a:off x="1933173" y="1122936"/>
+            <a:ext cx="36000" cy="288000"/>
+          </a:xfrm>
+          <a:prstGeom prst="rect">
+            <a:avLst/>
+          </a:prstGeom>
+        </p:spPr>
+        <p:style>
+          <a:lnRef idx="2">
+            <a:schemeClr val="accent1">
+              <a:shade val="15000"/>
+            </a:schemeClr>
+          </a:lnRef>
+          <a:fillRef idx="1">
+            <a:schemeClr val="accent1"/>
+          </a:fillRef>
+          <a:effectRef idx="0">
+            <a:schemeClr val="accent1"/>
+          </a:effectRef>
+          <a:fontRef idx="minor">
+            <a:schemeClr val="lt1"/>
+          </a:fontRef>
+        </p:style>
+        <p:txBody>
+          <a:bodyPr rtlCol="0" anchor="ctr"/>
+          <a:lstStyle/>
+          <a:p>
+            <a:pPr algn="ctr"/>
+            <a:endParaRPr lang="ko-KR" altLang="en-US" dirty="0"/>
+          </a:p>
+        </p:txBody>
+      </p:sp>
+      <p:sp>
+        <p:nvSpPr>
+          <p:cNvPr id="65" name="직사각형 64">
+            <a:extLst>
+              <a:ext uri="{FF2B5EF4-FFF2-40B4-BE49-F238E27FC236}">
+                <a16:creationId xmlns:a16="http://schemas.microsoft.com/office/drawing/2014/main" id="{3A274ED8-10E9-C8BD-EA19-4132F3AA411C}"/>
+              </a:ext>
+            </a:extLst>
+          </p:cNvPr>
+          <p:cNvSpPr/>
+          <p:nvPr/>
+        </p:nvSpPr>
+        <p:spPr>
+          <a:xfrm>
+            <a:off x="3695696" y="1369976"/>
+            <a:ext cx="252000" cy="252000"/>
+          </a:xfrm>
+          <a:prstGeom prst="rect">
+            <a:avLst/>
+          </a:prstGeom>
+        </p:spPr>
+        <p:style>
+          <a:lnRef idx="2">
+            <a:schemeClr val="accent2">
+              <a:shade val="15000"/>
+            </a:schemeClr>
+          </a:lnRef>
+          <a:fillRef idx="1">
+            <a:schemeClr val="accent2"/>
+          </a:fillRef>
+          <a:effectRef idx="0">
+            <a:schemeClr val="accent2"/>
+          </a:effectRef>
+          <a:fontRef idx="minor">
+            <a:schemeClr val="lt1"/>
+          </a:fontRef>
+        </p:style>
+        <p:txBody>
+          <a:bodyPr rtlCol="0" anchor="ctr"/>
+          <a:lstStyle/>
+          <a:p>
+            <a:pPr algn="ctr"/>
+            <a:endParaRPr lang="ko-KR" altLang="en-US" dirty="0"/>
+          </a:p>
+        </p:txBody>
+      </p:sp>
+      <p:sp>
+        <p:nvSpPr>
+          <p:cNvPr id="66" name="순서도: 처리 65">
+            <a:extLst>
+              <a:ext uri="{FF2B5EF4-FFF2-40B4-BE49-F238E27FC236}">
+                <a16:creationId xmlns:a16="http://schemas.microsoft.com/office/drawing/2014/main" id="{68DD53A9-D24A-978A-221C-0CF3B47D3BA2}"/>
+              </a:ext>
+            </a:extLst>
+          </p:cNvPr>
+          <p:cNvSpPr/>
+          <p:nvPr/>
+        </p:nvSpPr>
+        <p:spPr>
+          <a:xfrm>
+            <a:off x="3222929" y="1019847"/>
             <a:ext cx="183714" cy="95520"/>
           </a:xfrm>
           <a:prstGeom prst="flowChartProcess">
             <a:avLst/>
           </a:prstGeom>
-        </p:spPr>
-        <p:style>
-          <a:lnRef idx="2">
+          <a:solidFill>
             <a:schemeClr val="accent6">
+              <a:alpha val="62000"/>
+            </a:schemeClr>
+          </a:solidFill>
+        </p:spPr>
+        <p:style>
+          <a:lnRef idx="2">
+            <a:schemeClr val="accent6">
               <a:shade val="15000"/>
             </a:schemeClr>
           </a:lnRef>
@@ -8884,28 +8036,125 @@
       </p:sp>
       <p:sp>
         <p:nvSpPr>
-          <p:cNvPr id="58" name="순서도: 처리 57">
-            <a:extLst>
-              <a:ext uri="{FF2B5EF4-FFF2-40B4-BE49-F238E27FC236}">
-                <a16:creationId xmlns:a16="http://schemas.microsoft.com/office/drawing/2014/main" id="{CCD9803E-EA33-5DF5-D200-70DFAD9A92B9}"/>
-              </a:ext>
-            </a:extLst>
-          </p:cNvPr>
-          <p:cNvSpPr/>
-          <p:nvPr/>
-        </p:nvSpPr>
-        <p:spPr>
-          <a:xfrm>
-            <a:off x="3626566" y="1363543"/>
+          <p:cNvPr id="67" name="직사각형 66">
+            <a:extLst>
+              <a:ext uri="{FF2B5EF4-FFF2-40B4-BE49-F238E27FC236}">
+                <a16:creationId xmlns:a16="http://schemas.microsoft.com/office/drawing/2014/main" id="{8D2960C1-F12A-4076-7A5C-612678713490}"/>
+              </a:ext>
+            </a:extLst>
+          </p:cNvPr>
+          <p:cNvSpPr/>
+          <p:nvPr/>
+        </p:nvSpPr>
+        <p:spPr>
+          <a:xfrm rot="10800000">
+            <a:off x="3692902" y="1125147"/>
+            <a:ext cx="36000" cy="288000"/>
+          </a:xfrm>
+          <a:prstGeom prst="rect">
+            <a:avLst/>
+          </a:prstGeom>
+        </p:spPr>
+        <p:style>
+          <a:lnRef idx="2">
+            <a:schemeClr val="accent1">
+              <a:shade val="15000"/>
+            </a:schemeClr>
+          </a:lnRef>
+          <a:fillRef idx="1">
+            <a:schemeClr val="accent1"/>
+          </a:fillRef>
+          <a:effectRef idx="0">
+            <a:schemeClr val="accent1"/>
+          </a:effectRef>
+          <a:fontRef idx="minor">
+            <a:schemeClr val="lt1"/>
+          </a:fontRef>
+        </p:style>
+        <p:txBody>
+          <a:bodyPr rtlCol="0" anchor="ctr"/>
+          <a:lstStyle/>
+          <a:p>
+            <a:pPr algn="ctr"/>
+            <a:endParaRPr lang="ko-KR" altLang="en-US" dirty="0"/>
+          </a:p>
+        </p:txBody>
+      </p:sp>
+      <p:sp>
+        <p:nvSpPr>
+          <p:cNvPr id="72" name="직사각형 71">
+            <a:extLst>
+              <a:ext uri="{FF2B5EF4-FFF2-40B4-BE49-F238E27FC236}">
+                <a16:creationId xmlns:a16="http://schemas.microsoft.com/office/drawing/2014/main" id="{9ADF3229-42D6-0099-BA93-E85BB5203359}"/>
+              </a:ext>
+            </a:extLst>
+          </p:cNvPr>
+          <p:cNvSpPr/>
+          <p:nvPr/>
+        </p:nvSpPr>
+        <p:spPr>
+          <a:xfrm>
+            <a:off x="2684628" y="1365962"/>
+            <a:ext cx="252000" cy="252000"/>
+          </a:xfrm>
+          <a:prstGeom prst="rect">
+            <a:avLst/>
+          </a:prstGeom>
+        </p:spPr>
+        <p:style>
+          <a:lnRef idx="2">
+            <a:schemeClr val="accent2">
+              <a:shade val="15000"/>
+            </a:schemeClr>
+          </a:lnRef>
+          <a:fillRef idx="1">
+            <a:schemeClr val="accent2"/>
+          </a:fillRef>
+          <a:effectRef idx="0">
+            <a:schemeClr val="accent2"/>
+          </a:effectRef>
+          <a:fontRef idx="minor">
+            <a:schemeClr val="lt1"/>
+          </a:fontRef>
+        </p:style>
+        <p:txBody>
+          <a:bodyPr rtlCol="0" anchor="ctr"/>
+          <a:lstStyle/>
+          <a:p>
+            <a:pPr algn="ctr"/>
+            <a:endParaRPr lang="ko-KR" altLang="en-US" dirty="0"/>
+          </a:p>
+        </p:txBody>
+      </p:sp>
+      <p:sp>
+        <p:nvSpPr>
+          <p:cNvPr id="73" name="순서도: 처리 72">
+            <a:extLst>
+              <a:ext uri="{FF2B5EF4-FFF2-40B4-BE49-F238E27FC236}">
+                <a16:creationId xmlns:a16="http://schemas.microsoft.com/office/drawing/2014/main" id="{70B61F65-3336-F36C-20B3-03EF26105CA7}"/>
+              </a:ext>
+            </a:extLst>
+          </p:cNvPr>
+          <p:cNvSpPr/>
+          <p:nvPr/>
+        </p:nvSpPr>
+        <p:spPr>
+          <a:xfrm>
+            <a:off x="2428498" y="1029865"/>
             <a:ext cx="183714" cy="95520"/>
           </a:xfrm>
           <a:prstGeom prst="flowChartProcess">
             <a:avLst/>
           </a:prstGeom>
-        </p:spPr>
-        <p:style>
-          <a:lnRef idx="2">
+          <a:solidFill>
             <a:schemeClr val="accent6">
+              <a:alpha val="62000"/>
+            </a:schemeClr>
+          </a:solidFill>
+        </p:spPr>
+        <p:style>
+          <a:lnRef idx="2">
+            <a:schemeClr val="accent6">
               <a:shade val="15000"/>
             </a:schemeClr>
           </a:lnRef>
@@ -8930,32 +8179,255 @@
       </p:sp>
       <p:sp>
         <p:nvSpPr>
-          <p:cNvPr id="12" name="순서도: 처리 11">
-            <a:extLst>
-              <a:ext uri="{FF2B5EF4-FFF2-40B4-BE49-F238E27FC236}">
-                <a16:creationId xmlns:a16="http://schemas.microsoft.com/office/drawing/2014/main" id="{8ABC7482-5E15-BE03-2947-11A84402B722}"/>
-              </a:ext>
-            </a:extLst>
-          </p:cNvPr>
-          <p:cNvSpPr/>
-          <p:nvPr/>
-        </p:nvSpPr>
-        <p:spPr>
-          <a:xfrm>
-            <a:off x="2229255" y="1105203"/>
-            <a:ext cx="897627" cy="408681"/>
+          <p:cNvPr id="74" name="직사각형 73">
+            <a:extLst>
+              <a:ext uri="{FF2B5EF4-FFF2-40B4-BE49-F238E27FC236}">
+                <a16:creationId xmlns:a16="http://schemas.microsoft.com/office/drawing/2014/main" id="{E09B05D0-379D-15EB-387E-045BEB78228C}"/>
+              </a:ext>
+            </a:extLst>
+          </p:cNvPr>
+          <p:cNvSpPr/>
+          <p:nvPr/>
+        </p:nvSpPr>
+        <p:spPr>
+          <a:xfrm rot="10800000">
+            <a:off x="2677734" y="1122936"/>
+            <a:ext cx="36000" cy="288000"/>
+          </a:xfrm>
+          <a:prstGeom prst="rect">
+            <a:avLst/>
+          </a:prstGeom>
+        </p:spPr>
+        <p:style>
+          <a:lnRef idx="2">
+            <a:schemeClr val="accent1">
+              <a:shade val="15000"/>
+            </a:schemeClr>
+          </a:lnRef>
+          <a:fillRef idx="1">
+            <a:schemeClr val="accent1"/>
+          </a:fillRef>
+          <a:effectRef idx="0">
+            <a:schemeClr val="accent1"/>
+          </a:effectRef>
+          <a:fontRef idx="minor">
+            <a:schemeClr val="lt1"/>
+          </a:fontRef>
+        </p:style>
+        <p:txBody>
+          <a:bodyPr rtlCol="0" anchor="ctr"/>
+          <a:lstStyle/>
+          <a:p>
+            <a:pPr algn="ctr"/>
+            <a:endParaRPr lang="ko-KR" altLang="en-US" dirty="0"/>
+          </a:p>
+        </p:txBody>
+      </p:sp>
+      <p:sp>
+        <p:nvSpPr>
+          <p:cNvPr id="76" name="순서도: 처리 75">
+            <a:extLst>
+              <a:ext uri="{FF2B5EF4-FFF2-40B4-BE49-F238E27FC236}">
+                <a16:creationId xmlns:a16="http://schemas.microsoft.com/office/drawing/2014/main" id="{6AA1ED70-3169-33A9-399C-A3692E6BF9A4}"/>
+              </a:ext>
+            </a:extLst>
+          </p:cNvPr>
+          <p:cNvSpPr/>
+          <p:nvPr/>
+        </p:nvSpPr>
+        <p:spPr>
+          <a:xfrm>
+            <a:off x="307739" y="1030758"/>
+            <a:ext cx="183714" cy="95520"/>
           </a:xfrm>
           <a:prstGeom prst="flowChartProcess">
             <a:avLst/>
           </a:prstGeom>
           <a:solidFill>
-            <a:schemeClr val="tx1">
-              <a:alpha val="47000"/>
+            <a:schemeClr val="accent6">
+              <a:alpha val="62000"/>
             </a:schemeClr>
           </a:solidFill>
         </p:spPr>
         <p:style>
           <a:lnRef idx="2">
+            <a:schemeClr val="accent6">
+              <a:shade val="15000"/>
+            </a:schemeClr>
+          </a:lnRef>
+          <a:fillRef idx="1">
+            <a:schemeClr val="accent6"/>
+          </a:fillRef>
+          <a:effectRef idx="0">
+            <a:schemeClr val="accent6"/>
+          </a:effectRef>
+          <a:fontRef idx="minor">
+            <a:schemeClr val="lt1"/>
+          </a:fontRef>
+        </p:style>
+        <p:txBody>
+          <a:bodyPr rtlCol="0" anchor="ctr"/>
+          <a:lstStyle/>
+          <a:p>
+            <a:pPr algn="ctr"/>
+            <a:endParaRPr lang="ko-KR" altLang="en-US"/>
+          </a:p>
+        </p:txBody>
+      </p:sp>
+      <p:sp>
+        <p:nvSpPr>
+          <p:cNvPr id="78" name="순서도: 처리 77">
+            <a:extLst>
+              <a:ext uri="{FF2B5EF4-FFF2-40B4-BE49-F238E27FC236}">
+                <a16:creationId xmlns:a16="http://schemas.microsoft.com/office/drawing/2014/main" id="{CD6A22F8-CD2B-E830-28F7-B435C115928C}"/>
+              </a:ext>
+            </a:extLst>
+          </p:cNvPr>
+          <p:cNvSpPr/>
+          <p:nvPr/>
+        </p:nvSpPr>
+        <p:spPr>
+          <a:xfrm>
+            <a:off x="1670266" y="1028724"/>
+            <a:ext cx="183714" cy="95520"/>
+          </a:xfrm>
+          <a:prstGeom prst="flowChartProcess">
+            <a:avLst/>
+          </a:prstGeom>
+          <a:solidFill>
+            <a:schemeClr val="accent6">
+              <a:alpha val="62000"/>
+            </a:schemeClr>
+          </a:solidFill>
+        </p:spPr>
+        <p:style>
+          <a:lnRef idx="2">
+            <a:schemeClr val="accent6">
+              <a:shade val="15000"/>
+            </a:schemeClr>
+          </a:lnRef>
+          <a:fillRef idx="1">
+            <a:schemeClr val="accent6"/>
+          </a:fillRef>
+          <a:effectRef idx="0">
+            <a:schemeClr val="accent6"/>
+          </a:effectRef>
+          <a:fontRef idx="minor">
+            <a:schemeClr val="lt1"/>
+          </a:fontRef>
+        </p:style>
+        <p:txBody>
+          <a:bodyPr rtlCol="0" anchor="ctr"/>
+          <a:lstStyle/>
+          <a:p>
+            <a:pPr algn="ctr"/>
+            <a:endParaRPr lang="ko-KR" altLang="en-US"/>
+          </a:p>
+        </p:txBody>
+      </p:sp>
+      <p:sp>
+        <p:nvSpPr>
+          <p:cNvPr id="80" name="오른쪽 중괄호 79">
+            <a:extLst>
+              <a:ext uri="{FF2B5EF4-FFF2-40B4-BE49-F238E27FC236}">
+                <a16:creationId xmlns:a16="http://schemas.microsoft.com/office/drawing/2014/main" id="{7A9067DD-C5C7-4D40-0A80-06856556E570}"/>
+              </a:ext>
+            </a:extLst>
+          </p:cNvPr>
+          <p:cNvSpPr/>
+          <p:nvPr/>
+        </p:nvSpPr>
+        <p:spPr>
+          <a:xfrm rot="16200000">
+            <a:off x="1498422" y="760651"/>
+            <a:ext cx="108000" cy="432000"/>
+          </a:xfrm>
+          <a:prstGeom prst="rightBrace">
+            <a:avLst/>
+          </a:prstGeom>
+        </p:spPr>
+        <p:style>
+          <a:lnRef idx="1">
+            <a:schemeClr val="accent1"/>
+          </a:lnRef>
+          <a:fillRef idx="0">
+            <a:schemeClr val="accent1"/>
+          </a:fillRef>
+          <a:effectRef idx="0">
+            <a:schemeClr val="accent1"/>
+          </a:effectRef>
+          <a:fontRef idx="minor">
+            <a:schemeClr val="tx1"/>
+          </a:fontRef>
+        </p:style>
+        <p:txBody>
+          <a:bodyPr rtlCol="0" anchor="ctr"/>
+          <a:lstStyle/>
+          <a:p>
+            <a:pPr algn="ctr"/>
+            <a:endParaRPr lang="ko-KR" altLang="en-US"/>
+          </a:p>
+        </p:txBody>
+      </p:sp>
+      <p:sp>
+        <p:nvSpPr>
+          <p:cNvPr id="81" name="TextBox 80">
+            <a:extLst>
+              <a:ext uri="{FF2B5EF4-FFF2-40B4-BE49-F238E27FC236}">
+                <a16:creationId xmlns:a16="http://schemas.microsoft.com/office/drawing/2014/main" id="{B899AE98-BF7C-9397-036C-FB09FDAD413B}"/>
+              </a:ext>
+            </a:extLst>
+          </p:cNvPr>
+          <p:cNvSpPr txBox="1"/>
+          <p:nvPr/>
+        </p:nvSpPr>
+        <p:spPr>
+          <a:xfrm>
+            <a:off x="1382138" y="782927"/>
+            <a:ext cx="438218" cy="184666"/>
+          </a:xfrm>
+          <a:prstGeom prst="rect">
+            <a:avLst/>
+          </a:prstGeom>
+          <a:noFill/>
+        </p:spPr>
+        <p:txBody>
+          <a:bodyPr wrap="square" rtlCol="0">
+            <a:spAutoFit/>
+          </a:bodyPr>
+          <a:lstStyle/>
+          <a:p>
+            <a:r>
+              <a:rPr lang="en-US" altLang="ko-KR" sz="600" dirty="0"/>
+              <a:t>12cm</a:t>
+            </a:r>
+            <a:endParaRPr lang="ko-KR" altLang="en-US" sz="600" dirty="0"/>
+          </a:p>
+        </p:txBody>
+      </p:sp>
+      <p:sp>
+        <p:nvSpPr>
+          <p:cNvPr id="7" name="직사각형 6">
+            <a:extLst>
+              <a:ext uri="{FF2B5EF4-FFF2-40B4-BE49-F238E27FC236}">
+                <a16:creationId xmlns:a16="http://schemas.microsoft.com/office/drawing/2014/main" id="{66DEDA32-2FF2-1552-12B6-71565288B74C}"/>
+              </a:ext>
+            </a:extLst>
+          </p:cNvPr>
+          <p:cNvSpPr/>
+          <p:nvPr/>
+        </p:nvSpPr>
+        <p:spPr>
+          <a:xfrm rot="5400000">
+            <a:off x="4128155" y="1090727"/>
+            <a:ext cx="36000" cy="288000"/>
+          </a:xfrm>
+          <a:prstGeom prst="rect">
+            <a:avLst/>
+          </a:prstGeom>
+        </p:spPr>
+        <p:style>
+          <a:lnRef idx="2">
             <a:schemeClr val="accent1">
               <a:shade val="15000"/>
             </a:schemeClr>
@@ -8975,16 +8447,108 @@
           <a:lstStyle/>
           <a:p>
             <a:pPr algn="ctr"/>
-            <a:endParaRPr lang="ko-KR" altLang="en-US"/>
+            <a:endParaRPr lang="ko-KR" altLang="en-US" dirty="0"/>
+          </a:p>
+        </p:txBody>
+      </p:sp>
+      <p:sp>
+        <p:nvSpPr>
+          <p:cNvPr id="9" name="직사각형 8">
+            <a:extLst>
+              <a:ext uri="{FF2B5EF4-FFF2-40B4-BE49-F238E27FC236}">
+                <a16:creationId xmlns:a16="http://schemas.microsoft.com/office/drawing/2014/main" id="{01DFD736-EB1E-1510-AC71-F5502A8315EC}"/>
+              </a:ext>
+            </a:extLst>
+          </p:cNvPr>
+          <p:cNvSpPr/>
+          <p:nvPr/>
+        </p:nvSpPr>
+        <p:spPr>
+          <a:xfrm rot="3590475">
+            <a:off x="4237763" y="1099913"/>
+            <a:ext cx="45719" cy="177640"/>
+          </a:xfrm>
+          <a:prstGeom prst="rect">
+            <a:avLst/>
+          </a:prstGeom>
+        </p:spPr>
+        <p:style>
+          <a:lnRef idx="2">
+            <a:schemeClr val="accent1">
+              <a:shade val="15000"/>
+            </a:schemeClr>
+          </a:lnRef>
+          <a:fillRef idx="1">
+            <a:schemeClr val="accent1"/>
+          </a:fillRef>
+          <a:effectRef idx="0">
+            <a:schemeClr val="accent1"/>
+          </a:effectRef>
+          <a:fontRef idx="minor">
+            <a:schemeClr val="lt1"/>
+          </a:fontRef>
+        </p:style>
+        <p:txBody>
+          <a:bodyPr rtlCol="0" anchor="ctr"/>
+          <a:lstStyle/>
+          <a:p>
+            <a:pPr algn="ctr"/>
+            <a:endParaRPr lang="ko-KR" altLang="en-US" dirty="0"/>
+          </a:p>
+        </p:txBody>
+      </p:sp>
+      <p:sp>
+        <p:nvSpPr>
+          <p:cNvPr id="10" name="직사각형 9">
+            <a:extLst>
+              <a:ext uri="{FF2B5EF4-FFF2-40B4-BE49-F238E27FC236}">
+                <a16:creationId xmlns:a16="http://schemas.microsoft.com/office/drawing/2014/main" id="{5F08C2EE-CAD9-9657-3F37-EDBF23EAB5E0}"/>
+              </a:ext>
+            </a:extLst>
+          </p:cNvPr>
+          <p:cNvSpPr/>
+          <p:nvPr/>
+        </p:nvSpPr>
+        <p:spPr>
+          <a:xfrm rot="7671421">
+            <a:off x="4234725" y="1200819"/>
+            <a:ext cx="45719" cy="177640"/>
+          </a:xfrm>
+          <a:prstGeom prst="rect">
+            <a:avLst/>
+          </a:prstGeom>
+        </p:spPr>
+        <p:style>
+          <a:lnRef idx="2">
+            <a:schemeClr val="accent1">
+              <a:shade val="15000"/>
+            </a:schemeClr>
+          </a:lnRef>
+          <a:fillRef idx="1">
+            <a:schemeClr val="accent1"/>
+          </a:fillRef>
+          <a:effectRef idx="0">
+            <a:schemeClr val="accent1"/>
+          </a:effectRef>
+          <a:fontRef idx="minor">
+            <a:schemeClr val="lt1"/>
+          </a:fontRef>
+        </p:style>
+        <p:txBody>
+          <a:bodyPr rtlCol="0" anchor="ctr"/>
+          <a:lstStyle/>
+          <a:p>
+            <a:pPr algn="ctr"/>
+            <a:endParaRPr lang="ko-KR" altLang="en-US" dirty="0"/>
           </a:p>
         </p:txBody>
       </p:sp>
       <p:pic>
         <p:nvPicPr>
-          <p:cNvPr id="25" name="그림 24" descr="상징, 그래픽, 클립아트, 만화 영화이(가) 표시된 사진&#10;&#10;자동 생성된 설명">
-            <a:extLst>
-              <a:ext uri="{FF2B5EF4-FFF2-40B4-BE49-F238E27FC236}">
-                <a16:creationId xmlns:a16="http://schemas.microsoft.com/office/drawing/2014/main" id="{0954FBAC-DF2F-1222-A1B5-5116D5ECB4AB}"/>
+          <p:cNvPr id="14" name="그림 13" descr="블랙, 어둠이(가) 표시된 사진&#10;&#10;자동 생성된 설명">
+            <a:extLst>
+              <a:ext uri="{FF2B5EF4-FFF2-40B4-BE49-F238E27FC236}">
+                <a16:creationId xmlns:a16="http://schemas.microsoft.com/office/drawing/2014/main" id="{532EB11F-400F-3B1C-9EB2-4CDC9CC08EFD}"/>
               </a:ext>
             </a:extLst>
           </p:cNvPr>
@@ -9007,8 +8571,8 @@
         </p:blipFill>
         <p:spPr>
           <a:xfrm>
-            <a:off x="3378231" y="1236154"/>
-            <a:ext cx="322335" cy="322335"/>
+            <a:off x="536716" y="1019847"/>
+            <a:ext cx="365930" cy="365930"/>
           </a:xfrm>
           <a:prstGeom prst="rect">
             <a:avLst/>
@@ -9017,10 +8581,10 @@
       </p:pic>
       <p:pic>
         <p:nvPicPr>
-          <p:cNvPr id="35" name="그림 34" descr="블랙, 어둠이(가) 표시된 사진&#10;&#10;자동 생성된 설명">
-            <a:extLst>
-              <a:ext uri="{FF2B5EF4-FFF2-40B4-BE49-F238E27FC236}">
-                <a16:creationId xmlns:a16="http://schemas.microsoft.com/office/drawing/2014/main" id="{CE256EC2-83C0-3B01-FECC-207AE45C2ECF}"/>
+          <p:cNvPr id="15" name="그림 14" descr="원, 그래픽, 스크린샷, 그래픽 디자인이(가) 표시된 사진&#10;&#10;자동 생성된 설명">
+            <a:extLst>
+              <a:ext uri="{FF2B5EF4-FFF2-40B4-BE49-F238E27FC236}">
+                <a16:creationId xmlns:a16="http://schemas.microsoft.com/office/drawing/2014/main" id="{0A6F3F54-6DD6-84F3-9962-15ABFCDE930C}"/>
               </a:ext>
             </a:extLst>
           </p:cNvPr>
@@ -9042,9 +8606,9 @@
           </a:stretch>
         </p:blipFill>
         <p:spPr>
-          <a:xfrm>
-            <a:off x="241492" y="1057546"/>
-            <a:ext cx="365930" cy="365930"/>
+          <a:xfrm rot="10800000">
+            <a:off x="1276324" y="1012423"/>
+            <a:ext cx="454569" cy="454569"/>
           </a:xfrm>
           <a:prstGeom prst="rect">
             <a:avLst/>
@@ -9053,10 +8617,10 @@
       </p:pic>
       <p:pic>
         <p:nvPicPr>
-          <p:cNvPr id="39" name="그림 38" descr="원, 그래픽, 스크린샷, 그래픽 디자인이(가) 표시된 사진&#10;&#10;자동 생성된 설명">
-            <a:extLst>
-              <a:ext uri="{FF2B5EF4-FFF2-40B4-BE49-F238E27FC236}">
-                <a16:creationId xmlns:a16="http://schemas.microsoft.com/office/drawing/2014/main" id="{F4E3D3E5-1F2A-334D-1BCE-826E965335AE}"/>
+          <p:cNvPr id="18" name="그림 17" descr="상징, 그래픽, 클립아트, 만화 영화이(가) 표시된 사진&#10;&#10;자동 생성된 설명">
+            <a:extLst>
+              <a:ext uri="{FF2B5EF4-FFF2-40B4-BE49-F238E27FC236}">
+                <a16:creationId xmlns:a16="http://schemas.microsoft.com/office/drawing/2014/main" id="{A6F3398D-E28D-4F92-4EF7-FD36FFF118CF}"/>
               </a:ext>
             </a:extLst>
           </p:cNvPr>
@@ -9078,21 +8642,72 @@
           </a:stretch>
         </p:blipFill>
         <p:spPr>
-          <a:xfrm rot="10800000">
-            <a:off x="1278430" y="1053269"/>
-            <a:ext cx="454569" cy="454569"/>
+          <a:xfrm rot="3204274" flipH="1">
+            <a:off x="2334853" y="1271776"/>
+            <a:ext cx="333541" cy="322335"/>
           </a:xfrm>
           <a:prstGeom prst="rect">
             <a:avLst/>
           </a:prstGeom>
         </p:spPr>
       </p:pic>
+      <p:sp>
+        <p:nvSpPr>
+          <p:cNvPr id="21" name="순서도: 처리 20">
+            <a:extLst>
+              <a:ext uri="{FF2B5EF4-FFF2-40B4-BE49-F238E27FC236}">
+                <a16:creationId xmlns:a16="http://schemas.microsoft.com/office/drawing/2014/main" id="{D0776421-EA12-CA0B-8CBF-AC4F19167B53}"/>
+              </a:ext>
+            </a:extLst>
+          </p:cNvPr>
+          <p:cNvSpPr/>
+          <p:nvPr/>
+        </p:nvSpPr>
+        <p:spPr>
+          <a:xfrm>
+            <a:off x="2934427" y="1035367"/>
+            <a:ext cx="720000" cy="408681"/>
+          </a:xfrm>
+          <a:prstGeom prst="flowChartProcess">
+            <a:avLst/>
+          </a:prstGeom>
+          <a:solidFill>
+            <a:schemeClr val="tx1">
+              <a:alpha val="47000"/>
+            </a:schemeClr>
+          </a:solidFill>
+        </p:spPr>
+        <p:style>
+          <a:lnRef idx="2">
+            <a:schemeClr val="accent1">
+              <a:shade val="15000"/>
+            </a:schemeClr>
+          </a:lnRef>
+          <a:fillRef idx="1">
+            <a:schemeClr val="accent1"/>
+          </a:fillRef>
+          <a:effectRef idx="0">
+            <a:schemeClr val="accent1"/>
+          </a:effectRef>
+          <a:fontRef idx="minor">
+            <a:schemeClr val="lt1"/>
+          </a:fontRef>
+        </p:style>
+        <p:txBody>
+          <a:bodyPr rtlCol="0" anchor="ctr"/>
+          <a:lstStyle/>
+          <a:p>
+            <a:pPr algn="ctr"/>
+            <a:endParaRPr lang="ko-KR" altLang="en-US" dirty="0"/>
+          </a:p>
+        </p:txBody>
+      </p:sp>
       <p:pic>
         <p:nvPicPr>
-          <p:cNvPr id="46" name="그림 45" descr="아동 미술, 그래픽, 만화 영화, 클립아트이(가) 표시된 사진&#10;&#10;자동 생성된 설명">
-            <a:extLst>
-              <a:ext uri="{FF2B5EF4-FFF2-40B4-BE49-F238E27FC236}">
-                <a16:creationId xmlns:a16="http://schemas.microsoft.com/office/drawing/2014/main" id="{91DAFD87-8DC2-32D1-A44D-5A3926DCE81A}"/>
+          <p:cNvPr id="23" name="그림 22" descr="아동 미술, 그래픽, 만화 영화, 클립아트이(가) 표시된 사진&#10;&#10;자동 생성된 설명">
+            <a:extLst>
+              <a:ext uri="{FF2B5EF4-FFF2-40B4-BE49-F238E27FC236}">
+                <a16:creationId xmlns:a16="http://schemas.microsoft.com/office/drawing/2014/main" id="{E936BE72-6FC4-A598-1573-727655136AB8}"/>
               </a:ext>
             </a:extLst>
           </p:cNvPr>
@@ -9115,7 +8730,7 @@
         </p:blipFill>
         <p:spPr>
           <a:xfrm rot="5400000">
-            <a:off x="2445519" y="1121029"/>
+            <a:off x="3130194" y="1081466"/>
             <a:ext cx="334720" cy="334720"/>
           </a:xfrm>
           <a:prstGeom prst="rect">
@@ -9123,10 +8738,997 @@
           </a:prstGeom>
         </p:spPr>
       </p:pic>
+      <p:sp>
+        <p:nvSpPr>
+          <p:cNvPr id="25" name="타원 24">
+            <a:extLst>
+              <a:ext uri="{FF2B5EF4-FFF2-40B4-BE49-F238E27FC236}">
+                <a16:creationId xmlns:a16="http://schemas.microsoft.com/office/drawing/2014/main" id="{C912B8B6-400C-B8A3-4B3E-98C2478F1DC7}"/>
+              </a:ext>
+            </a:extLst>
+          </p:cNvPr>
+          <p:cNvSpPr/>
+          <p:nvPr/>
+        </p:nvSpPr>
+        <p:spPr>
+          <a:xfrm>
+            <a:off x="338969" y="1164986"/>
+            <a:ext cx="134344" cy="141649"/>
+          </a:xfrm>
+          <a:prstGeom prst="ellipse">
+            <a:avLst/>
+          </a:prstGeom>
+          <a:solidFill>
+            <a:schemeClr val="dk1">
+              <a:alpha val="50000"/>
+            </a:schemeClr>
+          </a:solidFill>
+          <a:ln>
+            <a:noFill/>
+          </a:ln>
+        </p:spPr>
+        <p:style>
+          <a:lnRef idx="0">
+            <a:scrgbClr r="0" g="0" b="0"/>
+          </a:lnRef>
+          <a:fillRef idx="0">
+            <a:scrgbClr r="0" g="0" b="0"/>
+          </a:fillRef>
+          <a:effectRef idx="0">
+            <a:scrgbClr r="0" g="0" b="0"/>
+          </a:effectRef>
+          <a:fontRef idx="minor">
+            <a:schemeClr val="lt1"/>
+          </a:fontRef>
+        </p:style>
+        <p:txBody>
+          <a:bodyPr rtlCol="0" anchor="ctr"/>
+          <a:lstStyle/>
+          <a:p>
+            <a:pPr algn="ctr"/>
+            <a:endParaRPr lang="ko-KR" altLang="en-US"/>
+          </a:p>
+        </p:txBody>
+      </p:sp>
+      <p:sp>
+        <p:nvSpPr>
+          <p:cNvPr id="27" name="직사각형 26">
+            <a:extLst>
+              <a:ext uri="{FF2B5EF4-FFF2-40B4-BE49-F238E27FC236}">
+                <a16:creationId xmlns:a16="http://schemas.microsoft.com/office/drawing/2014/main" id="{470F1D20-6264-BE6A-E126-F213329C3F5D}"/>
+              </a:ext>
+            </a:extLst>
+          </p:cNvPr>
+          <p:cNvSpPr/>
+          <p:nvPr/>
+        </p:nvSpPr>
+        <p:spPr>
+          <a:xfrm>
+            <a:off x="1774701" y="695468"/>
+            <a:ext cx="126000" cy="162000"/>
+          </a:xfrm>
+          <a:prstGeom prst="rect">
+            <a:avLst/>
+          </a:prstGeom>
+          <a:solidFill>
+            <a:schemeClr val="accent2">
+              <a:lumMod val="50000"/>
+            </a:schemeClr>
+          </a:solidFill>
+        </p:spPr>
+        <p:style>
+          <a:lnRef idx="2">
+            <a:schemeClr val="accent1">
+              <a:shade val="15000"/>
+            </a:schemeClr>
+          </a:lnRef>
+          <a:fillRef idx="1">
+            <a:schemeClr val="accent1"/>
+          </a:fillRef>
+          <a:effectRef idx="0">
+            <a:schemeClr val="accent1"/>
+          </a:effectRef>
+          <a:fontRef idx="minor">
+            <a:schemeClr val="lt1"/>
+          </a:fontRef>
+        </p:style>
+        <p:txBody>
+          <a:bodyPr rtlCol="0" anchor="ctr"/>
+          <a:lstStyle/>
+          <a:p>
+            <a:pPr algn="ctr"/>
+            <a:endParaRPr lang="ko-KR" altLang="en-US" dirty="0"/>
+          </a:p>
+        </p:txBody>
+      </p:sp>
+      <p:sp>
+        <p:nvSpPr>
+          <p:cNvPr id="28" name="직사각형 27">
+            <a:extLst>
+              <a:ext uri="{FF2B5EF4-FFF2-40B4-BE49-F238E27FC236}">
+                <a16:creationId xmlns:a16="http://schemas.microsoft.com/office/drawing/2014/main" id="{D9C5D2FD-E084-D12E-EE46-B748FBC93254}"/>
+              </a:ext>
+            </a:extLst>
+          </p:cNvPr>
+          <p:cNvSpPr/>
+          <p:nvPr/>
+        </p:nvSpPr>
+        <p:spPr>
+          <a:xfrm>
+            <a:off x="2759062" y="707062"/>
+            <a:ext cx="126000" cy="162000"/>
+          </a:xfrm>
+          <a:prstGeom prst="rect">
+            <a:avLst/>
+          </a:prstGeom>
+          <a:solidFill>
+            <a:schemeClr val="accent2">
+              <a:lumMod val="50000"/>
+            </a:schemeClr>
+          </a:solidFill>
+        </p:spPr>
+        <p:style>
+          <a:lnRef idx="2">
+            <a:schemeClr val="accent1">
+              <a:shade val="15000"/>
+            </a:schemeClr>
+          </a:lnRef>
+          <a:fillRef idx="1">
+            <a:schemeClr val="accent1"/>
+          </a:fillRef>
+          <a:effectRef idx="0">
+            <a:schemeClr val="accent1"/>
+          </a:effectRef>
+          <a:fontRef idx="minor">
+            <a:schemeClr val="lt1"/>
+          </a:fontRef>
+        </p:style>
+        <p:txBody>
+          <a:bodyPr rtlCol="0" anchor="ctr"/>
+          <a:lstStyle/>
+          <a:p>
+            <a:pPr algn="ctr"/>
+            <a:endParaRPr lang="ko-KR" altLang="en-US" dirty="0"/>
+          </a:p>
+        </p:txBody>
+      </p:sp>
+      <p:sp>
+        <p:nvSpPr>
+          <p:cNvPr id="30" name="직사각형 29">
+            <a:extLst>
+              <a:ext uri="{FF2B5EF4-FFF2-40B4-BE49-F238E27FC236}">
+                <a16:creationId xmlns:a16="http://schemas.microsoft.com/office/drawing/2014/main" id="{94F34051-B00F-180A-01ED-07966396CE4F}"/>
+              </a:ext>
+            </a:extLst>
+          </p:cNvPr>
+          <p:cNvSpPr/>
+          <p:nvPr/>
+        </p:nvSpPr>
+        <p:spPr>
+          <a:xfrm>
+            <a:off x="3728902" y="704584"/>
+            <a:ext cx="126000" cy="162000"/>
+          </a:xfrm>
+          <a:prstGeom prst="rect">
+            <a:avLst/>
+          </a:prstGeom>
+          <a:solidFill>
+            <a:schemeClr val="accent2">
+              <a:lumMod val="50000"/>
+            </a:schemeClr>
+          </a:solidFill>
+        </p:spPr>
+        <p:style>
+          <a:lnRef idx="2">
+            <a:schemeClr val="accent1">
+              <a:shade val="15000"/>
+            </a:schemeClr>
+          </a:lnRef>
+          <a:fillRef idx="1">
+            <a:schemeClr val="accent1"/>
+          </a:fillRef>
+          <a:effectRef idx="0">
+            <a:schemeClr val="accent1"/>
+          </a:effectRef>
+          <a:fontRef idx="minor">
+            <a:schemeClr val="lt1"/>
+          </a:fontRef>
+        </p:style>
+        <p:txBody>
+          <a:bodyPr rtlCol="0" anchor="ctr"/>
+          <a:lstStyle/>
+          <a:p>
+            <a:pPr algn="ctr"/>
+            <a:endParaRPr lang="ko-KR" altLang="en-US" dirty="0"/>
+          </a:p>
+        </p:txBody>
+      </p:sp>
+      <p:sp>
+        <p:nvSpPr>
+          <p:cNvPr id="31" name="직사각형 30">
+            <a:extLst>
+              <a:ext uri="{FF2B5EF4-FFF2-40B4-BE49-F238E27FC236}">
+                <a16:creationId xmlns:a16="http://schemas.microsoft.com/office/drawing/2014/main" id="{369E0273-5093-5FC4-6F38-B3A138457F4B}"/>
+              </a:ext>
+            </a:extLst>
+          </p:cNvPr>
+          <p:cNvSpPr/>
+          <p:nvPr/>
+        </p:nvSpPr>
+        <p:spPr>
+          <a:xfrm>
+            <a:off x="311511" y="960072"/>
+            <a:ext cx="482662" cy="61554"/>
+          </a:xfrm>
+          <a:prstGeom prst="rect">
+            <a:avLst/>
+          </a:prstGeom>
+        </p:spPr>
+        <p:style>
+          <a:lnRef idx="2">
+            <a:schemeClr val="accent3">
+              <a:shade val="15000"/>
+            </a:schemeClr>
+          </a:lnRef>
+          <a:fillRef idx="1">
+            <a:schemeClr val="accent3"/>
+          </a:fillRef>
+          <a:effectRef idx="0">
+            <a:schemeClr val="accent3"/>
+          </a:effectRef>
+          <a:fontRef idx="minor">
+            <a:schemeClr val="lt1"/>
+          </a:fontRef>
+        </p:style>
+        <p:txBody>
+          <a:bodyPr rtlCol="0" anchor="ctr"/>
+          <a:lstStyle/>
+          <a:p>
+            <a:pPr algn="ctr"/>
+            <a:endParaRPr lang="ko-KR" altLang="en-US"/>
+          </a:p>
+        </p:txBody>
+      </p:sp>
+      <p:sp>
+        <p:nvSpPr>
+          <p:cNvPr id="32" name="직사각형 31">
+            <a:extLst>
+              <a:ext uri="{FF2B5EF4-FFF2-40B4-BE49-F238E27FC236}">
+                <a16:creationId xmlns:a16="http://schemas.microsoft.com/office/drawing/2014/main" id="{F6B6DE1C-4858-6508-C77D-48ADA727FD37}"/>
+              </a:ext>
+            </a:extLst>
+          </p:cNvPr>
+          <p:cNvSpPr/>
+          <p:nvPr/>
+        </p:nvSpPr>
+        <p:spPr>
+          <a:xfrm>
+            <a:off x="861902" y="965501"/>
+            <a:ext cx="942384" cy="61554"/>
+          </a:xfrm>
+          <a:prstGeom prst="rect">
+            <a:avLst/>
+          </a:prstGeom>
+        </p:spPr>
+        <p:style>
+          <a:lnRef idx="2">
+            <a:schemeClr val="accent3">
+              <a:shade val="15000"/>
+            </a:schemeClr>
+          </a:lnRef>
+          <a:fillRef idx="1">
+            <a:schemeClr val="accent3"/>
+          </a:fillRef>
+          <a:effectRef idx="0">
+            <a:schemeClr val="accent3"/>
+          </a:effectRef>
+          <a:fontRef idx="minor">
+            <a:schemeClr val="lt1"/>
+          </a:fontRef>
+        </p:style>
+        <p:txBody>
+          <a:bodyPr rtlCol="0" anchor="ctr"/>
+          <a:lstStyle/>
+          <a:p>
+            <a:pPr algn="ctr"/>
+            <a:endParaRPr lang="ko-KR" altLang="en-US"/>
+          </a:p>
+        </p:txBody>
+      </p:sp>
+      <p:sp>
+        <p:nvSpPr>
+          <p:cNvPr id="33" name="직사각형 32">
+            <a:extLst>
+              <a:ext uri="{FF2B5EF4-FFF2-40B4-BE49-F238E27FC236}">
+                <a16:creationId xmlns:a16="http://schemas.microsoft.com/office/drawing/2014/main" id="{AB5DA8CF-7D28-186C-4B86-A61F85E9E0D6}"/>
+              </a:ext>
+            </a:extLst>
+          </p:cNvPr>
+          <p:cNvSpPr/>
+          <p:nvPr/>
+        </p:nvSpPr>
+        <p:spPr>
+          <a:xfrm>
+            <a:off x="795362" y="867542"/>
+            <a:ext cx="67172" cy="96938"/>
+          </a:xfrm>
+          <a:prstGeom prst="rect">
+            <a:avLst/>
+          </a:prstGeom>
+        </p:spPr>
+        <p:style>
+          <a:lnRef idx="2">
+            <a:schemeClr val="accent3">
+              <a:shade val="15000"/>
+            </a:schemeClr>
+          </a:lnRef>
+          <a:fillRef idx="1">
+            <a:schemeClr val="accent3"/>
+          </a:fillRef>
+          <a:effectRef idx="0">
+            <a:schemeClr val="accent3"/>
+          </a:effectRef>
+          <a:fontRef idx="minor">
+            <a:schemeClr val="lt1"/>
+          </a:fontRef>
+        </p:style>
+        <p:txBody>
+          <a:bodyPr rtlCol="0" anchor="ctr"/>
+          <a:lstStyle/>
+          <a:p>
+            <a:pPr algn="ctr"/>
+            <a:endParaRPr lang="ko-KR" altLang="en-US"/>
+          </a:p>
+        </p:txBody>
+      </p:sp>
+      <p:sp>
+        <p:nvSpPr>
+          <p:cNvPr id="11" name="직사각형 10">
+            <a:extLst>
+              <a:ext uri="{FF2B5EF4-FFF2-40B4-BE49-F238E27FC236}">
+                <a16:creationId xmlns:a16="http://schemas.microsoft.com/office/drawing/2014/main" id="{5565CD82-6893-B1B4-0905-345A0908C3B6}"/>
+              </a:ext>
+            </a:extLst>
+          </p:cNvPr>
+          <p:cNvSpPr/>
+          <p:nvPr/>
+        </p:nvSpPr>
+        <p:spPr>
+          <a:xfrm rot="10800000">
+            <a:off x="888804" y="965936"/>
+            <a:ext cx="90000" cy="162000"/>
+          </a:xfrm>
+          <a:prstGeom prst="rect">
+            <a:avLst/>
+          </a:prstGeom>
+        </p:spPr>
+        <p:style>
+          <a:lnRef idx="2">
+            <a:schemeClr val="dk1">
+              <a:shade val="15000"/>
+            </a:schemeClr>
+          </a:lnRef>
+          <a:fillRef idx="1">
+            <a:schemeClr val="dk1"/>
+          </a:fillRef>
+          <a:effectRef idx="0">
+            <a:schemeClr val="dk1"/>
+          </a:effectRef>
+          <a:fontRef idx="minor">
+            <a:schemeClr val="lt1"/>
+          </a:fontRef>
+        </p:style>
+        <p:txBody>
+          <a:bodyPr rtlCol="0" anchor="ctr"/>
+          <a:lstStyle/>
+          <a:p>
+            <a:pPr algn="ctr"/>
+            <a:endParaRPr lang="ko-KR" altLang="en-US" dirty="0"/>
+          </a:p>
+        </p:txBody>
+      </p:sp>
+      <p:sp>
+        <p:nvSpPr>
+          <p:cNvPr id="34" name="직사각형 33">
+            <a:extLst>
+              <a:ext uri="{FF2B5EF4-FFF2-40B4-BE49-F238E27FC236}">
+                <a16:creationId xmlns:a16="http://schemas.microsoft.com/office/drawing/2014/main" id="{A1E7439F-7EDB-01D8-7EFA-02EF1DAD167C}"/>
+              </a:ext>
+            </a:extLst>
+          </p:cNvPr>
+          <p:cNvSpPr/>
+          <p:nvPr/>
+        </p:nvSpPr>
+        <p:spPr>
+          <a:xfrm>
+            <a:off x="1804286" y="857468"/>
+            <a:ext cx="67172" cy="96938"/>
+          </a:xfrm>
+          <a:prstGeom prst="rect">
+            <a:avLst/>
+          </a:prstGeom>
+        </p:spPr>
+        <p:style>
+          <a:lnRef idx="2">
+            <a:schemeClr val="accent3">
+              <a:shade val="15000"/>
+            </a:schemeClr>
+          </a:lnRef>
+          <a:fillRef idx="1">
+            <a:schemeClr val="accent3"/>
+          </a:fillRef>
+          <a:effectRef idx="0">
+            <a:schemeClr val="accent3"/>
+          </a:effectRef>
+          <a:fontRef idx="minor">
+            <a:schemeClr val="lt1"/>
+          </a:fontRef>
+        </p:style>
+        <p:txBody>
+          <a:bodyPr rtlCol="0" anchor="ctr"/>
+          <a:lstStyle/>
+          <a:p>
+            <a:pPr algn="ctr"/>
+            <a:endParaRPr lang="ko-KR" altLang="en-US"/>
+          </a:p>
+        </p:txBody>
+      </p:sp>
+      <p:sp>
+        <p:nvSpPr>
+          <p:cNvPr id="35" name="직사각형 34">
+            <a:extLst>
+              <a:ext uri="{FF2B5EF4-FFF2-40B4-BE49-F238E27FC236}">
+                <a16:creationId xmlns:a16="http://schemas.microsoft.com/office/drawing/2014/main" id="{BAC1E209-6112-6EF1-B5F2-11A2E91FD697}"/>
+              </a:ext>
+            </a:extLst>
+          </p:cNvPr>
+          <p:cNvSpPr/>
+          <p:nvPr/>
+        </p:nvSpPr>
+        <p:spPr>
+          <a:xfrm>
+            <a:off x="1871818" y="963437"/>
+            <a:ext cx="907330" cy="61554"/>
+          </a:xfrm>
+          <a:prstGeom prst="rect">
+            <a:avLst/>
+          </a:prstGeom>
+        </p:spPr>
+        <p:style>
+          <a:lnRef idx="2">
+            <a:schemeClr val="accent3">
+              <a:shade val="15000"/>
+            </a:schemeClr>
+          </a:lnRef>
+          <a:fillRef idx="1">
+            <a:schemeClr val="accent3"/>
+          </a:fillRef>
+          <a:effectRef idx="0">
+            <a:schemeClr val="accent3"/>
+          </a:effectRef>
+          <a:fontRef idx="minor">
+            <a:schemeClr val="lt1"/>
+          </a:fontRef>
+        </p:style>
+        <p:txBody>
+          <a:bodyPr rtlCol="0" anchor="ctr"/>
+          <a:lstStyle/>
+          <a:p>
+            <a:pPr algn="ctr"/>
+            <a:endParaRPr lang="ko-KR" altLang="en-US"/>
+          </a:p>
+        </p:txBody>
+      </p:sp>
+      <p:sp>
+        <p:nvSpPr>
+          <p:cNvPr id="50" name="직사각형 49">
+            <a:extLst>
+              <a:ext uri="{FF2B5EF4-FFF2-40B4-BE49-F238E27FC236}">
+                <a16:creationId xmlns:a16="http://schemas.microsoft.com/office/drawing/2014/main" id="{8F4C75B3-863B-EE9E-C768-90867C587B83}"/>
+              </a:ext>
+            </a:extLst>
+          </p:cNvPr>
+          <p:cNvSpPr/>
+          <p:nvPr/>
+        </p:nvSpPr>
+        <p:spPr>
+          <a:xfrm rot="10800000">
+            <a:off x="1905225" y="957959"/>
+            <a:ext cx="90000" cy="162000"/>
+          </a:xfrm>
+          <a:prstGeom prst="rect">
+            <a:avLst/>
+          </a:prstGeom>
+        </p:spPr>
+        <p:style>
+          <a:lnRef idx="2">
+            <a:schemeClr val="dk1">
+              <a:shade val="15000"/>
+            </a:schemeClr>
+          </a:lnRef>
+          <a:fillRef idx="1">
+            <a:schemeClr val="dk1"/>
+          </a:fillRef>
+          <a:effectRef idx="0">
+            <a:schemeClr val="dk1"/>
+          </a:effectRef>
+          <a:fontRef idx="minor">
+            <a:schemeClr val="lt1"/>
+          </a:fontRef>
+        </p:style>
+        <p:txBody>
+          <a:bodyPr rtlCol="0" anchor="ctr"/>
+          <a:lstStyle/>
+          <a:p>
+            <a:pPr algn="ctr"/>
+            <a:endParaRPr lang="ko-KR" altLang="en-US" dirty="0"/>
+          </a:p>
+        </p:txBody>
+      </p:sp>
+      <p:sp>
+        <p:nvSpPr>
+          <p:cNvPr id="70" name="직사각형 69">
+            <a:extLst>
+              <a:ext uri="{FF2B5EF4-FFF2-40B4-BE49-F238E27FC236}">
+                <a16:creationId xmlns:a16="http://schemas.microsoft.com/office/drawing/2014/main" id="{61826E22-F307-8992-9779-1029D8AEC8CA}"/>
+              </a:ext>
+            </a:extLst>
+          </p:cNvPr>
+          <p:cNvSpPr/>
+          <p:nvPr/>
+        </p:nvSpPr>
+        <p:spPr>
+          <a:xfrm rot="10800000">
+            <a:off x="2649786" y="957959"/>
+            <a:ext cx="90000" cy="162000"/>
+          </a:xfrm>
+          <a:prstGeom prst="rect">
+            <a:avLst/>
+          </a:prstGeom>
+        </p:spPr>
+        <p:style>
+          <a:lnRef idx="2">
+            <a:schemeClr val="dk1">
+              <a:shade val="15000"/>
+            </a:schemeClr>
+          </a:lnRef>
+          <a:fillRef idx="1">
+            <a:schemeClr val="dk1"/>
+          </a:fillRef>
+          <a:effectRef idx="0">
+            <a:schemeClr val="dk1"/>
+          </a:effectRef>
+          <a:fontRef idx="minor">
+            <a:schemeClr val="lt1"/>
+          </a:fontRef>
+        </p:style>
+        <p:txBody>
+          <a:bodyPr rtlCol="0" anchor="ctr"/>
+          <a:lstStyle/>
+          <a:p>
+            <a:pPr algn="ctr"/>
+            <a:endParaRPr lang="ko-KR" altLang="en-US" dirty="0"/>
+          </a:p>
+        </p:txBody>
+      </p:sp>
+      <p:sp>
+        <p:nvSpPr>
+          <p:cNvPr id="37" name="직사각형 36">
+            <a:extLst>
+              <a:ext uri="{FF2B5EF4-FFF2-40B4-BE49-F238E27FC236}">
+                <a16:creationId xmlns:a16="http://schemas.microsoft.com/office/drawing/2014/main" id="{67BE28DB-4392-251F-2438-DA747C921559}"/>
+              </a:ext>
+            </a:extLst>
+          </p:cNvPr>
+          <p:cNvSpPr/>
+          <p:nvPr/>
+        </p:nvSpPr>
+        <p:spPr>
+          <a:xfrm>
+            <a:off x="2785428" y="867542"/>
+            <a:ext cx="67172" cy="96938"/>
+          </a:xfrm>
+          <a:prstGeom prst="rect">
+            <a:avLst/>
+          </a:prstGeom>
+        </p:spPr>
+        <p:style>
+          <a:lnRef idx="2">
+            <a:schemeClr val="accent3">
+              <a:shade val="15000"/>
+            </a:schemeClr>
+          </a:lnRef>
+          <a:fillRef idx="1">
+            <a:schemeClr val="accent3"/>
+          </a:fillRef>
+          <a:effectRef idx="0">
+            <a:schemeClr val="accent3"/>
+          </a:effectRef>
+          <a:fontRef idx="minor">
+            <a:schemeClr val="lt1"/>
+          </a:fontRef>
+        </p:style>
+        <p:txBody>
+          <a:bodyPr rtlCol="0" anchor="ctr"/>
+          <a:lstStyle/>
+          <a:p>
+            <a:pPr algn="ctr"/>
+            <a:endParaRPr lang="ko-KR" altLang="en-US"/>
+          </a:p>
+        </p:txBody>
+      </p:sp>
+      <p:sp>
+        <p:nvSpPr>
+          <p:cNvPr id="41" name="직사각형 40">
+            <a:extLst>
+              <a:ext uri="{FF2B5EF4-FFF2-40B4-BE49-F238E27FC236}">
+                <a16:creationId xmlns:a16="http://schemas.microsoft.com/office/drawing/2014/main" id="{9B288EE0-EF1B-B9DF-76F0-494E3DE43F62}"/>
+              </a:ext>
+            </a:extLst>
+          </p:cNvPr>
+          <p:cNvSpPr/>
+          <p:nvPr/>
+        </p:nvSpPr>
+        <p:spPr>
+          <a:xfrm>
+            <a:off x="2853451" y="967047"/>
+            <a:ext cx="907330" cy="61554"/>
+          </a:xfrm>
+          <a:prstGeom prst="rect">
+            <a:avLst/>
+          </a:prstGeom>
+        </p:spPr>
+        <p:style>
+          <a:lnRef idx="2">
+            <a:schemeClr val="accent3">
+              <a:shade val="15000"/>
+            </a:schemeClr>
+          </a:lnRef>
+          <a:fillRef idx="1">
+            <a:schemeClr val="accent3"/>
+          </a:fillRef>
+          <a:effectRef idx="0">
+            <a:schemeClr val="accent3"/>
+          </a:effectRef>
+          <a:fontRef idx="minor">
+            <a:schemeClr val="lt1"/>
+          </a:fontRef>
+        </p:style>
+        <p:txBody>
+          <a:bodyPr rtlCol="0" anchor="ctr"/>
+          <a:lstStyle/>
+          <a:p>
+            <a:pPr algn="ctr"/>
+            <a:endParaRPr lang="ko-KR" altLang="en-US"/>
+          </a:p>
+        </p:txBody>
+      </p:sp>
+      <p:sp>
+        <p:nvSpPr>
+          <p:cNvPr id="63" name="직사각형 62">
+            <a:extLst>
+              <a:ext uri="{FF2B5EF4-FFF2-40B4-BE49-F238E27FC236}">
+                <a16:creationId xmlns:a16="http://schemas.microsoft.com/office/drawing/2014/main" id="{0FA44C52-7C1E-4C68-F885-791DDC02C5DF}"/>
+              </a:ext>
+            </a:extLst>
+          </p:cNvPr>
+          <p:cNvSpPr/>
+          <p:nvPr/>
+        </p:nvSpPr>
+        <p:spPr>
+          <a:xfrm rot="10800000">
+            <a:off x="3664954" y="960170"/>
+            <a:ext cx="90000" cy="162000"/>
+          </a:xfrm>
+          <a:prstGeom prst="rect">
+            <a:avLst/>
+          </a:prstGeom>
+        </p:spPr>
+        <p:style>
+          <a:lnRef idx="2">
+            <a:schemeClr val="dk1">
+              <a:shade val="15000"/>
+            </a:schemeClr>
+          </a:lnRef>
+          <a:fillRef idx="1">
+            <a:schemeClr val="dk1"/>
+          </a:fillRef>
+          <a:effectRef idx="0">
+            <a:schemeClr val="dk1"/>
+          </a:effectRef>
+          <a:fontRef idx="minor">
+            <a:schemeClr val="lt1"/>
+          </a:fontRef>
+        </p:style>
+        <p:txBody>
+          <a:bodyPr rtlCol="0" anchor="ctr"/>
+          <a:lstStyle/>
+          <a:p>
+            <a:pPr algn="ctr"/>
+            <a:endParaRPr lang="ko-KR" altLang="en-US" dirty="0"/>
+          </a:p>
+        </p:txBody>
+      </p:sp>
+      <p:sp>
+        <p:nvSpPr>
+          <p:cNvPr id="42" name="직사각형 41">
+            <a:extLst>
+              <a:ext uri="{FF2B5EF4-FFF2-40B4-BE49-F238E27FC236}">
+                <a16:creationId xmlns:a16="http://schemas.microsoft.com/office/drawing/2014/main" id="{2AEA65FF-FB74-779A-B965-E78A51511A6D}"/>
+              </a:ext>
+            </a:extLst>
+          </p:cNvPr>
+          <p:cNvSpPr/>
+          <p:nvPr/>
+        </p:nvSpPr>
+        <p:spPr>
+          <a:xfrm>
+            <a:off x="3753277" y="871773"/>
+            <a:ext cx="67172" cy="250153"/>
+          </a:xfrm>
+          <a:prstGeom prst="rect">
+            <a:avLst/>
+          </a:prstGeom>
+        </p:spPr>
+        <p:style>
+          <a:lnRef idx="2">
+            <a:schemeClr val="accent3">
+              <a:shade val="15000"/>
+            </a:schemeClr>
+          </a:lnRef>
+          <a:fillRef idx="1">
+            <a:schemeClr val="accent3"/>
+          </a:fillRef>
+          <a:effectRef idx="0">
+            <a:schemeClr val="accent3"/>
+          </a:effectRef>
+          <a:fontRef idx="minor">
+            <a:schemeClr val="lt1"/>
+          </a:fontRef>
+        </p:style>
+        <p:txBody>
+          <a:bodyPr rtlCol="0" anchor="ctr"/>
+          <a:lstStyle/>
+          <a:p>
+            <a:pPr algn="ctr"/>
+            <a:endParaRPr lang="ko-KR" altLang="en-US"/>
+          </a:p>
+        </p:txBody>
+      </p:sp>
+      <p:sp>
+        <p:nvSpPr>
+          <p:cNvPr id="69" name="직사각형 68">
+            <a:extLst>
+              <a:ext uri="{FF2B5EF4-FFF2-40B4-BE49-F238E27FC236}">
+                <a16:creationId xmlns:a16="http://schemas.microsoft.com/office/drawing/2014/main" id="{BDEFD465-FF01-4347-9A03-FE7C4E106295}"/>
+              </a:ext>
+            </a:extLst>
+          </p:cNvPr>
+          <p:cNvSpPr/>
+          <p:nvPr/>
+        </p:nvSpPr>
+        <p:spPr>
+          <a:xfrm>
+            <a:off x="794174" y="144717"/>
+            <a:ext cx="3276540" cy="61554"/>
+          </a:xfrm>
+          <a:prstGeom prst="rect">
+            <a:avLst/>
+          </a:prstGeom>
+        </p:spPr>
+        <p:style>
+          <a:lnRef idx="2">
+            <a:schemeClr val="accent3">
+              <a:shade val="15000"/>
+            </a:schemeClr>
+          </a:lnRef>
+          <a:fillRef idx="1">
+            <a:schemeClr val="accent3"/>
+          </a:fillRef>
+          <a:effectRef idx="0">
+            <a:schemeClr val="accent3"/>
+          </a:effectRef>
+          <a:fontRef idx="minor">
+            <a:schemeClr val="lt1"/>
+          </a:fontRef>
+        </p:style>
+        <p:txBody>
+          <a:bodyPr rtlCol="0" anchor="ctr"/>
+          <a:lstStyle/>
+          <a:p>
+            <a:pPr algn="ctr"/>
+            <a:endParaRPr lang="ko-KR" altLang="en-US"/>
+          </a:p>
+        </p:txBody>
+      </p:sp>
+      <p:sp>
+        <p:nvSpPr>
+          <p:cNvPr id="75" name="직사각형 74">
+            <a:extLst>
+              <a:ext uri="{FF2B5EF4-FFF2-40B4-BE49-F238E27FC236}">
+                <a16:creationId xmlns:a16="http://schemas.microsoft.com/office/drawing/2014/main" id="{B1096E81-5EFE-AC1D-1FC3-3A64A95EB8BD}"/>
+              </a:ext>
+            </a:extLst>
+          </p:cNvPr>
+          <p:cNvSpPr/>
+          <p:nvPr/>
+        </p:nvSpPr>
+        <p:spPr>
+          <a:xfrm>
+            <a:off x="796395" y="218250"/>
+            <a:ext cx="67172" cy="274462"/>
+          </a:xfrm>
+          <a:prstGeom prst="rect">
+            <a:avLst/>
+          </a:prstGeom>
+        </p:spPr>
+        <p:style>
+          <a:lnRef idx="2">
+            <a:schemeClr val="accent3">
+              <a:shade val="15000"/>
+            </a:schemeClr>
+          </a:lnRef>
+          <a:fillRef idx="1">
+            <a:schemeClr val="accent3"/>
+          </a:fillRef>
+          <a:effectRef idx="0">
+            <a:schemeClr val="accent3"/>
+          </a:effectRef>
+          <a:fontRef idx="minor">
+            <a:schemeClr val="lt1"/>
+          </a:fontRef>
+        </p:style>
+        <p:txBody>
+          <a:bodyPr rtlCol="0" anchor="ctr"/>
+          <a:lstStyle/>
+          <a:p>
+            <a:pPr algn="ctr"/>
+            <a:endParaRPr lang="ko-KR" altLang="en-US"/>
+          </a:p>
+        </p:txBody>
+      </p:sp>
+      <p:sp>
+        <p:nvSpPr>
+          <p:cNvPr id="77" name="직사각형 76">
+            <a:extLst>
+              <a:ext uri="{FF2B5EF4-FFF2-40B4-BE49-F238E27FC236}">
+                <a16:creationId xmlns:a16="http://schemas.microsoft.com/office/drawing/2014/main" id="{85CF2E47-75D2-E6CA-5289-2E3737D61380}"/>
+              </a:ext>
+            </a:extLst>
+          </p:cNvPr>
+          <p:cNvSpPr/>
+          <p:nvPr/>
+        </p:nvSpPr>
+        <p:spPr>
+          <a:xfrm>
+            <a:off x="1804396" y="213598"/>
+            <a:ext cx="67172" cy="274462"/>
+          </a:xfrm>
+          <a:prstGeom prst="rect">
+            <a:avLst/>
+          </a:prstGeom>
+        </p:spPr>
+        <p:style>
+          <a:lnRef idx="2">
+            <a:schemeClr val="accent3">
+              <a:shade val="15000"/>
+            </a:schemeClr>
+          </a:lnRef>
+          <a:fillRef idx="1">
+            <a:schemeClr val="accent3"/>
+          </a:fillRef>
+          <a:effectRef idx="0">
+            <a:schemeClr val="accent3"/>
+          </a:effectRef>
+          <a:fontRef idx="minor">
+            <a:schemeClr val="lt1"/>
+          </a:fontRef>
+        </p:style>
+        <p:txBody>
+          <a:bodyPr rtlCol="0" anchor="ctr"/>
+          <a:lstStyle/>
+          <a:p>
+            <a:pPr algn="ctr"/>
+            <a:endParaRPr lang="ko-KR" altLang="en-US"/>
+          </a:p>
+        </p:txBody>
+      </p:sp>
+      <p:sp>
+        <p:nvSpPr>
+          <p:cNvPr id="79" name="직사각형 78">
+            <a:extLst>
+              <a:ext uri="{FF2B5EF4-FFF2-40B4-BE49-F238E27FC236}">
+                <a16:creationId xmlns:a16="http://schemas.microsoft.com/office/drawing/2014/main" id="{DE2C3375-BD65-3B2C-124B-7891B5E52043}"/>
+              </a:ext>
+            </a:extLst>
+          </p:cNvPr>
+          <p:cNvSpPr/>
+          <p:nvPr/>
+        </p:nvSpPr>
+        <p:spPr>
+          <a:xfrm>
+            <a:off x="2781229" y="217167"/>
+            <a:ext cx="67172" cy="274462"/>
+          </a:xfrm>
+          <a:prstGeom prst="rect">
+            <a:avLst/>
+          </a:prstGeom>
+        </p:spPr>
+        <p:style>
+          <a:lnRef idx="2">
+            <a:schemeClr val="accent3">
+              <a:shade val="15000"/>
+            </a:schemeClr>
+          </a:lnRef>
+          <a:fillRef idx="1">
+            <a:schemeClr val="accent3"/>
+          </a:fillRef>
+          <a:effectRef idx="0">
+            <a:schemeClr val="accent3"/>
+          </a:effectRef>
+          <a:fontRef idx="minor">
+            <a:schemeClr val="lt1"/>
+          </a:fontRef>
+        </p:style>
+        <p:txBody>
+          <a:bodyPr rtlCol="0" anchor="ctr"/>
+          <a:lstStyle/>
+          <a:p>
+            <a:pPr algn="ctr"/>
+            <a:endParaRPr lang="ko-KR" altLang="en-US"/>
+          </a:p>
+        </p:txBody>
+      </p:sp>
+      <p:sp>
+        <p:nvSpPr>
+          <p:cNvPr id="82" name="직사각형 81">
+            <a:extLst>
+              <a:ext uri="{FF2B5EF4-FFF2-40B4-BE49-F238E27FC236}">
+                <a16:creationId xmlns:a16="http://schemas.microsoft.com/office/drawing/2014/main" id="{1EC77CF0-0A71-A160-3E42-864DF42C3582}"/>
+              </a:ext>
+            </a:extLst>
+          </p:cNvPr>
+          <p:cNvSpPr/>
+          <p:nvPr/>
+        </p:nvSpPr>
+        <p:spPr>
+          <a:xfrm>
+            <a:off x="3760781" y="211289"/>
+            <a:ext cx="67172" cy="274462"/>
+          </a:xfrm>
+          <a:prstGeom prst="rect">
+            <a:avLst/>
+          </a:prstGeom>
+        </p:spPr>
+        <p:style>
+          <a:lnRef idx="2">
+            <a:schemeClr val="accent3">
+              <a:shade val="15000"/>
+            </a:schemeClr>
+          </a:lnRef>
+          <a:fillRef idx="1">
+            <a:schemeClr val="accent3"/>
+          </a:fillRef>
+          <a:effectRef idx="0">
+            <a:schemeClr val="accent3"/>
+          </a:effectRef>
+          <a:fontRef idx="minor">
+            <a:schemeClr val="lt1"/>
+          </a:fontRef>
+        </p:style>
+        <p:txBody>
+          <a:bodyPr rtlCol="0" anchor="ctr"/>
+          <a:lstStyle/>
+          <a:p>
+            <a:pPr algn="ctr"/>
+            <a:endParaRPr lang="ko-KR" altLang="en-US"/>
+          </a:p>
+        </p:txBody>
+      </p:sp>
     </p:spTree>
     <p:extLst>
       <p:ext uri="{BB962C8B-B14F-4D97-AF65-F5344CB8AC3E}">
-        <p14:creationId xmlns:p14="http://schemas.microsoft.com/office/powerpoint/2010/main" val="67131614"/>
+        <p14:creationId xmlns:p14="http://schemas.microsoft.com/office/powerpoint/2010/main" val="2108411369"/>
       </p:ext>
     </p:extLst>
   </p:cSld>

--- a/주간업무보고서/주간 업무 참고 자료/2주차 자료/반도체 제조 공정 전체 구성도.pptx
+++ b/주간업무보고서/주간 업무 참고 자료/2주차 자료/반도체 제조 공정 전체 구성도.pptx
@@ -245,7 +245,7 @@
           <a:p>
             <a:fld id="{7B7F6EB5-34DB-4516-8904-57937E4D5C05}" type="datetimeFigureOut">
               <a:rPr lang="ko-KR" altLang="en-US" smtClean="0"/>
-              <a:t>2023-12-09</a:t>
+              <a:t>2023-12-13</a:t>
             </a:fld>
             <a:endParaRPr lang="ko-KR" altLang="en-US"/>
           </a:p>
@@ -415,7 +415,7 @@
           <a:p>
             <a:fld id="{7B7F6EB5-34DB-4516-8904-57937E4D5C05}" type="datetimeFigureOut">
               <a:rPr lang="ko-KR" altLang="en-US" smtClean="0"/>
-              <a:t>2023-12-09</a:t>
+              <a:t>2023-12-13</a:t>
             </a:fld>
             <a:endParaRPr lang="ko-KR" altLang="en-US"/>
           </a:p>
@@ -595,7 +595,7 @@
           <a:p>
             <a:fld id="{7B7F6EB5-34DB-4516-8904-57937E4D5C05}" type="datetimeFigureOut">
               <a:rPr lang="ko-KR" altLang="en-US" smtClean="0"/>
-              <a:t>2023-12-09</a:t>
+              <a:t>2023-12-13</a:t>
             </a:fld>
             <a:endParaRPr lang="ko-KR" altLang="en-US"/>
           </a:p>
@@ -765,7 +765,7 @@
           <a:p>
             <a:fld id="{7B7F6EB5-34DB-4516-8904-57937E4D5C05}" type="datetimeFigureOut">
               <a:rPr lang="ko-KR" altLang="en-US" smtClean="0"/>
-              <a:t>2023-12-09</a:t>
+              <a:t>2023-12-13</a:t>
             </a:fld>
             <a:endParaRPr lang="ko-KR" altLang="en-US"/>
           </a:p>
@@ -1011,7 +1011,7 @@
           <a:p>
             <a:fld id="{7B7F6EB5-34DB-4516-8904-57937E4D5C05}" type="datetimeFigureOut">
               <a:rPr lang="ko-KR" altLang="en-US" smtClean="0"/>
-              <a:t>2023-12-09</a:t>
+              <a:t>2023-12-13</a:t>
             </a:fld>
             <a:endParaRPr lang="ko-KR" altLang="en-US"/>
           </a:p>
@@ -1243,7 +1243,7 @@
           <a:p>
             <a:fld id="{7B7F6EB5-34DB-4516-8904-57937E4D5C05}" type="datetimeFigureOut">
               <a:rPr lang="ko-KR" altLang="en-US" smtClean="0"/>
-              <a:t>2023-12-09</a:t>
+              <a:t>2023-12-13</a:t>
             </a:fld>
             <a:endParaRPr lang="ko-KR" altLang="en-US"/>
           </a:p>
@@ -1610,7 +1610,7 @@
           <a:p>
             <a:fld id="{7B7F6EB5-34DB-4516-8904-57937E4D5C05}" type="datetimeFigureOut">
               <a:rPr lang="ko-KR" altLang="en-US" smtClean="0"/>
-              <a:t>2023-12-09</a:t>
+              <a:t>2023-12-13</a:t>
             </a:fld>
             <a:endParaRPr lang="ko-KR" altLang="en-US"/>
           </a:p>
@@ -1728,7 +1728,7 @@
           <a:p>
             <a:fld id="{7B7F6EB5-34DB-4516-8904-57937E4D5C05}" type="datetimeFigureOut">
               <a:rPr lang="ko-KR" altLang="en-US" smtClean="0"/>
-              <a:t>2023-12-09</a:t>
+              <a:t>2023-12-13</a:t>
             </a:fld>
             <a:endParaRPr lang="ko-KR" altLang="en-US"/>
           </a:p>
@@ -1823,7 +1823,7 @@
           <a:p>
             <a:fld id="{7B7F6EB5-34DB-4516-8904-57937E4D5C05}" type="datetimeFigureOut">
               <a:rPr lang="ko-KR" altLang="en-US" smtClean="0"/>
-              <a:t>2023-12-09</a:t>
+              <a:t>2023-12-13</a:t>
             </a:fld>
             <a:endParaRPr lang="ko-KR" altLang="en-US"/>
           </a:p>
@@ -2100,7 +2100,7 @@
           <a:p>
             <a:fld id="{7B7F6EB5-34DB-4516-8904-57937E4D5C05}" type="datetimeFigureOut">
               <a:rPr lang="ko-KR" altLang="en-US" smtClean="0"/>
-              <a:t>2023-12-09</a:t>
+              <a:t>2023-12-13</a:t>
             </a:fld>
             <a:endParaRPr lang="ko-KR" altLang="en-US"/>
           </a:p>
@@ -2357,7 +2357,7 @@
           <a:p>
             <a:fld id="{7B7F6EB5-34DB-4516-8904-57937E4D5C05}" type="datetimeFigureOut">
               <a:rPr lang="ko-KR" altLang="en-US" smtClean="0"/>
-              <a:t>2023-12-09</a:t>
+              <a:t>2023-12-13</a:t>
             </a:fld>
             <a:endParaRPr lang="ko-KR" altLang="en-US"/>
           </a:p>
@@ -2570,7 +2570,7 @@
           <a:p>
             <a:fld id="{7B7F6EB5-34DB-4516-8904-57937E4D5C05}" type="datetimeFigureOut">
               <a:rPr lang="ko-KR" altLang="en-US" smtClean="0"/>
-              <a:t>2023-12-09</a:t>
+              <a:t>2023-12-13</a:t>
             </a:fld>
             <a:endParaRPr lang="ko-KR" altLang="en-US"/>
           </a:p>

--- a/주간업무보고서/주간 업무 참고 자료/2주차 자료/반도체 제조 공정 전체 구성도.pptx
+++ b/주간업무보고서/주간 업무 참고 자료/2주차 자료/반도체 제조 공정 전체 구성도.pptx
@@ -8,6 +8,7 @@
     <p:sldId id="257" r:id="rId2"/>
     <p:sldId id="258" r:id="rId3"/>
     <p:sldId id="259" r:id="rId4"/>
+    <p:sldId id="260" r:id="rId5"/>
   </p:sldIdLst>
   <p:sldSz cx="5400675" cy="1800225"/>
   <p:notesSz cx="6858000" cy="9144000"/>
@@ -245,7 +246,7 @@
           <a:p>
             <a:fld id="{7B7F6EB5-34DB-4516-8904-57937E4D5C05}" type="datetimeFigureOut">
               <a:rPr lang="ko-KR" altLang="en-US" smtClean="0"/>
-              <a:t>2023-12-13</a:t>
+              <a:t>2023-12-15</a:t>
             </a:fld>
             <a:endParaRPr lang="ko-KR" altLang="en-US"/>
           </a:p>
@@ -415,7 +416,7 @@
           <a:p>
             <a:fld id="{7B7F6EB5-34DB-4516-8904-57937E4D5C05}" type="datetimeFigureOut">
               <a:rPr lang="ko-KR" altLang="en-US" smtClean="0"/>
-              <a:t>2023-12-13</a:t>
+              <a:t>2023-12-15</a:t>
             </a:fld>
             <a:endParaRPr lang="ko-KR" altLang="en-US"/>
           </a:p>
@@ -595,7 +596,7 @@
           <a:p>
             <a:fld id="{7B7F6EB5-34DB-4516-8904-57937E4D5C05}" type="datetimeFigureOut">
               <a:rPr lang="ko-KR" altLang="en-US" smtClean="0"/>
-              <a:t>2023-12-13</a:t>
+              <a:t>2023-12-15</a:t>
             </a:fld>
             <a:endParaRPr lang="ko-KR" altLang="en-US"/>
           </a:p>
@@ -765,7 +766,7 @@
           <a:p>
             <a:fld id="{7B7F6EB5-34DB-4516-8904-57937E4D5C05}" type="datetimeFigureOut">
               <a:rPr lang="ko-KR" altLang="en-US" smtClean="0"/>
-              <a:t>2023-12-13</a:t>
+              <a:t>2023-12-15</a:t>
             </a:fld>
             <a:endParaRPr lang="ko-KR" altLang="en-US"/>
           </a:p>
@@ -1011,7 +1012,7 @@
           <a:p>
             <a:fld id="{7B7F6EB5-34DB-4516-8904-57937E4D5C05}" type="datetimeFigureOut">
               <a:rPr lang="ko-KR" altLang="en-US" smtClean="0"/>
-              <a:t>2023-12-13</a:t>
+              <a:t>2023-12-15</a:t>
             </a:fld>
             <a:endParaRPr lang="ko-KR" altLang="en-US"/>
           </a:p>
@@ -1243,7 +1244,7 @@
           <a:p>
             <a:fld id="{7B7F6EB5-34DB-4516-8904-57937E4D5C05}" type="datetimeFigureOut">
               <a:rPr lang="ko-KR" altLang="en-US" smtClean="0"/>
-              <a:t>2023-12-13</a:t>
+              <a:t>2023-12-15</a:t>
             </a:fld>
             <a:endParaRPr lang="ko-KR" altLang="en-US"/>
           </a:p>
@@ -1610,7 +1611,7 @@
           <a:p>
             <a:fld id="{7B7F6EB5-34DB-4516-8904-57937E4D5C05}" type="datetimeFigureOut">
               <a:rPr lang="ko-KR" altLang="en-US" smtClean="0"/>
-              <a:t>2023-12-13</a:t>
+              <a:t>2023-12-15</a:t>
             </a:fld>
             <a:endParaRPr lang="ko-KR" altLang="en-US"/>
           </a:p>
@@ -1728,7 +1729,7 @@
           <a:p>
             <a:fld id="{7B7F6EB5-34DB-4516-8904-57937E4D5C05}" type="datetimeFigureOut">
               <a:rPr lang="ko-KR" altLang="en-US" smtClean="0"/>
-              <a:t>2023-12-13</a:t>
+              <a:t>2023-12-15</a:t>
             </a:fld>
             <a:endParaRPr lang="ko-KR" altLang="en-US"/>
           </a:p>
@@ -1823,7 +1824,7 @@
           <a:p>
             <a:fld id="{7B7F6EB5-34DB-4516-8904-57937E4D5C05}" type="datetimeFigureOut">
               <a:rPr lang="ko-KR" altLang="en-US" smtClean="0"/>
-              <a:t>2023-12-13</a:t>
+              <a:t>2023-12-15</a:t>
             </a:fld>
             <a:endParaRPr lang="ko-KR" altLang="en-US"/>
           </a:p>
@@ -2100,7 +2101,7 @@
           <a:p>
             <a:fld id="{7B7F6EB5-34DB-4516-8904-57937E4D5C05}" type="datetimeFigureOut">
               <a:rPr lang="ko-KR" altLang="en-US" smtClean="0"/>
-              <a:t>2023-12-13</a:t>
+              <a:t>2023-12-15</a:t>
             </a:fld>
             <a:endParaRPr lang="ko-KR" altLang="en-US"/>
           </a:p>
@@ -2357,7 +2358,7 @@
           <a:p>
             <a:fld id="{7B7F6EB5-34DB-4516-8904-57937E4D5C05}" type="datetimeFigureOut">
               <a:rPr lang="ko-KR" altLang="en-US" smtClean="0"/>
-              <a:t>2023-12-13</a:t>
+              <a:t>2023-12-15</a:t>
             </a:fld>
             <a:endParaRPr lang="ko-KR" altLang="en-US"/>
           </a:p>
@@ -2570,7 +2571,7 @@
           <a:p>
             <a:fld id="{7B7F6EB5-34DB-4516-8904-57937E4D5C05}" type="datetimeFigureOut">
               <a:rPr lang="ko-KR" altLang="en-US" smtClean="0"/>
-              <a:t>2023-12-13</a:t>
+              <a:t>2023-12-15</a:t>
             </a:fld>
             <a:endParaRPr lang="ko-KR" altLang="en-US"/>
           </a:p>
@@ -9738,6 +9739,2669 @@
 </p:sld>
 </file>
 
+<file path=ppt/slides/slide4.xml><?xml version="1.0" encoding="utf-8"?>
+<p:sld xmlns:a="http://schemas.openxmlformats.org/drawingml/2006/main" xmlns:r="http://schemas.openxmlformats.org/officeDocument/2006/relationships" xmlns:p="http://schemas.openxmlformats.org/presentationml/2006/main">
+  <p:cSld>
+    <p:spTree>
+      <p:nvGrpSpPr>
+        <p:cNvPr id="1" name=""/>
+        <p:cNvGrpSpPr/>
+        <p:nvPr/>
+      </p:nvGrpSpPr>
+      <p:grpSpPr>
+        <a:xfrm>
+          <a:off x="0" y="0"/>
+          <a:ext cx="0" cy="0"/>
+          <a:chOff x="0" y="0"/>
+          <a:chExt cx="0" cy="0"/>
+        </a:xfrm>
+      </p:grpSpPr>
+      <p:sp>
+        <p:nvSpPr>
+          <p:cNvPr id="3" name="직사각형 2">
+            <a:extLst>
+              <a:ext uri="{FF2B5EF4-FFF2-40B4-BE49-F238E27FC236}">
+                <a16:creationId xmlns:a16="http://schemas.microsoft.com/office/drawing/2014/main" id="{515DB30A-3AA7-B265-5610-402791B0DDB3}"/>
+              </a:ext>
+            </a:extLst>
+          </p:cNvPr>
+          <p:cNvSpPr/>
+          <p:nvPr/>
+        </p:nvSpPr>
+        <p:spPr>
+          <a:xfrm rot="16200000">
+            <a:off x="1292847" y="448078"/>
+            <a:ext cx="198000" cy="306000"/>
+          </a:xfrm>
+          <a:prstGeom prst="rect">
+            <a:avLst/>
+          </a:prstGeom>
+        </p:spPr>
+        <p:style>
+          <a:lnRef idx="2">
+            <a:schemeClr val="accent1">
+              <a:shade val="15000"/>
+            </a:schemeClr>
+          </a:lnRef>
+          <a:fillRef idx="1">
+            <a:schemeClr val="accent1"/>
+          </a:fillRef>
+          <a:effectRef idx="0">
+            <a:schemeClr val="accent1"/>
+          </a:effectRef>
+          <a:fontRef idx="minor">
+            <a:schemeClr val="lt1"/>
+          </a:fontRef>
+        </p:style>
+        <p:txBody>
+          <a:bodyPr rtlCol="0" anchor="ctr"/>
+          <a:lstStyle/>
+          <a:p>
+            <a:pPr algn="ctr"/>
+            <a:endParaRPr lang="ko-KR" altLang="en-US" dirty="0"/>
+          </a:p>
+        </p:txBody>
+      </p:sp>
+      <p:sp>
+        <p:nvSpPr>
+          <p:cNvPr id="5" name="직사각형 4">
+            <a:extLst>
+              <a:ext uri="{FF2B5EF4-FFF2-40B4-BE49-F238E27FC236}">
+                <a16:creationId xmlns:a16="http://schemas.microsoft.com/office/drawing/2014/main" id="{86B01CD2-AFC6-4826-30EC-A5768E9586E6}"/>
+              </a:ext>
+            </a:extLst>
+          </p:cNvPr>
+          <p:cNvSpPr/>
+          <p:nvPr/>
+        </p:nvSpPr>
+        <p:spPr>
+          <a:xfrm rot="16200000">
+            <a:off x="2819297" y="447064"/>
+            <a:ext cx="198000" cy="306000"/>
+          </a:xfrm>
+          <a:prstGeom prst="rect">
+            <a:avLst/>
+          </a:prstGeom>
+        </p:spPr>
+        <p:style>
+          <a:lnRef idx="2">
+            <a:schemeClr val="accent1">
+              <a:shade val="15000"/>
+            </a:schemeClr>
+          </a:lnRef>
+          <a:fillRef idx="1">
+            <a:schemeClr val="accent1"/>
+          </a:fillRef>
+          <a:effectRef idx="0">
+            <a:schemeClr val="accent1"/>
+          </a:effectRef>
+          <a:fontRef idx="minor">
+            <a:schemeClr val="lt1"/>
+          </a:fontRef>
+        </p:style>
+        <p:txBody>
+          <a:bodyPr rtlCol="0" anchor="ctr"/>
+          <a:lstStyle/>
+          <a:p>
+            <a:pPr algn="ctr"/>
+            <a:endParaRPr lang="ko-KR" altLang="en-US" dirty="0"/>
+          </a:p>
+        </p:txBody>
+      </p:sp>
+      <p:sp>
+        <p:nvSpPr>
+          <p:cNvPr id="8" name="직사각형 7">
+            <a:extLst>
+              <a:ext uri="{FF2B5EF4-FFF2-40B4-BE49-F238E27FC236}">
+                <a16:creationId xmlns:a16="http://schemas.microsoft.com/office/drawing/2014/main" id="{3A8C6383-30C7-A2A3-ADAD-A22D8AB2FBCF}"/>
+              </a:ext>
+            </a:extLst>
+          </p:cNvPr>
+          <p:cNvSpPr/>
+          <p:nvPr/>
+        </p:nvSpPr>
+        <p:spPr>
+          <a:xfrm>
+            <a:off x="4082104" y="40682"/>
+            <a:ext cx="1260000" cy="288000"/>
+          </a:xfrm>
+          <a:prstGeom prst="rect">
+            <a:avLst/>
+          </a:prstGeom>
+          <a:solidFill>
+            <a:srgbClr val="FF0000"/>
+          </a:solidFill>
+        </p:spPr>
+        <p:style>
+          <a:lnRef idx="2">
+            <a:schemeClr val="accent1">
+              <a:shade val="15000"/>
+            </a:schemeClr>
+          </a:lnRef>
+          <a:fillRef idx="1">
+            <a:schemeClr val="accent1"/>
+          </a:fillRef>
+          <a:effectRef idx="0">
+            <a:schemeClr val="accent1"/>
+          </a:effectRef>
+          <a:fontRef idx="minor">
+            <a:schemeClr val="lt1"/>
+          </a:fontRef>
+        </p:style>
+        <p:txBody>
+          <a:bodyPr rtlCol="0" anchor="ctr"/>
+          <a:lstStyle/>
+          <a:p>
+            <a:pPr algn="ctr"/>
+            <a:endParaRPr lang="ko-KR" altLang="en-US" dirty="0"/>
+          </a:p>
+        </p:txBody>
+      </p:sp>
+      <p:sp>
+        <p:nvSpPr>
+          <p:cNvPr id="2" name="직사각형 1">
+            <a:extLst>
+              <a:ext uri="{FF2B5EF4-FFF2-40B4-BE49-F238E27FC236}">
+                <a16:creationId xmlns:a16="http://schemas.microsoft.com/office/drawing/2014/main" id="{729F4460-DD76-F7E2-50A9-CD2C49361D83}"/>
+              </a:ext>
+            </a:extLst>
+          </p:cNvPr>
+          <p:cNvSpPr/>
+          <p:nvPr/>
+        </p:nvSpPr>
+        <p:spPr>
+          <a:xfrm rot="10800000">
+            <a:off x="306485" y="1129546"/>
+            <a:ext cx="1908000" cy="234000"/>
+          </a:xfrm>
+          <a:prstGeom prst="rect">
+            <a:avLst/>
+          </a:prstGeom>
+        </p:spPr>
+        <p:style>
+          <a:lnRef idx="2">
+            <a:schemeClr val="accent3">
+              <a:shade val="15000"/>
+            </a:schemeClr>
+          </a:lnRef>
+          <a:fillRef idx="1">
+            <a:schemeClr val="accent3"/>
+          </a:fillRef>
+          <a:effectRef idx="0">
+            <a:schemeClr val="accent3"/>
+          </a:effectRef>
+          <a:fontRef idx="minor">
+            <a:schemeClr val="lt1"/>
+          </a:fontRef>
+        </p:style>
+        <p:txBody>
+          <a:bodyPr rtlCol="0" anchor="ctr"/>
+          <a:lstStyle/>
+          <a:p>
+            <a:pPr algn="ctr"/>
+            <a:endParaRPr lang="ko-KR" altLang="en-US" dirty="0"/>
+          </a:p>
+        </p:txBody>
+      </p:sp>
+      <p:sp>
+        <p:nvSpPr>
+          <p:cNvPr id="16" name="오른쪽 중괄호 15">
+            <a:extLst>
+              <a:ext uri="{FF2B5EF4-FFF2-40B4-BE49-F238E27FC236}">
+                <a16:creationId xmlns:a16="http://schemas.microsoft.com/office/drawing/2014/main" id="{45AD81F6-5ADF-91A7-3058-2275C489FF0E}"/>
+              </a:ext>
+            </a:extLst>
+          </p:cNvPr>
+          <p:cNvSpPr/>
+          <p:nvPr/>
+        </p:nvSpPr>
+        <p:spPr>
+          <a:xfrm>
+            <a:off x="2885062" y="1219544"/>
+            <a:ext cx="108000" cy="144000"/>
+          </a:xfrm>
+          <a:prstGeom prst="rightBrace">
+            <a:avLst/>
+          </a:prstGeom>
+          <a:ln>
+            <a:solidFill>
+              <a:schemeClr val="tx1"/>
+            </a:solidFill>
+          </a:ln>
+        </p:spPr>
+        <p:style>
+          <a:lnRef idx="1">
+            <a:schemeClr val="accent1"/>
+          </a:lnRef>
+          <a:fillRef idx="0">
+            <a:schemeClr val="accent1"/>
+          </a:fillRef>
+          <a:effectRef idx="0">
+            <a:schemeClr val="accent1"/>
+          </a:effectRef>
+          <a:fontRef idx="minor">
+            <a:schemeClr val="tx1"/>
+          </a:fontRef>
+        </p:style>
+        <p:txBody>
+          <a:bodyPr rtlCol="0" anchor="ctr"/>
+          <a:lstStyle/>
+          <a:p>
+            <a:pPr algn="ctr"/>
+            <a:endParaRPr lang="ko-KR" altLang="en-US"/>
+          </a:p>
+        </p:txBody>
+      </p:sp>
+      <p:sp>
+        <p:nvSpPr>
+          <p:cNvPr id="17" name="오른쪽 중괄호 16">
+            <a:extLst>
+              <a:ext uri="{FF2B5EF4-FFF2-40B4-BE49-F238E27FC236}">
+                <a16:creationId xmlns:a16="http://schemas.microsoft.com/office/drawing/2014/main" id="{94B7421B-928A-C963-2F5B-0268E72C91DB}"/>
+              </a:ext>
+            </a:extLst>
+          </p:cNvPr>
+          <p:cNvSpPr/>
+          <p:nvPr/>
+        </p:nvSpPr>
+        <p:spPr>
+          <a:xfrm>
+            <a:off x="3955174" y="1219544"/>
+            <a:ext cx="108000" cy="144000"/>
+          </a:xfrm>
+          <a:prstGeom prst="rightBrace">
+            <a:avLst/>
+          </a:prstGeom>
+          <a:ln>
+            <a:solidFill>
+              <a:schemeClr val="tx1"/>
+            </a:solidFill>
+          </a:ln>
+        </p:spPr>
+        <p:style>
+          <a:lnRef idx="1">
+            <a:schemeClr val="accent1"/>
+          </a:lnRef>
+          <a:fillRef idx="0">
+            <a:schemeClr val="accent1"/>
+          </a:fillRef>
+          <a:effectRef idx="0">
+            <a:schemeClr val="accent1"/>
+          </a:effectRef>
+          <a:fontRef idx="minor">
+            <a:schemeClr val="tx1"/>
+          </a:fontRef>
+        </p:style>
+        <p:txBody>
+          <a:bodyPr rtlCol="0" anchor="ctr"/>
+          <a:lstStyle/>
+          <a:p>
+            <a:pPr algn="ctr"/>
+            <a:endParaRPr lang="ko-KR" altLang="en-US"/>
+          </a:p>
+        </p:txBody>
+      </p:sp>
+      <p:sp>
+        <p:nvSpPr>
+          <p:cNvPr id="24" name="직사각형 23">
+            <a:extLst>
+              <a:ext uri="{FF2B5EF4-FFF2-40B4-BE49-F238E27FC236}">
+                <a16:creationId xmlns:a16="http://schemas.microsoft.com/office/drawing/2014/main" id="{D2D7EBA1-DDDB-F8A8-8BCD-D9B4B9FBF447}"/>
+              </a:ext>
+            </a:extLst>
+          </p:cNvPr>
+          <p:cNvSpPr/>
+          <p:nvPr/>
+        </p:nvSpPr>
+        <p:spPr>
+          <a:xfrm>
+            <a:off x="1238847" y="707062"/>
+            <a:ext cx="306000" cy="162000"/>
+          </a:xfrm>
+          <a:prstGeom prst="rect">
+            <a:avLst/>
+          </a:prstGeom>
+          <a:solidFill>
+            <a:schemeClr val="accent2">
+              <a:lumMod val="50000"/>
+            </a:schemeClr>
+          </a:solidFill>
+        </p:spPr>
+        <p:style>
+          <a:lnRef idx="2">
+            <a:schemeClr val="accent1">
+              <a:shade val="15000"/>
+            </a:schemeClr>
+          </a:lnRef>
+          <a:fillRef idx="1">
+            <a:schemeClr val="accent1"/>
+          </a:fillRef>
+          <a:effectRef idx="0">
+            <a:schemeClr val="accent1"/>
+          </a:effectRef>
+          <a:fontRef idx="minor">
+            <a:schemeClr val="lt1"/>
+          </a:fontRef>
+        </p:style>
+        <p:txBody>
+          <a:bodyPr rtlCol="0" anchor="ctr"/>
+          <a:lstStyle/>
+          <a:p>
+            <a:pPr algn="ctr"/>
+            <a:endParaRPr lang="ko-KR" altLang="en-US" dirty="0"/>
+          </a:p>
+        </p:txBody>
+      </p:sp>
+      <p:sp>
+        <p:nvSpPr>
+          <p:cNvPr id="29" name="직사각형 28">
+            <a:extLst>
+              <a:ext uri="{FF2B5EF4-FFF2-40B4-BE49-F238E27FC236}">
+                <a16:creationId xmlns:a16="http://schemas.microsoft.com/office/drawing/2014/main" id="{2D2448A9-BD18-E297-44EC-587BFD328C1C}"/>
+              </a:ext>
+            </a:extLst>
+          </p:cNvPr>
+          <p:cNvSpPr/>
+          <p:nvPr/>
+        </p:nvSpPr>
+        <p:spPr>
+          <a:xfrm>
+            <a:off x="918957" y="1367067"/>
+            <a:ext cx="252000" cy="252000"/>
+          </a:xfrm>
+          <a:prstGeom prst="rect">
+            <a:avLst/>
+          </a:prstGeom>
+        </p:spPr>
+        <p:style>
+          <a:lnRef idx="2">
+            <a:schemeClr val="accent2">
+              <a:shade val="15000"/>
+            </a:schemeClr>
+          </a:lnRef>
+          <a:fillRef idx="1">
+            <a:schemeClr val="accent2"/>
+          </a:fillRef>
+          <a:effectRef idx="0">
+            <a:schemeClr val="accent2"/>
+          </a:effectRef>
+          <a:fontRef idx="minor">
+            <a:schemeClr val="lt1"/>
+          </a:fontRef>
+        </p:style>
+        <p:txBody>
+          <a:bodyPr rtlCol="0" anchor="ctr"/>
+          <a:lstStyle/>
+          <a:p>
+            <a:pPr algn="ctr"/>
+            <a:endParaRPr lang="ko-KR" altLang="en-US" dirty="0"/>
+          </a:p>
+        </p:txBody>
+      </p:sp>
+      <p:sp>
+        <p:nvSpPr>
+          <p:cNvPr id="38" name="원통형 37">
+            <a:extLst>
+              <a:ext uri="{FF2B5EF4-FFF2-40B4-BE49-F238E27FC236}">
+                <a16:creationId xmlns:a16="http://schemas.microsoft.com/office/drawing/2014/main" id="{6F7609F0-4D85-98C5-6F3D-02B28850B1F5}"/>
+              </a:ext>
+            </a:extLst>
+          </p:cNvPr>
+          <p:cNvSpPr/>
+          <p:nvPr/>
+        </p:nvSpPr>
+        <p:spPr>
+          <a:xfrm rot="10800000">
+            <a:off x="386461" y="1363543"/>
+            <a:ext cx="120685" cy="206899"/>
+          </a:xfrm>
+          <a:prstGeom prst="can">
+            <a:avLst/>
+          </a:prstGeom>
+        </p:spPr>
+        <p:style>
+          <a:lnRef idx="2">
+            <a:schemeClr val="accent1">
+              <a:shade val="15000"/>
+            </a:schemeClr>
+          </a:lnRef>
+          <a:fillRef idx="1">
+            <a:schemeClr val="accent1"/>
+          </a:fillRef>
+          <a:effectRef idx="0">
+            <a:schemeClr val="accent1"/>
+          </a:effectRef>
+          <a:fontRef idx="minor">
+            <a:schemeClr val="lt1"/>
+          </a:fontRef>
+        </p:style>
+        <p:txBody>
+          <a:bodyPr rtlCol="0" anchor="ctr"/>
+          <a:lstStyle/>
+          <a:p>
+            <a:pPr algn="ctr"/>
+            <a:endParaRPr lang="ko-KR" altLang="en-US"/>
+          </a:p>
+        </p:txBody>
+      </p:sp>
+      <p:cxnSp>
+        <p:nvCxnSpPr>
+          <p:cNvPr id="13" name="연결선: 꺾임 12">
+            <a:extLst>
+              <a:ext uri="{FF2B5EF4-FFF2-40B4-BE49-F238E27FC236}">
+                <a16:creationId xmlns:a16="http://schemas.microsoft.com/office/drawing/2014/main" id="{993220CF-994A-F75D-0F9F-5EAC01F0E9AD}"/>
+              </a:ext>
+            </a:extLst>
+          </p:cNvPr>
+          <p:cNvCxnSpPr>
+            <a:cxnSpLocks/>
+            <a:stCxn id="3" idx="3"/>
+            <a:endCxn id="8" idx="1"/>
+          </p:cNvCxnSpPr>
+          <p:nvPr/>
+        </p:nvCxnSpPr>
+        <p:spPr>
+          <a:xfrm rot="5400000" flipH="1" flipV="1">
+            <a:off x="2578277" y="-1001748"/>
+            <a:ext cx="317396" cy="2690257"/>
+          </a:xfrm>
+          <a:prstGeom prst="bentConnector2">
+            <a:avLst/>
+          </a:prstGeom>
+        </p:spPr>
+        <p:style>
+          <a:lnRef idx="1">
+            <a:schemeClr val="accent1"/>
+          </a:lnRef>
+          <a:fillRef idx="0">
+            <a:schemeClr val="accent1"/>
+          </a:fillRef>
+          <a:effectRef idx="0">
+            <a:schemeClr val="accent1"/>
+          </a:effectRef>
+          <a:fontRef idx="minor">
+            <a:schemeClr val="tx1"/>
+          </a:fontRef>
+        </p:style>
+      </p:cxnSp>
+      <p:cxnSp>
+        <p:nvCxnSpPr>
+          <p:cNvPr id="22" name="연결선: 꺾임 21">
+            <a:extLst>
+              <a:ext uri="{FF2B5EF4-FFF2-40B4-BE49-F238E27FC236}">
+                <a16:creationId xmlns:a16="http://schemas.microsoft.com/office/drawing/2014/main" id="{18900488-0F85-349B-F1E9-39B65DDBC107}"/>
+              </a:ext>
+            </a:extLst>
+          </p:cNvPr>
+          <p:cNvCxnSpPr>
+            <a:cxnSpLocks/>
+            <a:stCxn id="5" idx="3"/>
+            <a:endCxn id="8" idx="1"/>
+          </p:cNvCxnSpPr>
+          <p:nvPr/>
+        </p:nvCxnSpPr>
+        <p:spPr>
+          <a:xfrm rot="5400000" flipH="1" flipV="1">
+            <a:off x="3342009" y="-239030"/>
+            <a:ext cx="316382" cy="1163807"/>
+          </a:xfrm>
+          <a:prstGeom prst="bentConnector2">
+            <a:avLst/>
+          </a:prstGeom>
+        </p:spPr>
+        <p:style>
+          <a:lnRef idx="1">
+            <a:schemeClr val="accent1"/>
+          </a:lnRef>
+          <a:fillRef idx="0">
+            <a:schemeClr val="accent1"/>
+          </a:fillRef>
+          <a:effectRef idx="0">
+            <a:schemeClr val="accent1"/>
+          </a:effectRef>
+          <a:fontRef idx="minor">
+            <a:schemeClr val="tx1"/>
+          </a:fontRef>
+        </p:style>
+      </p:cxnSp>
+      <p:sp>
+        <p:nvSpPr>
+          <p:cNvPr id="55" name="순서도: 처리 54">
+            <a:extLst>
+              <a:ext uri="{FF2B5EF4-FFF2-40B4-BE49-F238E27FC236}">
+                <a16:creationId xmlns:a16="http://schemas.microsoft.com/office/drawing/2014/main" id="{4A1B209E-C3C9-7829-C24A-A52487081F81}"/>
+              </a:ext>
+            </a:extLst>
+          </p:cNvPr>
+          <p:cNvSpPr/>
+          <p:nvPr/>
+        </p:nvSpPr>
+        <p:spPr>
+          <a:xfrm>
+            <a:off x="668057" y="1026419"/>
+            <a:ext cx="183714" cy="95520"/>
+          </a:xfrm>
+          <a:prstGeom prst="flowChartProcess">
+            <a:avLst/>
+          </a:prstGeom>
+          <a:solidFill>
+            <a:schemeClr val="accent6">
+              <a:alpha val="62000"/>
+            </a:schemeClr>
+          </a:solidFill>
+        </p:spPr>
+        <p:style>
+          <a:lnRef idx="2">
+            <a:schemeClr val="accent6">
+              <a:shade val="15000"/>
+            </a:schemeClr>
+          </a:lnRef>
+          <a:fillRef idx="1">
+            <a:schemeClr val="accent6"/>
+          </a:fillRef>
+          <a:effectRef idx="0">
+            <a:schemeClr val="accent6"/>
+          </a:effectRef>
+          <a:fontRef idx="minor">
+            <a:schemeClr val="lt1"/>
+          </a:fontRef>
+        </p:style>
+        <p:txBody>
+          <a:bodyPr rtlCol="0" anchor="ctr"/>
+          <a:lstStyle/>
+          <a:p>
+            <a:pPr algn="ctr"/>
+            <a:endParaRPr lang="ko-KR" altLang="en-US"/>
+          </a:p>
+        </p:txBody>
+      </p:sp>
+      <p:sp>
+        <p:nvSpPr>
+          <p:cNvPr id="12" name="직사각형 11">
+            <a:extLst>
+              <a:ext uri="{FF2B5EF4-FFF2-40B4-BE49-F238E27FC236}">
+                <a16:creationId xmlns:a16="http://schemas.microsoft.com/office/drawing/2014/main" id="{DEF464DB-F6EA-36AA-8857-626630E09C33}"/>
+              </a:ext>
+            </a:extLst>
+          </p:cNvPr>
+          <p:cNvSpPr/>
+          <p:nvPr/>
+        </p:nvSpPr>
+        <p:spPr>
+          <a:xfrm rot="10800000">
+            <a:off x="2270714" y="1126945"/>
+            <a:ext cx="1908000" cy="234000"/>
+          </a:xfrm>
+          <a:prstGeom prst="rect">
+            <a:avLst/>
+          </a:prstGeom>
+        </p:spPr>
+        <p:style>
+          <a:lnRef idx="2">
+            <a:schemeClr val="accent3">
+              <a:shade val="15000"/>
+            </a:schemeClr>
+          </a:lnRef>
+          <a:fillRef idx="1">
+            <a:schemeClr val="accent3"/>
+          </a:fillRef>
+          <a:effectRef idx="0">
+            <a:schemeClr val="accent3"/>
+          </a:effectRef>
+          <a:fontRef idx="minor">
+            <a:schemeClr val="lt1"/>
+          </a:fontRef>
+        </p:style>
+        <p:txBody>
+          <a:bodyPr rtlCol="0" anchor="ctr"/>
+          <a:lstStyle/>
+          <a:p>
+            <a:pPr algn="ctr"/>
+            <a:endParaRPr lang="ko-KR" altLang="en-US" dirty="0"/>
+          </a:p>
+        </p:txBody>
+      </p:sp>
+      <p:sp>
+        <p:nvSpPr>
+          <p:cNvPr id="19" name="원통형 18">
+            <a:extLst>
+              <a:ext uri="{FF2B5EF4-FFF2-40B4-BE49-F238E27FC236}">
+                <a16:creationId xmlns:a16="http://schemas.microsoft.com/office/drawing/2014/main" id="{F000E359-4B09-1131-A6E7-7BD91971AE88}"/>
+              </a:ext>
+            </a:extLst>
+          </p:cNvPr>
+          <p:cNvSpPr/>
+          <p:nvPr/>
+        </p:nvSpPr>
+        <p:spPr>
+          <a:xfrm rot="10800000">
+            <a:off x="2217078" y="1144594"/>
+            <a:ext cx="45719" cy="206900"/>
+          </a:xfrm>
+          <a:prstGeom prst="can">
+            <a:avLst/>
+          </a:prstGeom>
+          <a:solidFill>
+            <a:schemeClr val="accent3">
+              <a:lumMod val="75000"/>
+            </a:schemeClr>
+          </a:solidFill>
+        </p:spPr>
+        <p:style>
+          <a:lnRef idx="2">
+            <a:schemeClr val="accent1">
+              <a:shade val="15000"/>
+            </a:schemeClr>
+          </a:lnRef>
+          <a:fillRef idx="1">
+            <a:schemeClr val="accent1"/>
+          </a:fillRef>
+          <a:effectRef idx="0">
+            <a:schemeClr val="accent1"/>
+          </a:effectRef>
+          <a:fontRef idx="minor">
+            <a:schemeClr val="lt1"/>
+          </a:fontRef>
+        </p:style>
+        <p:txBody>
+          <a:bodyPr rtlCol="0" anchor="ctr"/>
+          <a:lstStyle/>
+          <a:p>
+            <a:pPr algn="ctr"/>
+            <a:endParaRPr lang="ko-KR" altLang="en-US"/>
+          </a:p>
+        </p:txBody>
+      </p:sp>
+      <p:sp>
+        <p:nvSpPr>
+          <p:cNvPr id="26" name="직사각형 25">
+            <a:extLst>
+              <a:ext uri="{FF2B5EF4-FFF2-40B4-BE49-F238E27FC236}">
+                <a16:creationId xmlns:a16="http://schemas.microsoft.com/office/drawing/2014/main" id="{9ED15C8A-B72D-9BA3-7BD8-D25E0EB42375}"/>
+              </a:ext>
+            </a:extLst>
+          </p:cNvPr>
+          <p:cNvSpPr/>
+          <p:nvPr/>
+        </p:nvSpPr>
+        <p:spPr>
+          <a:xfrm rot="5400000">
+            <a:off x="4331620" y="1152277"/>
+            <a:ext cx="90000" cy="162000"/>
+          </a:xfrm>
+          <a:prstGeom prst="rect">
+            <a:avLst/>
+          </a:prstGeom>
+        </p:spPr>
+        <p:style>
+          <a:lnRef idx="2">
+            <a:schemeClr val="dk1">
+              <a:shade val="15000"/>
+            </a:schemeClr>
+          </a:lnRef>
+          <a:fillRef idx="1">
+            <a:schemeClr val="dk1"/>
+          </a:fillRef>
+          <a:effectRef idx="0">
+            <a:schemeClr val="dk1"/>
+          </a:effectRef>
+          <a:fontRef idx="minor">
+            <a:schemeClr val="lt1"/>
+          </a:fontRef>
+        </p:style>
+        <p:txBody>
+          <a:bodyPr rtlCol="0" anchor="ctr"/>
+          <a:lstStyle/>
+          <a:p>
+            <a:pPr algn="ctr"/>
+            <a:endParaRPr lang="ko-KR" altLang="en-US" dirty="0"/>
+          </a:p>
+        </p:txBody>
+      </p:sp>
+      <p:sp>
+        <p:nvSpPr>
+          <p:cNvPr id="36" name="직사각형 35">
+            <a:extLst>
+              <a:ext uri="{FF2B5EF4-FFF2-40B4-BE49-F238E27FC236}">
+                <a16:creationId xmlns:a16="http://schemas.microsoft.com/office/drawing/2014/main" id="{F0E29383-57CB-0805-B1C7-036FA1984B98}"/>
+              </a:ext>
+            </a:extLst>
+          </p:cNvPr>
+          <p:cNvSpPr/>
+          <p:nvPr/>
+        </p:nvSpPr>
+        <p:spPr>
+          <a:xfrm>
+            <a:off x="4108530" y="1365962"/>
+            <a:ext cx="252000" cy="252000"/>
+          </a:xfrm>
+          <a:prstGeom prst="rect">
+            <a:avLst/>
+          </a:prstGeom>
+        </p:spPr>
+        <p:style>
+          <a:lnRef idx="2">
+            <a:schemeClr val="accent2">
+              <a:shade val="15000"/>
+            </a:schemeClr>
+          </a:lnRef>
+          <a:fillRef idx="1">
+            <a:schemeClr val="accent2"/>
+          </a:fillRef>
+          <a:effectRef idx="0">
+            <a:schemeClr val="accent2"/>
+          </a:effectRef>
+          <a:fontRef idx="minor">
+            <a:schemeClr val="lt1"/>
+          </a:fontRef>
+        </p:style>
+        <p:txBody>
+          <a:bodyPr rtlCol="0" anchor="ctr"/>
+          <a:lstStyle/>
+          <a:p>
+            <a:pPr algn="ctr"/>
+            <a:endParaRPr lang="ko-KR" altLang="en-US" dirty="0"/>
+          </a:p>
+        </p:txBody>
+      </p:sp>
+      <p:sp>
+        <p:nvSpPr>
+          <p:cNvPr id="39" name="직사각형 38">
+            <a:extLst>
+              <a:ext uri="{FF2B5EF4-FFF2-40B4-BE49-F238E27FC236}">
+                <a16:creationId xmlns:a16="http://schemas.microsoft.com/office/drawing/2014/main" id="{DDF19D2B-06F6-4C7C-DF7A-1521984E8CBE}"/>
+              </a:ext>
+            </a:extLst>
+          </p:cNvPr>
+          <p:cNvSpPr/>
+          <p:nvPr/>
+        </p:nvSpPr>
+        <p:spPr>
+          <a:xfrm>
+            <a:off x="4108943" y="869476"/>
+            <a:ext cx="252000" cy="252000"/>
+          </a:xfrm>
+          <a:prstGeom prst="rect">
+            <a:avLst/>
+          </a:prstGeom>
+        </p:spPr>
+        <p:style>
+          <a:lnRef idx="2">
+            <a:schemeClr val="accent2">
+              <a:shade val="15000"/>
+            </a:schemeClr>
+          </a:lnRef>
+          <a:fillRef idx="1">
+            <a:schemeClr val="accent2"/>
+          </a:fillRef>
+          <a:effectRef idx="0">
+            <a:schemeClr val="accent2"/>
+          </a:effectRef>
+          <a:fontRef idx="minor">
+            <a:schemeClr val="lt1"/>
+          </a:fontRef>
+        </p:style>
+        <p:txBody>
+          <a:bodyPr rtlCol="0" anchor="ctr"/>
+          <a:lstStyle/>
+          <a:p>
+            <a:pPr algn="ctr"/>
+            <a:endParaRPr lang="ko-KR" altLang="en-US" dirty="0"/>
+          </a:p>
+        </p:txBody>
+      </p:sp>
+      <p:sp>
+        <p:nvSpPr>
+          <p:cNvPr id="47" name="직사각형 46">
+            <a:extLst>
+              <a:ext uri="{FF2B5EF4-FFF2-40B4-BE49-F238E27FC236}">
+                <a16:creationId xmlns:a16="http://schemas.microsoft.com/office/drawing/2014/main" id="{1136DA5A-17C8-611D-18AB-BBDBB9DDC366}"/>
+              </a:ext>
+            </a:extLst>
+          </p:cNvPr>
+          <p:cNvSpPr/>
+          <p:nvPr/>
+        </p:nvSpPr>
+        <p:spPr>
+          <a:xfrm rot="10800000">
+            <a:off x="916752" y="1130913"/>
+            <a:ext cx="36000" cy="288000"/>
+          </a:xfrm>
+          <a:prstGeom prst="rect">
+            <a:avLst/>
+          </a:prstGeom>
+        </p:spPr>
+        <p:style>
+          <a:lnRef idx="2">
+            <a:schemeClr val="accent1">
+              <a:shade val="15000"/>
+            </a:schemeClr>
+          </a:lnRef>
+          <a:fillRef idx="1">
+            <a:schemeClr val="accent1"/>
+          </a:fillRef>
+          <a:effectRef idx="0">
+            <a:schemeClr val="accent1"/>
+          </a:effectRef>
+          <a:fontRef idx="minor">
+            <a:schemeClr val="lt1"/>
+          </a:fontRef>
+        </p:style>
+        <p:txBody>
+          <a:bodyPr rtlCol="0" anchor="ctr"/>
+          <a:lstStyle/>
+          <a:p>
+            <a:pPr algn="ctr"/>
+            <a:endParaRPr lang="ko-KR" altLang="en-US" dirty="0"/>
+          </a:p>
+        </p:txBody>
+      </p:sp>
+      <p:sp>
+        <p:nvSpPr>
+          <p:cNvPr id="52" name="직사각형 51">
+            <a:extLst>
+              <a:ext uri="{FF2B5EF4-FFF2-40B4-BE49-F238E27FC236}">
+                <a16:creationId xmlns:a16="http://schemas.microsoft.com/office/drawing/2014/main" id="{3446F67F-ED45-7A78-1016-64D63FCB0CC5}"/>
+              </a:ext>
+            </a:extLst>
+          </p:cNvPr>
+          <p:cNvSpPr/>
+          <p:nvPr/>
+        </p:nvSpPr>
+        <p:spPr>
+          <a:xfrm>
+            <a:off x="1936195" y="1366598"/>
+            <a:ext cx="252000" cy="252000"/>
+          </a:xfrm>
+          <a:prstGeom prst="rect">
+            <a:avLst/>
+          </a:prstGeom>
+        </p:spPr>
+        <p:style>
+          <a:lnRef idx="2">
+            <a:schemeClr val="accent2">
+              <a:shade val="15000"/>
+            </a:schemeClr>
+          </a:lnRef>
+          <a:fillRef idx="1">
+            <a:schemeClr val="accent2"/>
+          </a:fillRef>
+          <a:effectRef idx="0">
+            <a:schemeClr val="accent2"/>
+          </a:effectRef>
+          <a:fontRef idx="minor">
+            <a:schemeClr val="lt1"/>
+          </a:fontRef>
+        </p:style>
+        <p:txBody>
+          <a:bodyPr rtlCol="0" anchor="ctr"/>
+          <a:lstStyle/>
+          <a:p>
+            <a:pPr algn="ctr"/>
+            <a:endParaRPr lang="ko-KR" altLang="en-US" dirty="0"/>
+          </a:p>
+        </p:txBody>
+      </p:sp>
+      <p:sp>
+        <p:nvSpPr>
+          <p:cNvPr id="53" name="순서도: 처리 52">
+            <a:extLst>
+              <a:ext uri="{FF2B5EF4-FFF2-40B4-BE49-F238E27FC236}">
+                <a16:creationId xmlns:a16="http://schemas.microsoft.com/office/drawing/2014/main" id="{FC93A8B0-1A3D-ABD9-FEB4-A6536B6791F4}"/>
+              </a:ext>
+            </a:extLst>
+          </p:cNvPr>
+          <p:cNvSpPr/>
+          <p:nvPr/>
+        </p:nvSpPr>
+        <p:spPr>
+          <a:xfrm>
+            <a:off x="1242708" y="1027860"/>
+            <a:ext cx="183714" cy="95520"/>
+          </a:xfrm>
+          <a:prstGeom prst="flowChartProcess">
+            <a:avLst/>
+          </a:prstGeom>
+          <a:solidFill>
+            <a:schemeClr val="accent6">
+              <a:alpha val="62000"/>
+            </a:schemeClr>
+          </a:solidFill>
+        </p:spPr>
+        <p:style>
+          <a:lnRef idx="2">
+            <a:schemeClr val="accent6">
+              <a:shade val="15000"/>
+            </a:schemeClr>
+          </a:lnRef>
+          <a:fillRef idx="1">
+            <a:schemeClr val="accent6"/>
+          </a:fillRef>
+          <a:effectRef idx="0">
+            <a:schemeClr val="accent6"/>
+          </a:effectRef>
+          <a:fontRef idx="minor">
+            <a:schemeClr val="lt1"/>
+          </a:fontRef>
+        </p:style>
+        <p:txBody>
+          <a:bodyPr rtlCol="0" anchor="ctr"/>
+          <a:lstStyle/>
+          <a:p>
+            <a:pPr algn="ctr"/>
+            <a:endParaRPr lang="ko-KR" altLang="en-US"/>
+          </a:p>
+        </p:txBody>
+      </p:sp>
+      <p:sp>
+        <p:nvSpPr>
+          <p:cNvPr id="54" name="직사각형 53">
+            <a:extLst>
+              <a:ext uri="{FF2B5EF4-FFF2-40B4-BE49-F238E27FC236}">
+                <a16:creationId xmlns:a16="http://schemas.microsoft.com/office/drawing/2014/main" id="{8FF9C13D-AA6B-9A4B-2D99-81114D2F6358}"/>
+              </a:ext>
+            </a:extLst>
+          </p:cNvPr>
+          <p:cNvSpPr/>
+          <p:nvPr/>
+        </p:nvSpPr>
+        <p:spPr>
+          <a:xfrm rot="10800000">
+            <a:off x="1933173" y="1122936"/>
+            <a:ext cx="36000" cy="288000"/>
+          </a:xfrm>
+          <a:prstGeom prst="rect">
+            <a:avLst/>
+          </a:prstGeom>
+        </p:spPr>
+        <p:style>
+          <a:lnRef idx="2">
+            <a:schemeClr val="accent1">
+              <a:shade val="15000"/>
+            </a:schemeClr>
+          </a:lnRef>
+          <a:fillRef idx="1">
+            <a:schemeClr val="accent1"/>
+          </a:fillRef>
+          <a:effectRef idx="0">
+            <a:schemeClr val="accent1"/>
+          </a:effectRef>
+          <a:fontRef idx="minor">
+            <a:schemeClr val="lt1"/>
+          </a:fontRef>
+        </p:style>
+        <p:txBody>
+          <a:bodyPr rtlCol="0" anchor="ctr"/>
+          <a:lstStyle/>
+          <a:p>
+            <a:pPr algn="ctr"/>
+            <a:endParaRPr lang="ko-KR" altLang="en-US" dirty="0"/>
+          </a:p>
+        </p:txBody>
+      </p:sp>
+      <p:sp>
+        <p:nvSpPr>
+          <p:cNvPr id="65" name="직사각형 64">
+            <a:extLst>
+              <a:ext uri="{FF2B5EF4-FFF2-40B4-BE49-F238E27FC236}">
+                <a16:creationId xmlns:a16="http://schemas.microsoft.com/office/drawing/2014/main" id="{3A274ED8-10E9-C8BD-EA19-4132F3AA411C}"/>
+              </a:ext>
+            </a:extLst>
+          </p:cNvPr>
+          <p:cNvSpPr/>
+          <p:nvPr/>
+        </p:nvSpPr>
+        <p:spPr>
+          <a:xfrm>
+            <a:off x="3695696" y="1366512"/>
+            <a:ext cx="252000" cy="252000"/>
+          </a:xfrm>
+          <a:prstGeom prst="rect">
+            <a:avLst/>
+          </a:prstGeom>
+        </p:spPr>
+        <p:style>
+          <a:lnRef idx="2">
+            <a:schemeClr val="accent2">
+              <a:shade val="15000"/>
+            </a:schemeClr>
+          </a:lnRef>
+          <a:fillRef idx="1">
+            <a:schemeClr val="accent2"/>
+          </a:fillRef>
+          <a:effectRef idx="0">
+            <a:schemeClr val="accent2"/>
+          </a:effectRef>
+          <a:fontRef idx="minor">
+            <a:schemeClr val="lt1"/>
+          </a:fontRef>
+        </p:style>
+        <p:txBody>
+          <a:bodyPr rtlCol="0" anchor="ctr"/>
+          <a:lstStyle/>
+          <a:p>
+            <a:pPr algn="ctr"/>
+            <a:endParaRPr lang="ko-KR" altLang="en-US" dirty="0"/>
+          </a:p>
+        </p:txBody>
+      </p:sp>
+      <p:sp>
+        <p:nvSpPr>
+          <p:cNvPr id="66" name="순서도: 처리 65">
+            <a:extLst>
+              <a:ext uri="{FF2B5EF4-FFF2-40B4-BE49-F238E27FC236}">
+                <a16:creationId xmlns:a16="http://schemas.microsoft.com/office/drawing/2014/main" id="{68DD53A9-D24A-978A-221C-0CF3B47D3BA2}"/>
+              </a:ext>
+            </a:extLst>
+          </p:cNvPr>
+          <p:cNvSpPr/>
+          <p:nvPr/>
+        </p:nvSpPr>
+        <p:spPr>
+          <a:xfrm>
+            <a:off x="3222929" y="1019847"/>
+            <a:ext cx="183714" cy="95520"/>
+          </a:xfrm>
+          <a:prstGeom prst="flowChartProcess">
+            <a:avLst/>
+          </a:prstGeom>
+          <a:solidFill>
+            <a:schemeClr val="accent6">
+              <a:alpha val="62000"/>
+            </a:schemeClr>
+          </a:solidFill>
+        </p:spPr>
+        <p:style>
+          <a:lnRef idx="2">
+            <a:schemeClr val="accent6">
+              <a:shade val="15000"/>
+            </a:schemeClr>
+          </a:lnRef>
+          <a:fillRef idx="1">
+            <a:schemeClr val="accent6"/>
+          </a:fillRef>
+          <a:effectRef idx="0">
+            <a:schemeClr val="accent6"/>
+          </a:effectRef>
+          <a:fontRef idx="minor">
+            <a:schemeClr val="lt1"/>
+          </a:fontRef>
+        </p:style>
+        <p:txBody>
+          <a:bodyPr rtlCol="0" anchor="ctr"/>
+          <a:lstStyle/>
+          <a:p>
+            <a:pPr algn="ctr"/>
+            <a:endParaRPr lang="ko-KR" altLang="en-US"/>
+          </a:p>
+        </p:txBody>
+      </p:sp>
+      <p:sp>
+        <p:nvSpPr>
+          <p:cNvPr id="67" name="직사각형 66">
+            <a:extLst>
+              <a:ext uri="{FF2B5EF4-FFF2-40B4-BE49-F238E27FC236}">
+                <a16:creationId xmlns:a16="http://schemas.microsoft.com/office/drawing/2014/main" id="{8D2960C1-F12A-4076-7A5C-612678713490}"/>
+              </a:ext>
+            </a:extLst>
+          </p:cNvPr>
+          <p:cNvSpPr/>
+          <p:nvPr/>
+        </p:nvSpPr>
+        <p:spPr>
+          <a:xfrm rot="10800000">
+            <a:off x="3692902" y="1125147"/>
+            <a:ext cx="36000" cy="288000"/>
+          </a:xfrm>
+          <a:prstGeom prst="rect">
+            <a:avLst/>
+          </a:prstGeom>
+        </p:spPr>
+        <p:style>
+          <a:lnRef idx="2">
+            <a:schemeClr val="accent1">
+              <a:shade val="15000"/>
+            </a:schemeClr>
+          </a:lnRef>
+          <a:fillRef idx="1">
+            <a:schemeClr val="accent1"/>
+          </a:fillRef>
+          <a:effectRef idx="0">
+            <a:schemeClr val="accent1"/>
+          </a:effectRef>
+          <a:fontRef idx="minor">
+            <a:schemeClr val="lt1"/>
+          </a:fontRef>
+        </p:style>
+        <p:txBody>
+          <a:bodyPr rtlCol="0" anchor="ctr"/>
+          <a:lstStyle/>
+          <a:p>
+            <a:pPr algn="ctr"/>
+            <a:endParaRPr lang="ko-KR" altLang="en-US" dirty="0"/>
+          </a:p>
+        </p:txBody>
+      </p:sp>
+      <p:sp>
+        <p:nvSpPr>
+          <p:cNvPr id="72" name="직사각형 71">
+            <a:extLst>
+              <a:ext uri="{FF2B5EF4-FFF2-40B4-BE49-F238E27FC236}">
+                <a16:creationId xmlns:a16="http://schemas.microsoft.com/office/drawing/2014/main" id="{9ADF3229-42D6-0099-BA93-E85BB5203359}"/>
+              </a:ext>
+            </a:extLst>
+          </p:cNvPr>
+          <p:cNvSpPr/>
+          <p:nvPr/>
+        </p:nvSpPr>
+        <p:spPr>
+          <a:xfrm>
+            <a:off x="2677734" y="1377841"/>
+            <a:ext cx="252000" cy="252000"/>
+          </a:xfrm>
+          <a:prstGeom prst="rect">
+            <a:avLst/>
+          </a:prstGeom>
+        </p:spPr>
+        <p:style>
+          <a:lnRef idx="2">
+            <a:schemeClr val="accent2">
+              <a:shade val="15000"/>
+            </a:schemeClr>
+          </a:lnRef>
+          <a:fillRef idx="1">
+            <a:schemeClr val="accent2"/>
+          </a:fillRef>
+          <a:effectRef idx="0">
+            <a:schemeClr val="accent2"/>
+          </a:effectRef>
+          <a:fontRef idx="minor">
+            <a:schemeClr val="lt1"/>
+          </a:fontRef>
+        </p:style>
+        <p:txBody>
+          <a:bodyPr rtlCol="0" anchor="ctr"/>
+          <a:lstStyle/>
+          <a:p>
+            <a:pPr algn="ctr"/>
+            <a:endParaRPr lang="ko-KR" altLang="en-US" dirty="0"/>
+          </a:p>
+        </p:txBody>
+      </p:sp>
+      <p:sp>
+        <p:nvSpPr>
+          <p:cNvPr id="73" name="순서도: 처리 72">
+            <a:extLst>
+              <a:ext uri="{FF2B5EF4-FFF2-40B4-BE49-F238E27FC236}">
+                <a16:creationId xmlns:a16="http://schemas.microsoft.com/office/drawing/2014/main" id="{70B61F65-3336-F36C-20B3-03EF26105CA7}"/>
+              </a:ext>
+            </a:extLst>
+          </p:cNvPr>
+          <p:cNvSpPr/>
+          <p:nvPr/>
+        </p:nvSpPr>
+        <p:spPr>
+          <a:xfrm>
+            <a:off x="2428498" y="1029865"/>
+            <a:ext cx="183714" cy="95520"/>
+          </a:xfrm>
+          <a:prstGeom prst="flowChartProcess">
+            <a:avLst/>
+          </a:prstGeom>
+          <a:solidFill>
+            <a:schemeClr val="accent6">
+              <a:alpha val="62000"/>
+            </a:schemeClr>
+          </a:solidFill>
+        </p:spPr>
+        <p:style>
+          <a:lnRef idx="2">
+            <a:schemeClr val="accent6">
+              <a:shade val="15000"/>
+            </a:schemeClr>
+          </a:lnRef>
+          <a:fillRef idx="1">
+            <a:schemeClr val="accent6"/>
+          </a:fillRef>
+          <a:effectRef idx="0">
+            <a:schemeClr val="accent6"/>
+          </a:effectRef>
+          <a:fontRef idx="minor">
+            <a:schemeClr val="lt1"/>
+          </a:fontRef>
+        </p:style>
+        <p:txBody>
+          <a:bodyPr rtlCol="0" anchor="ctr"/>
+          <a:lstStyle/>
+          <a:p>
+            <a:pPr algn="ctr"/>
+            <a:endParaRPr lang="ko-KR" altLang="en-US"/>
+          </a:p>
+        </p:txBody>
+      </p:sp>
+      <p:sp>
+        <p:nvSpPr>
+          <p:cNvPr id="74" name="직사각형 73">
+            <a:extLst>
+              <a:ext uri="{FF2B5EF4-FFF2-40B4-BE49-F238E27FC236}">
+                <a16:creationId xmlns:a16="http://schemas.microsoft.com/office/drawing/2014/main" id="{E09B05D0-379D-15EB-387E-045BEB78228C}"/>
+              </a:ext>
+            </a:extLst>
+          </p:cNvPr>
+          <p:cNvSpPr/>
+          <p:nvPr/>
+        </p:nvSpPr>
+        <p:spPr>
+          <a:xfrm rot="10800000">
+            <a:off x="2677734" y="1122936"/>
+            <a:ext cx="36000" cy="288000"/>
+          </a:xfrm>
+          <a:prstGeom prst="rect">
+            <a:avLst/>
+          </a:prstGeom>
+        </p:spPr>
+        <p:style>
+          <a:lnRef idx="2">
+            <a:schemeClr val="accent1">
+              <a:shade val="15000"/>
+            </a:schemeClr>
+          </a:lnRef>
+          <a:fillRef idx="1">
+            <a:schemeClr val="accent1"/>
+          </a:fillRef>
+          <a:effectRef idx="0">
+            <a:schemeClr val="accent1"/>
+          </a:effectRef>
+          <a:fontRef idx="minor">
+            <a:schemeClr val="lt1"/>
+          </a:fontRef>
+        </p:style>
+        <p:txBody>
+          <a:bodyPr rtlCol="0" anchor="ctr"/>
+          <a:lstStyle/>
+          <a:p>
+            <a:pPr algn="ctr"/>
+            <a:endParaRPr lang="ko-KR" altLang="en-US" dirty="0"/>
+          </a:p>
+        </p:txBody>
+      </p:sp>
+      <p:sp>
+        <p:nvSpPr>
+          <p:cNvPr id="76" name="순서도: 처리 75">
+            <a:extLst>
+              <a:ext uri="{FF2B5EF4-FFF2-40B4-BE49-F238E27FC236}">
+                <a16:creationId xmlns:a16="http://schemas.microsoft.com/office/drawing/2014/main" id="{6AA1ED70-3169-33A9-399C-A3692E6BF9A4}"/>
+              </a:ext>
+            </a:extLst>
+          </p:cNvPr>
+          <p:cNvSpPr/>
+          <p:nvPr/>
+        </p:nvSpPr>
+        <p:spPr>
+          <a:xfrm>
+            <a:off x="307739" y="1030758"/>
+            <a:ext cx="183714" cy="95520"/>
+          </a:xfrm>
+          <a:prstGeom prst="flowChartProcess">
+            <a:avLst/>
+          </a:prstGeom>
+          <a:solidFill>
+            <a:schemeClr val="accent6">
+              <a:alpha val="62000"/>
+            </a:schemeClr>
+          </a:solidFill>
+        </p:spPr>
+        <p:style>
+          <a:lnRef idx="2">
+            <a:schemeClr val="accent6">
+              <a:shade val="15000"/>
+            </a:schemeClr>
+          </a:lnRef>
+          <a:fillRef idx="1">
+            <a:schemeClr val="accent6"/>
+          </a:fillRef>
+          <a:effectRef idx="0">
+            <a:schemeClr val="accent6"/>
+          </a:effectRef>
+          <a:fontRef idx="minor">
+            <a:schemeClr val="lt1"/>
+          </a:fontRef>
+        </p:style>
+        <p:txBody>
+          <a:bodyPr rtlCol="0" anchor="ctr"/>
+          <a:lstStyle/>
+          <a:p>
+            <a:pPr algn="ctr"/>
+            <a:endParaRPr lang="ko-KR" altLang="en-US"/>
+          </a:p>
+        </p:txBody>
+      </p:sp>
+      <p:sp>
+        <p:nvSpPr>
+          <p:cNvPr id="78" name="순서도: 처리 77">
+            <a:extLst>
+              <a:ext uri="{FF2B5EF4-FFF2-40B4-BE49-F238E27FC236}">
+                <a16:creationId xmlns:a16="http://schemas.microsoft.com/office/drawing/2014/main" id="{CD6A22F8-CD2B-E830-28F7-B435C115928C}"/>
+              </a:ext>
+            </a:extLst>
+          </p:cNvPr>
+          <p:cNvSpPr/>
+          <p:nvPr/>
+        </p:nvSpPr>
+        <p:spPr>
+          <a:xfrm>
+            <a:off x="1670266" y="1028724"/>
+            <a:ext cx="183714" cy="95520"/>
+          </a:xfrm>
+          <a:prstGeom prst="flowChartProcess">
+            <a:avLst/>
+          </a:prstGeom>
+          <a:solidFill>
+            <a:schemeClr val="accent6">
+              <a:alpha val="62000"/>
+            </a:schemeClr>
+          </a:solidFill>
+        </p:spPr>
+        <p:style>
+          <a:lnRef idx="2">
+            <a:schemeClr val="accent6">
+              <a:shade val="15000"/>
+            </a:schemeClr>
+          </a:lnRef>
+          <a:fillRef idx="1">
+            <a:schemeClr val="accent6"/>
+          </a:fillRef>
+          <a:effectRef idx="0">
+            <a:schemeClr val="accent6"/>
+          </a:effectRef>
+          <a:fontRef idx="minor">
+            <a:schemeClr val="lt1"/>
+          </a:fontRef>
+        </p:style>
+        <p:txBody>
+          <a:bodyPr rtlCol="0" anchor="ctr"/>
+          <a:lstStyle/>
+          <a:p>
+            <a:pPr algn="ctr"/>
+            <a:endParaRPr lang="ko-KR" altLang="en-US"/>
+          </a:p>
+        </p:txBody>
+      </p:sp>
+      <p:sp>
+        <p:nvSpPr>
+          <p:cNvPr id="80" name="오른쪽 중괄호 79">
+            <a:extLst>
+              <a:ext uri="{FF2B5EF4-FFF2-40B4-BE49-F238E27FC236}">
+                <a16:creationId xmlns:a16="http://schemas.microsoft.com/office/drawing/2014/main" id="{7A9067DD-C5C7-4D40-0A80-06856556E570}"/>
+              </a:ext>
+            </a:extLst>
+          </p:cNvPr>
+          <p:cNvSpPr/>
+          <p:nvPr/>
+        </p:nvSpPr>
+        <p:spPr>
+          <a:xfrm rot="16200000">
+            <a:off x="1498422" y="760651"/>
+            <a:ext cx="108000" cy="432000"/>
+          </a:xfrm>
+          <a:prstGeom prst="rightBrace">
+            <a:avLst/>
+          </a:prstGeom>
+        </p:spPr>
+        <p:style>
+          <a:lnRef idx="1">
+            <a:schemeClr val="accent1"/>
+          </a:lnRef>
+          <a:fillRef idx="0">
+            <a:schemeClr val="accent1"/>
+          </a:fillRef>
+          <a:effectRef idx="0">
+            <a:schemeClr val="accent1"/>
+          </a:effectRef>
+          <a:fontRef idx="minor">
+            <a:schemeClr val="tx1"/>
+          </a:fontRef>
+        </p:style>
+        <p:txBody>
+          <a:bodyPr rtlCol="0" anchor="ctr"/>
+          <a:lstStyle/>
+          <a:p>
+            <a:pPr algn="ctr"/>
+            <a:endParaRPr lang="ko-KR" altLang="en-US"/>
+          </a:p>
+        </p:txBody>
+      </p:sp>
+      <p:sp>
+        <p:nvSpPr>
+          <p:cNvPr id="81" name="TextBox 80">
+            <a:extLst>
+              <a:ext uri="{FF2B5EF4-FFF2-40B4-BE49-F238E27FC236}">
+                <a16:creationId xmlns:a16="http://schemas.microsoft.com/office/drawing/2014/main" id="{B899AE98-BF7C-9397-036C-FB09FDAD413B}"/>
+              </a:ext>
+            </a:extLst>
+          </p:cNvPr>
+          <p:cNvSpPr txBox="1"/>
+          <p:nvPr/>
+        </p:nvSpPr>
+        <p:spPr>
+          <a:xfrm>
+            <a:off x="1382138" y="782927"/>
+            <a:ext cx="438218" cy="184666"/>
+          </a:xfrm>
+          <a:prstGeom prst="rect">
+            <a:avLst/>
+          </a:prstGeom>
+          <a:noFill/>
+        </p:spPr>
+        <p:txBody>
+          <a:bodyPr wrap="square" rtlCol="0">
+            <a:spAutoFit/>
+          </a:bodyPr>
+          <a:lstStyle/>
+          <a:p>
+            <a:r>
+              <a:rPr lang="en-US" altLang="ko-KR" sz="600" dirty="0"/>
+              <a:t>12cm</a:t>
+            </a:r>
+            <a:endParaRPr lang="ko-KR" altLang="en-US" sz="600" dirty="0"/>
+          </a:p>
+        </p:txBody>
+      </p:sp>
+      <p:sp>
+        <p:nvSpPr>
+          <p:cNvPr id="7" name="직사각형 6">
+            <a:extLst>
+              <a:ext uri="{FF2B5EF4-FFF2-40B4-BE49-F238E27FC236}">
+                <a16:creationId xmlns:a16="http://schemas.microsoft.com/office/drawing/2014/main" id="{66DEDA32-2FF2-1552-12B6-71565288B74C}"/>
+              </a:ext>
+            </a:extLst>
+          </p:cNvPr>
+          <p:cNvSpPr/>
+          <p:nvPr/>
+        </p:nvSpPr>
+        <p:spPr>
+          <a:xfrm rot="5400000">
+            <a:off x="4128155" y="1090727"/>
+            <a:ext cx="36000" cy="288000"/>
+          </a:xfrm>
+          <a:prstGeom prst="rect">
+            <a:avLst/>
+          </a:prstGeom>
+        </p:spPr>
+        <p:style>
+          <a:lnRef idx="2">
+            <a:schemeClr val="accent1">
+              <a:shade val="15000"/>
+            </a:schemeClr>
+          </a:lnRef>
+          <a:fillRef idx="1">
+            <a:schemeClr val="accent1"/>
+          </a:fillRef>
+          <a:effectRef idx="0">
+            <a:schemeClr val="accent1"/>
+          </a:effectRef>
+          <a:fontRef idx="minor">
+            <a:schemeClr val="lt1"/>
+          </a:fontRef>
+        </p:style>
+        <p:txBody>
+          <a:bodyPr rtlCol="0" anchor="ctr"/>
+          <a:lstStyle/>
+          <a:p>
+            <a:pPr algn="ctr"/>
+            <a:endParaRPr lang="ko-KR" altLang="en-US" dirty="0"/>
+          </a:p>
+        </p:txBody>
+      </p:sp>
+      <p:sp>
+        <p:nvSpPr>
+          <p:cNvPr id="9" name="직사각형 8">
+            <a:extLst>
+              <a:ext uri="{FF2B5EF4-FFF2-40B4-BE49-F238E27FC236}">
+                <a16:creationId xmlns:a16="http://schemas.microsoft.com/office/drawing/2014/main" id="{01DFD736-EB1E-1510-AC71-F5502A8315EC}"/>
+              </a:ext>
+            </a:extLst>
+          </p:cNvPr>
+          <p:cNvSpPr/>
+          <p:nvPr/>
+        </p:nvSpPr>
+        <p:spPr>
+          <a:xfrm rot="3590475">
+            <a:off x="4237763" y="1099913"/>
+            <a:ext cx="45719" cy="177640"/>
+          </a:xfrm>
+          <a:prstGeom prst="rect">
+            <a:avLst/>
+          </a:prstGeom>
+        </p:spPr>
+        <p:style>
+          <a:lnRef idx="2">
+            <a:schemeClr val="accent1">
+              <a:shade val="15000"/>
+            </a:schemeClr>
+          </a:lnRef>
+          <a:fillRef idx="1">
+            <a:schemeClr val="accent1"/>
+          </a:fillRef>
+          <a:effectRef idx="0">
+            <a:schemeClr val="accent1"/>
+          </a:effectRef>
+          <a:fontRef idx="minor">
+            <a:schemeClr val="lt1"/>
+          </a:fontRef>
+        </p:style>
+        <p:txBody>
+          <a:bodyPr rtlCol="0" anchor="ctr"/>
+          <a:lstStyle/>
+          <a:p>
+            <a:pPr algn="ctr"/>
+            <a:endParaRPr lang="ko-KR" altLang="en-US" dirty="0"/>
+          </a:p>
+        </p:txBody>
+      </p:sp>
+      <p:sp>
+        <p:nvSpPr>
+          <p:cNvPr id="10" name="직사각형 9">
+            <a:extLst>
+              <a:ext uri="{FF2B5EF4-FFF2-40B4-BE49-F238E27FC236}">
+                <a16:creationId xmlns:a16="http://schemas.microsoft.com/office/drawing/2014/main" id="{5F08C2EE-CAD9-9657-3F37-EDBF23EAB5E0}"/>
+              </a:ext>
+            </a:extLst>
+          </p:cNvPr>
+          <p:cNvSpPr/>
+          <p:nvPr/>
+        </p:nvSpPr>
+        <p:spPr>
+          <a:xfrm rot="7671421">
+            <a:off x="4234725" y="1200819"/>
+            <a:ext cx="45719" cy="177640"/>
+          </a:xfrm>
+          <a:prstGeom prst="rect">
+            <a:avLst/>
+          </a:prstGeom>
+        </p:spPr>
+        <p:style>
+          <a:lnRef idx="2">
+            <a:schemeClr val="accent1">
+              <a:shade val="15000"/>
+            </a:schemeClr>
+          </a:lnRef>
+          <a:fillRef idx="1">
+            <a:schemeClr val="accent1"/>
+          </a:fillRef>
+          <a:effectRef idx="0">
+            <a:schemeClr val="accent1"/>
+          </a:effectRef>
+          <a:fontRef idx="minor">
+            <a:schemeClr val="lt1"/>
+          </a:fontRef>
+        </p:style>
+        <p:txBody>
+          <a:bodyPr rtlCol="0" anchor="ctr"/>
+          <a:lstStyle/>
+          <a:p>
+            <a:pPr algn="ctr"/>
+            <a:endParaRPr lang="ko-KR" altLang="en-US" dirty="0"/>
+          </a:p>
+        </p:txBody>
+      </p:sp>
+      <p:pic>
+        <p:nvPicPr>
+          <p:cNvPr id="14" name="그림 13" descr="블랙, 어둠이(가) 표시된 사진&#10;&#10;자동 생성된 설명">
+            <a:extLst>
+              <a:ext uri="{FF2B5EF4-FFF2-40B4-BE49-F238E27FC236}">
+                <a16:creationId xmlns:a16="http://schemas.microsoft.com/office/drawing/2014/main" id="{532EB11F-400F-3B1C-9EB2-4CDC9CC08EFD}"/>
+              </a:ext>
+            </a:extLst>
+          </p:cNvPr>
+          <p:cNvPicPr>
+            <a:picLocks noChangeAspect="1"/>
+          </p:cNvPicPr>
+          <p:nvPr/>
+        </p:nvPicPr>
+        <p:blipFill>
+          <a:blip r:embed="rId2">
+            <a:extLst>
+              <a:ext uri="{28A0092B-C50C-407E-A947-70E740481C1C}">
+                <a14:useLocalDpi xmlns:a14="http://schemas.microsoft.com/office/drawing/2010/main" val="0"/>
+              </a:ext>
+            </a:extLst>
+          </a:blip>
+          <a:stretch>
+            <a:fillRect/>
+          </a:stretch>
+        </p:blipFill>
+        <p:spPr>
+          <a:xfrm>
+            <a:off x="536716" y="1019847"/>
+            <a:ext cx="365930" cy="365930"/>
+          </a:xfrm>
+          <a:prstGeom prst="rect">
+            <a:avLst/>
+          </a:prstGeom>
+        </p:spPr>
+      </p:pic>
+      <p:pic>
+        <p:nvPicPr>
+          <p:cNvPr id="15" name="그림 14" descr="원, 그래픽, 스크린샷, 그래픽 디자인이(가) 표시된 사진&#10;&#10;자동 생성된 설명">
+            <a:extLst>
+              <a:ext uri="{FF2B5EF4-FFF2-40B4-BE49-F238E27FC236}">
+                <a16:creationId xmlns:a16="http://schemas.microsoft.com/office/drawing/2014/main" id="{0A6F3F54-6DD6-84F3-9962-15ABFCDE930C}"/>
+              </a:ext>
+            </a:extLst>
+          </p:cNvPr>
+          <p:cNvPicPr>
+            <a:picLocks noChangeAspect="1"/>
+          </p:cNvPicPr>
+          <p:nvPr/>
+        </p:nvPicPr>
+        <p:blipFill>
+          <a:blip r:embed="rId3">
+            <a:extLst>
+              <a:ext uri="{28A0092B-C50C-407E-A947-70E740481C1C}">
+                <a14:useLocalDpi xmlns:a14="http://schemas.microsoft.com/office/drawing/2010/main" val="0"/>
+              </a:ext>
+            </a:extLst>
+          </a:blip>
+          <a:stretch>
+            <a:fillRect/>
+          </a:stretch>
+        </p:blipFill>
+        <p:spPr>
+          <a:xfrm rot="10800000">
+            <a:off x="1276324" y="1012423"/>
+            <a:ext cx="454569" cy="454569"/>
+          </a:xfrm>
+          <a:prstGeom prst="rect">
+            <a:avLst/>
+          </a:prstGeom>
+        </p:spPr>
+      </p:pic>
+      <p:pic>
+        <p:nvPicPr>
+          <p:cNvPr id="18" name="그림 17" descr="상징, 그래픽, 클립아트, 만화 영화이(가) 표시된 사진&#10;&#10;자동 생성된 설명">
+            <a:extLst>
+              <a:ext uri="{FF2B5EF4-FFF2-40B4-BE49-F238E27FC236}">
+                <a16:creationId xmlns:a16="http://schemas.microsoft.com/office/drawing/2014/main" id="{A6F3398D-E28D-4F92-4EF7-FD36FFF118CF}"/>
+              </a:ext>
+            </a:extLst>
+          </p:cNvPr>
+          <p:cNvPicPr>
+            <a:picLocks noChangeAspect="1"/>
+          </p:cNvPicPr>
+          <p:nvPr/>
+        </p:nvPicPr>
+        <p:blipFill>
+          <a:blip r:embed="rId4">
+            <a:extLst>
+              <a:ext uri="{28A0092B-C50C-407E-A947-70E740481C1C}">
+                <a14:useLocalDpi xmlns:a14="http://schemas.microsoft.com/office/drawing/2010/main" val="0"/>
+              </a:ext>
+            </a:extLst>
+          </a:blip>
+          <a:stretch>
+            <a:fillRect/>
+          </a:stretch>
+        </p:blipFill>
+        <p:spPr>
+          <a:xfrm rot="3204274" flipH="1">
+            <a:off x="2334853" y="1271776"/>
+            <a:ext cx="333541" cy="322335"/>
+          </a:xfrm>
+          <a:prstGeom prst="rect">
+            <a:avLst/>
+          </a:prstGeom>
+        </p:spPr>
+      </p:pic>
+      <p:sp>
+        <p:nvSpPr>
+          <p:cNvPr id="21" name="순서도: 처리 20">
+            <a:extLst>
+              <a:ext uri="{FF2B5EF4-FFF2-40B4-BE49-F238E27FC236}">
+                <a16:creationId xmlns:a16="http://schemas.microsoft.com/office/drawing/2014/main" id="{D0776421-EA12-CA0B-8CBF-AC4F19167B53}"/>
+              </a:ext>
+            </a:extLst>
+          </p:cNvPr>
+          <p:cNvSpPr/>
+          <p:nvPr/>
+        </p:nvSpPr>
+        <p:spPr>
+          <a:xfrm>
+            <a:off x="2930996" y="1037749"/>
+            <a:ext cx="720000" cy="408681"/>
+          </a:xfrm>
+          <a:prstGeom prst="flowChartProcess">
+            <a:avLst/>
+          </a:prstGeom>
+          <a:solidFill>
+            <a:schemeClr val="tx1">
+              <a:alpha val="47000"/>
+            </a:schemeClr>
+          </a:solidFill>
+        </p:spPr>
+        <p:style>
+          <a:lnRef idx="2">
+            <a:schemeClr val="accent1">
+              <a:shade val="15000"/>
+            </a:schemeClr>
+          </a:lnRef>
+          <a:fillRef idx="1">
+            <a:schemeClr val="accent1"/>
+          </a:fillRef>
+          <a:effectRef idx="0">
+            <a:schemeClr val="accent1"/>
+          </a:effectRef>
+          <a:fontRef idx="minor">
+            <a:schemeClr val="lt1"/>
+          </a:fontRef>
+        </p:style>
+        <p:txBody>
+          <a:bodyPr rtlCol="0" anchor="ctr"/>
+          <a:lstStyle/>
+          <a:p>
+            <a:pPr algn="ctr"/>
+            <a:endParaRPr lang="ko-KR" altLang="en-US" dirty="0"/>
+          </a:p>
+        </p:txBody>
+      </p:sp>
+      <p:pic>
+        <p:nvPicPr>
+          <p:cNvPr id="23" name="그림 22" descr="아동 미술, 그래픽, 만화 영화, 클립아트이(가) 표시된 사진&#10;&#10;자동 생성된 설명">
+            <a:extLst>
+              <a:ext uri="{FF2B5EF4-FFF2-40B4-BE49-F238E27FC236}">
+                <a16:creationId xmlns:a16="http://schemas.microsoft.com/office/drawing/2014/main" id="{E936BE72-6FC4-A598-1573-727655136AB8}"/>
+              </a:ext>
+            </a:extLst>
+          </p:cNvPr>
+          <p:cNvPicPr>
+            <a:picLocks noChangeAspect="1"/>
+          </p:cNvPicPr>
+          <p:nvPr/>
+        </p:nvPicPr>
+        <p:blipFill>
+          <a:blip r:embed="rId5">
+            <a:extLst>
+              <a:ext uri="{28A0092B-C50C-407E-A947-70E740481C1C}">
+                <a14:useLocalDpi xmlns:a14="http://schemas.microsoft.com/office/drawing/2010/main" val="0"/>
+              </a:ext>
+            </a:extLst>
+          </a:blip>
+          <a:stretch>
+            <a:fillRect/>
+          </a:stretch>
+        </p:blipFill>
+        <p:spPr>
+          <a:xfrm rot="5400000">
+            <a:off x="3130194" y="1081466"/>
+            <a:ext cx="334720" cy="334720"/>
+          </a:xfrm>
+          <a:prstGeom prst="rect">
+            <a:avLst/>
+          </a:prstGeom>
+        </p:spPr>
+      </p:pic>
+      <p:sp>
+        <p:nvSpPr>
+          <p:cNvPr id="25" name="타원 24">
+            <a:extLst>
+              <a:ext uri="{FF2B5EF4-FFF2-40B4-BE49-F238E27FC236}">
+                <a16:creationId xmlns:a16="http://schemas.microsoft.com/office/drawing/2014/main" id="{C912B8B6-400C-B8A3-4B3E-98C2478F1DC7}"/>
+              </a:ext>
+            </a:extLst>
+          </p:cNvPr>
+          <p:cNvSpPr/>
+          <p:nvPr/>
+        </p:nvSpPr>
+        <p:spPr>
+          <a:xfrm>
+            <a:off x="338969" y="1164986"/>
+            <a:ext cx="134344" cy="141649"/>
+          </a:xfrm>
+          <a:prstGeom prst="ellipse">
+            <a:avLst/>
+          </a:prstGeom>
+          <a:solidFill>
+            <a:schemeClr val="dk1">
+              <a:alpha val="50000"/>
+            </a:schemeClr>
+          </a:solidFill>
+          <a:ln>
+            <a:noFill/>
+          </a:ln>
+        </p:spPr>
+        <p:style>
+          <a:lnRef idx="0">
+            <a:scrgbClr r="0" g="0" b="0"/>
+          </a:lnRef>
+          <a:fillRef idx="0">
+            <a:scrgbClr r="0" g="0" b="0"/>
+          </a:fillRef>
+          <a:effectRef idx="0">
+            <a:scrgbClr r="0" g="0" b="0"/>
+          </a:effectRef>
+          <a:fontRef idx="minor">
+            <a:schemeClr val="lt1"/>
+          </a:fontRef>
+        </p:style>
+        <p:txBody>
+          <a:bodyPr rtlCol="0" anchor="ctr"/>
+          <a:lstStyle/>
+          <a:p>
+            <a:pPr algn="ctr"/>
+            <a:endParaRPr lang="ko-KR" altLang="en-US"/>
+          </a:p>
+        </p:txBody>
+      </p:sp>
+      <p:sp>
+        <p:nvSpPr>
+          <p:cNvPr id="28" name="직사각형 27">
+            <a:extLst>
+              <a:ext uri="{FF2B5EF4-FFF2-40B4-BE49-F238E27FC236}">
+                <a16:creationId xmlns:a16="http://schemas.microsoft.com/office/drawing/2014/main" id="{D9C5D2FD-E084-D12E-EE46-B748FBC93254}"/>
+              </a:ext>
+            </a:extLst>
+          </p:cNvPr>
+          <p:cNvSpPr/>
+          <p:nvPr/>
+        </p:nvSpPr>
+        <p:spPr>
+          <a:xfrm>
+            <a:off x="2765297" y="707062"/>
+            <a:ext cx="306000" cy="162000"/>
+          </a:xfrm>
+          <a:prstGeom prst="rect">
+            <a:avLst/>
+          </a:prstGeom>
+          <a:solidFill>
+            <a:schemeClr val="accent2">
+              <a:lumMod val="50000"/>
+            </a:schemeClr>
+          </a:solidFill>
+        </p:spPr>
+        <p:style>
+          <a:lnRef idx="2">
+            <a:schemeClr val="accent1">
+              <a:shade val="15000"/>
+            </a:schemeClr>
+          </a:lnRef>
+          <a:fillRef idx="1">
+            <a:schemeClr val="accent1"/>
+          </a:fillRef>
+          <a:effectRef idx="0">
+            <a:schemeClr val="accent1"/>
+          </a:effectRef>
+          <a:fontRef idx="minor">
+            <a:schemeClr val="lt1"/>
+          </a:fontRef>
+        </p:style>
+        <p:txBody>
+          <a:bodyPr rtlCol="0" anchor="ctr"/>
+          <a:lstStyle/>
+          <a:p>
+            <a:pPr algn="ctr"/>
+            <a:endParaRPr lang="ko-KR" altLang="en-US" dirty="0"/>
+          </a:p>
+        </p:txBody>
+      </p:sp>
+      <p:sp>
+        <p:nvSpPr>
+          <p:cNvPr id="32" name="직사각형 31">
+            <a:extLst>
+              <a:ext uri="{FF2B5EF4-FFF2-40B4-BE49-F238E27FC236}">
+                <a16:creationId xmlns:a16="http://schemas.microsoft.com/office/drawing/2014/main" id="{F6B6DE1C-4858-6508-C77D-48ADA727FD37}"/>
+              </a:ext>
+            </a:extLst>
+          </p:cNvPr>
+          <p:cNvSpPr/>
+          <p:nvPr/>
+        </p:nvSpPr>
+        <p:spPr>
+          <a:xfrm>
+            <a:off x="306453" y="965501"/>
+            <a:ext cx="1047321" cy="61554"/>
+          </a:xfrm>
+          <a:prstGeom prst="rect">
+            <a:avLst/>
+          </a:prstGeom>
+        </p:spPr>
+        <p:style>
+          <a:lnRef idx="2">
+            <a:schemeClr val="accent3">
+              <a:shade val="15000"/>
+            </a:schemeClr>
+          </a:lnRef>
+          <a:fillRef idx="1">
+            <a:schemeClr val="accent3"/>
+          </a:fillRef>
+          <a:effectRef idx="0">
+            <a:schemeClr val="accent3"/>
+          </a:effectRef>
+          <a:fontRef idx="minor">
+            <a:schemeClr val="lt1"/>
+          </a:fontRef>
+        </p:style>
+        <p:txBody>
+          <a:bodyPr rtlCol="0" anchor="ctr"/>
+          <a:lstStyle/>
+          <a:p>
+            <a:pPr algn="ctr"/>
+            <a:endParaRPr lang="ko-KR" altLang="en-US"/>
+          </a:p>
+        </p:txBody>
+      </p:sp>
+      <p:sp>
+        <p:nvSpPr>
+          <p:cNvPr id="33" name="직사각형 32">
+            <a:extLst>
+              <a:ext uri="{FF2B5EF4-FFF2-40B4-BE49-F238E27FC236}">
+                <a16:creationId xmlns:a16="http://schemas.microsoft.com/office/drawing/2014/main" id="{AB5DA8CF-7D28-186C-4B86-A61F85E9E0D6}"/>
+              </a:ext>
+            </a:extLst>
+          </p:cNvPr>
+          <p:cNvSpPr/>
+          <p:nvPr/>
+        </p:nvSpPr>
+        <p:spPr>
+          <a:xfrm>
+            <a:off x="1354962" y="867542"/>
+            <a:ext cx="67172" cy="96938"/>
+          </a:xfrm>
+          <a:prstGeom prst="rect">
+            <a:avLst/>
+          </a:prstGeom>
+        </p:spPr>
+        <p:style>
+          <a:lnRef idx="2">
+            <a:schemeClr val="accent3">
+              <a:shade val="15000"/>
+            </a:schemeClr>
+          </a:lnRef>
+          <a:fillRef idx="1">
+            <a:schemeClr val="accent3"/>
+          </a:fillRef>
+          <a:effectRef idx="0">
+            <a:schemeClr val="accent3"/>
+          </a:effectRef>
+          <a:fontRef idx="minor">
+            <a:schemeClr val="lt1"/>
+          </a:fontRef>
+        </p:style>
+        <p:txBody>
+          <a:bodyPr rtlCol="0" anchor="ctr"/>
+          <a:lstStyle/>
+          <a:p>
+            <a:pPr algn="ctr"/>
+            <a:endParaRPr lang="ko-KR" altLang="en-US"/>
+          </a:p>
+        </p:txBody>
+      </p:sp>
+      <p:sp>
+        <p:nvSpPr>
+          <p:cNvPr id="11" name="직사각형 10">
+            <a:extLst>
+              <a:ext uri="{FF2B5EF4-FFF2-40B4-BE49-F238E27FC236}">
+                <a16:creationId xmlns:a16="http://schemas.microsoft.com/office/drawing/2014/main" id="{5565CD82-6893-B1B4-0905-345A0908C3B6}"/>
+              </a:ext>
+            </a:extLst>
+          </p:cNvPr>
+          <p:cNvSpPr/>
+          <p:nvPr/>
+        </p:nvSpPr>
+        <p:spPr>
+          <a:xfrm rot="10800000">
+            <a:off x="888804" y="965936"/>
+            <a:ext cx="90000" cy="162000"/>
+          </a:xfrm>
+          <a:prstGeom prst="rect">
+            <a:avLst/>
+          </a:prstGeom>
+        </p:spPr>
+        <p:style>
+          <a:lnRef idx="2">
+            <a:schemeClr val="dk1">
+              <a:shade val="15000"/>
+            </a:schemeClr>
+          </a:lnRef>
+          <a:fillRef idx="1">
+            <a:schemeClr val="dk1"/>
+          </a:fillRef>
+          <a:effectRef idx="0">
+            <a:schemeClr val="dk1"/>
+          </a:effectRef>
+          <a:fontRef idx="minor">
+            <a:schemeClr val="lt1"/>
+          </a:fontRef>
+        </p:style>
+        <p:txBody>
+          <a:bodyPr rtlCol="0" anchor="ctr"/>
+          <a:lstStyle/>
+          <a:p>
+            <a:pPr algn="ctr"/>
+            <a:endParaRPr lang="ko-KR" altLang="en-US" dirty="0"/>
+          </a:p>
+        </p:txBody>
+      </p:sp>
+      <p:sp>
+        <p:nvSpPr>
+          <p:cNvPr id="37" name="직사각형 36">
+            <a:extLst>
+              <a:ext uri="{FF2B5EF4-FFF2-40B4-BE49-F238E27FC236}">
+                <a16:creationId xmlns:a16="http://schemas.microsoft.com/office/drawing/2014/main" id="{67BE28DB-4392-251F-2438-DA747C921559}"/>
+              </a:ext>
+            </a:extLst>
+          </p:cNvPr>
+          <p:cNvSpPr/>
+          <p:nvPr/>
+        </p:nvSpPr>
+        <p:spPr>
+          <a:xfrm>
+            <a:off x="2884711" y="867542"/>
+            <a:ext cx="67172" cy="96938"/>
+          </a:xfrm>
+          <a:prstGeom prst="rect">
+            <a:avLst/>
+          </a:prstGeom>
+        </p:spPr>
+        <p:style>
+          <a:lnRef idx="2">
+            <a:schemeClr val="accent3">
+              <a:shade val="15000"/>
+            </a:schemeClr>
+          </a:lnRef>
+          <a:fillRef idx="1">
+            <a:schemeClr val="accent3"/>
+          </a:fillRef>
+          <a:effectRef idx="0">
+            <a:schemeClr val="accent3"/>
+          </a:effectRef>
+          <a:fontRef idx="minor">
+            <a:schemeClr val="lt1"/>
+          </a:fontRef>
+        </p:style>
+        <p:txBody>
+          <a:bodyPr rtlCol="0" anchor="ctr"/>
+          <a:lstStyle/>
+          <a:p>
+            <a:pPr algn="ctr"/>
+            <a:endParaRPr lang="ko-KR" altLang="en-US"/>
+          </a:p>
+        </p:txBody>
+      </p:sp>
+      <p:sp>
+        <p:nvSpPr>
+          <p:cNvPr id="69" name="직사각형 68">
+            <a:extLst>
+              <a:ext uri="{FF2B5EF4-FFF2-40B4-BE49-F238E27FC236}">
+                <a16:creationId xmlns:a16="http://schemas.microsoft.com/office/drawing/2014/main" id="{BDEFD465-FF01-4347-9A03-FE7C4E106295}"/>
+              </a:ext>
+            </a:extLst>
+          </p:cNvPr>
+          <p:cNvSpPr/>
+          <p:nvPr/>
+        </p:nvSpPr>
+        <p:spPr>
+          <a:xfrm>
+            <a:off x="1353774" y="144717"/>
+            <a:ext cx="2728330" cy="61554"/>
+          </a:xfrm>
+          <a:prstGeom prst="rect">
+            <a:avLst/>
+          </a:prstGeom>
+        </p:spPr>
+        <p:style>
+          <a:lnRef idx="2">
+            <a:schemeClr val="accent3">
+              <a:shade val="15000"/>
+            </a:schemeClr>
+          </a:lnRef>
+          <a:fillRef idx="1">
+            <a:schemeClr val="accent3"/>
+          </a:fillRef>
+          <a:effectRef idx="0">
+            <a:schemeClr val="accent3"/>
+          </a:effectRef>
+          <a:fontRef idx="minor">
+            <a:schemeClr val="lt1"/>
+          </a:fontRef>
+        </p:style>
+        <p:txBody>
+          <a:bodyPr rtlCol="0" anchor="ctr"/>
+          <a:lstStyle/>
+          <a:p>
+            <a:pPr algn="ctr"/>
+            <a:endParaRPr lang="ko-KR" altLang="en-US"/>
+          </a:p>
+        </p:txBody>
+      </p:sp>
+      <p:sp>
+        <p:nvSpPr>
+          <p:cNvPr id="75" name="직사각형 74">
+            <a:extLst>
+              <a:ext uri="{FF2B5EF4-FFF2-40B4-BE49-F238E27FC236}">
+                <a16:creationId xmlns:a16="http://schemas.microsoft.com/office/drawing/2014/main" id="{B1096E81-5EFE-AC1D-1FC3-3A64A95EB8BD}"/>
+              </a:ext>
+            </a:extLst>
+          </p:cNvPr>
+          <p:cNvSpPr/>
+          <p:nvPr/>
+        </p:nvSpPr>
+        <p:spPr>
+          <a:xfrm>
+            <a:off x="1355995" y="218250"/>
+            <a:ext cx="67172" cy="274462"/>
+          </a:xfrm>
+          <a:prstGeom prst="rect">
+            <a:avLst/>
+          </a:prstGeom>
+        </p:spPr>
+        <p:style>
+          <a:lnRef idx="2">
+            <a:schemeClr val="accent3">
+              <a:shade val="15000"/>
+            </a:schemeClr>
+          </a:lnRef>
+          <a:fillRef idx="1">
+            <a:schemeClr val="accent3"/>
+          </a:fillRef>
+          <a:effectRef idx="0">
+            <a:schemeClr val="accent3"/>
+          </a:effectRef>
+          <a:fontRef idx="minor">
+            <a:schemeClr val="lt1"/>
+          </a:fontRef>
+        </p:style>
+        <p:txBody>
+          <a:bodyPr rtlCol="0" anchor="ctr"/>
+          <a:lstStyle/>
+          <a:p>
+            <a:pPr algn="ctr"/>
+            <a:endParaRPr lang="ko-KR" altLang="en-US"/>
+          </a:p>
+        </p:txBody>
+      </p:sp>
+      <p:sp>
+        <p:nvSpPr>
+          <p:cNvPr id="79" name="직사각형 78">
+            <a:extLst>
+              <a:ext uri="{FF2B5EF4-FFF2-40B4-BE49-F238E27FC236}">
+                <a16:creationId xmlns:a16="http://schemas.microsoft.com/office/drawing/2014/main" id="{DE2C3375-BD65-3B2C-124B-7891B5E52043}"/>
+              </a:ext>
+            </a:extLst>
+          </p:cNvPr>
+          <p:cNvSpPr/>
+          <p:nvPr/>
+        </p:nvSpPr>
+        <p:spPr>
+          <a:xfrm>
+            <a:off x="2880512" y="217167"/>
+            <a:ext cx="67172" cy="274462"/>
+          </a:xfrm>
+          <a:prstGeom prst="rect">
+            <a:avLst/>
+          </a:prstGeom>
+        </p:spPr>
+        <p:style>
+          <a:lnRef idx="2">
+            <a:schemeClr val="accent3">
+              <a:shade val="15000"/>
+            </a:schemeClr>
+          </a:lnRef>
+          <a:fillRef idx="1">
+            <a:schemeClr val="accent3"/>
+          </a:fillRef>
+          <a:effectRef idx="0">
+            <a:schemeClr val="accent3"/>
+          </a:effectRef>
+          <a:fontRef idx="minor">
+            <a:schemeClr val="lt1"/>
+          </a:fontRef>
+        </p:style>
+        <p:txBody>
+          <a:bodyPr rtlCol="0" anchor="ctr"/>
+          <a:lstStyle/>
+          <a:p>
+            <a:pPr algn="ctr"/>
+            <a:endParaRPr lang="ko-KR" altLang="en-US"/>
+          </a:p>
+        </p:txBody>
+      </p:sp>
+      <p:sp>
+        <p:nvSpPr>
+          <p:cNvPr id="40" name="직사각형 39">
+            <a:extLst>
+              <a:ext uri="{FF2B5EF4-FFF2-40B4-BE49-F238E27FC236}">
+                <a16:creationId xmlns:a16="http://schemas.microsoft.com/office/drawing/2014/main" id="{C6489C17-AF46-933D-9FFF-14C503D45D8F}"/>
+              </a:ext>
+            </a:extLst>
+          </p:cNvPr>
+          <p:cNvSpPr/>
+          <p:nvPr/>
+        </p:nvSpPr>
+        <p:spPr>
+          <a:xfrm>
+            <a:off x="1420590" y="960655"/>
+            <a:ext cx="691700" cy="61554"/>
+          </a:xfrm>
+          <a:prstGeom prst="rect">
+            <a:avLst/>
+          </a:prstGeom>
+        </p:spPr>
+        <p:style>
+          <a:lnRef idx="2">
+            <a:schemeClr val="accent3">
+              <a:shade val="15000"/>
+            </a:schemeClr>
+          </a:lnRef>
+          <a:fillRef idx="1">
+            <a:schemeClr val="accent3"/>
+          </a:fillRef>
+          <a:effectRef idx="0">
+            <a:schemeClr val="accent3"/>
+          </a:effectRef>
+          <a:fontRef idx="minor">
+            <a:schemeClr val="lt1"/>
+          </a:fontRef>
+        </p:style>
+        <p:txBody>
+          <a:bodyPr rtlCol="0" anchor="ctr"/>
+          <a:lstStyle/>
+          <a:p>
+            <a:pPr algn="ctr"/>
+            <a:endParaRPr lang="ko-KR" altLang="en-US"/>
+          </a:p>
+        </p:txBody>
+      </p:sp>
+      <p:sp>
+        <p:nvSpPr>
+          <p:cNvPr id="50" name="직사각형 49">
+            <a:extLst>
+              <a:ext uri="{FF2B5EF4-FFF2-40B4-BE49-F238E27FC236}">
+                <a16:creationId xmlns:a16="http://schemas.microsoft.com/office/drawing/2014/main" id="{8F4C75B3-863B-EE9E-C768-90867C587B83}"/>
+              </a:ext>
+            </a:extLst>
+          </p:cNvPr>
+          <p:cNvSpPr/>
+          <p:nvPr/>
+        </p:nvSpPr>
+        <p:spPr>
+          <a:xfrm rot="10800000">
+            <a:off x="1905225" y="957959"/>
+            <a:ext cx="90000" cy="162000"/>
+          </a:xfrm>
+          <a:prstGeom prst="rect">
+            <a:avLst/>
+          </a:prstGeom>
+        </p:spPr>
+        <p:style>
+          <a:lnRef idx="2">
+            <a:schemeClr val="dk1">
+              <a:shade val="15000"/>
+            </a:schemeClr>
+          </a:lnRef>
+          <a:fillRef idx="1">
+            <a:schemeClr val="dk1"/>
+          </a:fillRef>
+          <a:effectRef idx="0">
+            <a:schemeClr val="dk1"/>
+          </a:effectRef>
+          <a:fontRef idx="minor">
+            <a:schemeClr val="lt1"/>
+          </a:fontRef>
+        </p:style>
+        <p:txBody>
+          <a:bodyPr rtlCol="0" anchor="ctr"/>
+          <a:lstStyle/>
+          <a:p>
+            <a:pPr algn="ctr"/>
+            <a:endParaRPr lang="ko-KR" altLang="en-US" dirty="0"/>
+          </a:p>
+        </p:txBody>
+      </p:sp>
+      <p:sp>
+        <p:nvSpPr>
+          <p:cNvPr id="43" name="직사각형 42">
+            <a:extLst>
+              <a:ext uri="{FF2B5EF4-FFF2-40B4-BE49-F238E27FC236}">
+                <a16:creationId xmlns:a16="http://schemas.microsoft.com/office/drawing/2014/main" id="{451784D1-0154-43E8-074D-E9DA706318E6}"/>
+              </a:ext>
+            </a:extLst>
+          </p:cNvPr>
+          <p:cNvSpPr/>
+          <p:nvPr/>
+        </p:nvSpPr>
+        <p:spPr>
+          <a:xfrm>
+            <a:off x="2955524" y="962153"/>
+            <a:ext cx="848618" cy="61554"/>
+          </a:xfrm>
+          <a:prstGeom prst="rect">
+            <a:avLst/>
+          </a:prstGeom>
+        </p:spPr>
+        <p:style>
+          <a:lnRef idx="2">
+            <a:schemeClr val="accent3">
+              <a:shade val="15000"/>
+            </a:schemeClr>
+          </a:lnRef>
+          <a:fillRef idx="1">
+            <a:schemeClr val="accent3"/>
+          </a:fillRef>
+          <a:effectRef idx="0">
+            <a:schemeClr val="accent3"/>
+          </a:effectRef>
+          <a:fontRef idx="minor">
+            <a:schemeClr val="lt1"/>
+          </a:fontRef>
+        </p:style>
+        <p:txBody>
+          <a:bodyPr rtlCol="0" anchor="ctr"/>
+          <a:lstStyle/>
+          <a:p>
+            <a:pPr algn="ctr"/>
+            <a:endParaRPr lang="ko-KR" altLang="en-US"/>
+          </a:p>
+        </p:txBody>
+      </p:sp>
+      <p:sp>
+        <p:nvSpPr>
+          <p:cNvPr id="63" name="직사각형 62">
+            <a:extLst>
+              <a:ext uri="{FF2B5EF4-FFF2-40B4-BE49-F238E27FC236}">
+                <a16:creationId xmlns:a16="http://schemas.microsoft.com/office/drawing/2014/main" id="{0FA44C52-7C1E-4C68-F885-791DDC02C5DF}"/>
+              </a:ext>
+            </a:extLst>
+          </p:cNvPr>
+          <p:cNvSpPr/>
+          <p:nvPr/>
+        </p:nvSpPr>
+        <p:spPr>
+          <a:xfrm rot="10800000">
+            <a:off x="3664954" y="960170"/>
+            <a:ext cx="90000" cy="162000"/>
+          </a:xfrm>
+          <a:prstGeom prst="rect">
+            <a:avLst/>
+          </a:prstGeom>
+        </p:spPr>
+        <p:style>
+          <a:lnRef idx="2">
+            <a:schemeClr val="dk1">
+              <a:shade val="15000"/>
+            </a:schemeClr>
+          </a:lnRef>
+          <a:fillRef idx="1">
+            <a:schemeClr val="dk1"/>
+          </a:fillRef>
+          <a:effectRef idx="0">
+            <a:schemeClr val="dk1"/>
+          </a:effectRef>
+          <a:fontRef idx="minor">
+            <a:schemeClr val="lt1"/>
+          </a:fontRef>
+        </p:style>
+        <p:txBody>
+          <a:bodyPr rtlCol="0" anchor="ctr"/>
+          <a:lstStyle/>
+          <a:p>
+            <a:pPr algn="ctr"/>
+            <a:endParaRPr lang="ko-KR" altLang="en-US" dirty="0"/>
+          </a:p>
+        </p:txBody>
+      </p:sp>
+      <p:sp>
+        <p:nvSpPr>
+          <p:cNvPr id="44" name="직사각형 43">
+            <a:extLst>
+              <a:ext uri="{FF2B5EF4-FFF2-40B4-BE49-F238E27FC236}">
+                <a16:creationId xmlns:a16="http://schemas.microsoft.com/office/drawing/2014/main" id="{8D2D4F4D-641B-32EA-B87D-EA13FAD4C292}"/>
+              </a:ext>
+            </a:extLst>
+          </p:cNvPr>
+          <p:cNvSpPr/>
+          <p:nvPr/>
+        </p:nvSpPr>
+        <p:spPr>
+          <a:xfrm>
+            <a:off x="2062187" y="702300"/>
+            <a:ext cx="161959" cy="162000"/>
+          </a:xfrm>
+          <a:prstGeom prst="rect">
+            <a:avLst/>
+          </a:prstGeom>
+          <a:solidFill>
+            <a:schemeClr val="accent2">
+              <a:lumMod val="50000"/>
+            </a:schemeClr>
+          </a:solidFill>
+        </p:spPr>
+        <p:style>
+          <a:lnRef idx="2">
+            <a:schemeClr val="accent1">
+              <a:shade val="15000"/>
+            </a:schemeClr>
+          </a:lnRef>
+          <a:fillRef idx="1">
+            <a:schemeClr val="accent1"/>
+          </a:fillRef>
+          <a:effectRef idx="0">
+            <a:schemeClr val="accent1"/>
+          </a:effectRef>
+          <a:fontRef idx="minor">
+            <a:schemeClr val="lt1"/>
+          </a:fontRef>
+        </p:style>
+        <p:txBody>
+          <a:bodyPr rtlCol="0" anchor="ctr"/>
+          <a:lstStyle/>
+          <a:p>
+            <a:pPr algn="ctr"/>
+            <a:endParaRPr lang="ko-KR" altLang="en-US" dirty="0"/>
+          </a:p>
+        </p:txBody>
+      </p:sp>
+      <p:sp>
+        <p:nvSpPr>
+          <p:cNvPr id="46" name="직사각형 45">
+            <a:extLst>
+              <a:ext uri="{FF2B5EF4-FFF2-40B4-BE49-F238E27FC236}">
+                <a16:creationId xmlns:a16="http://schemas.microsoft.com/office/drawing/2014/main" id="{C15C98DB-5853-CFB1-8FF0-E5B98EF64EDB}"/>
+              </a:ext>
+            </a:extLst>
+          </p:cNvPr>
+          <p:cNvSpPr/>
+          <p:nvPr/>
+        </p:nvSpPr>
+        <p:spPr>
+          <a:xfrm>
+            <a:off x="2183936" y="962744"/>
+            <a:ext cx="691700" cy="61554"/>
+          </a:xfrm>
+          <a:prstGeom prst="rect">
+            <a:avLst/>
+          </a:prstGeom>
+        </p:spPr>
+        <p:style>
+          <a:lnRef idx="2">
+            <a:schemeClr val="accent3">
+              <a:shade val="15000"/>
+            </a:schemeClr>
+          </a:lnRef>
+          <a:fillRef idx="1">
+            <a:schemeClr val="accent3"/>
+          </a:fillRef>
+          <a:effectRef idx="0">
+            <a:schemeClr val="accent3"/>
+          </a:effectRef>
+          <a:fontRef idx="minor">
+            <a:schemeClr val="lt1"/>
+          </a:fontRef>
+        </p:style>
+        <p:txBody>
+          <a:bodyPr rtlCol="0" anchor="ctr"/>
+          <a:lstStyle/>
+          <a:p>
+            <a:pPr algn="ctr"/>
+            <a:endParaRPr lang="ko-KR" altLang="en-US"/>
+          </a:p>
+        </p:txBody>
+      </p:sp>
+      <p:sp>
+        <p:nvSpPr>
+          <p:cNvPr id="48" name="직사각형 47">
+            <a:extLst>
+              <a:ext uri="{FF2B5EF4-FFF2-40B4-BE49-F238E27FC236}">
+                <a16:creationId xmlns:a16="http://schemas.microsoft.com/office/drawing/2014/main" id="{FB7575D2-647F-BEA6-293E-E8DC25D2D549}"/>
+              </a:ext>
+            </a:extLst>
+          </p:cNvPr>
+          <p:cNvSpPr/>
+          <p:nvPr/>
+        </p:nvSpPr>
+        <p:spPr>
+          <a:xfrm>
+            <a:off x="2112521" y="865091"/>
+            <a:ext cx="67172" cy="96938"/>
+          </a:xfrm>
+          <a:prstGeom prst="rect">
+            <a:avLst/>
+          </a:prstGeom>
+        </p:spPr>
+        <p:style>
+          <a:lnRef idx="2">
+            <a:schemeClr val="accent3">
+              <a:shade val="15000"/>
+            </a:schemeClr>
+          </a:lnRef>
+          <a:fillRef idx="1">
+            <a:schemeClr val="accent3"/>
+          </a:fillRef>
+          <a:effectRef idx="0">
+            <a:schemeClr val="accent3"/>
+          </a:effectRef>
+          <a:fontRef idx="minor">
+            <a:schemeClr val="lt1"/>
+          </a:fontRef>
+        </p:style>
+        <p:txBody>
+          <a:bodyPr rtlCol="0" anchor="ctr"/>
+          <a:lstStyle/>
+          <a:p>
+            <a:pPr algn="ctr"/>
+            <a:endParaRPr lang="ko-KR" altLang="en-US"/>
+          </a:p>
+        </p:txBody>
+      </p:sp>
+      <p:sp>
+        <p:nvSpPr>
+          <p:cNvPr id="70" name="직사각형 69">
+            <a:extLst>
+              <a:ext uri="{FF2B5EF4-FFF2-40B4-BE49-F238E27FC236}">
+                <a16:creationId xmlns:a16="http://schemas.microsoft.com/office/drawing/2014/main" id="{61826E22-F307-8992-9779-1029D8AEC8CA}"/>
+              </a:ext>
+            </a:extLst>
+          </p:cNvPr>
+          <p:cNvSpPr/>
+          <p:nvPr/>
+        </p:nvSpPr>
+        <p:spPr>
+          <a:xfrm rot="10800000">
+            <a:off x="2649786" y="957959"/>
+            <a:ext cx="90000" cy="162000"/>
+          </a:xfrm>
+          <a:prstGeom prst="rect">
+            <a:avLst/>
+          </a:prstGeom>
+        </p:spPr>
+        <p:style>
+          <a:lnRef idx="2">
+            <a:schemeClr val="dk1">
+              <a:shade val="15000"/>
+            </a:schemeClr>
+          </a:lnRef>
+          <a:fillRef idx="1">
+            <a:schemeClr val="dk1"/>
+          </a:fillRef>
+          <a:effectRef idx="0">
+            <a:schemeClr val="dk1"/>
+          </a:effectRef>
+          <a:fontRef idx="minor">
+            <a:schemeClr val="lt1"/>
+          </a:fontRef>
+        </p:style>
+        <p:txBody>
+          <a:bodyPr rtlCol="0" anchor="ctr"/>
+          <a:lstStyle/>
+          <a:p>
+            <a:pPr algn="ctr"/>
+            <a:endParaRPr lang="ko-KR" altLang="en-US" dirty="0"/>
+          </a:p>
+        </p:txBody>
+      </p:sp>
+      <p:sp>
+        <p:nvSpPr>
+          <p:cNvPr id="49" name="직사각형 48">
+            <a:extLst>
+              <a:ext uri="{FF2B5EF4-FFF2-40B4-BE49-F238E27FC236}">
+                <a16:creationId xmlns:a16="http://schemas.microsoft.com/office/drawing/2014/main" id="{6137783C-67E8-03FC-C7C2-C8746C3E1A29}"/>
+              </a:ext>
+            </a:extLst>
+          </p:cNvPr>
+          <p:cNvSpPr/>
+          <p:nvPr/>
+        </p:nvSpPr>
+        <p:spPr>
+          <a:xfrm>
+            <a:off x="306453" y="887383"/>
+            <a:ext cx="1872000" cy="61554"/>
+          </a:xfrm>
+          <a:prstGeom prst="rect">
+            <a:avLst/>
+          </a:prstGeom>
+          <a:solidFill>
+            <a:schemeClr val="accent1">
+              <a:lumMod val="50000"/>
+            </a:schemeClr>
+          </a:solidFill>
+        </p:spPr>
+        <p:style>
+          <a:lnRef idx="2">
+            <a:schemeClr val="accent3">
+              <a:shade val="15000"/>
+            </a:schemeClr>
+          </a:lnRef>
+          <a:fillRef idx="1">
+            <a:schemeClr val="accent3"/>
+          </a:fillRef>
+          <a:effectRef idx="0">
+            <a:schemeClr val="accent3"/>
+          </a:effectRef>
+          <a:fontRef idx="minor">
+            <a:schemeClr val="lt1"/>
+          </a:fontRef>
+        </p:style>
+        <p:txBody>
+          <a:bodyPr rtlCol="0" anchor="ctr"/>
+          <a:lstStyle/>
+          <a:p>
+            <a:pPr algn="ctr"/>
+            <a:endParaRPr lang="ko-KR" altLang="en-US" dirty="0"/>
+          </a:p>
+        </p:txBody>
+      </p:sp>
+    </p:spTree>
+    <p:extLst>
+      <p:ext uri="{BB962C8B-B14F-4D97-AF65-F5344CB8AC3E}">
+        <p14:creationId xmlns:p14="http://schemas.microsoft.com/office/powerpoint/2010/main" val="3137395699"/>
+      </p:ext>
+    </p:extLst>
+  </p:cSld>
+  <p:clrMapOvr>
+    <a:masterClrMapping/>
+  </p:clrMapOvr>
+</p:sld>
+</file>
+
 <file path=ppt/theme/theme1.xml><?xml version="1.0" encoding="utf-8"?>
 <a:theme xmlns:a="http://schemas.openxmlformats.org/drawingml/2006/main" name="Office 테마">
   <a:themeElements>

--- a/주간업무보고서/주간 업무 참고 자료/2주차 자료/반도체 제조 공정 전체 구성도.pptx
+++ b/주간업무보고서/주간 업무 참고 자료/2주차 자료/반도체 제조 공정 전체 구성도.pptx
@@ -246,7 +246,7 @@
           <a:p>
             <a:fld id="{7B7F6EB5-34DB-4516-8904-57937E4D5C05}" type="datetimeFigureOut">
               <a:rPr lang="ko-KR" altLang="en-US" smtClean="0"/>
-              <a:t>2023-12-15</a:t>
+              <a:t>2023-12-16</a:t>
             </a:fld>
             <a:endParaRPr lang="ko-KR" altLang="en-US"/>
           </a:p>
@@ -416,7 +416,7 @@
           <a:p>
             <a:fld id="{7B7F6EB5-34DB-4516-8904-57937E4D5C05}" type="datetimeFigureOut">
               <a:rPr lang="ko-KR" altLang="en-US" smtClean="0"/>
-              <a:t>2023-12-15</a:t>
+              <a:t>2023-12-16</a:t>
             </a:fld>
             <a:endParaRPr lang="ko-KR" altLang="en-US"/>
           </a:p>
@@ -596,7 +596,7 @@
           <a:p>
             <a:fld id="{7B7F6EB5-34DB-4516-8904-57937E4D5C05}" type="datetimeFigureOut">
               <a:rPr lang="ko-KR" altLang="en-US" smtClean="0"/>
-              <a:t>2023-12-15</a:t>
+              <a:t>2023-12-16</a:t>
             </a:fld>
             <a:endParaRPr lang="ko-KR" altLang="en-US"/>
           </a:p>
@@ -766,7 +766,7 @@
           <a:p>
             <a:fld id="{7B7F6EB5-34DB-4516-8904-57937E4D5C05}" type="datetimeFigureOut">
               <a:rPr lang="ko-KR" altLang="en-US" smtClean="0"/>
-              <a:t>2023-12-15</a:t>
+              <a:t>2023-12-16</a:t>
             </a:fld>
             <a:endParaRPr lang="ko-KR" altLang="en-US"/>
           </a:p>
@@ -1012,7 +1012,7 @@
           <a:p>
             <a:fld id="{7B7F6EB5-34DB-4516-8904-57937E4D5C05}" type="datetimeFigureOut">
               <a:rPr lang="ko-KR" altLang="en-US" smtClean="0"/>
-              <a:t>2023-12-15</a:t>
+              <a:t>2023-12-16</a:t>
             </a:fld>
             <a:endParaRPr lang="ko-KR" altLang="en-US"/>
           </a:p>
@@ -1244,7 +1244,7 @@
           <a:p>
             <a:fld id="{7B7F6EB5-34DB-4516-8904-57937E4D5C05}" type="datetimeFigureOut">
               <a:rPr lang="ko-KR" altLang="en-US" smtClean="0"/>
-              <a:t>2023-12-15</a:t>
+              <a:t>2023-12-16</a:t>
             </a:fld>
             <a:endParaRPr lang="ko-KR" altLang="en-US"/>
           </a:p>
@@ -1611,7 +1611,7 @@
           <a:p>
             <a:fld id="{7B7F6EB5-34DB-4516-8904-57937E4D5C05}" type="datetimeFigureOut">
               <a:rPr lang="ko-KR" altLang="en-US" smtClean="0"/>
-              <a:t>2023-12-15</a:t>
+              <a:t>2023-12-16</a:t>
             </a:fld>
             <a:endParaRPr lang="ko-KR" altLang="en-US"/>
           </a:p>
@@ -1729,7 +1729,7 @@
           <a:p>
             <a:fld id="{7B7F6EB5-34DB-4516-8904-57937E4D5C05}" type="datetimeFigureOut">
               <a:rPr lang="ko-KR" altLang="en-US" smtClean="0"/>
-              <a:t>2023-12-15</a:t>
+              <a:t>2023-12-16</a:t>
             </a:fld>
             <a:endParaRPr lang="ko-KR" altLang="en-US"/>
           </a:p>
@@ -1824,7 +1824,7 @@
           <a:p>
             <a:fld id="{7B7F6EB5-34DB-4516-8904-57937E4D5C05}" type="datetimeFigureOut">
               <a:rPr lang="ko-KR" altLang="en-US" smtClean="0"/>
-              <a:t>2023-12-15</a:t>
+              <a:t>2023-12-16</a:t>
             </a:fld>
             <a:endParaRPr lang="ko-KR" altLang="en-US"/>
           </a:p>
@@ -2101,7 +2101,7 @@
           <a:p>
             <a:fld id="{7B7F6EB5-34DB-4516-8904-57937E4D5C05}" type="datetimeFigureOut">
               <a:rPr lang="ko-KR" altLang="en-US" smtClean="0"/>
-              <a:t>2023-12-15</a:t>
+              <a:t>2023-12-16</a:t>
             </a:fld>
             <a:endParaRPr lang="ko-KR" altLang="en-US"/>
           </a:p>
@@ -2358,7 +2358,7 @@
           <a:p>
             <a:fld id="{7B7F6EB5-34DB-4516-8904-57937E4D5C05}" type="datetimeFigureOut">
               <a:rPr lang="ko-KR" altLang="en-US" smtClean="0"/>
-              <a:t>2023-12-15</a:t>
+              <a:t>2023-12-16</a:t>
             </a:fld>
             <a:endParaRPr lang="ko-KR" altLang="en-US"/>
           </a:p>
@@ -2571,7 +2571,7 @@
           <a:p>
             <a:fld id="{7B7F6EB5-34DB-4516-8904-57937E4D5C05}" type="datetimeFigureOut">
               <a:rPr lang="ko-KR" altLang="en-US" smtClean="0"/>
-              <a:t>2023-12-15</a:t>
+              <a:t>2023-12-16</a:t>
             </a:fld>
             <a:endParaRPr lang="ko-KR" altLang="en-US"/>
           </a:p>
@@ -10414,36 +10414,36 @@
       </p:sp>
       <p:sp>
         <p:nvSpPr>
-          <p:cNvPr id="26" name="직사각형 25">
-            <a:extLst>
-              <a:ext uri="{FF2B5EF4-FFF2-40B4-BE49-F238E27FC236}">
-                <a16:creationId xmlns:a16="http://schemas.microsoft.com/office/drawing/2014/main" id="{9ED15C8A-B72D-9BA3-7BD8-D25E0EB42375}"/>
-              </a:ext>
-            </a:extLst>
-          </p:cNvPr>
-          <p:cNvSpPr/>
-          <p:nvPr/>
-        </p:nvSpPr>
-        <p:spPr>
-          <a:xfrm rot="5400000">
-            <a:off x="4331620" y="1152277"/>
-            <a:ext cx="90000" cy="162000"/>
-          </a:xfrm>
-          <a:prstGeom prst="rect">
-            <a:avLst/>
-          </a:prstGeom>
-        </p:spPr>
-        <p:style>
-          <a:lnRef idx="2">
-            <a:schemeClr val="dk1">
-              <a:shade val="15000"/>
-            </a:schemeClr>
-          </a:lnRef>
-          <a:fillRef idx="1">
-            <a:schemeClr val="dk1"/>
-          </a:fillRef>
-          <a:effectRef idx="0">
-            <a:schemeClr val="dk1"/>
+          <p:cNvPr id="36" name="직사각형 35">
+            <a:extLst>
+              <a:ext uri="{FF2B5EF4-FFF2-40B4-BE49-F238E27FC236}">
+                <a16:creationId xmlns:a16="http://schemas.microsoft.com/office/drawing/2014/main" id="{F0E29383-57CB-0805-B1C7-036FA1984B98}"/>
+              </a:ext>
+            </a:extLst>
+          </p:cNvPr>
+          <p:cNvSpPr/>
+          <p:nvPr/>
+        </p:nvSpPr>
+        <p:spPr>
+          <a:xfrm>
+            <a:off x="4194704" y="1123567"/>
+            <a:ext cx="252000" cy="252000"/>
+          </a:xfrm>
+          <a:prstGeom prst="rect">
+            <a:avLst/>
+          </a:prstGeom>
+        </p:spPr>
+        <p:style>
+          <a:lnRef idx="2">
+            <a:schemeClr val="accent2">
+              <a:shade val="15000"/>
+            </a:schemeClr>
+          </a:lnRef>
+          <a:fillRef idx="1">
+            <a:schemeClr val="accent2"/>
+          </a:fillRef>
+          <a:effectRef idx="0">
+            <a:schemeClr val="accent2"/>
           </a:effectRef>
           <a:fontRef idx="minor">
             <a:schemeClr val="lt1"/>
@@ -10460,52 +10460,6 @@
       </p:sp>
       <p:sp>
         <p:nvSpPr>
-          <p:cNvPr id="36" name="직사각형 35">
-            <a:extLst>
-              <a:ext uri="{FF2B5EF4-FFF2-40B4-BE49-F238E27FC236}">
-                <a16:creationId xmlns:a16="http://schemas.microsoft.com/office/drawing/2014/main" id="{F0E29383-57CB-0805-B1C7-036FA1984B98}"/>
-              </a:ext>
-            </a:extLst>
-          </p:cNvPr>
-          <p:cNvSpPr/>
-          <p:nvPr/>
-        </p:nvSpPr>
-        <p:spPr>
-          <a:xfrm>
-            <a:off x="4108530" y="1365962"/>
-            <a:ext cx="252000" cy="252000"/>
-          </a:xfrm>
-          <a:prstGeom prst="rect">
-            <a:avLst/>
-          </a:prstGeom>
-        </p:spPr>
-        <p:style>
-          <a:lnRef idx="2">
-            <a:schemeClr val="accent2">
-              <a:shade val="15000"/>
-            </a:schemeClr>
-          </a:lnRef>
-          <a:fillRef idx="1">
-            <a:schemeClr val="accent2"/>
-          </a:fillRef>
-          <a:effectRef idx="0">
-            <a:schemeClr val="accent2"/>
-          </a:effectRef>
-          <a:fontRef idx="minor">
-            <a:schemeClr val="lt1"/>
-          </a:fontRef>
-        </p:style>
-        <p:txBody>
-          <a:bodyPr rtlCol="0" anchor="ctr"/>
-          <a:lstStyle/>
-          <a:p>
-            <a:pPr algn="ctr"/>
-            <a:endParaRPr lang="ko-KR" altLang="en-US" dirty="0"/>
-          </a:p>
-        </p:txBody>
-      </p:sp>
-      <p:sp>
-        <p:nvSpPr>
           <p:cNvPr id="39" name="직사각형 38">
             <a:extLst>
               <a:ext uri="{FF2B5EF4-FFF2-40B4-BE49-F238E27FC236}">
@@ -10518,7 +10472,7 @@
         </p:nvSpPr>
         <p:spPr>
           <a:xfrm>
-            <a:off x="4108943" y="869476"/>
+            <a:off x="3981161" y="865839"/>
             <a:ext cx="252000" cy="252000"/>
           </a:xfrm>
           <a:prstGeom prst="rect">
@@ -10896,7 +10850,7 @@
         </p:nvSpPr>
         <p:spPr>
           <a:xfrm>
-            <a:off x="2677734" y="1377841"/>
+            <a:off x="2677734" y="1365541"/>
             <a:ext cx="252000" cy="252000"/>
           </a:xfrm>
           <a:prstGeom prst="rect">
@@ -11220,101 +11174,9 @@
           <p:nvPr/>
         </p:nvSpPr>
         <p:spPr>
-          <a:xfrm rot="5400000">
-            <a:off x="4128155" y="1090727"/>
+          <a:xfrm rot="2310089">
+            <a:off x="4085674" y="1111179"/>
             <a:ext cx="36000" cy="288000"/>
-          </a:xfrm>
-          <a:prstGeom prst="rect">
-            <a:avLst/>
-          </a:prstGeom>
-        </p:spPr>
-        <p:style>
-          <a:lnRef idx="2">
-            <a:schemeClr val="accent1">
-              <a:shade val="15000"/>
-            </a:schemeClr>
-          </a:lnRef>
-          <a:fillRef idx="1">
-            <a:schemeClr val="accent1"/>
-          </a:fillRef>
-          <a:effectRef idx="0">
-            <a:schemeClr val="accent1"/>
-          </a:effectRef>
-          <a:fontRef idx="minor">
-            <a:schemeClr val="lt1"/>
-          </a:fontRef>
-        </p:style>
-        <p:txBody>
-          <a:bodyPr rtlCol="0" anchor="ctr"/>
-          <a:lstStyle/>
-          <a:p>
-            <a:pPr algn="ctr"/>
-            <a:endParaRPr lang="ko-KR" altLang="en-US" dirty="0"/>
-          </a:p>
-        </p:txBody>
-      </p:sp>
-      <p:sp>
-        <p:nvSpPr>
-          <p:cNvPr id="9" name="직사각형 8">
-            <a:extLst>
-              <a:ext uri="{FF2B5EF4-FFF2-40B4-BE49-F238E27FC236}">
-                <a16:creationId xmlns:a16="http://schemas.microsoft.com/office/drawing/2014/main" id="{01DFD736-EB1E-1510-AC71-F5502A8315EC}"/>
-              </a:ext>
-            </a:extLst>
-          </p:cNvPr>
-          <p:cNvSpPr/>
-          <p:nvPr/>
-        </p:nvSpPr>
-        <p:spPr>
-          <a:xfrm rot="3590475">
-            <a:off x="4237763" y="1099913"/>
-            <a:ext cx="45719" cy="177640"/>
-          </a:xfrm>
-          <a:prstGeom prst="rect">
-            <a:avLst/>
-          </a:prstGeom>
-        </p:spPr>
-        <p:style>
-          <a:lnRef idx="2">
-            <a:schemeClr val="accent1">
-              <a:shade val="15000"/>
-            </a:schemeClr>
-          </a:lnRef>
-          <a:fillRef idx="1">
-            <a:schemeClr val="accent1"/>
-          </a:fillRef>
-          <a:effectRef idx="0">
-            <a:schemeClr val="accent1"/>
-          </a:effectRef>
-          <a:fontRef idx="minor">
-            <a:schemeClr val="lt1"/>
-          </a:fontRef>
-        </p:style>
-        <p:txBody>
-          <a:bodyPr rtlCol="0" anchor="ctr"/>
-          <a:lstStyle/>
-          <a:p>
-            <a:pPr algn="ctr"/>
-            <a:endParaRPr lang="ko-KR" altLang="en-US" dirty="0"/>
-          </a:p>
-        </p:txBody>
-      </p:sp>
-      <p:sp>
-        <p:nvSpPr>
-          <p:cNvPr id="10" name="직사각형 9">
-            <a:extLst>
-              <a:ext uri="{FF2B5EF4-FFF2-40B4-BE49-F238E27FC236}">
-                <a16:creationId xmlns:a16="http://schemas.microsoft.com/office/drawing/2014/main" id="{5F08C2EE-CAD9-9657-3F37-EDBF23EAB5E0}"/>
-              </a:ext>
-            </a:extLst>
-          </p:cNvPr>
-          <p:cNvSpPr/>
-          <p:nvPr/>
-        </p:nvSpPr>
-        <p:spPr>
-          <a:xfrm rot="7671421">
-            <a:off x="4234725" y="1200819"/>
-            <a:ext cx="45719" cy="177640"/>
           </a:xfrm>
           <a:prstGeom prst="rect">
             <a:avLst/>
@@ -11658,7 +11520,7 @@
         <p:spPr>
           <a:xfrm>
             <a:off x="306453" y="965501"/>
-            <a:ext cx="1047321" cy="61554"/>
+            <a:ext cx="3480231" cy="61554"/>
           </a:xfrm>
           <a:prstGeom prst="rect">
             <a:avLst/>
@@ -11703,8 +11565,8 @@
         </p:nvSpPr>
         <p:spPr>
           <a:xfrm>
-            <a:off x="1354962" y="867542"/>
-            <a:ext cx="67172" cy="96938"/>
+            <a:off x="1354962" y="867541"/>
+            <a:ext cx="67172" cy="104011"/>
           </a:xfrm>
           <a:prstGeom prst="rect">
             <a:avLst/>
@@ -11748,8 +11610,8 @@
           <p:nvPr/>
         </p:nvSpPr>
         <p:spPr>
-          <a:xfrm rot="10800000">
-            <a:off x="888804" y="965936"/>
+          <a:xfrm rot="5400000">
+            <a:off x="893923" y="998319"/>
             <a:ext cx="90000" cy="162000"/>
           </a:xfrm>
           <a:prstGeom prst="rect">
@@ -11967,52 +11829,6 @@
       </p:sp>
       <p:sp>
         <p:nvSpPr>
-          <p:cNvPr id="40" name="직사각형 39">
-            <a:extLst>
-              <a:ext uri="{FF2B5EF4-FFF2-40B4-BE49-F238E27FC236}">
-                <a16:creationId xmlns:a16="http://schemas.microsoft.com/office/drawing/2014/main" id="{C6489C17-AF46-933D-9FFF-14C503D45D8F}"/>
-              </a:ext>
-            </a:extLst>
-          </p:cNvPr>
-          <p:cNvSpPr/>
-          <p:nvPr/>
-        </p:nvSpPr>
-        <p:spPr>
-          <a:xfrm>
-            <a:off x="1420590" y="960655"/>
-            <a:ext cx="691700" cy="61554"/>
-          </a:xfrm>
-          <a:prstGeom prst="rect">
-            <a:avLst/>
-          </a:prstGeom>
-        </p:spPr>
-        <p:style>
-          <a:lnRef idx="2">
-            <a:schemeClr val="accent3">
-              <a:shade val="15000"/>
-            </a:schemeClr>
-          </a:lnRef>
-          <a:fillRef idx="1">
-            <a:schemeClr val="accent3"/>
-          </a:fillRef>
-          <a:effectRef idx="0">
-            <a:schemeClr val="accent3"/>
-          </a:effectRef>
-          <a:fontRef idx="minor">
-            <a:schemeClr val="lt1"/>
-          </a:fontRef>
-        </p:style>
-        <p:txBody>
-          <a:bodyPr rtlCol="0" anchor="ctr"/>
-          <a:lstStyle/>
-          <a:p>
-            <a:pPr algn="ctr"/>
-            <a:endParaRPr lang="ko-KR" altLang="en-US"/>
-          </a:p>
-        </p:txBody>
-      </p:sp>
-      <p:sp>
-        <p:nvSpPr>
           <p:cNvPr id="50" name="직사각형 49">
             <a:extLst>
               <a:ext uri="{FF2B5EF4-FFF2-40B4-BE49-F238E27FC236}">
@@ -12024,8 +11840,8 @@
           <p:nvPr/>
         </p:nvSpPr>
         <p:spPr>
-          <a:xfrm rot="10800000">
-            <a:off x="1905225" y="957959"/>
+          <a:xfrm rot="5400000">
+            <a:off x="1905423" y="995939"/>
             <a:ext cx="90000" cy="162000"/>
           </a:xfrm>
           <a:prstGeom prst="rect">
@@ -12059,52 +11875,6 @@
       </p:sp>
       <p:sp>
         <p:nvSpPr>
-          <p:cNvPr id="43" name="직사각형 42">
-            <a:extLst>
-              <a:ext uri="{FF2B5EF4-FFF2-40B4-BE49-F238E27FC236}">
-                <a16:creationId xmlns:a16="http://schemas.microsoft.com/office/drawing/2014/main" id="{451784D1-0154-43E8-074D-E9DA706318E6}"/>
-              </a:ext>
-            </a:extLst>
-          </p:cNvPr>
-          <p:cNvSpPr/>
-          <p:nvPr/>
-        </p:nvSpPr>
-        <p:spPr>
-          <a:xfrm>
-            <a:off x="2955524" y="962153"/>
-            <a:ext cx="848618" cy="61554"/>
-          </a:xfrm>
-          <a:prstGeom prst="rect">
-            <a:avLst/>
-          </a:prstGeom>
-        </p:spPr>
-        <p:style>
-          <a:lnRef idx="2">
-            <a:schemeClr val="accent3">
-              <a:shade val="15000"/>
-            </a:schemeClr>
-          </a:lnRef>
-          <a:fillRef idx="1">
-            <a:schemeClr val="accent3"/>
-          </a:fillRef>
-          <a:effectRef idx="0">
-            <a:schemeClr val="accent3"/>
-          </a:effectRef>
-          <a:fontRef idx="minor">
-            <a:schemeClr val="lt1"/>
-          </a:fontRef>
-        </p:style>
-        <p:txBody>
-          <a:bodyPr rtlCol="0" anchor="ctr"/>
-          <a:lstStyle/>
-          <a:p>
-            <a:pPr algn="ctr"/>
-            <a:endParaRPr lang="ko-KR" altLang="en-US"/>
-          </a:p>
-        </p:txBody>
-      </p:sp>
-      <p:sp>
-        <p:nvSpPr>
           <p:cNvPr id="63" name="직사각형 62">
             <a:extLst>
               <a:ext uri="{FF2B5EF4-FFF2-40B4-BE49-F238E27FC236}">
@@ -12116,8 +11886,8 @@
           <p:nvPr/>
         </p:nvSpPr>
         <p:spPr>
-          <a:xfrm rot="10800000">
-            <a:off x="3664954" y="960170"/>
+          <a:xfrm rot="5400000">
+            <a:off x="3660684" y="990307"/>
             <a:ext cx="90000" cy="162000"/>
           </a:xfrm>
           <a:prstGeom prst="rect">
@@ -12202,52 +11972,6 @@
       </p:sp>
       <p:sp>
         <p:nvSpPr>
-          <p:cNvPr id="46" name="직사각형 45">
-            <a:extLst>
-              <a:ext uri="{FF2B5EF4-FFF2-40B4-BE49-F238E27FC236}">
-                <a16:creationId xmlns:a16="http://schemas.microsoft.com/office/drawing/2014/main" id="{C15C98DB-5853-CFB1-8FF0-E5B98EF64EDB}"/>
-              </a:ext>
-            </a:extLst>
-          </p:cNvPr>
-          <p:cNvSpPr/>
-          <p:nvPr/>
-        </p:nvSpPr>
-        <p:spPr>
-          <a:xfrm>
-            <a:off x="2183936" y="962744"/>
-            <a:ext cx="691700" cy="61554"/>
-          </a:xfrm>
-          <a:prstGeom prst="rect">
-            <a:avLst/>
-          </a:prstGeom>
-        </p:spPr>
-        <p:style>
-          <a:lnRef idx="2">
-            <a:schemeClr val="accent3">
-              <a:shade val="15000"/>
-            </a:schemeClr>
-          </a:lnRef>
-          <a:fillRef idx="1">
-            <a:schemeClr val="accent3"/>
-          </a:fillRef>
-          <a:effectRef idx="0">
-            <a:schemeClr val="accent3"/>
-          </a:effectRef>
-          <a:fontRef idx="minor">
-            <a:schemeClr val="lt1"/>
-          </a:fontRef>
-        </p:style>
-        <p:txBody>
-          <a:bodyPr rtlCol="0" anchor="ctr"/>
-          <a:lstStyle/>
-          <a:p>
-            <a:pPr algn="ctr"/>
-            <a:endParaRPr lang="ko-KR" altLang="en-US"/>
-          </a:p>
-        </p:txBody>
-      </p:sp>
-      <p:sp>
-        <p:nvSpPr>
           <p:cNvPr id="48" name="직사각형 47">
             <a:extLst>
               <a:ext uri="{FF2B5EF4-FFF2-40B4-BE49-F238E27FC236}">
@@ -12305,8 +12029,8 @@
           <p:nvPr/>
         </p:nvSpPr>
         <p:spPr>
-          <a:xfrm rot="10800000">
-            <a:off x="2649786" y="957959"/>
+          <a:xfrm rot="5400000">
+            <a:off x="2657868" y="994433"/>
             <a:ext cx="90000" cy="162000"/>
           </a:xfrm>
           <a:prstGeom prst="rect">
@@ -12352,8 +12076,8 @@
         </p:nvSpPr>
         <p:spPr>
           <a:xfrm>
-            <a:off x="306453" y="887383"/>
-            <a:ext cx="1872000" cy="61554"/>
+            <a:off x="248785" y="252221"/>
+            <a:ext cx="1080000" cy="61554"/>
           </a:xfrm>
           <a:prstGeom prst="rect">
             <a:avLst/>
@@ -12375,6 +12099,199 @@
           </a:fillRef>
           <a:effectRef idx="0">
             <a:schemeClr val="accent3"/>
+          </a:effectRef>
+          <a:fontRef idx="minor">
+            <a:schemeClr val="lt1"/>
+          </a:fontRef>
+        </p:style>
+        <p:txBody>
+          <a:bodyPr rtlCol="0" anchor="ctr"/>
+          <a:lstStyle/>
+          <a:p>
+            <a:pPr algn="ctr"/>
+            <a:endParaRPr lang="ko-KR" altLang="en-US" dirty="0"/>
+          </a:p>
+        </p:txBody>
+      </p:sp>
+      <p:sp>
+        <p:nvSpPr>
+          <p:cNvPr id="4" name="직사각형 3">
+            <a:extLst>
+              <a:ext uri="{FF2B5EF4-FFF2-40B4-BE49-F238E27FC236}">
+                <a16:creationId xmlns:a16="http://schemas.microsoft.com/office/drawing/2014/main" id="{3D06DD35-4B3A-2FC1-05EC-94E635D7E495}"/>
+              </a:ext>
+            </a:extLst>
+          </p:cNvPr>
+          <p:cNvSpPr/>
+          <p:nvPr/>
+        </p:nvSpPr>
+        <p:spPr>
+          <a:xfrm>
+            <a:off x="762131" y="1377841"/>
+            <a:ext cx="72000" cy="432000"/>
+          </a:xfrm>
+          <a:prstGeom prst="rect">
+            <a:avLst/>
+          </a:prstGeom>
+          <a:solidFill>
+            <a:srgbClr val="203864"/>
+          </a:solidFill>
+        </p:spPr>
+        <p:style>
+          <a:lnRef idx="2">
+            <a:schemeClr val="accent3">
+              <a:shade val="15000"/>
+            </a:schemeClr>
+          </a:lnRef>
+          <a:fillRef idx="1">
+            <a:schemeClr val="accent3"/>
+          </a:fillRef>
+          <a:effectRef idx="0">
+            <a:schemeClr val="accent3"/>
+          </a:effectRef>
+          <a:fontRef idx="minor">
+            <a:schemeClr val="lt1"/>
+          </a:fontRef>
+        </p:style>
+        <p:txBody>
+          <a:bodyPr rtlCol="0" anchor="ctr"/>
+          <a:lstStyle/>
+          <a:p>
+            <a:pPr algn="ctr"/>
+            <a:endParaRPr lang="ko-KR" altLang="en-US" dirty="0"/>
+          </a:p>
+        </p:txBody>
+      </p:sp>
+      <p:sp>
+        <p:nvSpPr>
+          <p:cNvPr id="6" name="직사각형 5">
+            <a:extLst>
+              <a:ext uri="{FF2B5EF4-FFF2-40B4-BE49-F238E27FC236}">
+                <a16:creationId xmlns:a16="http://schemas.microsoft.com/office/drawing/2014/main" id="{8CA06BD0-0644-AA55-9EDF-101B27ECABFE}"/>
+              </a:ext>
+            </a:extLst>
+          </p:cNvPr>
+          <p:cNvSpPr/>
+          <p:nvPr/>
+        </p:nvSpPr>
+        <p:spPr>
+          <a:xfrm>
+            <a:off x="1544847" y="526060"/>
+            <a:ext cx="161959" cy="162000"/>
+          </a:xfrm>
+          <a:prstGeom prst="rect">
+            <a:avLst/>
+          </a:prstGeom>
+          <a:solidFill>
+            <a:srgbClr val="C00000"/>
+          </a:solidFill>
+        </p:spPr>
+        <p:style>
+          <a:lnRef idx="2">
+            <a:schemeClr val="accent1">
+              <a:shade val="15000"/>
+            </a:schemeClr>
+          </a:lnRef>
+          <a:fillRef idx="1">
+            <a:schemeClr val="accent1"/>
+          </a:fillRef>
+          <a:effectRef idx="0">
+            <a:schemeClr val="accent1"/>
+          </a:effectRef>
+          <a:fontRef idx="minor">
+            <a:schemeClr val="lt1"/>
+          </a:fontRef>
+        </p:style>
+        <p:txBody>
+          <a:bodyPr rtlCol="0" anchor="ctr"/>
+          <a:lstStyle/>
+          <a:p>
+            <a:pPr algn="ctr"/>
+            <a:endParaRPr lang="ko-KR" altLang="en-US" dirty="0"/>
+          </a:p>
+        </p:txBody>
+      </p:sp>
+      <p:sp>
+        <p:nvSpPr>
+          <p:cNvPr id="20" name="직사각형 19">
+            <a:extLst>
+              <a:ext uri="{FF2B5EF4-FFF2-40B4-BE49-F238E27FC236}">
+                <a16:creationId xmlns:a16="http://schemas.microsoft.com/office/drawing/2014/main" id="{5CDFCA9D-CEC7-B342-9338-F941967EF005}"/>
+              </a:ext>
+            </a:extLst>
+          </p:cNvPr>
+          <p:cNvSpPr/>
+          <p:nvPr/>
+        </p:nvSpPr>
+        <p:spPr>
+          <a:xfrm>
+            <a:off x="3080257" y="538916"/>
+            <a:ext cx="161959" cy="162000"/>
+          </a:xfrm>
+          <a:prstGeom prst="rect">
+            <a:avLst/>
+          </a:prstGeom>
+          <a:solidFill>
+            <a:srgbClr val="C00000"/>
+          </a:solidFill>
+        </p:spPr>
+        <p:style>
+          <a:lnRef idx="2">
+            <a:schemeClr val="accent1">
+              <a:shade val="15000"/>
+            </a:schemeClr>
+          </a:lnRef>
+          <a:fillRef idx="1">
+            <a:schemeClr val="accent1"/>
+          </a:fillRef>
+          <a:effectRef idx="0">
+            <a:schemeClr val="accent1"/>
+          </a:effectRef>
+          <a:fontRef idx="minor">
+            <a:schemeClr val="lt1"/>
+          </a:fontRef>
+        </p:style>
+        <p:txBody>
+          <a:bodyPr rtlCol="0" anchor="ctr"/>
+          <a:lstStyle/>
+          <a:p>
+            <a:pPr algn="ctr"/>
+            <a:endParaRPr lang="ko-KR" altLang="en-US" dirty="0"/>
+          </a:p>
+        </p:txBody>
+      </p:sp>
+      <p:sp>
+        <p:nvSpPr>
+          <p:cNvPr id="26" name="직사각형 25">
+            <a:extLst>
+              <a:ext uri="{FF2B5EF4-FFF2-40B4-BE49-F238E27FC236}">
+                <a16:creationId xmlns:a16="http://schemas.microsoft.com/office/drawing/2014/main" id="{9ED15C8A-B72D-9BA3-7BD8-D25E0EB42375}"/>
+              </a:ext>
+            </a:extLst>
+          </p:cNvPr>
+          <p:cNvSpPr/>
+          <p:nvPr/>
+        </p:nvSpPr>
+        <p:spPr>
+          <a:xfrm rot="5400000">
+            <a:off x="3964174" y="1329541"/>
+            <a:ext cx="90000" cy="162000"/>
+          </a:xfrm>
+          <a:prstGeom prst="rect">
+            <a:avLst/>
+          </a:prstGeom>
+        </p:spPr>
+        <p:style>
+          <a:lnRef idx="2">
+            <a:schemeClr val="dk1">
+              <a:shade val="15000"/>
+            </a:schemeClr>
+          </a:lnRef>
+          <a:fillRef idx="1">
+            <a:schemeClr val="dk1"/>
+          </a:fillRef>
+          <a:effectRef idx="0">
+            <a:schemeClr val="dk1"/>
           </a:effectRef>
           <a:fontRef idx="minor">
             <a:schemeClr val="lt1"/>

--- a/주간업무보고서/주간 업무 참고 자료/2주차 자료/반도체 제조 공정 전체 구성도.pptx
+++ b/주간업무보고서/주간 업무 참고 자료/2주차 자료/반도체 제조 공정 전체 구성도.pptx
@@ -246,7 +246,7 @@
           <a:p>
             <a:fld id="{7B7F6EB5-34DB-4516-8904-57937E4D5C05}" type="datetimeFigureOut">
               <a:rPr lang="ko-KR" altLang="en-US" smtClean="0"/>
-              <a:t>2023-12-16</a:t>
+              <a:t>2023-12-18</a:t>
             </a:fld>
             <a:endParaRPr lang="ko-KR" altLang="en-US"/>
           </a:p>
@@ -416,7 +416,7 @@
           <a:p>
             <a:fld id="{7B7F6EB5-34DB-4516-8904-57937E4D5C05}" type="datetimeFigureOut">
               <a:rPr lang="ko-KR" altLang="en-US" smtClean="0"/>
-              <a:t>2023-12-16</a:t>
+              <a:t>2023-12-18</a:t>
             </a:fld>
             <a:endParaRPr lang="ko-KR" altLang="en-US"/>
           </a:p>
@@ -596,7 +596,7 @@
           <a:p>
             <a:fld id="{7B7F6EB5-34DB-4516-8904-57937E4D5C05}" type="datetimeFigureOut">
               <a:rPr lang="ko-KR" altLang="en-US" smtClean="0"/>
-              <a:t>2023-12-16</a:t>
+              <a:t>2023-12-18</a:t>
             </a:fld>
             <a:endParaRPr lang="ko-KR" altLang="en-US"/>
           </a:p>
@@ -766,7 +766,7 @@
           <a:p>
             <a:fld id="{7B7F6EB5-34DB-4516-8904-57937E4D5C05}" type="datetimeFigureOut">
               <a:rPr lang="ko-KR" altLang="en-US" smtClean="0"/>
-              <a:t>2023-12-16</a:t>
+              <a:t>2023-12-18</a:t>
             </a:fld>
             <a:endParaRPr lang="ko-KR" altLang="en-US"/>
           </a:p>
@@ -1012,7 +1012,7 @@
           <a:p>
             <a:fld id="{7B7F6EB5-34DB-4516-8904-57937E4D5C05}" type="datetimeFigureOut">
               <a:rPr lang="ko-KR" altLang="en-US" smtClean="0"/>
-              <a:t>2023-12-16</a:t>
+              <a:t>2023-12-18</a:t>
             </a:fld>
             <a:endParaRPr lang="ko-KR" altLang="en-US"/>
           </a:p>
@@ -1244,7 +1244,7 @@
           <a:p>
             <a:fld id="{7B7F6EB5-34DB-4516-8904-57937E4D5C05}" type="datetimeFigureOut">
               <a:rPr lang="ko-KR" altLang="en-US" smtClean="0"/>
-              <a:t>2023-12-16</a:t>
+              <a:t>2023-12-18</a:t>
             </a:fld>
             <a:endParaRPr lang="ko-KR" altLang="en-US"/>
           </a:p>
@@ -1611,7 +1611,7 @@
           <a:p>
             <a:fld id="{7B7F6EB5-34DB-4516-8904-57937E4D5C05}" type="datetimeFigureOut">
               <a:rPr lang="ko-KR" altLang="en-US" smtClean="0"/>
-              <a:t>2023-12-16</a:t>
+              <a:t>2023-12-18</a:t>
             </a:fld>
             <a:endParaRPr lang="ko-KR" altLang="en-US"/>
           </a:p>
@@ -1729,7 +1729,7 @@
           <a:p>
             <a:fld id="{7B7F6EB5-34DB-4516-8904-57937E4D5C05}" type="datetimeFigureOut">
               <a:rPr lang="ko-KR" altLang="en-US" smtClean="0"/>
-              <a:t>2023-12-16</a:t>
+              <a:t>2023-12-18</a:t>
             </a:fld>
             <a:endParaRPr lang="ko-KR" altLang="en-US"/>
           </a:p>
@@ -1824,7 +1824,7 @@
           <a:p>
             <a:fld id="{7B7F6EB5-34DB-4516-8904-57937E4D5C05}" type="datetimeFigureOut">
               <a:rPr lang="ko-KR" altLang="en-US" smtClean="0"/>
-              <a:t>2023-12-16</a:t>
+              <a:t>2023-12-18</a:t>
             </a:fld>
             <a:endParaRPr lang="ko-KR" altLang="en-US"/>
           </a:p>
@@ -2101,7 +2101,7 @@
           <a:p>
             <a:fld id="{7B7F6EB5-34DB-4516-8904-57937E4D5C05}" type="datetimeFigureOut">
               <a:rPr lang="ko-KR" altLang="en-US" smtClean="0"/>
-              <a:t>2023-12-16</a:t>
+              <a:t>2023-12-18</a:t>
             </a:fld>
             <a:endParaRPr lang="ko-KR" altLang="en-US"/>
           </a:p>
@@ -2358,7 +2358,7 @@
           <a:p>
             <a:fld id="{7B7F6EB5-34DB-4516-8904-57937E4D5C05}" type="datetimeFigureOut">
               <a:rPr lang="ko-KR" altLang="en-US" smtClean="0"/>
-              <a:t>2023-12-16</a:t>
+              <a:t>2023-12-18</a:t>
             </a:fld>
             <a:endParaRPr lang="ko-KR" altLang="en-US"/>
           </a:p>
@@ -2571,7 +2571,7 @@
           <a:p>
             <a:fld id="{7B7F6EB5-34DB-4516-8904-57937E4D5C05}" type="datetimeFigureOut">
               <a:rPr lang="ko-KR" altLang="en-US" smtClean="0"/>
-              <a:t>2023-12-16</a:t>
+              <a:t>2023-12-18</a:t>
             </a:fld>
             <a:endParaRPr lang="ko-KR" altLang="en-US"/>
           </a:p>
@@ -4303,14 +4303,12 @@
           </p:cNvPr>
           <p:cNvCxnSpPr>
             <a:cxnSpLocks/>
-            <a:stCxn id="4" idx="1"/>
-            <a:endCxn id="34" idx="0"/>
           </p:cNvCxnSpPr>
           <p:nvPr/>
         </p:nvCxnSpPr>
         <p:spPr>
           <a:xfrm rot="10800000" flipV="1">
-            <a:off x="1767521" y="566914"/>
+            <a:off x="1767263" y="573314"/>
             <a:ext cx="75171" cy="457715"/>
           </a:xfrm>
           <a:prstGeom prst="bentConnector2">
@@ -10063,7 +10061,8 @@
           </a:prstGeom>
           <a:solidFill>
             <a:schemeClr val="accent2">
-              <a:lumMod val="50000"/>
+              <a:lumMod val="40000"/>
+              <a:lumOff val="60000"/>
             </a:schemeClr>
           </a:solidFill>
         </p:spPr>
@@ -10152,12 +10151,17 @@
         </p:nvSpPr>
         <p:spPr>
           <a:xfrm rot="10800000">
-            <a:off x="386461" y="1363543"/>
-            <a:ext cx="120685" cy="206899"/>
+            <a:off x="333763" y="1363543"/>
+            <a:ext cx="146405" cy="206899"/>
           </a:xfrm>
           <a:prstGeom prst="can">
             <a:avLst/>
           </a:prstGeom>
+          <a:solidFill>
+            <a:schemeClr val="bg1">
+              <a:lumMod val="95000"/>
+            </a:schemeClr>
+          </a:solidFill>
         </p:spPr>
         <p:style>
           <a:lnRef idx="2">
@@ -10426,7 +10430,7 @@
         </p:nvSpPr>
         <p:spPr>
           <a:xfrm>
-            <a:off x="4194704" y="1123567"/>
+            <a:off x="4194704" y="1127044"/>
             <a:ext cx="252000" cy="252000"/>
           </a:xfrm>
           <a:prstGeom prst="rect">
@@ -11078,86 +11082,6 @@
           <a:p>
             <a:pPr algn="ctr"/>
             <a:endParaRPr lang="ko-KR" altLang="en-US"/>
-          </a:p>
-        </p:txBody>
-      </p:sp>
-      <p:sp>
-        <p:nvSpPr>
-          <p:cNvPr id="80" name="오른쪽 중괄호 79">
-            <a:extLst>
-              <a:ext uri="{FF2B5EF4-FFF2-40B4-BE49-F238E27FC236}">
-                <a16:creationId xmlns:a16="http://schemas.microsoft.com/office/drawing/2014/main" id="{7A9067DD-C5C7-4D40-0A80-06856556E570}"/>
-              </a:ext>
-            </a:extLst>
-          </p:cNvPr>
-          <p:cNvSpPr/>
-          <p:nvPr/>
-        </p:nvSpPr>
-        <p:spPr>
-          <a:xfrm rot="16200000">
-            <a:off x="1498422" y="760651"/>
-            <a:ext cx="108000" cy="432000"/>
-          </a:xfrm>
-          <a:prstGeom prst="rightBrace">
-            <a:avLst/>
-          </a:prstGeom>
-        </p:spPr>
-        <p:style>
-          <a:lnRef idx="1">
-            <a:schemeClr val="accent1"/>
-          </a:lnRef>
-          <a:fillRef idx="0">
-            <a:schemeClr val="accent1"/>
-          </a:fillRef>
-          <a:effectRef idx="0">
-            <a:schemeClr val="accent1"/>
-          </a:effectRef>
-          <a:fontRef idx="minor">
-            <a:schemeClr val="tx1"/>
-          </a:fontRef>
-        </p:style>
-        <p:txBody>
-          <a:bodyPr rtlCol="0" anchor="ctr"/>
-          <a:lstStyle/>
-          <a:p>
-            <a:pPr algn="ctr"/>
-            <a:endParaRPr lang="ko-KR" altLang="en-US"/>
-          </a:p>
-        </p:txBody>
-      </p:sp>
-      <p:sp>
-        <p:nvSpPr>
-          <p:cNvPr id="81" name="TextBox 80">
-            <a:extLst>
-              <a:ext uri="{FF2B5EF4-FFF2-40B4-BE49-F238E27FC236}">
-                <a16:creationId xmlns:a16="http://schemas.microsoft.com/office/drawing/2014/main" id="{B899AE98-BF7C-9397-036C-FB09FDAD413B}"/>
-              </a:ext>
-            </a:extLst>
-          </p:cNvPr>
-          <p:cNvSpPr txBox="1"/>
-          <p:nvPr/>
-        </p:nvSpPr>
-        <p:spPr>
-          <a:xfrm>
-            <a:off x="1382138" y="782927"/>
-            <a:ext cx="438218" cy="184666"/>
-          </a:xfrm>
-          <a:prstGeom prst="rect">
-            <a:avLst/>
-          </a:prstGeom>
-          <a:noFill/>
-        </p:spPr>
-        <p:txBody>
-          <a:bodyPr wrap="square" rtlCol="0">
-            <a:spAutoFit/>
-          </a:bodyPr>
-          <a:lstStyle/>
-          <a:p>
-            <a:r>
-              <a:rPr lang="en-US" altLang="ko-KR" sz="600" dirty="0"/>
-              <a:t>12cm</a:t>
-            </a:r>
-            <a:endParaRPr lang="ko-KR" altLang="en-US" sz="600" dirty="0"/>
           </a:p>
         </p:txBody>
       </p:sp>
@@ -11476,7 +11400,8 @@
           </a:prstGeom>
           <a:solidFill>
             <a:schemeClr val="accent2">
-              <a:lumMod val="50000"/>
+              <a:lumMod val="40000"/>
+              <a:lumOff val="60000"/>
             </a:schemeClr>
           </a:solidFill>
         </p:spPr>
@@ -11941,7 +11866,8 @@
           </a:prstGeom>
           <a:solidFill>
             <a:schemeClr val="accent2">
-              <a:lumMod val="50000"/>
+              <a:lumMod val="40000"/>
+              <a:lumOff val="60000"/>
             </a:schemeClr>
           </a:solidFill>
         </p:spPr>
@@ -12064,106 +11990,6 @@
       </p:sp>
       <p:sp>
         <p:nvSpPr>
-          <p:cNvPr id="49" name="직사각형 48">
-            <a:extLst>
-              <a:ext uri="{FF2B5EF4-FFF2-40B4-BE49-F238E27FC236}">
-                <a16:creationId xmlns:a16="http://schemas.microsoft.com/office/drawing/2014/main" id="{6137783C-67E8-03FC-C7C2-C8746C3E1A29}"/>
-              </a:ext>
-            </a:extLst>
-          </p:cNvPr>
-          <p:cNvSpPr/>
-          <p:nvPr/>
-        </p:nvSpPr>
-        <p:spPr>
-          <a:xfrm>
-            <a:off x="248785" y="252221"/>
-            <a:ext cx="1080000" cy="61554"/>
-          </a:xfrm>
-          <a:prstGeom prst="rect">
-            <a:avLst/>
-          </a:prstGeom>
-          <a:solidFill>
-            <a:schemeClr val="accent1">
-              <a:lumMod val="50000"/>
-            </a:schemeClr>
-          </a:solidFill>
-        </p:spPr>
-        <p:style>
-          <a:lnRef idx="2">
-            <a:schemeClr val="accent3">
-              <a:shade val="15000"/>
-            </a:schemeClr>
-          </a:lnRef>
-          <a:fillRef idx="1">
-            <a:schemeClr val="accent3"/>
-          </a:fillRef>
-          <a:effectRef idx="0">
-            <a:schemeClr val="accent3"/>
-          </a:effectRef>
-          <a:fontRef idx="minor">
-            <a:schemeClr val="lt1"/>
-          </a:fontRef>
-        </p:style>
-        <p:txBody>
-          <a:bodyPr rtlCol="0" anchor="ctr"/>
-          <a:lstStyle/>
-          <a:p>
-            <a:pPr algn="ctr"/>
-            <a:endParaRPr lang="ko-KR" altLang="en-US" dirty="0"/>
-          </a:p>
-        </p:txBody>
-      </p:sp>
-      <p:sp>
-        <p:nvSpPr>
-          <p:cNvPr id="4" name="직사각형 3">
-            <a:extLst>
-              <a:ext uri="{FF2B5EF4-FFF2-40B4-BE49-F238E27FC236}">
-                <a16:creationId xmlns:a16="http://schemas.microsoft.com/office/drawing/2014/main" id="{3D06DD35-4B3A-2FC1-05EC-94E635D7E495}"/>
-              </a:ext>
-            </a:extLst>
-          </p:cNvPr>
-          <p:cNvSpPr/>
-          <p:nvPr/>
-        </p:nvSpPr>
-        <p:spPr>
-          <a:xfrm>
-            <a:off x="762131" y="1377841"/>
-            <a:ext cx="72000" cy="432000"/>
-          </a:xfrm>
-          <a:prstGeom prst="rect">
-            <a:avLst/>
-          </a:prstGeom>
-          <a:solidFill>
-            <a:srgbClr val="203864"/>
-          </a:solidFill>
-        </p:spPr>
-        <p:style>
-          <a:lnRef idx="2">
-            <a:schemeClr val="accent3">
-              <a:shade val="15000"/>
-            </a:schemeClr>
-          </a:lnRef>
-          <a:fillRef idx="1">
-            <a:schemeClr val="accent3"/>
-          </a:fillRef>
-          <a:effectRef idx="0">
-            <a:schemeClr val="accent3"/>
-          </a:effectRef>
-          <a:fontRef idx="minor">
-            <a:schemeClr val="lt1"/>
-          </a:fontRef>
-        </p:style>
-        <p:txBody>
-          <a:bodyPr rtlCol="0" anchor="ctr"/>
-          <a:lstStyle/>
-          <a:p>
-            <a:pPr algn="ctr"/>
-            <a:endParaRPr lang="ko-KR" altLang="en-US" dirty="0"/>
-          </a:p>
-        </p:txBody>
-      </p:sp>
-      <p:sp>
-        <p:nvSpPr>
           <p:cNvPr id="6" name="직사각형 5">
             <a:extLst>
               <a:ext uri="{FF2B5EF4-FFF2-40B4-BE49-F238E27FC236}">
@@ -12303,6 +12129,349 @@
           <a:p>
             <a:pPr algn="ctr"/>
             <a:endParaRPr lang="ko-KR" altLang="en-US" dirty="0"/>
+          </a:p>
+        </p:txBody>
+      </p:sp>
+      <p:sp>
+        <p:nvSpPr>
+          <p:cNvPr id="9" name="TextBox 8">
+            <a:extLst>
+              <a:ext uri="{FF2B5EF4-FFF2-40B4-BE49-F238E27FC236}">
+                <a16:creationId xmlns:a16="http://schemas.microsoft.com/office/drawing/2014/main" id="{038CFB18-DE48-D3A7-8A2E-CEFF9F5D340E}"/>
+              </a:ext>
+            </a:extLst>
+          </p:cNvPr>
+          <p:cNvSpPr txBox="1"/>
+          <p:nvPr/>
+        </p:nvSpPr>
+        <p:spPr>
+          <a:xfrm>
+            <a:off x="4264064" y="75466"/>
+            <a:ext cx="896080" cy="200055"/>
+          </a:xfrm>
+          <a:prstGeom prst="rect">
+            <a:avLst/>
+          </a:prstGeom>
+          <a:noFill/>
+        </p:spPr>
+        <p:txBody>
+          <a:bodyPr wrap="square" rtlCol="0">
+            <a:spAutoFit/>
+          </a:bodyPr>
+          <a:lstStyle/>
+          <a:p>
+            <a:r>
+              <a:rPr lang="en-US" altLang="ko-KR" sz="700" dirty="0"/>
+              <a:t>6</a:t>
+            </a:r>
+            <a:r>
+              <a:rPr lang="ko-KR" altLang="en-US" sz="700" dirty="0"/>
+              <a:t>구 콘센트 전원</a:t>
+            </a:r>
+            <a:endParaRPr lang="en-US" altLang="ko-KR" sz="700" dirty="0"/>
+          </a:p>
+        </p:txBody>
+      </p:sp>
+      <p:sp>
+        <p:nvSpPr>
+          <p:cNvPr id="10" name="TextBox 9">
+            <a:extLst>
+              <a:ext uri="{FF2B5EF4-FFF2-40B4-BE49-F238E27FC236}">
+                <a16:creationId xmlns:a16="http://schemas.microsoft.com/office/drawing/2014/main" id="{3FA56860-3482-B13E-3C9E-A147C5828C19}"/>
+              </a:ext>
+            </a:extLst>
+          </p:cNvPr>
+          <p:cNvSpPr txBox="1"/>
+          <p:nvPr/>
+        </p:nvSpPr>
+        <p:spPr>
+          <a:xfrm>
+            <a:off x="1468483" y="399437"/>
+            <a:ext cx="568142" cy="153888"/>
+          </a:xfrm>
+          <a:prstGeom prst="rect">
+            <a:avLst/>
+          </a:prstGeom>
+          <a:noFill/>
+        </p:spPr>
+        <p:txBody>
+          <a:bodyPr wrap="square" rtlCol="0">
+            <a:spAutoFit/>
+          </a:bodyPr>
+          <a:lstStyle/>
+          <a:p>
+            <a:r>
+              <a:rPr lang="ko-KR" altLang="en-US" sz="400" b="1" dirty="0"/>
+              <a:t>모터드라이버</a:t>
+            </a:r>
+            <a:endParaRPr lang="en-US" altLang="ko-KR" sz="400" b="1" dirty="0"/>
+          </a:p>
+        </p:txBody>
+      </p:sp>
+      <p:sp>
+        <p:nvSpPr>
+          <p:cNvPr id="30" name="TextBox 29">
+            <a:extLst>
+              <a:ext uri="{FF2B5EF4-FFF2-40B4-BE49-F238E27FC236}">
+                <a16:creationId xmlns:a16="http://schemas.microsoft.com/office/drawing/2014/main" id="{1A250F3C-2128-893E-C993-6A17ABC8E64D}"/>
+              </a:ext>
+            </a:extLst>
+          </p:cNvPr>
+          <p:cNvSpPr txBox="1"/>
+          <p:nvPr/>
+        </p:nvSpPr>
+        <p:spPr>
+          <a:xfrm>
+            <a:off x="1107776" y="501638"/>
+            <a:ext cx="568142" cy="246221"/>
+          </a:xfrm>
+          <a:prstGeom prst="rect">
+            <a:avLst/>
+          </a:prstGeom>
+          <a:noFill/>
+        </p:spPr>
+        <p:txBody>
+          <a:bodyPr wrap="square" rtlCol="0">
+            <a:spAutoFit/>
+          </a:bodyPr>
+          <a:lstStyle/>
+          <a:p>
+            <a:pPr algn="ctr"/>
+            <a:r>
+              <a:rPr lang="ko-KR" altLang="en-US" sz="400" b="1" dirty="0" err="1"/>
+              <a:t>라즈베리파이</a:t>
+            </a:r>
+            <a:endParaRPr lang="en-US" altLang="ko-KR" sz="400" b="1" dirty="0"/>
+          </a:p>
+          <a:p>
+            <a:pPr algn="ctr"/>
+            <a:r>
+              <a:rPr lang="en-US" altLang="ko-KR" sz="600" b="1" dirty="0"/>
+              <a:t>4B</a:t>
+            </a:r>
+          </a:p>
+        </p:txBody>
+      </p:sp>
+      <p:sp>
+        <p:nvSpPr>
+          <p:cNvPr id="34" name="TextBox 33">
+            <a:extLst>
+              <a:ext uri="{FF2B5EF4-FFF2-40B4-BE49-F238E27FC236}">
+                <a16:creationId xmlns:a16="http://schemas.microsoft.com/office/drawing/2014/main" id="{659A8829-9218-8B18-0A4B-CA5E15694F4F}"/>
+              </a:ext>
+            </a:extLst>
+          </p:cNvPr>
+          <p:cNvSpPr txBox="1"/>
+          <p:nvPr/>
+        </p:nvSpPr>
+        <p:spPr>
+          <a:xfrm>
+            <a:off x="1168418" y="709340"/>
+            <a:ext cx="464262" cy="153888"/>
+          </a:xfrm>
+          <a:prstGeom prst="rect">
+            <a:avLst/>
+          </a:prstGeom>
+          <a:noFill/>
+        </p:spPr>
+        <p:txBody>
+          <a:bodyPr wrap="square" rtlCol="0">
+            <a:spAutoFit/>
+          </a:bodyPr>
+          <a:lstStyle/>
+          <a:p>
+            <a:r>
+              <a:rPr lang="ko-KR" altLang="en-US" sz="400" b="1" dirty="0" err="1"/>
+              <a:t>브레드보드</a:t>
+            </a:r>
+            <a:endParaRPr lang="en-US" altLang="ko-KR" sz="400" b="1" dirty="0"/>
+          </a:p>
+        </p:txBody>
+      </p:sp>
+      <p:sp>
+        <p:nvSpPr>
+          <p:cNvPr id="42" name="TextBox 41">
+            <a:extLst>
+              <a:ext uri="{FF2B5EF4-FFF2-40B4-BE49-F238E27FC236}">
+                <a16:creationId xmlns:a16="http://schemas.microsoft.com/office/drawing/2014/main" id="{2A7D1636-88DF-CC41-5DAA-5DEA95E70840}"/>
+              </a:ext>
+            </a:extLst>
+          </p:cNvPr>
+          <p:cNvSpPr txBox="1"/>
+          <p:nvPr/>
+        </p:nvSpPr>
+        <p:spPr>
+          <a:xfrm>
+            <a:off x="812061" y="1375601"/>
+            <a:ext cx="464262" cy="246221"/>
+          </a:xfrm>
+          <a:prstGeom prst="rect">
+            <a:avLst/>
+          </a:prstGeom>
+          <a:noFill/>
+        </p:spPr>
+        <p:txBody>
+          <a:bodyPr wrap="square" rtlCol="0">
+            <a:spAutoFit/>
+          </a:bodyPr>
+          <a:lstStyle/>
+          <a:p>
+            <a:pPr algn="ctr"/>
+            <a:r>
+              <a:rPr lang="ko-KR" altLang="en-US" sz="500" b="1" dirty="0"/>
+              <a:t>분류 </a:t>
+            </a:r>
+            <a:endParaRPr lang="en-US" altLang="ko-KR" sz="500" b="1" dirty="0"/>
+          </a:p>
+          <a:p>
+            <a:pPr algn="ctr"/>
+            <a:r>
+              <a:rPr lang="ko-KR" altLang="en-US" sz="500" b="1" dirty="0"/>
+              <a:t>바구니</a:t>
+            </a:r>
+            <a:endParaRPr lang="en-US" altLang="ko-KR" sz="500" b="1" dirty="0"/>
+          </a:p>
+        </p:txBody>
+      </p:sp>
+      <p:sp>
+        <p:nvSpPr>
+          <p:cNvPr id="43" name="TextBox 42">
+            <a:extLst>
+              <a:ext uri="{FF2B5EF4-FFF2-40B4-BE49-F238E27FC236}">
+                <a16:creationId xmlns:a16="http://schemas.microsoft.com/office/drawing/2014/main" id="{5304BC35-1DE7-88E5-601B-983E6D3EB102}"/>
+              </a:ext>
+            </a:extLst>
+          </p:cNvPr>
+          <p:cNvSpPr txBox="1"/>
+          <p:nvPr/>
+        </p:nvSpPr>
+        <p:spPr>
+          <a:xfrm>
+            <a:off x="169174" y="985323"/>
+            <a:ext cx="464262" cy="184666"/>
+          </a:xfrm>
+          <a:prstGeom prst="rect">
+            <a:avLst/>
+          </a:prstGeom>
+          <a:noFill/>
+        </p:spPr>
+        <p:txBody>
+          <a:bodyPr wrap="square" rtlCol="0">
+            <a:spAutoFit/>
+          </a:bodyPr>
+          <a:lstStyle/>
+          <a:p>
+            <a:pPr algn="ctr"/>
+            <a:r>
+              <a:rPr lang="ko-KR" altLang="en-US" sz="300" b="1" dirty="0"/>
+              <a:t>적외선</a:t>
+            </a:r>
+            <a:endParaRPr lang="en-US" altLang="ko-KR" sz="300" b="1" dirty="0"/>
+          </a:p>
+          <a:p>
+            <a:pPr algn="ctr"/>
+            <a:r>
+              <a:rPr lang="ko-KR" altLang="en-US" sz="300" b="1" dirty="0"/>
+              <a:t>센서</a:t>
+            </a:r>
+            <a:endParaRPr lang="en-US" altLang="ko-KR" sz="300" b="1" dirty="0"/>
+          </a:p>
+        </p:txBody>
+      </p:sp>
+      <p:sp>
+        <p:nvSpPr>
+          <p:cNvPr id="45" name="TextBox 44">
+            <a:extLst>
+              <a:ext uri="{FF2B5EF4-FFF2-40B4-BE49-F238E27FC236}">
+                <a16:creationId xmlns:a16="http://schemas.microsoft.com/office/drawing/2014/main" id="{6ACA8E43-4B89-DD67-9E63-E4B181EE75A4}"/>
+              </a:ext>
+            </a:extLst>
+          </p:cNvPr>
+          <p:cNvSpPr txBox="1"/>
+          <p:nvPr/>
+        </p:nvSpPr>
+        <p:spPr>
+          <a:xfrm>
+            <a:off x="705290" y="1011620"/>
+            <a:ext cx="464262" cy="138499"/>
+          </a:xfrm>
+          <a:prstGeom prst="rect">
+            <a:avLst/>
+          </a:prstGeom>
+          <a:noFill/>
+        </p:spPr>
+        <p:txBody>
+          <a:bodyPr wrap="square" rtlCol="0">
+            <a:spAutoFit/>
+          </a:bodyPr>
+          <a:lstStyle/>
+          <a:p>
+            <a:pPr algn="ctr"/>
+            <a:r>
+              <a:rPr lang="ko-KR" altLang="en-US" sz="300" b="1">
+                <a:solidFill>
+                  <a:schemeClr val="bg1"/>
+                </a:solidFill>
+              </a:rPr>
+              <a:t>서보</a:t>
+            </a:r>
+            <a:r>
+              <a:rPr lang="ko-KR" altLang="en-US" sz="300" b="1" dirty="0">
+                <a:solidFill>
+                  <a:schemeClr val="bg1"/>
+                </a:solidFill>
+              </a:rPr>
+              <a:t> 모터</a:t>
+            </a:r>
+            <a:endParaRPr lang="en-US" altLang="ko-KR" sz="300" b="1" dirty="0">
+              <a:solidFill>
+                <a:schemeClr val="bg1"/>
+              </a:solidFill>
+            </a:endParaRPr>
+          </a:p>
+        </p:txBody>
+      </p:sp>
+      <p:sp>
+        <p:nvSpPr>
+          <p:cNvPr id="46" name="TextBox 45">
+            <a:extLst>
+              <a:ext uri="{FF2B5EF4-FFF2-40B4-BE49-F238E27FC236}">
+                <a16:creationId xmlns:a16="http://schemas.microsoft.com/office/drawing/2014/main" id="{93A4EA2B-551D-74A3-8F9A-258723C55462}"/>
+              </a:ext>
+            </a:extLst>
+          </p:cNvPr>
+          <p:cNvSpPr txBox="1"/>
+          <p:nvPr/>
+        </p:nvSpPr>
+        <p:spPr>
+          <a:xfrm>
+            <a:off x="173055" y="1348145"/>
+            <a:ext cx="464262" cy="215444"/>
+          </a:xfrm>
+          <a:prstGeom prst="rect">
+            <a:avLst/>
+          </a:prstGeom>
+          <a:noFill/>
+        </p:spPr>
+        <p:txBody>
+          <a:bodyPr wrap="square" rtlCol="0">
+            <a:spAutoFit/>
+          </a:bodyPr>
+          <a:lstStyle/>
+          <a:p>
+            <a:pPr algn="ctr"/>
+            <a:r>
+              <a:rPr lang="en-US" altLang="ko-KR" sz="400" b="1" dirty="0"/>
+              <a:t>DC</a:t>
+            </a:r>
+          </a:p>
+          <a:p>
+            <a:pPr algn="ctr"/>
+            <a:r>
+              <a:rPr lang="ko-KR" altLang="en-US" sz="400" b="1" dirty="0"/>
+              <a:t>모터</a:t>
+            </a:r>
+            <a:endParaRPr lang="en-US" altLang="ko-KR" sz="400" b="1" dirty="0"/>
           </a:p>
         </p:txBody>
       </p:sp>
